--- a/paper notes/slides.pptx
+++ b/paper notes/slides.pptx
@@ -5,14 +5,24 @@
     <p:sldMasterId id="2147483696" r:id="rId1"/>
   </p:sldMasterIdLst>
   <p:sldIdLst>
-    <p:sldId id="260" r:id="rId2"/>
-    <p:sldId id="256" r:id="rId3"/>
-    <p:sldId id="257" r:id="rId4"/>
-    <p:sldId id="261" r:id="rId5"/>
-    <p:sldId id="259" r:id="rId6"/>
-    <p:sldId id="263" r:id="rId7"/>
-    <p:sldId id="258" r:id="rId8"/>
-    <p:sldId id="262" r:id="rId9"/>
+    <p:sldId id="264" r:id="rId2"/>
+    <p:sldId id="270" r:id="rId3"/>
+    <p:sldId id="259" r:id="rId4"/>
+    <p:sldId id="265" r:id="rId5"/>
+    <p:sldId id="266" r:id="rId6"/>
+    <p:sldId id="267" r:id="rId7"/>
+    <p:sldId id="269" r:id="rId8"/>
+    <p:sldId id="275" r:id="rId9"/>
+    <p:sldId id="276" r:id="rId10"/>
+    <p:sldId id="278" r:id="rId11"/>
+    <p:sldId id="271" r:id="rId12"/>
+    <p:sldId id="272" r:id="rId13"/>
+    <p:sldId id="273" r:id="rId14"/>
+    <p:sldId id="274" r:id="rId15"/>
+    <p:sldId id="281" r:id="rId16"/>
+    <p:sldId id="279" r:id="rId17"/>
+    <p:sldId id="280" r:id="rId18"/>
+    <p:sldId id="277" r:id="rId19"/>
   </p:sldIdLst>
   <p:sldSz cx="12192000" cy="6858000"/>
   <p:notesSz cx="6858000" cy="9144000"/>
@@ -119,6 +129,118 @@
 </p:presentation>
 </file>
 
+<file path=ppt/ink/ink1.xml><?xml version="1.0" encoding="utf-8"?>
+<inkml:ink xmlns:inkml="http://www.w3.org/2003/InkML">
+  <inkml:definitions>
+    <inkml:context xml:id="ctx0">
+      <inkml:inkSource xml:id="inkSrc0">
+        <inkml:traceFormat>
+          <inkml:channel name="X" type="integer" min="-2.14748E9" max="2.14748E9" units="cm"/>
+          <inkml:channel name="Y" type="integer" min="-2.14748E9" max="2.14748E9" units="cm"/>
+          <inkml:channel name="F" type="integer" max="32767" units="dev"/>
+        </inkml:traceFormat>
+        <inkml:channelProperties>
+          <inkml:channelProperty channel="X" name="resolution" value="1000" units="1/cm"/>
+          <inkml:channelProperty channel="Y" name="resolution" value="1000" units="1/cm"/>
+          <inkml:channelProperty channel="F" name="resolution" value="0" units="1/dev"/>
+        </inkml:channelProperties>
+      </inkml:inkSource>
+      <inkml:timestamp xml:id="ts0" timeString="2023-09-12T13:57:16.116"/>
+    </inkml:context>
+    <inkml:brush xml:id="br0">
+      <inkml:brushProperty name="width" value="0.08571" units="cm"/>
+      <inkml:brushProperty name="height" value="0.08571" units="cm"/>
+      <inkml:brushProperty name="color" value="#849398"/>
+    </inkml:brush>
+  </inkml:definitions>
+  <inkml:trace contextRef="#ctx0" brushRef="#br0">1 18 8027,'23'-17'0</inkml:trace>
+</inkml:ink>
+</file>
+
+<file path=ppt/ink/ink2.xml><?xml version="1.0" encoding="utf-8"?>
+<inkml:ink xmlns:inkml="http://www.w3.org/2003/InkML">
+  <inkml:definitions>
+    <inkml:context xml:id="ctx0">
+      <inkml:inkSource xml:id="inkSrc0">
+        <inkml:traceFormat>
+          <inkml:channel name="X" type="integer" min="-2.14748E9" max="2.14748E9" units="cm"/>
+          <inkml:channel name="Y" type="integer" min="-2.14748E9" max="2.14748E9" units="cm"/>
+          <inkml:channel name="F" type="integer" max="32767" units="dev"/>
+        </inkml:traceFormat>
+        <inkml:channelProperties>
+          <inkml:channelProperty channel="X" name="resolution" value="1000" units="1/cm"/>
+          <inkml:channelProperty channel="Y" name="resolution" value="1000" units="1/cm"/>
+          <inkml:channelProperty channel="F" name="resolution" value="0" units="1/dev"/>
+        </inkml:channelProperties>
+      </inkml:inkSource>
+      <inkml:timestamp xml:id="ts0" timeString="2023-09-12T13:57:16.116"/>
+    </inkml:context>
+    <inkml:brush xml:id="br0">
+      <inkml:brushProperty name="width" value="0.08571" units="cm"/>
+      <inkml:brushProperty name="height" value="0.08571" units="cm"/>
+      <inkml:brushProperty name="color" value="#849398"/>
+    </inkml:brush>
+  </inkml:definitions>
+  <inkml:trace contextRef="#ctx0" brushRef="#br0">1 18 8027,'23'-17'0</inkml:trace>
+</inkml:ink>
+</file>
+
+<file path=ppt/ink/ink3.xml><?xml version="1.0" encoding="utf-8"?>
+<inkml:ink xmlns:inkml="http://www.w3.org/2003/InkML">
+  <inkml:definitions>
+    <inkml:context xml:id="ctx0">
+      <inkml:inkSource xml:id="inkSrc0">
+        <inkml:traceFormat>
+          <inkml:channel name="X" type="integer" min="-2.14748E9" max="2.14748E9" units="cm"/>
+          <inkml:channel name="Y" type="integer" min="-2.14748E9" max="2.14748E9" units="cm"/>
+          <inkml:channel name="F" type="integer" max="32767" units="dev"/>
+        </inkml:traceFormat>
+        <inkml:channelProperties>
+          <inkml:channelProperty channel="X" name="resolution" value="1000" units="1/cm"/>
+          <inkml:channelProperty channel="Y" name="resolution" value="1000" units="1/cm"/>
+          <inkml:channelProperty channel="F" name="resolution" value="0" units="1/dev"/>
+        </inkml:channelProperties>
+      </inkml:inkSource>
+      <inkml:timestamp xml:id="ts0" timeString="2023-09-12T13:57:16.116"/>
+    </inkml:context>
+    <inkml:brush xml:id="br0">
+      <inkml:brushProperty name="width" value="0.08571" units="cm"/>
+      <inkml:brushProperty name="height" value="0.08571" units="cm"/>
+      <inkml:brushProperty name="color" value="#849398"/>
+    </inkml:brush>
+  </inkml:definitions>
+  <inkml:trace contextRef="#ctx0" brushRef="#br0">1 18 8027,'23'-17'0</inkml:trace>
+</inkml:ink>
+</file>
+
+<file path=ppt/ink/ink4.xml><?xml version="1.0" encoding="utf-8"?>
+<inkml:ink xmlns:inkml="http://www.w3.org/2003/InkML">
+  <inkml:definitions>
+    <inkml:context xml:id="ctx0">
+      <inkml:inkSource xml:id="inkSrc0">
+        <inkml:traceFormat>
+          <inkml:channel name="X" type="integer" min="-2.14748E9" max="2.14748E9" units="cm"/>
+          <inkml:channel name="Y" type="integer" min="-2.14748E9" max="2.14748E9" units="cm"/>
+          <inkml:channel name="F" type="integer" max="32767" units="dev"/>
+        </inkml:traceFormat>
+        <inkml:channelProperties>
+          <inkml:channelProperty channel="X" name="resolution" value="1000" units="1/cm"/>
+          <inkml:channelProperty channel="Y" name="resolution" value="1000" units="1/cm"/>
+          <inkml:channelProperty channel="F" name="resolution" value="0" units="1/dev"/>
+        </inkml:channelProperties>
+      </inkml:inkSource>
+      <inkml:timestamp xml:id="ts0" timeString="2023-09-12T13:57:16.116"/>
+    </inkml:context>
+    <inkml:brush xml:id="br0">
+      <inkml:brushProperty name="width" value="0.08571" units="cm"/>
+      <inkml:brushProperty name="height" value="0.08571" units="cm"/>
+      <inkml:brushProperty name="color" value="#849398"/>
+    </inkml:brush>
+  </inkml:definitions>
+  <inkml:trace contextRef="#ctx0" brushRef="#br0">1 18 8027,'23'-17'0</inkml:trace>
+</inkml:ink>
+</file>
+
 <file path=ppt/slideLayouts/slideLayout1.xml><?xml version="1.0" encoding="utf-8"?>
 <p:sldLayout xmlns:a="http://schemas.openxmlformats.org/drawingml/2006/main" xmlns:r="http://schemas.openxmlformats.org/officeDocument/2006/relationships" xmlns:p="http://schemas.openxmlformats.org/presentationml/2006/main" type="title" preserve="1">
   <p:cSld name="标题幻灯片">
@@ -282,7 +404,7 @@
           <a:p>
             <a:fld id="{1160EA64-D806-43AC-9DF2-F8C432F32B4C}" type="datetimeFigureOut">
               <a:rPr lang="en-US" dirty="0"/>
-              <a:t>8/24/23</a:t>
+              <a:t>9/12/23</a:t>
             </a:fld>
             <a:endParaRPr lang="en-US" dirty="0"/>
           </a:p>
@@ -448,7 +570,7 @@
           <a:p>
             <a:fld id="{E9F9C37B-1D36-470B-8223-D6C91242EC14}" type="datetimeFigureOut">
               <a:rPr lang="en-US" dirty="0"/>
-              <a:t>8/24/23</a:t>
+              <a:t>9/12/23</a:t>
             </a:fld>
             <a:endParaRPr lang="en-US" dirty="0"/>
           </a:p>
@@ -623,7 +745,7 @@
           <a:p>
             <a:fld id="{67C6F52A-A82B-47A2-A83A-8C4C91F2D59F}" type="datetimeFigureOut">
               <a:rPr lang="en-US" dirty="0"/>
-              <a:t>8/24/23</a:t>
+              <a:t>9/12/23</a:t>
             </a:fld>
             <a:endParaRPr lang="en-US" dirty="0"/>
           </a:p>
@@ -788,7 +910,7 @@
           <a:p>
             <a:fld id="{F070A7B3-6521-4DCA-87E5-044747A908C1}" type="datetimeFigureOut">
               <a:rPr lang="en-US" dirty="0"/>
-              <a:t>8/24/23</a:t>
+              <a:t>9/12/23</a:t>
             </a:fld>
             <a:endParaRPr lang="en-US" dirty="0"/>
           </a:p>
@@ -1052,7 +1174,7 @@
           <a:p>
             <a:fld id="{1160EA64-D806-43AC-9DF2-F8C432F32B4C}" type="datetimeFigureOut">
               <a:rPr lang="en-US" dirty="0"/>
-              <a:t>8/24/23</a:t>
+              <a:t>9/12/23</a:t>
             </a:fld>
             <a:endParaRPr lang="en-US" dirty="0"/>
           </a:p>
@@ -1280,7 +1402,7 @@
           <a:p>
             <a:fld id="{AB134690-1557-4C89-A502-4959FE7FAD70}" type="datetimeFigureOut">
               <a:rPr lang="en-US" dirty="0"/>
-              <a:t>8/24/23</a:t>
+              <a:t>9/12/23</a:t>
             </a:fld>
             <a:endParaRPr lang="en-US" dirty="0"/>
           </a:p>
@@ -1634,7 +1756,7 @@
           <a:p>
             <a:fld id="{4F7D4976-E339-4826-83B7-FBD03F55ECF8}" type="datetimeFigureOut">
               <a:rPr lang="en-US" dirty="0"/>
-              <a:t>8/24/23</a:t>
+              <a:t>9/12/23</a:t>
             </a:fld>
             <a:endParaRPr lang="en-US" dirty="0"/>
           </a:p>
@@ -1770,7 +1892,7 @@
           <a:p>
             <a:fld id="{E1037C31-9E7A-4F99-8774-A0E530DE1A42}" type="datetimeFigureOut">
               <a:rPr lang="en-US" dirty="0"/>
-              <a:t>8/24/23</a:t>
+              <a:t>9/12/23</a:t>
             </a:fld>
             <a:endParaRPr lang="en-US" dirty="0"/>
           </a:p>
@@ -1860,7 +1982,7 @@
           <a:p>
             <a:fld id="{C278504F-A551-4DE0-9316-4DCD1D8CC752}" type="datetimeFigureOut">
               <a:rPr lang="en-US" dirty="0"/>
-              <a:t>8/24/23</a:t>
+              <a:t>9/12/23</a:t>
             </a:fld>
             <a:endParaRPr lang="en-US" dirty="0"/>
           </a:p>
@@ -2212,7 +2334,7 @@
           <a:p>
             <a:fld id="{D1BE4249-C0D0-4B06-8692-E8BB871AF643}" type="datetimeFigureOut">
               <a:rPr lang="en-US" dirty="0"/>
-              <a:t>8/24/23</a:t>
+              <a:t>9/12/23</a:t>
             </a:fld>
             <a:endParaRPr lang="en-US" dirty="0"/>
           </a:p>
@@ -2564,7 +2686,7 @@
           <a:p>
             <a:fld id="{042B0DB6-F5C7-45FB-8CF3-31B45F9C2DAC}" type="datetimeFigureOut">
               <a:rPr lang="en-US" dirty="0"/>
-              <a:t>8/24/23</a:t>
+              <a:t>9/12/23</a:t>
             </a:fld>
             <a:endParaRPr lang="en-US" dirty="0"/>
           </a:p>
@@ -2801,7 +2923,7 @@
           <a:p>
             <a:fld id="{1160EA64-D806-43AC-9DF2-F8C432F32B4C}" type="datetimeFigureOut">
               <a:rPr lang="en-US" dirty="0"/>
-              <a:t>8/24/23</a:t>
+              <a:t>9/12/23</a:t>
             </a:fld>
             <a:endParaRPr lang="en-US" dirty="0"/>
           </a:p>
@@ -3236,10 +3358,254 @@
 <file path=ppt/slides/slide1.xml><?xml version="1.0" encoding="utf-8"?>
 <p:sld xmlns:a="http://schemas.openxmlformats.org/drawingml/2006/main" xmlns:r="http://schemas.openxmlformats.org/officeDocument/2006/relationships" xmlns:p="http://schemas.openxmlformats.org/presentationml/2006/main">
   <p:cSld>
+    <p:spTree>
+      <p:nvGrpSpPr>
+        <p:cNvPr id="1" name=""/>
+        <p:cNvGrpSpPr/>
+        <p:nvPr/>
+      </p:nvGrpSpPr>
+      <p:grpSpPr>
+        <a:xfrm>
+          <a:off x="0" y="0"/>
+          <a:ext cx="0" cy="0"/>
+          <a:chOff x="0" y="0"/>
+          <a:chExt cx="0" cy="0"/>
+        </a:xfrm>
+      </p:grpSpPr>
+      <p:pic>
+        <p:nvPicPr>
+          <p:cNvPr id="5" name="图片 4" descr="图示&#10;&#10;描述已自动生成">
+            <a:extLst>
+              <a:ext uri="{FF2B5EF4-FFF2-40B4-BE49-F238E27FC236}">
+                <a16:creationId xmlns:a16="http://schemas.microsoft.com/office/drawing/2014/main" id="{3C6B5E0F-997A-FF20-0BBC-3DF4A835C5BD}"/>
+              </a:ext>
+            </a:extLst>
+          </p:cNvPr>
+          <p:cNvPicPr>
+            <a:picLocks noChangeAspect="1"/>
+          </p:cNvPicPr>
+          <p:nvPr/>
+        </p:nvPicPr>
+        <p:blipFill>
+          <a:blip r:embed="rId2"/>
+          <a:stretch>
+            <a:fillRect/>
+          </a:stretch>
+        </p:blipFill>
+        <p:spPr>
+          <a:xfrm>
+            <a:off x="2920007" y="4274781"/>
+            <a:ext cx="6131629" cy="2370629"/>
+          </a:xfrm>
+          <a:prstGeom prst="rect">
+            <a:avLst/>
+          </a:prstGeom>
+        </p:spPr>
+      </p:pic>
+      <p:sp>
+        <p:nvSpPr>
+          <p:cNvPr id="6" name="文本框 5">
+            <a:extLst>
+              <a:ext uri="{FF2B5EF4-FFF2-40B4-BE49-F238E27FC236}">
+                <a16:creationId xmlns:a16="http://schemas.microsoft.com/office/drawing/2014/main" id="{57E534ED-12FF-41A9-7B16-0D2DCD218379}"/>
+              </a:ext>
+            </a:extLst>
+          </p:cNvPr>
+          <p:cNvSpPr txBox="1"/>
+          <p:nvPr/>
+        </p:nvSpPr>
+        <p:spPr>
+          <a:xfrm>
+            <a:off x="1469113" y="1745507"/>
+            <a:ext cx="9253773" cy="2585323"/>
+          </a:xfrm>
+          <a:prstGeom prst="rect">
+            <a:avLst/>
+          </a:prstGeom>
+          <a:noFill/>
+        </p:spPr>
+        <p:txBody>
+          <a:bodyPr wrap="square" rtlCol="0">
+            <a:spAutoFit/>
+          </a:bodyPr>
+          <a:lstStyle/>
+          <a:p>
+            <a:r>
+              <a:rPr kumimoji="1" lang="en-US" altLang="zh-CN" b="1"/>
+              <a:t>Overview</a:t>
+            </a:r>
+            <a:r>
+              <a:rPr kumimoji="1" lang="en-US" altLang="zh-CN"/>
+              <a:t>: </a:t>
+            </a:r>
+            <a:r>
+              <a:rPr kumimoji="1" lang="zh-CN" altLang="en-US"/>
+              <a:t>结合了伪标签和一致性正则化做弱监督的一个工作是</a:t>
+            </a:r>
+            <a:r>
+              <a:rPr kumimoji="1" lang="en-US" altLang="zh-CN"/>
+              <a:t>CPS</a:t>
+            </a:r>
+            <a:r>
+              <a:rPr kumimoji="1" lang="zh-CN" altLang="en-US"/>
+              <a:t>，即有标签图像的直接监督 </a:t>
+            </a:r>
+            <a:r>
+              <a:rPr kumimoji="1" lang="en-US" altLang="zh-CN"/>
+              <a:t>+</a:t>
+            </a:r>
+            <a:r>
+              <a:rPr kumimoji="1" lang="zh-CN" altLang="en-US"/>
+              <a:t> 无标签图像的伪标签交叉监督。</a:t>
+            </a:r>
+            <a:endParaRPr kumimoji="1" lang="en-US" altLang="zh-CN"/>
+          </a:p>
+          <a:p>
+            <a:endParaRPr kumimoji="1" lang="en-US" altLang="zh-CN"/>
+          </a:p>
+          <a:p>
+            <a:r>
+              <a:rPr kumimoji="1" lang="en-US" altLang="zh-CN" b="1"/>
+              <a:t>Method</a:t>
+            </a:r>
+            <a:r>
+              <a:rPr kumimoji="1" lang="zh-CN" altLang="en-US"/>
+              <a:t>：两个结构一样、初始化不同的网络，图像</a:t>
+            </a:r>
+            <a:r>
+              <a:rPr kumimoji="1" lang="en-US" altLang="zh-CN"/>
+              <a:t>X</a:t>
+            </a:r>
+            <a:r>
+              <a:rPr kumimoji="1" lang="zh-CN" altLang="en-US"/>
+              <a:t>经过同样的增强后分别输入，得到两个</a:t>
+            </a:r>
+            <a:r>
+              <a:rPr kumimoji="1" lang="en-US" altLang="zh-CN"/>
+              <a:t>prediction map(P1,P2), </a:t>
+            </a:r>
+            <a:r>
+              <a:rPr kumimoji="1" lang="zh-CN" altLang="en-US"/>
+              <a:t>再经过</a:t>
+            </a:r>
+            <a:r>
+              <a:rPr kumimoji="1" lang="en-US" altLang="zh-CN"/>
+              <a:t>argmax</a:t>
+            </a:r>
+            <a:r>
+              <a:rPr kumimoji="1" lang="zh-CN" altLang="en-US"/>
+              <a:t>得到伪标签</a:t>
+            </a:r>
+            <a:r>
+              <a:rPr kumimoji="1" lang="en-US" altLang="zh-CN"/>
+              <a:t>(Y1,Y2)</a:t>
+            </a:r>
+            <a:r>
+              <a:rPr kumimoji="1" lang="zh-CN" altLang="en-US"/>
+              <a:t>。</a:t>
+            </a:r>
+            <a:endParaRPr kumimoji="1" lang="en-US" altLang="zh-CN"/>
+          </a:p>
+          <a:p>
+            <a:endParaRPr kumimoji="1" lang="en-US" altLang="zh-CN"/>
+          </a:p>
+          <a:p>
+            <a:r>
+              <a:rPr kumimoji="1" lang="en-US" altLang="zh-CN" b="1"/>
+              <a:t>Remark</a:t>
+            </a:r>
+            <a:r>
+              <a:rPr kumimoji="1" lang="en-US" altLang="zh-CN"/>
+              <a:t>: </a:t>
+            </a:r>
+            <a:r>
+              <a:rPr kumimoji="1" lang="zh-CN" altLang="en-US"/>
+              <a:t>如果要对这个流程做改进，可以考虑在改善有标签的监督损失同时：</a:t>
+            </a:r>
+            <a:endParaRPr kumimoji="1" lang="en-US" altLang="zh-CN"/>
+          </a:p>
+          <a:p>
+            <a:pPr marL="342900" indent="-342900">
+              <a:buAutoNum type="arabicPeriod"/>
+            </a:pPr>
+            <a:r>
+              <a:rPr kumimoji="1" lang="zh-CN" altLang="en-US"/>
+              <a:t>挑选伪标签 </a:t>
+            </a:r>
+            <a:endParaRPr kumimoji="1" lang="en-US" altLang="zh-CN"/>
+          </a:p>
+          <a:p>
+            <a:pPr marL="342900" indent="-342900">
+              <a:buAutoNum type="arabicPeriod"/>
+            </a:pPr>
+            <a:r>
+              <a:rPr kumimoji="1" lang="en-US" altLang="zh-CN"/>
+              <a:t>refine</a:t>
+            </a:r>
+            <a:r>
+              <a:rPr kumimoji="1" lang="zh-CN" altLang="en-US"/>
+              <a:t>伪标签</a:t>
+            </a:r>
+            <a:endParaRPr kumimoji="1" lang="en-US" altLang="zh-CN"/>
+          </a:p>
+        </p:txBody>
+      </p:sp>
+      <p:sp>
+        <p:nvSpPr>
+          <p:cNvPr id="2" name="标题 1">
+            <a:extLst>
+              <a:ext uri="{FF2B5EF4-FFF2-40B4-BE49-F238E27FC236}">
+                <a16:creationId xmlns:a16="http://schemas.microsoft.com/office/drawing/2014/main" id="{D01C6493-3237-8055-42D6-E0FC81201ECD}"/>
+              </a:ext>
+            </a:extLst>
+          </p:cNvPr>
+          <p:cNvSpPr>
+            <a:spLocks noGrp="1"/>
+          </p:cNvSpPr>
+          <p:nvPr>
+            <p:ph type="title"/>
+          </p:nvPr>
+        </p:nvSpPr>
+        <p:spPr>
+          <a:xfrm>
+            <a:off x="2231136" y="58838"/>
+            <a:ext cx="7729728" cy="1188720"/>
+          </a:xfrm>
+        </p:spPr>
+        <p:txBody>
+          <a:bodyPr/>
+          <a:lstStyle/>
+          <a:p>
+            <a:r>
+              <a:rPr lang="en-US" altLang="zh-CN"/>
+              <a:t>backbone</a:t>
+            </a:r>
+            <a:endParaRPr kumimoji="1" lang="zh-CN" altLang="en-US"/>
+          </a:p>
+        </p:txBody>
+      </p:sp>
+    </p:spTree>
+    <p:extLst>
+      <p:ext uri="{BB962C8B-B14F-4D97-AF65-F5344CB8AC3E}">
+        <p14:creationId xmlns:p14="http://schemas.microsoft.com/office/powerpoint/2010/main" val="2715444066"/>
+      </p:ext>
+    </p:extLst>
+  </p:cSld>
+  <p:clrMapOvr>
+    <a:masterClrMapping/>
+  </p:clrMapOvr>
+</p:sld>
+</file>
+
+<file path=ppt/slides/slide10.xml><?xml version="1.0" encoding="utf-8"?>
+<p:sld xmlns:a="http://schemas.openxmlformats.org/drawingml/2006/main" xmlns:r="http://schemas.openxmlformats.org/officeDocument/2006/relationships" xmlns:p="http://schemas.openxmlformats.org/presentationml/2006/main">
+  <p:cSld>
     <p:bg>
       <p:bgPr>
         <a:solidFill>
-          <a:schemeClr val="bg1"/>
+          <a:schemeClr val="bg1">
+            <a:lumMod val="95000"/>
+          </a:schemeClr>
         </a:solidFill>
         <a:effectLst/>
       </p:bgPr>
@@ -3260,10 +3626,10 @@
       </p:grpSpPr>
       <p:sp useBgFill="1">
         <p:nvSpPr>
-          <p:cNvPr id="16" name="Rectangle 9">
+          <p:cNvPr id="11" name="Rectangle 10">
             <a:extLst>
               <a:ext uri="{FF2B5EF4-FFF2-40B4-BE49-F238E27FC236}">
-                <a16:creationId xmlns:a16="http://schemas.microsoft.com/office/drawing/2014/main" id="{419501C6-F015-4273-AF88-E0F6C853899F}"/>
+                <a16:creationId xmlns:a16="http://schemas.microsoft.com/office/drawing/2014/main" id="{1660E788-AFA9-4A1B-9991-6AA74632A15B}"/>
               </a:ext>
               <a:ext uri="{C183D7F6-B498-43B3-948B-1728B52AA6E4}">
                 <adec:decorative xmlns:adec="http://schemas.microsoft.com/office/drawing/2017/decorative" val="1"/>
@@ -3320,10 +3686,10 @@
       </p:sp>
       <p:sp>
         <p:nvSpPr>
-          <p:cNvPr id="17" name="Rectangle 11">
+          <p:cNvPr id="13" name="Rectangle 12">
             <a:extLst>
               <a:ext uri="{FF2B5EF4-FFF2-40B4-BE49-F238E27FC236}">
-                <a16:creationId xmlns:a16="http://schemas.microsoft.com/office/drawing/2014/main" id="{CA677DB7-5829-45BD-9754-5EC484CC4253}"/>
+                <a16:creationId xmlns:a16="http://schemas.microsoft.com/office/drawing/2014/main" id="{867D4867-5BA7-4462-B2F6-A23F4A622AA7}"/>
               </a:ext>
               <a:ext uri="{C183D7F6-B498-43B3-948B-1728B52AA6E4}">
                 <adec:decorative xmlns:adec="http://schemas.microsoft.com/office/drawing/2017/decorative" val="1"/>
@@ -3343,15 +3709,5144 @@
         </p:nvSpPr>
         <p:spPr>
           <a:xfrm>
-            <a:off x="1" y="1"/>
+            <a:off x="0" y="0"/>
             <a:ext cx="4654296" cy="6858000"/>
           </a:xfrm>
           <a:prstGeom prst="rect">
             <a:avLst/>
           </a:prstGeom>
           <a:solidFill>
-            <a:schemeClr val="accent2"/>
+            <a:schemeClr val="tx2"/>
           </a:solidFill>
+          <a:ln>
+            <a:noFill/>
+          </a:ln>
+        </p:spPr>
+        <p:style>
+          <a:lnRef idx="0">
+            <a:scrgbClr r="0" g="0" b="0"/>
+          </a:lnRef>
+          <a:fillRef idx="0">
+            <a:scrgbClr r="0" g="0" b="0"/>
+          </a:fillRef>
+          <a:effectRef idx="0">
+            <a:scrgbClr r="0" g="0" b="0"/>
+          </a:effectRef>
+          <a:fontRef idx="minor">
+            <a:schemeClr val="lt1"/>
+          </a:fontRef>
+        </p:style>
+        <p:txBody>
+          <a:bodyPr rtlCol="0" anchor="ctr"/>
+          <a:lstStyle/>
+          <a:p>
+            <a:pPr algn="ctr"/>
+            <a:endParaRPr lang="en-US"/>
+          </a:p>
+        </p:txBody>
+      </p:sp>
+      <p:sp>
+        <p:nvSpPr>
+          <p:cNvPr id="6" name="文本框 5">
+            <a:extLst>
+              <a:ext uri="{FF2B5EF4-FFF2-40B4-BE49-F238E27FC236}">
+                <a16:creationId xmlns:a16="http://schemas.microsoft.com/office/drawing/2014/main" id="{9E24D4B7-C759-14E6-3089-1D0BF1BD1209}"/>
+              </a:ext>
+            </a:extLst>
+          </p:cNvPr>
+          <p:cNvSpPr txBox="1"/>
+          <p:nvPr/>
+        </p:nvSpPr>
+        <p:spPr>
+          <a:xfrm>
+            <a:off x="643468" y="2638044"/>
+            <a:ext cx="3363974" cy="3415622"/>
+          </a:xfrm>
+          <a:prstGeom prst="rect">
+            <a:avLst/>
+          </a:prstGeom>
+        </p:spPr>
+        <p:txBody>
+          <a:bodyPr vert="horz" lIns="91440" tIns="45720" rIns="91440" bIns="45720" rtlCol="0">
+            <a:normAutofit/>
+          </a:bodyPr>
+          <a:lstStyle/>
+          <a:p>
+            <a:pPr defTabSz="914400">
+              <a:spcBef>
+                <a:spcPts val="1000"/>
+              </a:spcBef>
+              <a:buClr>
+                <a:schemeClr val="accent2"/>
+              </a:buClr>
+            </a:pPr>
+            <a:r>
+              <a:rPr kumimoji="1" lang="en-US" altLang="zh-CN">
+                <a:solidFill>
+                  <a:schemeClr val="bg1"/>
+                </a:solidFill>
+                <a:latin typeface="Source Sans Pro" panose="020B0503030403020204" pitchFamily="34" charset="0"/>
+                <a:ea typeface="Source Sans Pro" panose="020B0503030403020204" pitchFamily="34" charset="0"/>
+              </a:rPr>
+              <a:t>Refine Pseudo Labels</a:t>
+            </a:r>
+          </a:p>
+        </p:txBody>
+      </p:sp>
+      <p:pic>
+        <p:nvPicPr>
+          <p:cNvPr id="5" name="内容占位符 4" descr="图表&#10;&#10;描述已自动生成">
+            <a:extLst>
+              <a:ext uri="{FF2B5EF4-FFF2-40B4-BE49-F238E27FC236}">
+                <a16:creationId xmlns:a16="http://schemas.microsoft.com/office/drawing/2014/main" id="{E7C46783-22D2-04FB-6727-5573945D05FE}"/>
+              </a:ext>
+            </a:extLst>
+          </p:cNvPr>
+          <p:cNvPicPr>
+            <a:picLocks noGrp="1" noChangeAspect="1"/>
+          </p:cNvPicPr>
+          <p:nvPr>
+            <p:ph idx="1"/>
+          </p:nvPr>
+        </p:nvPicPr>
+        <p:blipFill>
+          <a:blip r:embed="rId2"/>
+          <a:stretch>
+            <a:fillRect/>
+          </a:stretch>
+        </p:blipFill>
+        <p:spPr>
+          <a:xfrm>
+            <a:off x="5297763" y="1152984"/>
+            <a:ext cx="6250769" cy="4391165"/>
+          </a:xfrm>
+          <a:prstGeom prst="rect">
+            <a:avLst/>
+          </a:prstGeom>
+        </p:spPr>
+      </p:pic>
+    </p:spTree>
+    <p:extLst>
+      <p:ext uri="{BB962C8B-B14F-4D97-AF65-F5344CB8AC3E}">
+        <p14:creationId xmlns:p14="http://schemas.microsoft.com/office/powerpoint/2010/main" val="1467800314"/>
+      </p:ext>
+    </p:extLst>
+  </p:cSld>
+  <p:clrMapOvr>
+    <a:masterClrMapping/>
+  </p:clrMapOvr>
+</p:sld>
+</file>
+
+<file path=ppt/slides/slide11.xml><?xml version="1.0" encoding="utf-8"?>
+<p:sld xmlns:a="http://schemas.openxmlformats.org/drawingml/2006/main" xmlns:r="http://schemas.openxmlformats.org/officeDocument/2006/relationships" xmlns:p="http://schemas.openxmlformats.org/presentationml/2006/main">
+  <p:cSld>
+    <p:spTree>
+      <p:nvGrpSpPr>
+        <p:cNvPr id="1" name=""/>
+        <p:cNvGrpSpPr/>
+        <p:nvPr/>
+      </p:nvGrpSpPr>
+      <p:grpSpPr>
+        <a:xfrm>
+          <a:off x="0" y="0"/>
+          <a:ext cx="0" cy="0"/>
+          <a:chOff x="0" y="0"/>
+          <a:chExt cx="0" cy="0"/>
+        </a:xfrm>
+      </p:grpSpPr>
+      <mc:AlternateContent xmlns:mc="http://schemas.openxmlformats.org/markup-compatibility/2006">
+        <mc:Choice xmlns:p14="http://schemas.microsoft.com/office/powerpoint/2010/main" Requires="p14">
+          <p:contentPart p14:bwMode="auto" r:id="rId2">
+            <p14:nvContentPartPr>
+              <p14:cNvPr id="5" name="墨迹 4">
+                <a:extLst>
+                  <a:ext uri="{FF2B5EF4-FFF2-40B4-BE49-F238E27FC236}">
+                    <a16:creationId xmlns:a16="http://schemas.microsoft.com/office/drawing/2014/main" id="{DCE1B999-01F5-29AD-7158-CA937AE33C88}"/>
+                  </a:ext>
+                </a:extLst>
+              </p14:cNvPr>
+              <p14:cNvContentPartPr/>
+              <p14:nvPr/>
+            </p14:nvContentPartPr>
+            <p14:xfrm>
+              <a:off x="5694632" y="3087097"/>
+              <a:ext cx="8640" cy="6480"/>
+            </p14:xfrm>
+          </p:contentPart>
+        </mc:Choice>
+        <mc:Fallback>
+          <p:pic>
+            <p:nvPicPr>
+              <p:cNvPr id="5" name="墨迹 4">
+                <a:extLst>
+                  <a:ext uri="{FF2B5EF4-FFF2-40B4-BE49-F238E27FC236}">
+                    <a16:creationId xmlns:a16="http://schemas.microsoft.com/office/drawing/2014/main" id="{DCE1B999-01F5-29AD-7158-CA937AE33C88}"/>
+                  </a:ext>
+                </a:extLst>
+              </p:cNvPr>
+              <p:cNvPicPr/>
+              <p:nvPr/>
+            </p:nvPicPr>
+            <p:blipFill>
+              <a:blip r:embed="rId3"/>
+              <a:stretch>
+                <a:fillRect/>
+              </a:stretch>
+            </p:blipFill>
+            <p:spPr>
+              <a:xfrm>
+                <a:off x="5679512" y="3071977"/>
+                <a:ext cx="39240" cy="37080"/>
+              </a:xfrm>
+              <a:prstGeom prst="rect">
+                <a:avLst/>
+              </a:prstGeom>
+            </p:spPr>
+          </p:pic>
+        </mc:Fallback>
+      </mc:AlternateContent>
+      <p:sp>
+        <p:nvSpPr>
+          <p:cNvPr id="20" name="矩形 19">
+            <a:extLst>
+              <a:ext uri="{FF2B5EF4-FFF2-40B4-BE49-F238E27FC236}">
+                <a16:creationId xmlns:a16="http://schemas.microsoft.com/office/drawing/2014/main" id="{0893DDC8-6FCE-4520-B20F-23F0731B0B18}"/>
+              </a:ext>
+            </a:extLst>
+          </p:cNvPr>
+          <p:cNvSpPr/>
+          <p:nvPr/>
+        </p:nvSpPr>
+        <p:spPr>
+          <a:xfrm>
+            <a:off x="1153080" y="2599920"/>
+            <a:ext cx="1280160" cy="1280160"/>
+          </a:xfrm>
+          <a:prstGeom prst="rect">
+            <a:avLst/>
+          </a:prstGeom>
+          <a:solidFill>
+            <a:srgbClr val="849398">
+              <a:alpha val="5000"/>
+            </a:srgbClr>
+          </a:solidFill>
+          <a:ln w="18000" cap="flat" cmpd="sng" algn="ctr">
+            <a:solidFill>
+              <a:srgbClr val="849398"/>
+            </a:solidFill>
+            <a:prstDash val="solid"/>
+          </a:ln>
+          <a:effectLst/>
+        </p:spPr>
+        <p:style>
+          <a:lnRef idx="2">
+            <a:schemeClr val="accent1">
+              <a:shade val="15000"/>
+            </a:schemeClr>
+          </a:lnRef>
+          <a:fillRef idx="1">
+            <a:schemeClr val="accent1"/>
+          </a:fillRef>
+          <a:effectRef idx="0">
+            <a:schemeClr val="accent1"/>
+          </a:effectRef>
+          <a:fontRef idx="minor">
+            <a:schemeClr val="lt1"/>
+          </a:fontRef>
+        </p:style>
+        <p:txBody>
+          <a:bodyPr wrap="none" rtlCol="0" anchor="ctr" anchorCtr="1">
+            <a:noAutofit/>
+          </a:bodyPr>
+          <a:lstStyle/>
+          <a:p>
+            <a:pPr algn="ctr"/>
+            <a:r>
+              <a:rPr lang="en-US" altLang="zh-CN" sz="2400">
+                <a:solidFill>
+                  <a:srgbClr val="849398"/>
+                </a:solidFill>
+              </a:rPr>
+              <a:t>X</a:t>
+            </a:r>
+          </a:p>
+        </p:txBody>
+      </p:sp>
+      <p:cxnSp>
+        <p:nvCxnSpPr>
+          <p:cNvPr id="12" name="直线箭头连接符 11">
+            <a:extLst>
+              <a:ext uri="{FF2B5EF4-FFF2-40B4-BE49-F238E27FC236}">
+                <a16:creationId xmlns:a16="http://schemas.microsoft.com/office/drawing/2014/main" id="{897CF935-963F-503B-4409-BDCD4E9EC8DB}"/>
+              </a:ext>
+            </a:extLst>
+          </p:cNvPr>
+          <p:cNvCxnSpPr>
+            <a:cxnSpLocks/>
+            <a:stCxn id="20" idx="3"/>
+          </p:cNvCxnSpPr>
+          <p:nvPr/>
+        </p:nvCxnSpPr>
+        <p:spPr>
+          <a:xfrm flipV="1">
+            <a:off x="2433240" y="1890346"/>
+            <a:ext cx="1338660" cy="1349654"/>
+          </a:xfrm>
+          <a:prstGeom prst="straightConnector1">
+            <a:avLst/>
+          </a:prstGeom>
+          <a:ln>
+            <a:tailEnd type="triangle"/>
+          </a:ln>
+        </p:spPr>
+        <p:style>
+          <a:lnRef idx="1">
+            <a:schemeClr val="dk1"/>
+          </a:lnRef>
+          <a:fillRef idx="0">
+            <a:schemeClr val="dk1"/>
+          </a:fillRef>
+          <a:effectRef idx="0">
+            <a:schemeClr val="dk1"/>
+          </a:effectRef>
+          <a:fontRef idx="minor">
+            <a:schemeClr val="tx1"/>
+          </a:fontRef>
+        </p:style>
+      </p:cxnSp>
+      <p:cxnSp>
+        <p:nvCxnSpPr>
+          <p:cNvPr id="14" name="直线箭头连接符 13">
+            <a:extLst>
+              <a:ext uri="{FF2B5EF4-FFF2-40B4-BE49-F238E27FC236}">
+                <a16:creationId xmlns:a16="http://schemas.microsoft.com/office/drawing/2014/main" id="{0D35201A-BC75-4EEB-996B-558E020A2646}"/>
+              </a:ext>
+            </a:extLst>
+          </p:cNvPr>
+          <p:cNvCxnSpPr>
+            <a:cxnSpLocks/>
+            <a:stCxn id="20" idx="3"/>
+          </p:cNvCxnSpPr>
+          <p:nvPr/>
+        </p:nvCxnSpPr>
+        <p:spPr>
+          <a:xfrm>
+            <a:off x="2433240" y="3240000"/>
+            <a:ext cx="1338660" cy="1375962"/>
+          </a:xfrm>
+          <a:prstGeom prst="straightConnector1">
+            <a:avLst/>
+          </a:prstGeom>
+          <a:ln>
+            <a:tailEnd type="triangle"/>
+          </a:ln>
+        </p:spPr>
+        <p:style>
+          <a:lnRef idx="1">
+            <a:schemeClr val="dk1"/>
+          </a:lnRef>
+          <a:fillRef idx="0">
+            <a:schemeClr val="dk1"/>
+          </a:fillRef>
+          <a:effectRef idx="0">
+            <a:schemeClr val="dk1"/>
+          </a:effectRef>
+          <a:fontRef idx="minor">
+            <a:schemeClr val="tx1"/>
+          </a:fontRef>
+        </p:style>
+      </p:cxnSp>
+      <p:sp>
+        <p:nvSpPr>
+          <p:cNvPr id="19" name="立方体 18">
+            <a:extLst>
+              <a:ext uri="{FF2B5EF4-FFF2-40B4-BE49-F238E27FC236}">
+                <a16:creationId xmlns:a16="http://schemas.microsoft.com/office/drawing/2014/main" id="{F2E22F1E-E886-9D43-29BE-AD16069F7D3B}"/>
+              </a:ext>
+            </a:extLst>
+          </p:cNvPr>
+          <p:cNvSpPr/>
+          <p:nvPr/>
+        </p:nvSpPr>
+        <p:spPr>
+          <a:xfrm>
+            <a:off x="3932858" y="1124272"/>
+            <a:ext cx="1216152" cy="1216152"/>
+          </a:xfrm>
+          <a:prstGeom prst="cube">
+            <a:avLst/>
+          </a:prstGeom>
+        </p:spPr>
+        <p:style>
+          <a:lnRef idx="2">
+            <a:schemeClr val="accent6"/>
+          </a:lnRef>
+          <a:fillRef idx="1">
+            <a:schemeClr val="lt1"/>
+          </a:fillRef>
+          <a:effectRef idx="0">
+            <a:schemeClr val="accent6"/>
+          </a:effectRef>
+          <a:fontRef idx="minor">
+            <a:schemeClr val="dk1"/>
+          </a:fontRef>
+        </p:style>
+        <p:txBody>
+          <a:bodyPr rtlCol="0" anchor="ctr"/>
+          <a:lstStyle/>
+          <a:p>
+            <a:pPr algn="ctr"/>
+            <a:endParaRPr kumimoji="1" lang="zh-CN" altLang="en-US"/>
+          </a:p>
+        </p:txBody>
+      </p:sp>
+      <p:cxnSp>
+        <p:nvCxnSpPr>
+          <p:cNvPr id="22" name="直线箭头连接符 21">
+            <a:extLst>
+              <a:ext uri="{FF2B5EF4-FFF2-40B4-BE49-F238E27FC236}">
+                <a16:creationId xmlns:a16="http://schemas.microsoft.com/office/drawing/2014/main" id="{AC8EFE48-0D42-73EC-92D9-7792FFBEAED0}"/>
+              </a:ext>
+            </a:extLst>
+          </p:cNvPr>
+          <p:cNvCxnSpPr>
+            <a:cxnSpLocks/>
+            <a:stCxn id="19" idx="5"/>
+          </p:cNvCxnSpPr>
+          <p:nvPr/>
+        </p:nvCxnSpPr>
+        <p:spPr>
+          <a:xfrm>
+            <a:off x="5149010" y="1580329"/>
+            <a:ext cx="1043940" cy="0"/>
+          </a:xfrm>
+          <a:prstGeom prst="straightConnector1">
+            <a:avLst/>
+          </a:prstGeom>
+          <a:ln>
+            <a:tailEnd type="triangle"/>
+          </a:ln>
+        </p:spPr>
+        <p:style>
+          <a:lnRef idx="1">
+            <a:schemeClr val="dk1"/>
+          </a:lnRef>
+          <a:fillRef idx="0">
+            <a:schemeClr val="dk1"/>
+          </a:fillRef>
+          <a:effectRef idx="0">
+            <a:schemeClr val="dk1"/>
+          </a:effectRef>
+          <a:fontRef idx="minor">
+            <a:schemeClr val="tx1"/>
+          </a:fontRef>
+        </p:style>
+      </p:cxnSp>
+      <p:cxnSp>
+        <p:nvCxnSpPr>
+          <p:cNvPr id="25" name="直线箭头连接符 24">
+            <a:extLst>
+              <a:ext uri="{FF2B5EF4-FFF2-40B4-BE49-F238E27FC236}">
+                <a16:creationId xmlns:a16="http://schemas.microsoft.com/office/drawing/2014/main" id="{B5818D52-DEB6-CA71-306B-F3A93BBE84DA}"/>
+              </a:ext>
+            </a:extLst>
+          </p:cNvPr>
+          <p:cNvCxnSpPr>
+            <a:cxnSpLocks/>
+          </p:cNvCxnSpPr>
+          <p:nvPr/>
+        </p:nvCxnSpPr>
+        <p:spPr>
+          <a:xfrm>
+            <a:off x="5052060" y="4512241"/>
+            <a:ext cx="1043940" cy="0"/>
+          </a:xfrm>
+          <a:prstGeom prst="straightConnector1">
+            <a:avLst/>
+          </a:prstGeom>
+          <a:ln>
+            <a:tailEnd type="triangle"/>
+          </a:ln>
+        </p:spPr>
+        <p:style>
+          <a:lnRef idx="1">
+            <a:schemeClr val="dk1"/>
+          </a:lnRef>
+          <a:fillRef idx="0">
+            <a:schemeClr val="dk1"/>
+          </a:fillRef>
+          <a:effectRef idx="0">
+            <a:schemeClr val="dk1"/>
+          </a:effectRef>
+          <a:fontRef idx="minor">
+            <a:schemeClr val="tx1"/>
+          </a:fontRef>
+        </p:style>
+      </p:cxnSp>
+      <p:sp>
+        <p:nvSpPr>
+          <p:cNvPr id="26" name="矩形 25">
+            <a:extLst>
+              <a:ext uri="{FF2B5EF4-FFF2-40B4-BE49-F238E27FC236}">
+                <a16:creationId xmlns:a16="http://schemas.microsoft.com/office/drawing/2014/main" id="{971F102C-2BA8-3120-FB7F-BC5A55FBB15F}"/>
+              </a:ext>
+            </a:extLst>
+          </p:cNvPr>
+          <p:cNvSpPr/>
+          <p:nvPr/>
+        </p:nvSpPr>
+        <p:spPr>
+          <a:xfrm>
+            <a:off x="6160360" y="1124272"/>
+            <a:ext cx="914400" cy="914400"/>
+          </a:xfrm>
+          <a:prstGeom prst="rect">
+            <a:avLst/>
+          </a:prstGeom>
+        </p:spPr>
+        <p:style>
+          <a:lnRef idx="2">
+            <a:schemeClr val="accent6"/>
+          </a:lnRef>
+          <a:fillRef idx="1">
+            <a:schemeClr val="lt1"/>
+          </a:fillRef>
+          <a:effectRef idx="0">
+            <a:schemeClr val="accent6"/>
+          </a:effectRef>
+          <a:fontRef idx="minor">
+            <a:schemeClr val="dk1"/>
+          </a:fontRef>
+        </p:style>
+        <p:txBody>
+          <a:bodyPr rtlCol="0" anchor="ctr"/>
+          <a:lstStyle/>
+          <a:p>
+            <a:pPr algn="ctr"/>
+            <a:endParaRPr kumimoji="1" lang="zh-CN" altLang="en-US"/>
+          </a:p>
+        </p:txBody>
+      </p:sp>
+      <p:sp>
+        <p:nvSpPr>
+          <p:cNvPr id="29" name="矩形 28">
+            <a:extLst>
+              <a:ext uri="{FF2B5EF4-FFF2-40B4-BE49-F238E27FC236}">
+                <a16:creationId xmlns:a16="http://schemas.microsoft.com/office/drawing/2014/main" id="{9A025E25-30C6-0382-B0D2-B0428D218E43}"/>
+              </a:ext>
+            </a:extLst>
+          </p:cNvPr>
+          <p:cNvSpPr/>
+          <p:nvPr/>
+        </p:nvSpPr>
+        <p:spPr>
+          <a:xfrm>
+            <a:off x="6160360" y="4055041"/>
+            <a:ext cx="914400" cy="914400"/>
+          </a:xfrm>
+          <a:prstGeom prst="rect">
+            <a:avLst/>
+          </a:prstGeom>
+        </p:spPr>
+        <p:style>
+          <a:lnRef idx="2">
+            <a:schemeClr val="accent6"/>
+          </a:lnRef>
+          <a:fillRef idx="1">
+            <a:schemeClr val="lt1"/>
+          </a:fillRef>
+          <a:effectRef idx="0">
+            <a:schemeClr val="accent6"/>
+          </a:effectRef>
+          <a:fontRef idx="minor">
+            <a:schemeClr val="dk1"/>
+          </a:fontRef>
+        </p:style>
+        <p:txBody>
+          <a:bodyPr rtlCol="0" anchor="ctr"/>
+          <a:lstStyle/>
+          <a:p>
+            <a:pPr algn="ctr"/>
+            <a:endParaRPr kumimoji="1" lang="zh-CN" altLang="en-US"/>
+          </a:p>
+        </p:txBody>
+      </p:sp>
+      <p:sp>
+        <p:nvSpPr>
+          <p:cNvPr id="50" name="立方体 49">
+            <a:extLst>
+              <a:ext uri="{FF2B5EF4-FFF2-40B4-BE49-F238E27FC236}">
+                <a16:creationId xmlns:a16="http://schemas.microsoft.com/office/drawing/2014/main" id="{A85B7CF1-AAEB-50D1-4AD4-A43303A9894A}"/>
+              </a:ext>
+            </a:extLst>
+          </p:cNvPr>
+          <p:cNvSpPr/>
+          <p:nvPr/>
+        </p:nvSpPr>
+        <p:spPr>
+          <a:xfrm>
+            <a:off x="3835908" y="3927981"/>
+            <a:ext cx="1216152" cy="1216152"/>
+          </a:xfrm>
+          <a:prstGeom prst="cube">
+            <a:avLst/>
+          </a:prstGeom>
+        </p:spPr>
+        <p:style>
+          <a:lnRef idx="2">
+            <a:schemeClr val="accent6"/>
+          </a:lnRef>
+          <a:fillRef idx="1">
+            <a:schemeClr val="lt1"/>
+          </a:fillRef>
+          <a:effectRef idx="0">
+            <a:schemeClr val="accent6"/>
+          </a:effectRef>
+          <a:fontRef idx="minor">
+            <a:schemeClr val="dk1"/>
+          </a:fontRef>
+        </p:style>
+        <p:txBody>
+          <a:bodyPr rtlCol="0" anchor="ctr"/>
+          <a:lstStyle/>
+          <a:p>
+            <a:pPr algn="ctr"/>
+            <a:endParaRPr kumimoji="1" lang="zh-CN" altLang="en-US"/>
+          </a:p>
+        </p:txBody>
+      </p:sp>
+      <mc:AlternateContent xmlns:mc="http://schemas.openxmlformats.org/markup-compatibility/2006">
+        <mc:Choice xmlns:a14="http://schemas.microsoft.com/office/drawing/2010/main" Requires="a14">
+          <p:sp>
+            <p:nvSpPr>
+              <p:cNvPr id="52" name="文本框 51">
+                <a:extLst>
+                  <a:ext uri="{FF2B5EF4-FFF2-40B4-BE49-F238E27FC236}">
+                    <a16:creationId xmlns:a16="http://schemas.microsoft.com/office/drawing/2014/main" id="{022E6D55-72C0-506B-BED0-ECB3C0F5BF9B}"/>
+                  </a:ext>
+                </a:extLst>
+              </p:cNvPr>
+              <p:cNvSpPr txBox="1"/>
+              <p:nvPr/>
+            </p:nvSpPr>
+            <p:spPr>
+              <a:xfrm>
+                <a:off x="6379862" y="4312512"/>
+                <a:ext cx="441812" cy="369332"/>
+              </a:xfrm>
+              <a:prstGeom prst="rect">
+                <a:avLst/>
+              </a:prstGeom>
+              <a:noFill/>
+            </p:spPr>
+            <p:txBody>
+              <a:bodyPr wrap="square">
+                <a:spAutoFit/>
+              </a:bodyPr>
+              <a:lstStyle/>
+              <a:p>
+                <a:pPr/>
+                <a14:m>
+                  <m:oMathPara xmlns:m="http://schemas.openxmlformats.org/officeDocument/2006/math">
+                    <m:oMathParaPr>
+                      <m:jc m:val="centerGroup"/>
+                    </m:oMathParaPr>
+                    <m:oMath xmlns:m="http://schemas.openxmlformats.org/officeDocument/2006/math">
+                      <m:sSub>
+                        <m:sSubPr>
+                          <m:ctrlPr>
+                            <a:rPr kumimoji="1" lang="en-US" altLang="zh-CN" b="0" i="1">
+                              <a:latin typeface="Cambria Math" panose="02040503050406030204" pitchFamily="18" charset="0"/>
+                            </a:rPr>
+                          </m:ctrlPr>
+                        </m:sSubPr>
+                        <m:e>
+                          <m:r>
+                            <a:rPr kumimoji="1" lang="en-US" altLang="zh-CN" b="0" i="1">
+                              <a:latin typeface="Cambria Math" panose="02040503050406030204" pitchFamily="18" charset="0"/>
+                            </a:rPr>
+                            <m:t>𝑃</m:t>
+                          </m:r>
+                        </m:e>
+                        <m:sub>
+                          <m:r>
+                            <a:rPr kumimoji="1" lang="en-US" altLang="zh-CN" b="0" i="1">
+                              <a:latin typeface="Cambria Math" panose="02040503050406030204" pitchFamily="18" charset="0"/>
+                            </a:rPr>
+                            <m:t>2</m:t>
+                          </m:r>
+                        </m:sub>
+                      </m:sSub>
+                    </m:oMath>
+                  </m:oMathPara>
+                </a14:m>
+                <a:endParaRPr lang="zh-CN" altLang="en-US"/>
+              </a:p>
+            </p:txBody>
+          </p:sp>
+        </mc:Choice>
+        <mc:Fallback>
+          <p:sp>
+            <p:nvSpPr>
+              <p:cNvPr id="52" name="文本框 51">
+                <a:extLst>
+                  <a:ext uri="{FF2B5EF4-FFF2-40B4-BE49-F238E27FC236}">
+                    <a16:creationId xmlns:a16="http://schemas.microsoft.com/office/drawing/2014/main" id="{022E6D55-72C0-506B-BED0-ECB3C0F5BF9B}"/>
+                  </a:ext>
+                </a:extLst>
+              </p:cNvPr>
+              <p:cNvSpPr txBox="1">
+                <a:spLocks noRot="1" noChangeAspect="1" noMove="1" noResize="1" noEditPoints="1" noAdjustHandles="1" noChangeArrowheads="1" noChangeShapeType="1" noTextEdit="1"/>
+              </p:cNvSpPr>
+              <p:nvPr/>
+            </p:nvSpPr>
+            <p:spPr>
+              <a:xfrm>
+                <a:off x="6379862" y="4312512"/>
+                <a:ext cx="441812" cy="369332"/>
+              </a:xfrm>
+              <a:prstGeom prst="rect">
+                <a:avLst/>
+              </a:prstGeom>
+              <a:blipFill>
+                <a:blip r:embed="rId4"/>
+                <a:stretch>
+                  <a:fillRect/>
+                </a:stretch>
+              </a:blipFill>
+            </p:spPr>
+            <p:txBody>
+              <a:bodyPr/>
+              <a:lstStyle/>
+              <a:p>
+                <a:r>
+                  <a:rPr lang="zh-CN" altLang="en-US">
+                    <a:noFill/>
+                  </a:rPr>
+                  <a:t> </a:t>
+                </a:r>
+              </a:p>
+            </p:txBody>
+          </p:sp>
+        </mc:Fallback>
+      </mc:AlternateContent>
+      <mc:AlternateContent xmlns:mc="http://schemas.openxmlformats.org/markup-compatibility/2006">
+        <mc:Choice xmlns:a14="http://schemas.microsoft.com/office/drawing/2010/main" Requires="a14">
+          <p:sp>
+            <p:nvSpPr>
+              <p:cNvPr id="56" name="文本框 55">
+                <a:extLst>
+                  <a:ext uri="{FF2B5EF4-FFF2-40B4-BE49-F238E27FC236}">
+                    <a16:creationId xmlns:a16="http://schemas.microsoft.com/office/drawing/2014/main" id="{456A5648-22E1-0B2A-C69E-399170952AD1}"/>
+                  </a:ext>
+                </a:extLst>
+              </p:cNvPr>
+              <p:cNvSpPr txBox="1"/>
+              <p:nvPr/>
+            </p:nvSpPr>
+            <p:spPr>
+              <a:xfrm>
+                <a:off x="6294005" y="1395663"/>
+                <a:ext cx="582489" cy="369332"/>
+              </a:xfrm>
+              <a:prstGeom prst="rect">
+                <a:avLst/>
+              </a:prstGeom>
+              <a:noFill/>
+            </p:spPr>
+            <p:txBody>
+              <a:bodyPr wrap="square">
+                <a:spAutoFit/>
+              </a:bodyPr>
+              <a:lstStyle/>
+              <a:p>
+                <a:pPr/>
+                <a14:m>
+                  <m:oMathPara xmlns:m="http://schemas.openxmlformats.org/officeDocument/2006/math">
+                    <m:oMathParaPr>
+                      <m:jc m:val="centerGroup"/>
+                    </m:oMathParaPr>
+                    <m:oMath xmlns:m="http://schemas.openxmlformats.org/officeDocument/2006/math">
+                      <m:sSub>
+                        <m:sSubPr>
+                          <m:ctrlPr>
+                            <a:rPr kumimoji="1" lang="en-US" altLang="zh-CN" b="0" i="1">
+                              <a:latin typeface="Cambria Math" panose="02040503050406030204" pitchFamily="18" charset="0"/>
+                            </a:rPr>
+                          </m:ctrlPr>
+                        </m:sSubPr>
+                        <m:e>
+                          <m:r>
+                            <a:rPr kumimoji="1" lang="en-US" altLang="zh-CN" b="0" i="1">
+                              <a:latin typeface="Cambria Math" panose="02040503050406030204" pitchFamily="18" charset="0"/>
+                            </a:rPr>
+                            <m:t>𝑃</m:t>
+                          </m:r>
+                        </m:e>
+                        <m:sub>
+                          <m:r>
+                            <a:rPr kumimoji="1" lang="en-US" altLang="zh-CN" b="0" i="1">
+                              <a:latin typeface="Cambria Math" panose="02040503050406030204" pitchFamily="18" charset="0"/>
+                            </a:rPr>
+                            <m:t>1</m:t>
+                          </m:r>
+                        </m:sub>
+                      </m:sSub>
+                    </m:oMath>
+                  </m:oMathPara>
+                </a14:m>
+                <a:endParaRPr lang="zh-CN" altLang="en-US"/>
+              </a:p>
+            </p:txBody>
+          </p:sp>
+        </mc:Choice>
+        <mc:Fallback>
+          <p:sp>
+            <p:nvSpPr>
+              <p:cNvPr id="56" name="文本框 55">
+                <a:extLst>
+                  <a:ext uri="{FF2B5EF4-FFF2-40B4-BE49-F238E27FC236}">
+                    <a16:creationId xmlns:a16="http://schemas.microsoft.com/office/drawing/2014/main" id="{456A5648-22E1-0B2A-C69E-399170952AD1}"/>
+                  </a:ext>
+                </a:extLst>
+              </p:cNvPr>
+              <p:cNvSpPr txBox="1">
+                <a:spLocks noRot="1" noChangeAspect="1" noMove="1" noResize="1" noEditPoints="1" noAdjustHandles="1" noChangeArrowheads="1" noChangeShapeType="1" noTextEdit="1"/>
+              </p:cNvSpPr>
+              <p:nvPr/>
+            </p:nvSpPr>
+            <p:spPr>
+              <a:xfrm>
+                <a:off x="6294005" y="1395663"/>
+                <a:ext cx="582489" cy="369332"/>
+              </a:xfrm>
+              <a:prstGeom prst="rect">
+                <a:avLst/>
+              </a:prstGeom>
+              <a:blipFill>
+                <a:blip r:embed="rId5"/>
+                <a:stretch>
+                  <a:fillRect/>
+                </a:stretch>
+              </a:blipFill>
+            </p:spPr>
+            <p:txBody>
+              <a:bodyPr/>
+              <a:lstStyle/>
+              <a:p>
+                <a:r>
+                  <a:rPr lang="zh-CN" altLang="en-US">
+                    <a:noFill/>
+                  </a:rPr>
+                  <a:t> </a:t>
+                </a:r>
+              </a:p>
+            </p:txBody>
+          </p:sp>
+        </mc:Fallback>
+      </mc:AlternateContent>
+      <mc:AlternateContent xmlns:mc="http://schemas.openxmlformats.org/markup-compatibility/2006">
+        <mc:Choice xmlns:a14="http://schemas.microsoft.com/office/drawing/2010/main" Requires="a14">
+          <p:sp>
+            <p:nvSpPr>
+              <p:cNvPr id="58" name="文本框 57">
+                <a:extLst>
+                  <a:ext uri="{FF2B5EF4-FFF2-40B4-BE49-F238E27FC236}">
+                    <a16:creationId xmlns:a16="http://schemas.microsoft.com/office/drawing/2014/main" id="{B7A52D27-5FFD-8201-0826-67C26A629143}"/>
+                  </a:ext>
+                </a:extLst>
+              </p:cNvPr>
+              <p:cNvSpPr txBox="1"/>
+              <p:nvPr/>
+            </p:nvSpPr>
+            <p:spPr>
+              <a:xfrm>
+                <a:off x="4183534" y="1691355"/>
+                <a:ext cx="285031" cy="369332"/>
+              </a:xfrm>
+              <a:prstGeom prst="rect">
+                <a:avLst/>
+              </a:prstGeom>
+              <a:noFill/>
+            </p:spPr>
+            <p:txBody>
+              <a:bodyPr wrap="square">
+                <a:spAutoFit/>
+              </a:bodyPr>
+              <a:lstStyle/>
+              <a:p>
+                <a:pPr/>
+                <a14:m>
+                  <m:oMathPara xmlns:m="http://schemas.openxmlformats.org/officeDocument/2006/math">
+                    <m:oMathParaPr>
+                      <m:jc m:val="centerGroup"/>
+                    </m:oMathParaPr>
+                    <m:oMath xmlns:m="http://schemas.openxmlformats.org/officeDocument/2006/math">
+                      <m:sSub>
+                        <m:sSubPr>
+                          <m:ctrlPr>
+                            <a:rPr kumimoji="1" lang="en-US" altLang="zh-CN" b="0" i="1">
+                              <a:latin typeface="Cambria Math" panose="02040503050406030204" pitchFamily="18" charset="0"/>
+                            </a:rPr>
+                          </m:ctrlPr>
+                        </m:sSubPr>
+                        <m:e>
+                          <m:r>
+                            <a:rPr kumimoji="1" lang="en-US" altLang="zh-CN" b="0" i="1">
+                              <a:latin typeface="Cambria Math" panose="02040503050406030204" pitchFamily="18" charset="0"/>
+                            </a:rPr>
+                            <m:t>𝐹</m:t>
+                          </m:r>
+                        </m:e>
+                        <m:sub>
+                          <m:r>
+                            <a:rPr kumimoji="1" lang="en-US" altLang="zh-CN" b="0" i="1">
+                              <a:latin typeface="Cambria Math" panose="02040503050406030204" pitchFamily="18" charset="0"/>
+                            </a:rPr>
+                            <m:t>1</m:t>
+                          </m:r>
+                        </m:sub>
+                      </m:sSub>
+                    </m:oMath>
+                  </m:oMathPara>
+                </a14:m>
+                <a:endParaRPr lang="zh-CN" altLang="en-US"/>
+              </a:p>
+            </p:txBody>
+          </p:sp>
+        </mc:Choice>
+        <mc:Fallback>
+          <p:sp>
+            <p:nvSpPr>
+              <p:cNvPr id="58" name="文本框 57">
+                <a:extLst>
+                  <a:ext uri="{FF2B5EF4-FFF2-40B4-BE49-F238E27FC236}">
+                    <a16:creationId xmlns:a16="http://schemas.microsoft.com/office/drawing/2014/main" id="{B7A52D27-5FFD-8201-0826-67C26A629143}"/>
+                  </a:ext>
+                </a:extLst>
+              </p:cNvPr>
+              <p:cNvSpPr txBox="1">
+                <a:spLocks noRot="1" noChangeAspect="1" noMove="1" noResize="1" noEditPoints="1" noAdjustHandles="1" noChangeArrowheads="1" noChangeShapeType="1" noTextEdit="1"/>
+              </p:cNvSpPr>
+              <p:nvPr/>
+            </p:nvSpPr>
+            <p:spPr>
+              <a:xfrm>
+                <a:off x="4183534" y="1691355"/>
+                <a:ext cx="285031" cy="369332"/>
+              </a:xfrm>
+              <a:prstGeom prst="rect">
+                <a:avLst/>
+              </a:prstGeom>
+              <a:blipFill>
+                <a:blip r:embed="rId6"/>
+                <a:stretch>
+                  <a:fillRect r="-26087"/>
+                </a:stretch>
+              </a:blipFill>
+            </p:spPr>
+            <p:txBody>
+              <a:bodyPr/>
+              <a:lstStyle/>
+              <a:p>
+                <a:r>
+                  <a:rPr lang="zh-CN" altLang="en-US">
+                    <a:noFill/>
+                  </a:rPr>
+                  <a:t> </a:t>
+                </a:r>
+              </a:p>
+            </p:txBody>
+          </p:sp>
+        </mc:Fallback>
+      </mc:AlternateContent>
+      <mc:AlternateContent xmlns:mc="http://schemas.openxmlformats.org/markup-compatibility/2006">
+        <mc:Choice xmlns:a14="http://schemas.microsoft.com/office/drawing/2010/main" Requires="a14">
+          <p:sp>
+            <p:nvSpPr>
+              <p:cNvPr id="60" name="文本框 59">
+                <a:extLst>
+                  <a:ext uri="{FF2B5EF4-FFF2-40B4-BE49-F238E27FC236}">
+                    <a16:creationId xmlns:a16="http://schemas.microsoft.com/office/drawing/2014/main" id="{F9E931D6-A180-806F-1344-B19A21B4A9C0}"/>
+                  </a:ext>
+                </a:extLst>
+              </p:cNvPr>
+              <p:cNvSpPr txBox="1"/>
+              <p:nvPr/>
+            </p:nvSpPr>
+            <p:spPr>
+              <a:xfrm>
+                <a:off x="3835908" y="4497178"/>
+                <a:ext cx="837466" cy="369332"/>
+              </a:xfrm>
+              <a:prstGeom prst="rect">
+                <a:avLst/>
+              </a:prstGeom>
+              <a:noFill/>
+            </p:spPr>
+            <p:txBody>
+              <a:bodyPr wrap="square">
+                <a:spAutoFit/>
+              </a:bodyPr>
+              <a:lstStyle/>
+              <a:p>
+                <a:pPr/>
+                <a14:m>
+                  <m:oMathPara xmlns:m="http://schemas.openxmlformats.org/officeDocument/2006/math">
+                    <m:oMathParaPr>
+                      <m:jc m:val="centerGroup"/>
+                    </m:oMathParaPr>
+                    <m:oMath xmlns:m="http://schemas.openxmlformats.org/officeDocument/2006/math">
+                      <m:sSub>
+                        <m:sSubPr>
+                          <m:ctrlPr>
+                            <a:rPr kumimoji="1" lang="en-US" altLang="zh-CN" b="0" i="1">
+                              <a:latin typeface="Cambria Math" panose="02040503050406030204" pitchFamily="18" charset="0"/>
+                            </a:rPr>
+                          </m:ctrlPr>
+                        </m:sSubPr>
+                        <m:e>
+                          <m:r>
+                            <a:rPr kumimoji="1" lang="en-US" altLang="zh-CN" b="0" i="1">
+                              <a:latin typeface="Cambria Math" panose="02040503050406030204" pitchFamily="18" charset="0"/>
+                            </a:rPr>
+                            <m:t>𝐹</m:t>
+                          </m:r>
+                        </m:e>
+                        <m:sub>
+                          <m:r>
+                            <a:rPr kumimoji="1" lang="en-US" altLang="zh-CN" b="0" i="1">
+                              <a:latin typeface="Cambria Math" panose="02040503050406030204" pitchFamily="18" charset="0"/>
+                            </a:rPr>
+                            <m:t>2</m:t>
+                          </m:r>
+                        </m:sub>
+                      </m:sSub>
+                    </m:oMath>
+                  </m:oMathPara>
+                </a14:m>
+                <a:endParaRPr lang="zh-CN" altLang="en-US"/>
+              </a:p>
+            </p:txBody>
+          </p:sp>
+        </mc:Choice>
+        <mc:Fallback>
+          <p:sp>
+            <p:nvSpPr>
+              <p:cNvPr id="60" name="文本框 59">
+                <a:extLst>
+                  <a:ext uri="{FF2B5EF4-FFF2-40B4-BE49-F238E27FC236}">
+                    <a16:creationId xmlns:a16="http://schemas.microsoft.com/office/drawing/2014/main" id="{F9E931D6-A180-806F-1344-B19A21B4A9C0}"/>
+                  </a:ext>
+                </a:extLst>
+              </p:cNvPr>
+              <p:cNvSpPr txBox="1">
+                <a:spLocks noRot="1" noChangeAspect="1" noMove="1" noResize="1" noEditPoints="1" noAdjustHandles="1" noChangeArrowheads="1" noChangeShapeType="1" noTextEdit="1"/>
+              </p:cNvSpPr>
+              <p:nvPr/>
+            </p:nvSpPr>
+            <p:spPr>
+              <a:xfrm>
+                <a:off x="3835908" y="4497178"/>
+                <a:ext cx="837466" cy="369332"/>
+              </a:xfrm>
+              <a:prstGeom prst="rect">
+                <a:avLst/>
+              </a:prstGeom>
+              <a:blipFill>
+                <a:blip r:embed="rId7"/>
+                <a:stretch>
+                  <a:fillRect/>
+                </a:stretch>
+              </a:blipFill>
+            </p:spPr>
+            <p:txBody>
+              <a:bodyPr/>
+              <a:lstStyle/>
+              <a:p>
+                <a:r>
+                  <a:rPr lang="zh-CN" altLang="en-US">
+                    <a:noFill/>
+                  </a:rPr>
+                  <a:t> </a:t>
+                </a:r>
+              </a:p>
+            </p:txBody>
+          </p:sp>
+        </mc:Fallback>
+      </mc:AlternateContent>
+    </p:spTree>
+    <p:extLst>
+      <p:ext uri="{BB962C8B-B14F-4D97-AF65-F5344CB8AC3E}">
+        <p14:creationId xmlns:p14="http://schemas.microsoft.com/office/powerpoint/2010/main" val="2953226112"/>
+      </p:ext>
+    </p:extLst>
+  </p:cSld>
+  <p:clrMapOvr>
+    <a:masterClrMapping/>
+  </p:clrMapOvr>
+</p:sld>
+</file>
+
+<file path=ppt/slides/slide12.xml><?xml version="1.0" encoding="utf-8"?>
+<p:sld xmlns:a="http://schemas.openxmlformats.org/drawingml/2006/main" xmlns:r="http://schemas.openxmlformats.org/officeDocument/2006/relationships" xmlns:p="http://schemas.openxmlformats.org/presentationml/2006/main">
+  <p:cSld>
+    <p:spTree>
+      <p:nvGrpSpPr>
+        <p:cNvPr id="1" name=""/>
+        <p:cNvGrpSpPr/>
+        <p:nvPr/>
+      </p:nvGrpSpPr>
+      <p:grpSpPr>
+        <a:xfrm>
+          <a:off x="0" y="0"/>
+          <a:ext cx="0" cy="0"/>
+          <a:chOff x="0" y="0"/>
+          <a:chExt cx="0" cy="0"/>
+        </a:xfrm>
+      </p:grpSpPr>
+      <mc:AlternateContent xmlns:mc="http://schemas.openxmlformats.org/markup-compatibility/2006">
+        <mc:Choice xmlns:p14="http://schemas.microsoft.com/office/powerpoint/2010/main" Requires="p14">
+          <p:contentPart p14:bwMode="auto" r:id="rId2">
+            <p14:nvContentPartPr>
+              <p14:cNvPr id="5" name="墨迹 4">
+                <a:extLst>
+                  <a:ext uri="{FF2B5EF4-FFF2-40B4-BE49-F238E27FC236}">
+                    <a16:creationId xmlns:a16="http://schemas.microsoft.com/office/drawing/2014/main" id="{DCE1B999-01F5-29AD-7158-CA937AE33C88}"/>
+                  </a:ext>
+                </a:extLst>
+              </p14:cNvPr>
+              <p14:cNvContentPartPr/>
+              <p14:nvPr/>
+            </p14:nvContentPartPr>
+            <p14:xfrm>
+              <a:off x="5694632" y="3087097"/>
+              <a:ext cx="8640" cy="6480"/>
+            </p14:xfrm>
+          </p:contentPart>
+        </mc:Choice>
+        <mc:Fallback>
+          <p:pic>
+            <p:nvPicPr>
+              <p:cNvPr id="5" name="墨迹 4">
+                <a:extLst>
+                  <a:ext uri="{FF2B5EF4-FFF2-40B4-BE49-F238E27FC236}">
+                    <a16:creationId xmlns:a16="http://schemas.microsoft.com/office/drawing/2014/main" id="{DCE1B999-01F5-29AD-7158-CA937AE33C88}"/>
+                  </a:ext>
+                </a:extLst>
+              </p:cNvPr>
+              <p:cNvPicPr/>
+              <p:nvPr/>
+            </p:nvPicPr>
+            <p:blipFill>
+              <a:blip r:embed="rId3"/>
+              <a:stretch>
+                <a:fillRect/>
+              </a:stretch>
+            </p:blipFill>
+            <p:spPr>
+              <a:xfrm>
+                <a:off x="5679512" y="3071977"/>
+                <a:ext cx="39240" cy="37080"/>
+              </a:xfrm>
+              <a:prstGeom prst="rect">
+                <a:avLst/>
+              </a:prstGeom>
+            </p:spPr>
+          </p:pic>
+        </mc:Fallback>
+      </mc:AlternateContent>
+      <p:sp>
+        <p:nvSpPr>
+          <p:cNvPr id="20" name="矩形 19">
+            <a:extLst>
+              <a:ext uri="{FF2B5EF4-FFF2-40B4-BE49-F238E27FC236}">
+                <a16:creationId xmlns:a16="http://schemas.microsoft.com/office/drawing/2014/main" id="{0893DDC8-6FCE-4520-B20F-23F0731B0B18}"/>
+              </a:ext>
+            </a:extLst>
+          </p:cNvPr>
+          <p:cNvSpPr/>
+          <p:nvPr/>
+        </p:nvSpPr>
+        <p:spPr>
+          <a:xfrm>
+            <a:off x="1153080" y="2599920"/>
+            <a:ext cx="1280160" cy="1280160"/>
+          </a:xfrm>
+          <a:prstGeom prst="rect">
+            <a:avLst/>
+          </a:prstGeom>
+          <a:solidFill>
+            <a:srgbClr val="849398">
+              <a:alpha val="5000"/>
+            </a:srgbClr>
+          </a:solidFill>
+          <a:ln w="18000" cap="flat" cmpd="sng" algn="ctr">
+            <a:solidFill>
+              <a:srgbClr val="849398"/>
+            </a:solidFill>
+            <a:prstDash val="solid"/>
+          </a:ln>
+          <a:effectLst/>
+        </p:spPr>
+        <p:style>
+          <a:lnRef idx="2">
+            <a:schemeClr val="accent1">
+              <a:shade val="15000"/>
+            </a:schemeClr>
+          </a:lnRef>
+          <a:fillRef idx="1">
+            <a:schemeClr val="accent1"/>
+          </a:fillRef>
+          <a:effectRef idx="0">
+            <a:schemeClr val="accent1"/>
+          </a:effectRef>
+          <a:fontRef idx="minor">
+            <a:schemeClr val="lt1"/>
+          </a:fontRef>
+        </p:style>
+        <p:txBody>
+          <a:bodyPr wrap="none" rtlCol="0" anchor="ctr" anchorCtr="1">
+            <a:noAutofit/>
+          </a:bodyPr>
+          <a:lstStyle/>
+          <a:p>
+            <a:pPr algn="ctr"/>
+            <a:r>
+              <a:rPr lang="en-US" altLang="zh-CN" sz="2400">
+                <a:solidFill>
+                  <a:srgbClr val="849398"/>
+                </a:solidFill>
+              </a:rPr>
+              <a:t>X</a:t>
+            </a:r>
+          </a:p>
+        </p:txBody>
+      </p:sp>
+      <p:cxnSp>
+        <p:nvCxnSpPr>
+          <p:cNvPr id="12" name="直线箭头连接符 11">
+            <a:extLst>
+              <a:ext uri="{FF2B5EF4-FFF2-40B4-BE49-F238E27FC236}">
+                <a16:creationId xmlns:a16="http://schemas.microsoft.com/office/drawing/2014/main" id="{897CF935-963F-503B-4409-BDCD4E9EC8DB}"/>
+              </a:ext>
+            </a:extLst>
+          </p:cNvPr>
+          <p:cNvCxnSpPr>
+            <a:cxnSpLocks/>
+            <a:stCxn id="20" idx="3"/>
+          </p:cNvCxnSpPr>
+          <p:nvPr/>
+        </p:nvCxnSpPr>
+        <p:spPr>
+          <a:xfrm flipV="1">
+            <a:off x="2433240" y="1890346"/>
+            <a:ext cx="1338660" cy="1349654"/>
+          </a:xfrm>
+          <a:prstGeom prst="straightConnector1">
+            <a:avLst/>
+          </a:prstGeom>
+          <a:ln>
+            <a:tailEnd type="triangle"/>
+          </a:ln>
+        </p:spPr>
+        <p:style>
+          <a:lnRef idx="1">
+            <a:schemeClr val="dk1"/>
+          </a:lnRef>
+          <a:fillRef idx="0">
+            <a:schemeClr val="dk1"/>
+          </a:fillRef>
+          <a:effectRef idx="0">
+            <a:schemeClr val="dk1"/>
+          </a:effectRef>
+          <a:fontRef idx="minor">
+            <a:schemeClr val="tx1"/>
+          </a:fontRef>
+        </p:style>
+      </p:cxnSp>
+      <p:cxnSp>
+        <p:nvCxnSpPr>
+          <p:cNvPr id="14" name="直线箭头连接符 13">
+            <a:extLst>
+              <a:ext uri="{FF2B5EF4-FFF2-40B4-BE49-F238E27FC236}">
+                <a16:creationId xmlns:a16="http://schemas.microsoft.com/office/drawing/2014/main" id="{0D35201A-BC75-4EEB-996B-558E020A2646}"/>
+              </a:ext>
+            </a:extLst>
+          </p:cNvPr>
+          <p:cNvCxnSpPr>
+            <a:cxnSpLocks/>
+            <a:stCxn id="20" idx="3"/>
+          </p:cNvCxnSpPr>
+          <p:nvPr/>
+        </p:nvCxnSpPr>
+        <p:spPr>
+          <a:xfrm>
+            <a:off x="2433240" y="3240000"/>
+            <a:ext cx="1338660" cy="1375962"/>
+          </a:xfrm>
+          <a:prstGeom prst="straightConnector1">
+            <a:avLst/>
+          </a:prstGeom>
+          <a:ln>
+            <a:tailEnd type="triangle"/>
+          </a:ln>
+        </p:spPr>
+        <p:style>
+          <a:lnRef idx="1">
+            <a:schemeClr val="dk1"/>
+          </a:lnRef>
+          <a:fillRef idx="0">
+            <a:schemeClr val="dk1"/>
+          </a:fillRef>
+          <a:effectRef idx="0">
+            <a:schemeClr val="dk1"/>
+          </a:effectRef>
+          <a:fontRef idx="minor">
+            <a:schemeClr val="tx1"/>
+          </a:fontRef>
+        </p:style>
+      </p:cxnSp>
+      <p:sp>
+        <p:nvSpPr>
+          <p:cNvPr id="19" name="立方体 18">
+            <a:extLst>
+              <a:ext uri="{FF2B5EF4-FFF2-40B4-BE49-F238E27FC236}">
+                <a16:creationId xmlns:a16="http://schemas.microsoft.com/office/drawing/2014/main" id="{F2E22F1E-E886-9D43-29BE-AD16069F7D3B}"/>
+              </a:ext>
+            </a:extLst>
+          </p:cNvPr>
+          <p:cNvSpPr/>
+          <p:nvPr/>
+        </p:nvSpPr>
+        <p:spPr>
+          <a:xfrm>
+            <a:off x="3932858" y="1124272"/>
+            <a:ext cx="1216152" cy="1216152"/>
+          </a:xfrm>
+          <a:prstGeom prst="cube">
+            <a:avLst/>
+          </a:prstGeom>
+        </p:spPr>
+        <p:style>
+          <a:lnRef idx="2">
+            <a:schemeClr val="accent6"/>
+          </a:lnRef>
+          <a:fillRef idx="1">
+            <a:schemeClr val="lt1"/>
+          </a:fillRef>
+          <a:effectRef idx="0">
+            <a:schemeClr val="accent6"/>
+          </a:effectRef>
+          <a:fontRef idx="minor">
+            <a:schemeClr val="dk1"/>
+          </a:fontRef>
+        </p:style>
+        <p:txBody>
+          <a:bodyPr rtlCol="0" anchor="ctr"/>
+          <a:lstStyle/>
+          <a:p>
+            <a:pPr algn="ctr"/>
+            <a:endParaRPr kumimoji="1" lang="zh-CN" altLang="en-US"/>
+          </a:p>
+        </p:txBody>
+      </p:sp>
+      <p:cxnSp>
+        <p:nvCxnSpPr>
+          <p:cNvPr id="22" name="直线箭头连接符 21">
+            <a:extLst>
+              <a:ext uri="{FF2B5EF4-FFF2-40B4-BE49-F238E27FC236}">
+                <a16:creationId xmlns:a16="http://schemas.microsoft.com/office/drawing/2014/main" id="{AC8EFE48-0D42-73EC-92D9-7792FFBEAED0}"/>
+              </a:ext>
+            </a:extLst>
+          </p:cNvPr>
+          <p:cNvCxnSpPr>
+            <a:cxnSpLocks/>
+            <a:stCxn id="19" idx="5"/>
+          </p:cNvCxnSpPr>
+          <p:nvPr/>
+        </p:nvCxnSpPr>
+        <p:spPr>
+          <a:xfrm>
+            <a:off x="5149010" y="1580329"/>
+            <a:ext cx="1043940" cy="0"/>
+          </a:xfrm>
+          <a:prstGeom prst="straightConnector1">
+            <a:avLst/>
+          </a:prstGeom>
+          <a:ln>
+            <a:tailEnd type="triangle"/>
+          </a:ln>
+        </p:spPr>
+        <p:style>
+          <a:lnRef idx="1">
+            <a:schemeClr val="dk1"/>
+          </a:lnRef>
+          <a:fillRef idx="0">
+            <a:schemeClr val="dk1"/>
+          </a:fillRef>
+          <a:effectRef idx="0">
+            <a:schemeClr val="dk1"/>
+          </a:effectRef>
+          <a:fontRef idx="minor">
+            <a:schemeClr val="tx1"/>
+          </a:fontRef>
+        </p:style>
+      </p:cxnSp>
+      <p:cxnSp>
+        <p:nvCxnSpPr>
+          <p:cNvPr id="25" name="直线箭头连接符 24">
+            <a:extLst>
+              <a:ext uri="{FF2B5EF4-FFF2-40B4-BE49-F238E27FC236}">
+                <a16:creationId xmlns:a16="http://schemas.microsoft.com/office/drawing/2014/main" id="{B5818D52-DEB6-CA71-306B-F3A93BBE84DA}"/>
+              </a:ext>
+            </a:extLst>
+          </p:cNvPr>
+          <p:cNvCxnSpPr>
+            <a:cxnSpLocks/>
+          </p:cNvCxnSpPr>
+          <p:nvPr/>
+        </p:nvCxnSpPr>
+        <p:spPr>
+          <a:xfrm>
+            <a:off x="5052060" y="4512241"/>
+            <a:ext cx="1043940" cy="0"/>
+          </a:xfrm>
+          <a:prstGeom prst="straightConnector1">
+            <a:avLst/>
+          </a:prstGeom>
+          <a:ln>
+            <a:tailEnd type="triangle"/>
+          </a:ln>
+        </p:spPr>
+        <p:style>
+          <a:lnRef idx="1">
+            <a:schemeClr val="dk1"/>
+          </a:lnRef>
+          <a:fillRef idx="0">
+            <a:schemeClr val="dk1"/>
+          </a:fillRef>
+          <a:effectRef idx="0">
+            <a:schemeClr val="dk1"/>
+          </a:effectRef>
+          <a:fontRef idx="minor">
+            <a:schemeClr val="tx1"/>
+          </a:fontRef>
+        </p:style>
+      </p:cxnSp>
+      <p:sp>
+        <p:nvSpPr>
+          <p:cNvPr id="26" name="矩形 25">
+            <a:extLst>
+              <a:ext uri="{FF2B5EF4-FFF2-40B4-BE49-F238E27FC236}">
+                <a16:creationId xmlns:a16="http://schemas.microsoft.com/office/drawing/2014/main" id="{971F102C-2BA8-3120-FB7F-BC5A55FBB15F}"/>
+              </a:ext>
+            </a:extLst>
+          </p:cNvPr>
+          <p:cNvSpPr/>
+          <p:nvPr/>
+        </p:nvSpPr>
+        <p:spPr>
+          <a:xfrm>
+            <a:off x="6160360" y="1124272"/>
+            <a:ext cx="914400" cy="914400"/>
+          </a:xfrm>
+          <a:prstGeom prst="rect">
+            <a:avLst/>
+          </a:prstGeom>
+        </p:spPr>
+        <p:style>
+          <a:lnRef idx="2">
+            <a:schemeClr val="accent6"/>
+          </a:lnRef>
+          <a:fillRef idx="1">
+            <a:schemeClr val="lt1"/>
+          </a:fillRef>
+          <a:effectRef idx="0">
+            <a:schemeClr val="accent6"/>
+          </a:effectRef>
+          <a:fontRef idx="minor">
+            <a:schemeClr val="dk1"/>
+          </a:fontRef>
+        </p:style>
+        <p:txBody>
+          <a:bodyPr rtlCol="0" anchor="ctr"/>
+          <a:lstStyle/>
+          <a:p>
+            <a:pPr algn="ctr"/>
+            <a:endParaRPr kumimoji="1" lang="zh-CN" altLang="en-US"/>
+          </a:p>
+        </p:txBody>
+      </p:sp>
+      <p:sp>
+        <p:nvSpPr>
+          <p:cNvPr id="29" name="矩形 28">
+            <a:extLst>
+              <a:ext uri="{FF2B5EF4-FFF2-40B4-BE49-F238E27FC236}">
+                <a16:creationId xmlns:a16="http://schemas.microsoft.com/office/drawing/2014/main" id="{9A025E25-30C6-0382-B0D2-B0428D218E43}"/>
+              </a:ext>
+            </a:extLst>
+          </p:cNvPr>
+          <p:cNvSpPr/>
+          <p:nvPr/>
+        </p:nvSpPr>
+        <p:spPr>
+          <a:xfrm>
+            <a:off x="6160360" y="4055041"/>
+            <a:ext cx="914400" cy="914400"/>
+          </a:xfrm>
+          <a:prstGeom prst="rect">
+            <a:avLst/>
+          </a:prstGeom>
+        </p:spPr>
+        <p:style>
+          <a:lnRef idx="2">
+            <a:schemeClr val="accent1">
+              <a:shade val="15000"/>
+            </a:schemeClr>
+          </a:lnRef>
+          <a:fillRef idx="1">
+            <a:schemeClr val="accent1"/>
+          </a:fillRef>
+          <a:effectRef idx="0">
+            <a:schemeClr val="accent1"/>
+          </a:effectRef>
+          <a:fontRef idx="minor">
+            <a:schemeClr val="lt1"/>
+          </a:fontRef>
+        </p:style>
+        <p:txBody>
+          <a:bodyPr rtlCol="0" anchor="ctr"/>
+          <a:lstStyle/>
+          <a:p>
+            <a:pPr algn="ctr"/>
+            <a:endParaRPr kumimoji="1" lang="zh-CN" altLang="en-US"/>
+          </a:p>
+        </p:txBody>
+      </p:sp>
+      <p:sp>
+        <p:nvSpPr>
+          <p:cNvPr id="50" name="立方体 49">
+            <a:extLst>
+              <a:ext uri="{FF2B5EF4-FFF2-40B4-BE49-F238E27FC236}">
+                <a16:creationId xmlns:a16="http://schemas.microsoft.com/office/drawing/2014/main" id="{A85B7CF1-AAEB-50D1-4AD4-A43303A9894A}"/>
+              </a:ext>
+            </a:extLst>
+          </p:cNvPr>
+          <p:cNvSpPr/>
+          <p:nvPr/>
+        </p:nvSpPr>
+        <p:spPr>
+          <a:xfrm>
+            <a:off x="3835908" y="3927981"/>
+            <a:ext cx="1216152" cy="1216152"/>
+          </a:xfrm>
+          <a:prstGeom prst="cube">
+            <a:avLst/>
+          </a:prstGeom>
+        </p:spPr>
+        <p:style>
+          <a:lnRef idx="2">
+            <a:schemeClr val="accent1">
+              <a:shade val="15000"/>
+            </a:schemeClr>
+          </a:lnRef>
+          <a:fillRef idx="1">
+            <a:schemeClr val="accent1"/>
+          </a:fillRef>
+          <a:effectRef idx="0">
+            <a:schemeClr val="accent1"/>
+          </a:effectRef>
+          <a:fontRef idx="minor">
+            <a:schemeClr val="lt1"/>
+          </a:fontRef>
+        </p:style>
+        <p:txBody>
+          <a:bodyPr rtlCol="0" anchor="ctr"/>
+          <a:lstStyle/>
+          <a:p>
+            <a:pPr algn="ctr"/>
+            <a:endParaRPr kumimoji="1" lang="zh-CN" altLang="en-US"/>
+          </a:p>
+        </p:txBody>
+      </p:sp>
+      <mc:AlternateContent xmlns:mc="http://schemas.openxmlformats.org/markup-compatibility/2006">
+        <mc:Choice xmlns:a14="http://schemas.microsoft.com/office/drawing/2010/main" Requires="a14">
+          <p:sp>
+            <p:nvSpPr>
+              <p:cNvPr id="52" name="文本框 51">
+                <a:extLst>
+                  <a:ext uri="{FF2B5EF4-FFF2-40B4-BE49-F238E27FC236}">
+                    <a16:creationId xmlns:a16="http://schemas.microsoft.com/office/drawing/2014/main" id="{022E6D55-72C0-506B-BED0-ECB3C0F5BF9B}"/>
+                  </a:ext>
+                </a:extLst>
+              </p:cNvPr>
+              <p:cNvSpPr txBox="1"/>
+              <p:nvPr/>
+            </p:nvSpPr>
+            <p:spPr>
+              <a:xfrm>
+                <a:off x="6379862" y="4312512"/>
+                <a:ext cx="441812" cy="369332"/>
+              </a:xfrm>
+              <a:prstGeom prst="rect">
+                <a:avLst/>
+              </a:prstGeom>
+              <a:noFill/>
+            </p:spPr>
+            <p:txBody>
+              <a:bodyPr wrap="square">
+                <a:spAutoFit/>
+              </a:bodyPr>
+              <a:lstStyle/>
+              <a:p>
+                <a:pPr/>
+                <a14:m>
+                  <m:oMathPara xmlns:m="http://schemas.openxmlformats.org/officeDocument/2006/math">
+                    <m:oMathParaPr>
+                      <m:jc m:val="centerGroup"/>
+                    </m:oMathParaPr>
+                    <m:oMath xmlns:m="http://schemas.openxmlformats.org/officeDocument/2006/math">
+                      <m:sSub>
+                        <m:sSubPr>
+                          <m:ctrlPr>
+                            <a:rPr kumimoji="1" lang="en-US" altLang="zh-CN" b="0" i="1">
+                              <a:latin typeface="Cambria Math" panose="02040503050406030204" pitchFamily="18" charset="0"/>
+                            </a:rPr>
+                          </m:ctrlPr>
+                        </m:sSubPr>
+                        <m:e>
+                          <m:r>
+                            <a:rPr kumimoji="1" lang="en-US" altLang="zh-CN" b="0" i="1">
+                              <a:latin typeface="Cambria Math" panose="02040503050406030204" pitchFamily="18" charset="0"/>
+                            </a:rPr>
+                            <m:t>𝑃</m:t>
+                          </m:r>
+                        </m:e>
+                        <m:sub>
+                          <m:r>
+                            <a:rPr kumimoji="1" lang="en-US" altLang="zh-CN" b="0" i="1">
+                              <a:latin typeface="Cambria Math" panose="02040503050406030204" pitchFamily="18" charset="0"/>
+                            </a:rPr>
+                            <m:t>2</m:t>
+                          </m:r>
+                        </m:sub>
+                      </m:sSub>
+                    </m:oMath>
+                  </m:oMathPara>
+                </a14:m>
+                <a:endParaRPr lang="zh-CN" altLang="en-US"/>
+              </a:p>
+            </p:txBody>
+          </p:sp>
+        </mc:Choice>
+        <mc:Fallback>
+          <p:sp>
+            <p:nvSpPr>
+              <p:cNvPr id="52" name="文本框 51">
+                <a:extLst>
+                  <a:ext uri="{FF2B5EF4-FFF2-40B4-BE49-F238E27FC236}">
+                    <a16:creationId xmlns:a16="http://schemas.microsoft.com/office/drawing/2014/main" id="{022E6D55-72C0-506B-BED0-ECB3C0F5BF9B}"/>
+                  </a:ext>
+                </a:extLst>
+              </p:cNvPr>
+              <p:cNvSpPr txBox="1">
+                <a:spLocks noRot="1" noChangeAspect="1" noMove="1" noResize="1" noEditPoints="1" noAdjustHandles="1" noChangeArrowheads="1" noChangeShapeType="1" noTextEdit="1"/>
+              </p:cNvSpPr>
+              <p:nvPr/>
+            </p:nvSpPr>
+            <p:spPr>
+              <a:xfrm>
+                <a:off x="6379862" y="4312512"/>
+                <a:ext cx="441812" cy="369332"/>
+              </a:xfrm>
+              <a:prstGeom prst="rect">
+                <a:avLst/>
+              </a:prstGeom>
+              <a:blipFill>
+                <a:blip r:embed="rId4"/>
+                <a:stretch>
+                  <a:fillRect/>
+                </a:stretch>
+              </a:blipFill>
+            </p:spPr>
+            <p:txBody>
+              <a:bodyPr/>
+              <a:lstStyle/>
+              <a:p>
+                <a:r>
+                  <a:rPr lang="zh-CN" altLang="en-US">
+                    <a:noFill/>
+                  </a:rPr>
+                  <a:t> </a:t>
+                </a:r>
+              </a:p>
+            </p:txBody>
+          </p:sp>
+        </mc:Fallback>
+      </mc:AlternateContent>
+      <mc:AlternateContent xmlns:mc="http://schemas.openxmlformats.org/markup-compatibility/2006">
+        <mc:Choice xmlns:a14="http://schemas.microsoft.com/office/drawing/2010/main" Requires="a14">
+          <p:sp>
+            <p:nvSpPr>
+              <p:cNvPr id="56" name="文本框 55">
+                <a:extLst>
+                  <a:ext uri="{FF2B5EF4-FFF2-40B4-BE49-F238E27FC236}">
+                    <a16:creationId xmlns:a16="http://schemas.microsoft.com/office/drawing/2014/main" id="{456A5648-22E1-0B2A-C69E-399170952AD1}"/>
+                  </a:ext>
+                </a:extLst>
+              </p:cNvPr>
+              <p:cNvSpPr txBox="1"/>
+              <p:nvPr/>
+            </p:nvSpPr>
+            <p:spPr>
+              <a:xfrm>
+                <a:off x="6294005" y="1395663"/>
+                <a:ext cx="582489" cy="369332"/>
+              </a:xfrm>
+              <a:prstGeom prst="rect">
+                <a:avLst/>
+              </a:prstGeom>
+              <a:noFill/>
+            </p:spPr>
+            <p:txBody>
+              <a:bodyPr wrap="square">
+                <a:spAutoFit/>
+              </a:bodyPr>
+              <a:lstStyle/>
+              <a:p>
+                <a:pPr/>
+                <a14:m>
+                  <m:oMathPara xmlns:m="http://schemas.openxmlformats.org/officeDocument/2006/math">
+                    <m:oMathParaPr>
+                      <m:jc m:val="centerGroup"/>
+                    </m:oMathParaPr>
+                    <m:oMath xmlns:m="http://schemas.openxmlformats.org/officeDocument/2006/math">
+                      <m:sSub>
+                        <m:sSubPr>
+                          <m:ctrlPr>
+                            <a:rPr kumimoji="1" lang="en-US" altLang="zh-CN" b="0" i="1">
+                              <a:latin typeface="Cambria Math" panose="02040503050406030204" pitchFamily="18" charset="0"/>
+                            </a:rPr>
+                          </m:ctrlPr>
+                        </m:sSubPr>
+                        <m:e>
+                          <m:r>
+                            <a:rPr kumimoji="1" lang="en-US" altLang="zh-CN" b="0" i="1">
+                              <a:latin typeface="Cambria Math" panose="02040503050406030204" pitchFamily="18" charset="0"/>
+                            </a:rPr>
+                            <m:t>𝑃</m:t>
+                          </m:r>
+                        </m:e>
+                        <m:sub>
+                          <m:r>
+                            <a:rPr kumimoji="1" lang="en-US" altLang="zh-CN" b="0" i="1">
+                              <a:latin typeface="Cambria Math" panose="02040503050406030204" pitchFamily="18" charset="0"/>
+                            </a:rPr>
+                            <m:t>1</m:t>
+                          </m:r>
+                        </m:sub>
+                      </m:sSub>
+                    </m:oMath>
+                  </m:oMathPara>
+                </a14:m>
+                <a:endParaRPr lang="zh-CN" altLang="en-US"/>
+              </a:p>
+            </p:txBody>
+          </p:sp>
+        </mc:Choice>
+        <mc:Fallback>
+          <p:sp>
+            <p:nvSpPr>
+              <p:cNvPr id="56" name="文本框 55">
+                <a:extLst>
+                  <a:ext uri="{FF2B5EF4-FFF2-40B4-BE49-F238E27FC236}">
+                    <a16:creationId xmlns:a16="http://schemas.microsoft.com/office/drawing/2014/main" id="{456A5648-22E1-0B2A-C69E-399170952AD1}"/>
+                  </a:ext>
+                </a:extLst>
+              </p:cNvPr>
+              <p:cNvSpPr txBox="1">
+                <a:spLocks noRot="1" noChangeAspect="1" noMove="1" noResize="1" noEditPoints="1" noAdjustHandles="1" noChangeArrowheads="1" noChangeShapeType="1" noTextEdit="1"/>
+              </p:cNvSpPr>
+              <p:nvPr/>
+            </p:nvSpPr>
+            <p:spPr>
+              <a:xfrm>
+                <a:off x="6294005" y="1395663"/>
+                <a:ext cx="582489" cy="369332"/>
+              </a:xfrm>
+              <a:prstGeom prst="rect">
+                <a:avLst/>
+              </a:prstGeom>
+              <a:blipFill>
+                <a:blip r:embed="rId5"/>
+                <a:stretch>
+                  <a:fillRect/>
+                </a:stretch>
+              </a:blipFill>
+            </p:spPr>
+            <p:txBody>
+              <a:bodyPr/>
+              <a:lstStyle/>
+              <a:p>
+                <a:r>
+                  <a:rPr lang="zh-CN" altLang="en-US">
+                    <a:noFill/>
+                  </a:rPr>
+                  <a:t> </a:t>
+                </a:r>
+              </a:p>
+            </p:txBody>
+          </p:sp>
+        </mc:Fallback>
+      </mc:AlternateContent>
+      <mc:AlternateContent xmlns:mc="http://schemas.openxmlformats.org/markup-compatibility/2006">
+        <mc:Choice xmlns:a14="http://schemas.microsoft.com/office/drawing/2010/main" Requires="a14">
+          <p:sp>
+            <p:nvSpPr>
+              <p:cNvPr id="58" name="文本框 57">
+                <a:extLst>
+                  <a:ext uri="{FF2B5EF4-FFF2-40B4-BE49-F238E27FC236}">
+                    <a16:creationId xmlns:a16="http://schemas.microsoft.com/office/drawing/2014/main" id="{B7A52D27-5FFD-8201-0826-67C26A629143}"/>
+                  </a:ext>
+                </a:extLst>
+              </p:cNvPr>
+              <p:cNvSpPr txBox="1"/>
+              <p:nvPr/>
+            </p:nvSpPr>
+            <p:spPr>
+              <a:xfrm>
+                <a:off x="4183534" y="1691355"/>
+                <a:ext cx="285031" cy="369332"/>
+              </a:xfrm>
+              <a:prstGeom prst="rect">
+                <a:avLst/>
+              </a:prstGeom>
+              <a:noFill/>
+            </p:spPr>
+            <p:txBody>
+              <a:bodyPr wrap="square">
+                <a:spAutoFit/>
+              </a:bodyPr>
+              <a:lstStyle/>
+              <a:p>
+                <a:pPr/>
+                <a14:m>
+                  <m:oMathPara xmlns:m="http://schemas.openxmlformats.org/officeDocument/2006/math">
+                    <m:oMathParaPr>
+                      <m:jc m:val="centerGroup"/>
+                    </m:oMathParaPr>
+                    <m:oMath xmlns:m="http://schemas.openxmlformats.org/officeDocument/2006/math">
+                      <m:sSub>
+                        <m:sSubPr>
+                          <m:ctrlPr>
+                            <a:rPr kumimoji="1" lang="en-US" altLang="zh-CN" b="0" i="1">
+                              <a:latin typeface="Cambria Math" panose="02040503050406030204" pitchFamily="18" charset="0"/>
+                            </a:rPr>
+                          </m:ctrlPr>
+                        </m:sSubPr>
+                        <m:e>
+                          <m:r>
+                            <a:rPr kumimoji="1" lang="en-US" altLang="zh-CN" b="0" i="1">
+                              <a:latin typeface="Cambria Math" panose="02040503050406030204" pitchFamily="18" charset="0"/>
+                            </a:rPr>
+                            <m:t>𝐹</m:t>
+                          </m:r>
+                        </m:e>
+                        <m:sub>
+                          <m:r>
+                            <a:rPr kumimoji="1" lang="en-US" altLang="zh-CN" b="0" i="1">
+                              <a:latin typeface="Cambria Math" panose="02040503050406030204" pitchFamily="18" charset="0"/>
+                            </a:rPr>
+                            <m:t>1</m:t>
+                          </m:r>
+                        </m:sub>
+                      </m:sSub>
+                    </m:oMath>
+                  </m:oMathPara>
+                </a14:m>
+                <a:endParaRPr lang="zh-CN" altLang="en-US"/>
+              </a:p>
+            </p:txBody>
+          </p:sp>
+        </mc:Choice>
+        <mc:Fallback>
+          <p:sp>
+            <p:nvSpPr>
+              <p:cNvPr id="58" name="文本框 57">
+                <a:extLst>
+                  <a:ext uri="{FF2B5EF4-FFF2-40B4-BE49-F238E27FC236}">
+                    <a16:creationId xmlns:a16="http://schemas.microsoft.com/office/drawing/2014/main" id="{B7A52D27-5FFD-8201-0826-67C26A629143}"/>
+                  </a:ext>
+                </a:extLst>
+              </p:cNvPr>
+              <p:cNvSpPr txBox="1">
+                <a:spLocks noRot="1" noChangeAspect="1" noMove="1" noResize="1" noEditPoints="1" noAdjustHandles="1" noChangeArrowheads="1" noChangeShapeType="1" noTextEdit="1"/>
+              </p:cNvSpPr>
+              <p:nvPr/>
+            </p:nvSpPr>
+            <p:spPr>
+              <a:xfrm>
+                <a:off x="4183534" y="1691355"/>
+                <a:ext cx="285031" cy="369332"/>
+              </a:xfrm>
+              <a:prstGeom prst="rect">
+                <a:avLst/>
+              </a:prstGeom>
+              <a:blipFill>
+                <a:blip r:embed="rId6"/>
+                <a:stretch>
+                  <a:fillRect r="-26087"/>
+                </a:stretch>
+              </a:blipFill>
+            </p:spPr>
+            <p:txBody>
+              <a:bodyPr/>
+              <a:lstStyle/>
+              <a:p>
+                <a:r>
+                  <a:rPr lang="zh-CN" altLang="en-US">
+                    <a:noFill/>
+                  </a:rPr>
+                  <a:t> </a:t>
+                </a:r>
+              </a:p>
+            </p:txBody>
+          </p:sp>
+        </mc:Fallback>
+      </mc:AlternateContent>
+      <mc:AlternateContent xmlns:mc="http://schemas.openxmlformats.org/markup-compatibility/2006">
+        <mc:Choice xmlns:a14="http://schemas.microsoft.com/office/drawing/2010/main" Requires="a14">
+          <p:sp>
+            <p:nvSpPr>
+              <p:cNvPr id="60" name="文本框 59">
+                <a:extLst>
+                  <a:ext uri="{FF2B5EF4-FFF2-40B4-BE49-F238E27FC236}">
+                    <a16:creationId xmlns:a16="http://schemas.microsoft.com/office/drawing/2014/main" id="{F9E931D6-A180-806F-1344-B19A21B4A9C0}"/>
+                  </a:ext>
+                </a:extLst>
+              </p:cNvPr>
+              <p:cNvSpPr txBox="1"/>
+              <p:nvPr/>
+            </p:nvSpPr>
+            <p:spPr>
+              <a:xfrm>
+                <a:off x="3835908" y="4497178"/>
+                <a:ext cx="837466" cy="369332"/>
+              </a:xfrm>
+              <a:prstGeom prst="rect">
+                <a:avLst/>
+              </a:prstGeom>
+              <a:noFill/>
+            </p:spPr>
+            <p:txBody>
+              <a:bodyPr wrap="square">
+                <a:spAutoFit/>
+              </a:bodyPr>
+              <a:lstStyle/>
+              <a:p>
+                <a:pPr/>
+                <a14:m>
+                  <m:oMathPara xmlns:m="http://schemas.openxmlformats.org/officeDocument/2006/math">
+                    <m:oMathParaPr>
+                      <m:jc m:val="centerGroup"/>
+                    </m:oMathParaPr>
+                    <m:oMath xmlns:m="http://schemas.openxmlformats.org/officeDocument/2006/math">
+                      <m:sSub>
+                        <m:sSubPr>
+                          <m:ctrlPr>
+                            <a:rPr kumimoji="1" lang="en-US" altLang="zh-CN" b="0" i="1">
+                              <a:latin typeface="Cambria Math" panose="02040503050406030204" pitchFamily="18" charset="0"/>
+                            </a:rPr>
+                          </m:ctrlPr>
+                        </m:sSubPr>
+                        <m:e>
+                          <m:r>
+                            <a:rPr kumimoji="1" lang="en-US" altLang="zh-CN" b="0" i="1">
+                              <a:latin typeface="Cambria Math" panose="02040503050406030204" pitchFamily="18" charset="0"/>
+                            </a:rPr>
+                            <m:t>𝐹</m:t>
+                          </m:r>
+                        </m:e>
+                        <m:sub>
+                          <m:r>
+                            <a:rPr kumimoji="1" lang="en-US" altLang="zh-CN" b="0" i="1">
+                              <a:latin typeface="Cambria Math" panose="02040503050406030204" pitchFamily="18" charset="0"/>
+                            </a:rPr>
+                            <m:t>2</m:t>
+                          </m:r>
+                        </m:sub>
+                      </m:sSub>
+                    </m:oMath>
+                  </m:oMathPara>
+                </a14:m>
+                <a:endParaRPr lang="zh-CN" altLang="en-US"/>
+              </a:p>
+            </p:txBody>
+          </p:sp>
+        </mc:Choice>
+        <mc:Fallback>
+          <p:sp>
+            <p:nvSpPr>
+              <p:cNvPr id="60" name="文本框 59">
+                <a:extLst>
+                  <a:ext uri="{FF2B5EF4-FFF2-40B4-BE49-F238E27FC236}">
+                    <a16:creationId xmlns:a16="http://schemas.microsoft.com/office/drawing/2014/main" id="{F9E931D6-A180-806F-1344-B19A21B4A9C0}"/>
+                  </a:ext>
+                </a:extLst>
+              </p:cNvPr>
+              <p:cNvSpPr txBox="1">
+                <a:spLocks noRot="1" noChangeAspect="1" noMove="1" noResize="1" noEditPoints="1" noAdjustHandles="1" noChangeArrowheads="1" noChangeShapeType="1" noTextEdit="1"/>
+              </p:cNvSpPr>
+              <p:nvPr/>
+            </p:nvSpPr>
+            <p:spPr>
+              <a:xfrm>
+                <a:off x="3835908" y="4497178"/>
+                <a:ext cx="837466" cy="369332"/>
+              </a:xfrm>
+              <a:prstGeom prst="rect">
+                <a:avLst/>
+              </a:prstGeom>
+              <a:blipFill>
+                <a:blip r:embed="rId7"/>
+                <a:stretch>
+                  <a:fillRect/>
+                </a:stretch>
+              </a:blipFill>
+            </p:spPr>
+            <p:txBody>
+              <a:bodyPr/>
+              <a:lstStyle/>
+              <a:p>
+                <a:r>
+                  <a:rPr lang="zh-CN" altLang="en-US">
+                    <a:noFill/>
+                  </a:rPr>
+                  <a:t> </a:t>
+                </a:r>
+              </a:p>
+            </p:txBody>
+          </p:sp>
+        </mc:Fallback>
+      </mc:AlternateContent>
+      <p:sp>
+        <p:nvSpPr>
+          <p:cNvPr id="2" name="文本框 1">
+            <a:extLst>
+              <a:ext uri="{FF2B5EF4-FFF2-40B4-BE49-F238E27FC236}">
+                <a16:creationId xmlns:a16="http://schemas.microsoft.com/office/drawing/2014/main" id="{95BC19C4-6B11-255C-0839-1D6A785527D6}"/>
+              </a:ext>
+            </a:extLst>
+          </p:cNvPr>
+          <p:cNvSpPr txBox="1"/>
+          <p:nvPr/>
+        </p:nvSpPr>
+        <p:spPr>
+          <a:xfrm>
+            <a:off x="3771900" y="5277671"/>
+            <a:ext cx="3584571" cy="369332"/>
+          </a:xfrm>
+          <a:prstGeom prst="rect">
+            <a:avLst/>
+          </a:prstGeom>
+          <a:noFill/>
+        </p:spPr>
+        <p:txBody>
+          <a:bodyPr wrap="none" rtlCol="0">
+            <a:spAutoFit/>
+          </a:bodyPr>
+          <a:lstStyle/>
+          <a:p>
+            <a:r>
+              <a:rPr kumimoji="1" lang="en-US" altLang="zh-CN">
+                <a:solidFill>
+                  <a:schemeClr val="tx2">
+                    <a:lumMod val="75000"/>
+                  </a:schemeClr>
+                </a:solidFill>
+                <a:latin typeface="Times New Roman" panose="02020603050405020304" pitchFamily="18" charset="0"/>
+              </a:rPr>
+              <a:t>Step1: Select more reliable network</a:t>
+            </a:r>
+            <a:endParaRPr kumimoji="1" lang="zh-CN" altLang="en-US">
+              <a:solidFill>
+                <a:schemeClr val="tx2">
+                  <a:lumMod val="75000"/>
+                </a:schemeClr>
+              </a:solidFill>
+              <a:latin typeface="Times New Roman" panose="02020603050405020304" pitchFamily="18" charset="0"/>
+            </a:endParaRPr>
+          </a:p>
+        </p:txBody>
+      </p:sp>
+    </p:spTree>
+    <p:extLst>
+      <p:ext uri="{BB962C8B-B14F-4D97-AF65-F5344CB8AC3E}">
+        <p14:creationId xmlns:p14="http://schemas.microsoft.com/office/powerpoint/2010/main" val="1623467177"/>
+      </p:ext>
+    </p:extLst>
+  </p:cSld>
+  <p:clrMapOvr>
+    <a:masterClrMapping/>
+  </p:clrMapOvr>
+</p:sld>
+</file>
+
+<file path=ppt/slides/slide13.xml><?xml version="1.0" encoding="utf-8"?>
+<p:sld xmlns:a="http://schemas.openxmlformats.org/drawingml/2006/main" xmlns:r="http://schemas.openxmlformats.org/officeDocument/2006/relationships" xmlns:p="http://schemas.openxmlformats.org/presentationml/2006/main">
+  <p:cSld>
+    <p:spTree>
+      <p:nvGrpSpPr>
+        <p:cNvPr id="1" name=""/>
+        <p:cNvGrpSpPr/>
+        <p:nvPr/>
+      </p:nvGrpSpPr>
+      <p:grpSpPr>
+        <a:xfrm>
+          <a:off x="0" y="0"/>
+          <a:ext cx="0" cy="0"/>
+          <a:chOff x="0" y="0"/>
+          <a:chExt cx="0" cy="0"/>
+        </a:xfrm>
+      </p:grpSpPr>
+      <mc:AlternateContent xmlns:mc="http://schemas.openxmlformats.org/markup-compatibility/2006">
+        <mc:Choice xmlns:p14="http://schemas.microsoft.com/office/powerpoint/2010/main" Requires="p14">
+          <p:contentPart p14:bwMode="auto" r:id="rId2">
+            <p14:nvContentPartPr>
+              <p14:cNvPr id="5" name="墨迹 4">
+                <a:extLst>
+                  <a:ext uri="{FF2B5EF4-FFF2-40B4-BE49-F238E27FC236}">
+                    <a16:creationId xmlns:a16="http://schemas.microsoft.com/office/drawing/2014/main" id="{DCE1B999-01F5-29AD-7158-CA937AE33C88}"/>
+                  </a:ext>
+                </a:extLst>
+              </p14:cNvPr>
+              <p14:cNvContentPartPr/>
+              <p14:nvPr/>
+            </p14:nvContentPartPr>
+            <p14:xfrm>
+              <a:off x="5694632" y="3087097"/>
+              <a:ext cx="8640" cy="6480"/>
+            </p14:xfrm>
+          </p:contentPart>
+        </mc:Choice>
+        <mc:Fallback>
+          <p:pic>
+            <p:nvPicPr>
+              <p:cNvPr id="5" name="墨迹 4">
+                <a:extLst>
+                  <a:ext uri="{FF2B5EF4-FFF2-40B4-BE49-F238E27FC236}">
+                    <a16:creationId xmlns:a16="http://schemas.microsoft.com/office/drawing/2014/main" id="{DCE1B999-01F5-29AD-7158-CA937AE33C88}"/>
+                  </a:ext>
+                </a:extLst>
+              </p:cNvPr>
+              <p:cNvPicPr/>
+              <p:nvPr/>
+            </p:nvPicPr>
+            <p:blipFill>
+              <a:blip r:embed="rId3"/>
+              <a:stretch>
+                <a:fillRect/>
+              </a:stretch>
+            </p:blipFill>
+            <p:spPr>
+              <a:xfrm>
+                <a:off x="5679512" y="3071977"/>
+                <a:ext cx="39240" cy="37080"/>
+              </a:xfrm>
+              <a:prstGeom prst="rect">
+                <a:avLst/>
+              </a:prstGeom>
+            </p:spPr>
+          </p:pic>
+        </mc:Fallback>
+      </mc:AlternateContent>
+      <p:sp>
+        <p:nvSpPr>
+          <p:cNvPr id="20" name="矩形 19">
+            <a:extLst>
+              <a:ext uri="{FF2B5EF4-FFF2-40B4-BE49-F238E27FC236}">
+                <a16:creationId xmlns:a16="http://schemas.microsoft.com/office/drawing/2014/main" id="{0893DDC8-6FCE-4520-B20F-23F0731B0B18}"/>
+              </a:ext>
+            </a:extLst>
+          </p:cNvPr>
+          <p:cNvSpPr/>
+          <p:nvPr/>
+        </p:nvSpPr>
+        <p:spPr>
+          <a:xfrm>
+            <a:off x="1153080" y="2599920"/>
+            <a:ext cx="1280160" cy="1280160"/>
+          </a:xfrm>
+          <a:prstGeom prst="rect">
+            <a:avLst/>
+          </a:prstGeom>
+          <a:solidFill>
+            <a:srgbClr val="849398">
+              <a:alpha val="5000"/>
+            </a:srgbClr>
+          </a:solidFill>
+          <a:ln w="18000" cap="flat" cmpd="sng" algn="ctr">
+            <a:solidFill>
+              <a:srgbClr val="849398"/>
+            </a:solidFill>
+            <a:prstDash val="solid"/>
+          </a:ln>
+          <a:effectLst/>
+        </p:spPr>
+        <p:style>
+          <a:lnRef idx="2">
+            <a:schemeClr val="accent1">
+              <a:shade val="15000"/>
+            </a:schemeClr>
+          </a:lnRef>
+          <a:fillRef idx="1">
+            <a:schemeClr val="accent1"/>
+          </a:fillRef>
+          <a:effectRef idx="0">
+            <a:schemeClr val="accent1"/>
+          </a:effectRef>
+          <a:fontRef idx="minor">
+            <a:schemeClr val="lt1"/>
+          </a:fontRef>
+        </p:style>
+        <p:txBody>
+          <a:bodyPr wrap="none" rtlCol="0" anchor="ctr" anchorCtr="1">
+            <a:noAutofit/>
+          </a:bodyPr>
+          <a:lstStyle/>
+          <a:p>
+            <a:pPr algn="ctr"/>
+            <a:r>
+              <a:rPr lang="en-US" altLang="zh-CN" sz="2400">
+                <a:solidFill>
+                  <a:srgbClr val="849398"/>
+                </a:solidFill>
+              </a:rPr>
+              <a:t>X</a:t>
+            </a:r>
+          </a:p>
+        </p:txBody>
+      </p:sp>
+      <p:cxnSp>
+        <p:nvCxnSpPr>
+          <p:cNvPr id="12" name="直线箭头连接符 11">
+            <a:extLst>
+              <a:ext uri="{FF2B5EF4-FFF2-40B4-BE49-F238E27FC236}">
+                <a16:creationId xmlns:a16="http://schemas.microsoft.com/office/drawing/2014/main" id="{897CF935-963F-503B-4409-BDCD4E9EC8DB}"/>
+              </a:ext>
+            </a:extLst>
+          </p:cNvPr>
+          <p:cNvCxnSpPr>
+            <a:cxnSpLocks/>
+            <a:stCxn id="20" idx="3"/>
+          </p:cNvCxnSpPr>
+          <p:nvPr/>
+        </p:nvCxnSpPr>
+        <p:spPr>
+          <a:xfrm flipV="1">
+            <a:off x="2433240" y="1890346"/>
+            <a:ext cx="1338660" cy="1349654"/>
+          </a:xfrm>
+          <a:prstGeom prst="straightConnector1">
+            <a:avLst/>
+          </a:prstGeom>
+          <a:ln>
+            <a:tailEnd type="triangle"/>
+          </a:ln>
+        </p:spPr>
+        <p:style>
+          <a:lnRef idx="1">
+            <a:schemeClr val="dk1"/>
+          </a:lnRef>
+          <a:fillRef idx="0">
+            <a:schemeClr val="dk1"/>
+          </a:fillRef>
+          <a:effectRef idx="0">
+            <a:schemeClr val="dk1"/>
+          </a:effectRef>
+          <a:fontRef idx="minor">
+            <a:schemeClr val="tx1"/>
+          </a:fontRef>
+        </p:style>
+      </p:cxnSp>
+      <p:cxnSp>
+        <p:nvCxnSpPr>
+          <p:cNvPr id="14" name="直线箭头连接符 13">
+            <a:extLst>
+              <a:ext uri="{FF2B5EF4-FFF2-40B4-BE49-F238E27FC236}">
+                <a16:creationId xmlns:a16="http://schemas.microsoft.com/office/drawing/2014/main" id="{0D35201A-BC75-4EEB-996B-558E020A2646}"/>
+              </a:ext>
+            </a:extLst>
+          </p:cNvPr>
+          <p:cNvCxnSpPr>
+            <a:cxnSpLocks/>
+            <a:stCxn id="20" idx="3"/>
+          </p:cNvCxnSpPr>
+          <p:nvPr/>
+        </p:nvCxnSpPr>
+        <p:spPr>
+          <a:xfrm>
+            <a:off x="2433240" y="3240000"/>
+            <a:ext cx="1338660" cy="1375962"/>
+          </a:xfrm>
+          <a:prstGeom prst="straightConnector1">
+            <a:avLst/>
+          </a:prstGeom>
+          <a:ln>
+            <a:tailEnd type="triangle"/>
+          </a:ln>
+        </p:spPr>
+        <p:style>
+          <a:lnRef idx="1">
+            <a:schemeClr val="dk1"/>
+          </a:lnRef>
+          <a:fillRef idx="0">
+            <a:schemeClr val="dk1"/>
+          </a:fillRef>
+          <a:effectRef idx="0">
+            <a:schemeClr val="dk1"/>
+          </a:effectRef>
+          <a:fontRef idx="minor">
+            <a:schemeClr val="tx1"/>
+          </a:fontRef>
+        </p:style>
+      </p:cxnSp>
+      <p:sp>
+        <p:nvSpPr>
+          <p:cNvPr id="19" name="立方体 18">
+            <a:extLst>
+              <a:ext uri="{FF2B5EF4-FFF2-40B4-BE49-F238E27FC236}">
+                <a16:creationId xmlns:a16="http://schemas.microsoft.com/office/drawing/2014/main" id="{F2E22F1E-E886-9D43-29BE-AD16069F7D3B}"/>
+              </a:ext>
+            </a:extLst>
+          </p:cNvPr>
+          <p:cNvSpPr/>
+          <p:nvPr/>
+        </p:nvSpPr>
+        <p:spPr>
+          <a:xfrm>
+            <a:off x="3932858" y="1124272"/>
+            <a:ext cx="1216152" cy="1216152"/>
+          </a:xfrm>
+          <a:prstGeom prst="cube">
+            <a:avLst/>
+          </a:prstGeom>
+        </p:spPr>
+        <p:style>
+          <a:lnRef idx="2">
+            <a:schemeClr val="accent6"/>
+          </a:lnRef>
+          <a:fillRef idx="1">
+            <a:schemeClr val="lt1"/>
+          </a:fillRef>
+          <a:effectRef idx="0">
+            <a:schemeClr val="accent6"/>
+          </a:effectRef>
+          <a:fontRef idx="minor">
+            <a:schemeClr val="dk1"/>
+          </a:fontRef>
+        </p:style>
+        <p:txBody>
+          <a:bodyPr rtlCol="0" anchor="ctr"/>
+          <a:lstStyle/>
+          <a:p>
+            <a:pPr algn="ctr"/>
+            <a:endParaRPr kumimoji="1" lang="zh-CN" altLang="en-US"/>
+          </a:p>
+        </p:txBody>
+      </p:sp>
+      <p:cxnSp>
+        <p:nvCxnSpPr>
+          <p:cNvPr id="22" name="直线箭头连接符 21">
+            <a:extLst>
+              <a:ext uri="{FF2B5EF4-FFF2-40B4-BE49-F238E27FC236}">
+                <a16:creationId xmlns:a16="http://schemas.microsoft.com/office/drawing/2014/main" id="{AC8EFE48-0D42-73EC-92D9-7792FFBEAED0}"/>
+              </a:ext>
+            </a:extLst>
+          </p:cNvPr>
+          <p:cNvCxnSpPr>
+            <a:cxnSpLocks/>
+            <a:stCxn id="19" idx="5"/>
+          </p:cNvCxnSpPr>
+          <p:nvPr/>
+        </p:nvCxnSpPr>
+        <p:spPr>
+          <a:xfrm>
+            <a:off x="5149010" y="1580329"/>
+            <a:ext cx="1043940" cy="0"/>
+          </a:xfrm>
+          <a:prstGeom prst="straightConnector1">
+            <a:avLst/>
+          </a:prstGeom>
+          <a:ln>
+            <a:tailEnd type="triangle"/>
+          </a:ln>
+        </p:spPr>
+        <p:style>
+          <a:lnRef idx="1">
+            <a:schemeClr val="dk1"/>
+          </a:lnRef>
+          <a:fillRef idx="0">
+            <a:schemeClr val="dk1"/>
+          </a:fillRef>
+          <a:effectRef idx="0">
+            <a:schemeClr val="dk1"/>
+          </a:effectRef>
+          <a:fontRef idx="minor">
+            <a:schemeClr val="tx1"/>
+          </a:fontRef>
+        </p:style>
+      </p:cxnSp>
+      <p:cxnSp>
+        <p:nvCxnSpPr>
+          <p:cNvPr id="25" name="直线箭头连接符 24">
+            <a:extLst>
+              <a:ext uri="{FF2B5EF4-FFF2-40B4-BE49-F238E27FC236}">
+                <a16:creationId xmlns:a16="http://schemas.microsoft.com/office/drawing/2014/main" id="{B5818D52-DEB6-CA71-306B-F3A93BBE84DA}"/>
+              </a:ext>
+            </a:extLst>
+          </p:cNvPr>
+          <p:cNvCxnSpPr>
+            <a:cxnSpLocks/>
+          </p:cNvCxnSpPr>
+          <p:nvPr/>
+        </p:nvCxnSpPr>
+        <p:spPr>
+          <a:xfrm>
+            <a:off x="5052060" y="4512241"/>
+            <a:ext cx="1043940" cy="0"/>
+          </a:xfrm>
+          <a:prstGeom prst="straightConnector1">
+            <a:avLst/>
+          </a:prstGeom>
+          <a:ln>
+            <a:tailEnd type="triangle"/>
+          </a:ln>
+        </p:spPr>
+        <p:style>
+          <a:lnRef idx="1">
+            <a:schemeClr val="dk1"/>
+          </a:lnRef>
+          <a:fillRef idx="0">
+            <a:schemeClr val="dk1"/>
+          </a:fillRef>
+          <a:effectRef idx="0">
+            <a:schemeClr val="dk1"/>
+          </a:effectRef>
+          <a:fontRef idx="minor">
+            <a:schemeClr val="tx1"/>
+          </a:fontRef>
+        </p:style>
+      </p:cxnSp>
+      <p:sp>
+        <p:nvSpPr>
+          <p:cNvPr id="26" name="矩形 25">
+            <a:extLst>
+              <a:ext uri="{FF2B5EF4-FFF2-40B4-BE49-F238E27FC236}">
+                <a16:creationId xmlns:a16="http://schemas.microsoft.com/office/drawing/2014/main" id="{971F102C-2BA8-3120-FB7F-BC5A55FBB15F}"/>
+              </a:ext>
+            </a:extLst>
+          </p:cNvPr>
+          <p:cNvSpPr/>
+          <p:nvPr/>
+        </p:nvSpPr>
+        <p:spPr>
+          <a:xfrm>
+            <a:off x="6160360" y="1124272"/>
+            <a:ext cx="914400" cy="914400"/>
+          </a:xfrm>
+          <a:prstGeom prst="rect">
+            <a:avLst/>
+          </a:prstGeom>
+        </p:spPr>
+        <p:style>
+          <a:lnRef idx="2">
+            <a:schemeClr val="accent6"/>
+          </a:lnRef>
+          <a:fillRef idx="1">
+            <a:schemeClr val="lt1"/>
+          </a:fillRef>
+          <a:effectRef idx="0">
+            <a:schemeClr val="accent6"/>
+          </a:effectRef>
+          <a:fontRef idx="minor">
+            <a:schemeClr val="dk1"/>
+          </a:fontRef>
+        </p:style>
+        <p:txBody>
+          <a:bodyPr rtlCol="0" anchor="ctr"/>
+          <a:lstStyle/>
+          <a:p>
+            <a:pPr algn="ctr"/>
+            <a:endParaRPr kumimoji="1" lang="zh-CN" altLang="en-US"/>
+          </a:p>
+        </p:txBody>
+      </p:sp>
+      <p:sp>
+        <p:nvSpPr>
+          <p:cNvPr id="29" name="矩形 28">
+            <a:extLst>
+              <a:ext uri="{FF2B5EF4-FFF2-40B4-BE49-F238E27FC236}">
+                <a16:creationId xmlns:a16="http://schemas.microsoft.com/office/drawing/2014/main" id="{9A025E25-30C6-0382-B0D2-B0428D218E43}"/>
+              </a:ext>
+            </a:extLst>
+          </p:cNvPr>
+          <p:cNvSpPr/>
+          <p:nvPr/>
+        </p:nvSpPr>
+        <p:spPr>
+          <a:xfrm>
+            <a:off x="6160360" y="4055041"/>
+            <a:ext cx="914400" cy="914400"/>
+          </a:xfrm>
+          <a:prstGeom prst="rect">
+            <a:avLst/>
+          </a:prstGeom>
+        </p:spPr>
+        <p:style>
+          <a:lnRef idx="2">
+            <a:schemeClr val="accent6"/>
+          </a:lnRef>
+          <a:fillRef idx="1">
+            <a:schemeClr val="lt1"/>
+          </a:fillRef>
+          <a:effectRef idx="0">
+            <a:schemeClr val="accent6"/>
+          </a:effectRef>
+          <a:fontRef idx="minor">
+            <a:schemeClr val="dk1"/>
+          </a:fontRef>
+        </p:style>
+        <p:txBody>
+          <a:bodyPr rtlCol="0" anchor="ctr"/>
+          <a:lstStyle/>
+          <a:p>
+            <a:pPr algn="ctr"/>
+            <a:endParaRPr kumimoji="1" lang="zh-CN" altLang="en-US"/>
+          </a:p>
+        </p:txBody>
+      </p:sp>
+      <p:cxnSp>
+        <p:nvCxnSpPr>
+          <p:cNvPr id="31" name="直线箭头连接符 30">
+            <a:extLst>
+              <a:ext uri="{FF2B5EF4-FFF2-40B4-BE49-F238E27FC236}">
+                <a16:creationId xmlns:a16="http://schemas.microsoft.com/office/drawing/2014/main" id="{ECCDD0E9-E318-5685-5918-BBF4B8E43681}"/>
+              </a:ext>
+            </a:extLst>
+          </p:cNvPr>
+          <p:cNvCxnSpPr>
+            <a:cxnSpLocks/>
+          </p:cNvCxnSpPr>
+          <p:nvPr/>
+        </p:nvCxnSpPr>
+        <p:spPr>
+          <a:xfrm>
+            <a:off x="7074760" y="4512241"/>
+            <a:ext cx="1043940" cy="0"/>
+          </a:xfrm>
+          <a:prstGeom prst="straightConnector1">
+            <a:avLst/>
+          </a:prstGeom>
+          <a:ln>
+            <a:tailEnd type="triangle"/>
+          </a:ln>
+        </p:spPr>
+        <p:style>
+          <a:lnRef idx="1">
+            <a:schemeClr val="dk1"/>
+          </a:lnRef>
+          <a:fillRef idx="0">
+            <a:schemeClr val="dk1"/>
+          </a:fillRef>
+          <a:effectRef idx="0">
+            <a:schemeClr val="dk1"/>
+          </a:effectRef>
+          <a:fontRef idx="minor">
+            <a:schemeClr val="tx1"/>
+          </a:fontRef>
+        </p:style>
+      </p:cxnSp>
+      <p:sp>
+        <p:nvSpPr>
+          <p:cNvPr id="33" name="矩形 32">
+            <a:extLst>
+              <a:ext uri="{FF2B5EF4-FFF2-40B4-BE49-F238E27FC236}">
+                <a16:creationId xmlns:a16="http://schemas.microsoft.com/office/drawing/2014/main" id="{3F143E3C-0F5B-65F9-6AF5-197500452B10}"/>
+              </a:ext>
+            </a:extLst>
+          </p:cNvPr>
+          <p:cNvSpPr/>
+          <p:nvPr/>
+        </p:nvSpPr>
+        <p:spPr>
+          <a:xfrm>
+            <a:off x="8183060" y="4055041"/>
+            <a:ext cx="914400" cy="914400"/>
+          </a:xfrm>
+          <a:prstGeom prst="rect">
+            <a:avLst/>
+          </a:prstGeom>
+        </p:spPr>
+        <p:style>
+          <a:lnRef idx="2">
+            <a:schemeClr val="accent1">
+              <a:shade val="15000"/>
+            </a:schemeClr>
+          </a:lnRef>
+          <a:fillRef idx="1">
+            <a:schemeClr val="accent1"/>
+          </a:fillRef>
+          <a:effectRef idx="0">
+            <a:schemeClr val="accent1"/>
+          </a:effectRef>
+          <a:fontRef idx="minor">
+            <a:schemeClr val="lt1"/>
+          </a:fontRef>
+        </p:style>
+        <p:txBody>
+          <a:bodyPr rtlCol="0" anchor="ctr"/>
+          <a:lstStyle/>
+          <a:p>
+            <a:pPr algn="ctr"/>
+            <a:endParaRPr kumimoji="1" lang="zh-CN" altLang="en-US"/>
+          </a:p>
+        </p:txBody>
+      </p:sp>
+      <p:cxnSp>
+        <p:nvCxnSpPr>
+          <p:cNvPr id="45" name="直线连接符 44">
+            <a:extLst>
+              <a:ext uri="{FF2B5EF4-FFF2-40B4-BE49-F238E27FC236}">
+                <a16:creationId xmlns:a16="http://schemas.microsoft.com/office/drawing/2014/main" id="{E137365E-AB41-C0AE-ED0D-2A006705170D}"/>
+              </a:ext>
+            </a:extLst>
+          </p:cNvPr>
+          <p:cNvCxnSpPr>
+            <a:cxnSpLocks/>
+          </p:cNvCxnSpPr>
+          <p:nvPr/>
+        </p:nvCxnSpPr>
+        <p:spPr>
+          <a:xfrm flipH="1">
+            <a:off x="7312152" y="4376341"/>
+            <a:ext cx="284578" cy="307731"/>
+          </a:xfrm>
+          <a:prstGeom prst="line">
+            <a:avLst/>
+          </a:prstGeom>
+        </p:spPr>
+        <p:style>
+          <a:lnRef idx="1">
+            <a:schemeClr val="dk1"/>
+          </a:lnRef>
+          <a:fillRef idx="0">
+            <a:schemeClr val="dk1"/>
+          </a:fillRef>
+          <a:effectRef idx="0">
+            <a:schemeClr val="dk1"/>
+          </a:effectRef>
+          <a:fontRef idx="minor">
+            <a:schemeClr val="tx1"/>
+          </a:fontRef>
+        </p:style>
+      </p:cxnSp>
+      <p:cxnSp>
+        <p:nvCxnSpPr>
+          <p:cNvPr id="47" name="直线连接符 46">
+            <a:extLst>
+              <a:ext uri="{FF2B5EF4-FFF2-40B4-BE49-F238E27FC236}">
+                <a16:creationId xmlns:a16="http://schemas.microsoft.com/office/drawing/2014/main" id="{1E4CC415-066C-6389-B678-3ECE6ACDE4C7}"/>
+              </a:ext>
+            </a:extLst>
+          </p:cNvPr>
+          <p:cNvCxnSpPr>
+            <a:cxnSpLocks/>
+          </p:cNvCxnSpPr>
+          <p:nvPr/>
+        </p:nvCxnSpPr>
+        <p:spPr>
+          <a:xfrm flipH="1">
+            <a:off x="7464675" y="4376341"/>
+            <a:ext cx="284578" cy="307731"/>
+          </a:xfrm>
+          <a:prstGeom prst="line">
+            <a:avLst/>
+          </a:prstGeom>
+        </p:spPr>
+        <p:style>
+          <a:lnRef idx="1">
+            <a:schemeClr val="dk1"/>
+          </a:lnRef>
+          <a:fillRef idx="0">
+            <a:schemeClr val="dk1"/>
+          </a:fillRef>
+          <a:effectRef idx="0">
+            <a:schemeClr val="dk1"/>
+          </a:effectRef>
+          <a:fontRef idx="minor">
+            <a:schemeClr val="tx1"/>
+          </a:fontRef>
+        </p:style>
+      </p:cxnSp>
+      <p:sp>
+        <p:nvSpPr>
+          <p:cNvPr id="50" name="立方体 49">
+            <a:extLst>
+              <a:ext uri="{FF2B5EF4-FFF2-40B4-BE49-F238E27FC236}">
+                <a16:creationId xmlns:a16="http://schemas.microsoft.com/office/drawing/2014/main" id="{A85B7CF1-AAEB-50D1-4AD4-A43303A9894A}"/>
+              </a:ext>
+            </a:extLst>
+          </p:cNvPr>
+          <p:cNvSpPr/>
+          <p:nvPr/>
+        </p:nvSpPr>
+        <p:spPr>
+          <a:xfrm>
+            <a:off x="3835908" y="3927981"/>
+            <a:ext cx="1216152" cy="1216152"/>
+          </a:xfrm>
+          <a:prstGeom prst="cube">
+            <a:avLst/>
+          </a:prstGeom>
+        </p:spPr>
+        <p:style>
+          <a:lnRef idx="2">
+            <a:schemeClr val="accent6"/>
+          </a:lnRef>
+          <a:fillRef idx="1">
+            <a:schemeClr val="lt1"/>
+          </a:fillRef>
+          <a:effectRef idx="0">
+            <a:schemeClr val="accent6"/>
+          </a:effectRef>
+          <a:fontRef idx="minor">
+            <a:schemeClr val="dk1"/>
+          </a:fontRef>
+        </p:style>
+        <p:txBody>
+          <a:bodyPr rtlCol="0" anchor="ctr"/>
+          <a:lstStyle/>
+          <a:p>
+            <a:pPr algn="ctr"/>
+            <a:endParaRPr kumimoji="1" lang="zh-CN" altLang="en-US"/>
+          </a:p>
+        </p:txBody>
+      </p:sp>
+      <mc:AlternateContent xmlns:mc="http://schemas.openxmlformats.org/markup-compatibility/2006">
+        <mc:Choice xmlns:a14="http://schemas.microsoft.com/office/drawing/2010/main" Requires="a14">
+          <p:sp>
+            <p:nvSpPr>
+              <p:cNvPr id="52" name="文本框 51">
+                <a:extLst>
+                  <a:ext uri="{FF2B5EF4-FFF2-40B4-BE49-F238E27FC236}">
+                    <a16:creationId xmlns:a16="http://schemas.microsoft.com/office/drawing/2014/main" id="{022E6D55-72C0-506B-BED0-ECB3C0F5BF9B}"/>
+                  </a:ext>
+                </a:extLst>
+              </p:cNvPr>
+              <p:cNvSpPr txBox="1"/>
+              <p:nvPr/>
+            </p:nvSpPr>
+            <p:spPr>
+              <a:xfrm>
+                <a:off x="6379862" y="4312512"/>
+                <a:ext cx="441812" cy="369332"/>
+              </a:xfrm>
+              <a:prstGeom prst="rect">
+                <a:avLst/>
+              </a:prstGeom>
+              <a:noFill/>
+            </p:spPr>
+            <p:txBody>
+              <a:bodyPr wrap="square">
+                <a:spAutoFit/>
+              </a:bodyPr>
+              <a:lstStyle/>
+              <a:p>
+                <a:pPr/>
+                <a14:m>
+                  <m:oMathPara xmlns:m="http://schemas.openxmlformats.org/officeDocument/2006/math">
+                    <m:oMathParaPr>
+                      <m:jc m:val="centerGroup"/>
+                    </m:oMathParaPr>
+                    <m:oMath xmlns:m="http://schemas.openxmlformats.org/officeDocument/2006/math">
+                      <m:sSub>
+                        <m:sSubPr>
+                          <m:ctrlPr>
+                            <a:rPr kumimoji="1" lang="en-US" altLang="zh-CN" b="0" i="1">
+                              <a:latin typeface="Cambria Math" panose="02040503050406030204" pitchFamily="18" charset="0"/>
+                            </a:rPr>
+                          </m:ctrlPr>
+                        </m:sSubPr>
+                        <m:e>
+                          <m:r>
+                            <a:rPr kumimoji="1" lang="en-US" altLang="zh-CN" b="0" i="1">
+                              <a:latin typeface="Cambria Math" panose="02040503050406030204" pitchFamily="18" charset="0"/>
+                            </a:rPr>
+                            <m:t>𝑃</m:t>
+                          </m:r>
+                        </m:e>
+                        <m:sub>
+                          <m:r>
+                            <a:rPr kumimoji="1" lang="en-US" altLang="zh-CN" b="0" i="1">
+                              <a:latin typeface="Cambria Math" panose="02040503050406030204" pitchFamily="18" charset="0"/>
+                            </a:rPr>
+                            <m:t>2</m:t>
+                          </m:r>
+                        </m:sub>
+                      </m:sSub>
+                    </m:oMath>
+                  </m:oMathPara>
+                </a14:m>
+                <a:endParaRPr lang="zh-CN" altLang="en-US"/>
+              </a:p>
+            </p:txBody>
+          </p:sp>
+        </mc:Choice>
+        <mc:Fallback>
+          <p:sp>
+            <p:nvSpPr>
+              <p:cNvPr id="52" name="文本框 51">
+                <a:extLst>
+                  <a:ext uri="{FF2B5EF4-FFF2-40B4-BE49-F238E27FC236}">
+                    <a16:creationId xmlns:a16="http://schemas.microsoft.com/office/drawing/2014/main" id="{022E6D55-72C0-506B-BED0-ECB3C0F5BF9B}"/>
+                  </a:ext>
+                </a:extLst>
+              </p:cNvPr>
+              <p:cNvSpPr txBox="1">
+                <a:spLocks noRot="1" noChangeAspect="1" noMove="1" noResize="1" noEditPoints="1" noAdjustHandles="1" noChangeArrowheads="1" noChangeShapeType="1" noTextEdit="1"/>
+              </p:cNvSpPr>
+              <p:nvPr/>
+            </p:nvSpPr>
+            <p:spPr>
+              <a:xfrm>
+                <a:off x="6379862" y="4312512"/>
+                <a:ext cx="441812" cy="369332"/>
+              </a:xfrm>
+              <a:prstGeom prst="rect">
+                <a:avLst/>
+              </a:prstGeom>
+              <a:blipFill>
+                <a:blip r:embed="rId4"/>
+                <a:stretch>
+                  <a:fillRect/>
+                </a:stretch>
+              </a:blipFill>
+            </p:spPr>
+            <p:txBody>
+              <a:bodyPr/>
+              <a:lstStyle/>
+              <a:p>
+                <a:r>
+                  <a:rPr lang="zh-CN" altLang="en-US">
+                    <a:noFill/>
+                  </a:rPr>
+                  <a:t> </a:t>
+                </a:r>
+              </a:p>
+            </p:txBody>
+          </p:sp>
+        </mc:Fallback>
+      </mc:AlternateContent>
+      <mc:AlternateContent xmlns:mc="http://schemas.openxmlformats.org/markup-compatibility/2006">
+        <mc:Choice xmlns:a14="http://schemas.microsoft.com/office/drawing/2010/main" Requires="a14">
+          <p:sp>
+            <p:nvSpPr>
+              <p:cNvPr id="54" name="文本框 53">
+                <a:extLst>
+                  <a:ext uri="{FF2B5EF4-FFF2-40B4-BE49-F238E27FC236}">
+                    <a16:creationId xmlns:a16="http://schemas.microsoft.com/office/drawing/2014/main" id="{4386C84A-F576-7791-1886-F4D003E48C4A}"/>
+                  </a:ext>
+                </a:extLst>
+              </p:cNvPr>
+              <p:cNvSpPr txBox="1"/>
+              <p:nvPr/>
+            </p:nvSpPr>
+            <p:spPr>
+              <a:xfrm>
+                <a:off x="8419354" y="4327575"/>
+                <a:ext cx="441812" cy="369332"/>
+              </a:xfrm>
+              <a:prstGeom prst="rect">
+                <a:avLst/>
+              </a:prstGeom>
+              <a:noFill/>
+            </p:spPr>
+            <p:txBody>
+              <a:bodyPr wrap="square">
+                <a:spAutoFit/>
+              </a:bodyPr>
+              <a:lstStyle/>
+              <a:p>
+                <a:pPr/>
+                <a14:m>
+                  <m:oMathPara xmlns:m="http://schemas.openxmlformats.org/officeDocument/2006/math">
+                    <m:oMathParaPr>
+                      <m:jc m:val="centerGroup"/>
+                    </m:oMathParaPr>
+                    <m:oMath xmlns:m="http://schemas.openxmlformats.org/officeDocument/2006/math">
+                      <m:sSub>
+                        <m:sSubPr>
+                          <m:ctrlPr>
+                            <a:rPr kumimoji="1" lang="en-US" altLang="zh-CN" b="0" i="1">
+                              <a:latin typeface="Cambria Math" panose="02040503050406030204" pitchFamily="18" charset="0"/>
+                            </a:rPr>
+                          </m:ctrlPr>
+                        </m:sSubPr>
+                        <m:e>
+                          <m:r>
+                            <a:rPr kumimoji="1" lang="en-US" altLang="zh-CN" b="0" i="1">
+                              <a:latin typeface="Cambria Math" panose="02040503050406030204" pitchFamily="18" charset="0"/>
+                            </a:rPr>
+                            <m:t>𝑌</m:t>
+                          </m:r>
+                        </m:e>
+                        <m:sub>
+                          <m:r>
+                            <a:rPr kumimoji="1" lang="en-US" altLang="zh-CN" b="0" i="1">
+                              <a:latin typeface="Cambria Math" panose="02040503050406030204" pitchFamily="18" charset="0"/>
+                            </a:rPr>
+                            <m:t>2</m:t>
+                          </m:r>
+                        </m:sub>
+                      </m:sSub>
+                    </m:oMath>
+                  </m:oMathPara>
+                </a14:m>
+                <a:endParaRPr lang="zh-CN" altLang="en-US"/>
+              </a:p>
+            </p:txBody>
+          </p:sp>
+        </mc:Choice>
+        <mc:Fallback>
+          <p:sp>
+            <p:nvSpPr>
+              <p:cNvPr id="54" name="文本框 53">
+                <a:extLst>
+                  <a:ext uri="{FF2B5EF4-FFF2-40B4-BE49-F238E27FC236}">
+                    <a16:creationId xmlns:a16="http://schemas.microsoft.com/office/drawing/2014/main" id="{4386C84A-F576-7791-1886-F4D003E48C4A}"/>
+                  </a:ext>
+                </a:extLst>
+              </p:cNvPr>
+              <p:cNvSpPr txBox="1">
+                <a:spLocks noRot="1" noChangeAspect="1" noMove="1" noResize="1" noEditPoints="1" noAdjustHandles="1" noChangeArrowheads="1" noChangeShapeType="1" noTextEdit="1"/>
+              </p:cNvSpPr>
+              <p:nvPr/>
+            </p:nvSpPr>
+            <p:spPr>
+              <a:xfrm>
+                <a:off x="8419354" y="4327575"/>
+                <a:ext cx="441812" cy="369332"/>
+              </a:xfrm>
+              <a:prstGeom prst="rect">
+                <a:avLst/>
+              </a:prstGeom>
+              <a:blipFill>
+                <a:blip r:embed="rId5"/>
+                <a:stretch>
+                  <a:fillRect/>
+                </a:stretch>
+              </a:blipFill>
+            </p:spPr>
+            <p:txBody>
+              <a:bodyPr/>
+              <a:lstStyle/>
+              <a:p>
+                <a:r>
+                  <a:rPr lang="zh-CN" altLang="en-US">
+                    <a:noFill/>
+                  </a:rPr>
+                  <a:t> </a:t>
+                </a:r>
+              </a:p>
+            </p:txBody>
+          </p:sp>
+        </mc:Fallback>
+      </mc:AlternateContent>
+      <mc:AlternateContent xmlns:mc="http://schemas.openxmlformats.org/markup-compatibility/2006">
+        <mc:Choice xmlns:a14="http://schemas.microsoft.com/office/drawing/2010/main" Requires="a14">
+          <p:sp>
+            <p:nvSpPr>
+              <p:cNvPr id="56" name="文本框 55">
+                <a:extLst>
+                  <a:ext uri="{FF2B5EF4-FFF2-40B4-BE49-F238E27FC236}">
+                    <a16:creationId xmlns:a16="http://schemas.microsoft.com/office/drawing/2014/main" id="{456A5648-22E1-0B2A-C69E-399170952AD1}"/>
+                  </a:ext>
+                </a:extLst>
+              </p:cNvPr>
+              <p:cNvSpPr txBox="1"/>
+              <p:nvPr/>
+            </p:nvSpPr>
+            <p:spPr>
+              <a:xfrm>
+                <a:off x="6294005" y="1395663"/>
+                <a:ext cx="582489" cy="369332"/>
+              </a:xfrm>
+              <a:prstGeom prst="rect">
+                <a:avLst/>
+              </a:prstGeom>
+              <a:noFill/>
+            </p:spPr>
+            <p:txBody>
+              <a:bodyPr wrap="square">
+                <a:spAutoFit/>
+              </a:bodyPr>
+              <a:lstStyle/>
+              <a:p>
+                <a:pPr/>
+                <a14:m>
+                  <m:oMathPara xmlns:m="http://schemas.openxmlformats.org/officeDocument/2006/math">
+                    <m:oMathParaPr>
+                      <m:jc m:val="centerGroup"/>
+                    </m:oMathParaPr>
+                    <m:oMath xmlns:m="http://schemas.openxmlformats.org/officeDocument/2006/math">
+                      <m:sSub>
+                        <m:sSubPr>
+                          <m:ctrlPr>
+                            <a:rPr kumimoji="1" lang="en-US" altLang="zh-CN" b="0" i="1">
+                              <a:latin typeface="Cambria Math" panose="02040503050406030204" pitchFamily="18" charset="0"/>
+                            </a:rPr>
+                          </m:ctrlPr>
+                        </m:sSubPr>
+                        <m:e>
+                          <m:r>
+                            <a:rPr kumimoji="1" lang="en-US" altLang="zh-CN" b="0" i="1">
+                              <a:latin typeface="Cambria Math" panose="02040503050406030204" pitchFamily="18" charset="0"/>
+                            </a:rPr>
+                            <m:t>𝑃</m:t>
+                          </m:r>
+                        </m:e>
+                        <m:sub>
+                          <m:r>
+                            <a:rPr kumimoji="1" lang="en-US" altLang="zh-CN" b="0" i="1">
+                              <a:latin typeface="Cambria Math" panose="02040503050406030204" pitchFamily="18" charset="0"/>
+                            </a:rPr>
+                            <m:t>1</m:t>
+                          </m:r>
+                        </m:sub>
+                      </m:sSub>
+                    </m:oMath>
+                  </m:oMathPara>
+                </a14:m>
+                <a:endParaRPr lang="zh-CN" altLang="en-US"/>
+              </a:p>
+            </p:txBody>
+          </p:sp>
+        </mc:Choice>
+        <mc:Fallback>
+          <p:sp>
+            <p:nvSpPr>
+              <p:cNvPr id="56" name="文本框 55">
+                <a:extLst>
+                  <a:ext uri="{FF2B5EF4-FFF2-40B4-BE49-F238E27FC236}">
+                    <a16:creationId xmlns:a16="http://schemas.microsoft.com/office/drawing/2014/main" id="{456A5648-22E1-0B2A-C69E-399170952AD1}"/>
+                  </a:ext>
+                </a:extLst>
+              </p:cNvPr>
+              <p:cNvSpPr txBox="1">
+                <a:spLocks noRot="1" noChangeAspect="1" noMove="1" noResize="1" noEditPoints="1" noAdjustHandles="1" noChangeArrowheads="1" noChangeShapeType="1" noTextEdit="1"/>
+              </p:cNvSpPr>
+              <p:nvPr/>
+            </p:nvSpPr>
+            <p:spPr>
+              <a:xfrm>
+                <a:off x="6294005" y="1395663"/>
+                <a:ext cx="582489" cy="369332"/>
+              </a:xfrm>
+              <a:prstGeom prst="rect">
+                <a:avLst/>
+              </a:prstGeom>
+              <a:blipFill>
+                <a:blip r:embed="rId6"/>
+                <a:stretch>
+                  <a:fillRect/>
+                </a:stretch>
+              </a:blipFill>
+            </p:spPr>
+            <p:txBody>
+              <a:bodyPr/>
+              <a:lstStyle/>
+              <a:p>
+                <a:r>
+                  <a:rPr lang="zh-CN" altLang="en-US">
+                    <a:noFill/>
+                  </a:rPr>
+                  <a:t> </a:t>
+                </a:r>
+              </a:p>
+            </p:txBody>
+          </p:sp>
+        </mc:Fallback>
+      </mc:AlternateContent>
+      <mc:AlternateContent xmlns:mc="http://schemas.openxmlformats.org/markup-compatibility/2006">
+        <mc:Choice xmlns:a14="http://schemas.microsoft.com/office/drawing/2010/main" Requires="a14">
+          <p:sp>
+            <p:nvSpPr>
+              <p:cNvPr id="58" name="文本框 57">
+                <a:extLst>
+                  <a:ext uri="{FF2B5EF4-FFF2-40B4-BE49-F238E27FC236}">
+                    <a16:creationId xmlns:a16="http://schemas.microsoft.com/office/drawing/2014/main" id="{B7A52D27-5FFD-8201-0826-67C26A629143}"/>
+                  </a:ext>
+                </a:extLst>
+              </p:cNvPr>
+              <p:cNvSpPr txBox="1"/>
+              <p:nvPr/>
+            </p:nvSpPr>
+            <p:spPr>
+              <a:xfrm>
+                <a:off x="4183534" y="1691355"/>
+                <a:ext cx="285031" cy="369332"/>
+              </a:xfrm>
+              <a:prstGeom prst="rect">
+                <a:avLst/>
+              </a:prstGeom>
+              <a:noFill/>
+            </p:spPr>
+            <p:txBody>
+              <a:bodyPr wrap="square">
+                <a:spAutoFit/>
+              </a:bodyPr>
+              <a:lstStyle/>
+              <a:p>
+                <a:pPr/>
+                <a14:m>
+                  <m:oMathPara xmlns:m="http://schemas.openxmlformats.org/officeDocument/2006/math">
+                    <m:oMathParaPr>
+                      <m:jc m:val="centerGroup"/>
+                    </m:oMathParaPr>
+                    <m:oMath xmlns:m="http://schemas.openxmlformats.org/officeDocument/2006/math">
+                      <m:sSub>
+                        <m:sSubPr>
+                          <m:ctrlPr>
+                            <a:rPr kumimoji="1" lang="en-US" altLang="zh-CN" b="0" i="1">
+                              <a:latin typeface="Cambria Math" panose="02040503050406030204" pitchFamily="18" charset="0"/>
+                            </a:rPr>
+                          </m:ctrlPr>
+                        </m:sSubPr>
+                        <m:e>
+                          <m:r>
+                            <a:rPr kumimoji="1" lang="en-US" altLang="zh-CN" b="0" i="1">
+                              <a:latin typeface="Cambria Math" panose="02040503050406030204" pitchFamily="18" charset="0"/>
+                            </a:rPr>
+                            <m:t>𝐹</m:t>
+                          </m:r>
+                        </m:e>
+                        <m:sub>
+                          <m:r>
+                            <a:rPr kumimoji="1" lang="en-US" altLang="zh-CN" b="0" i="1">
+                              <a:latin typeface="Cambria Math" panose="02040503050406030204" pitchFamily="18" charset="0"/>
+                            </a:rPr>
+                            <m:t>1</m:t>
+                          </m:r>
+                        </m:sub>
+                      </m:sSub>
+                    </m:oMath>
+                  </m:oMathPara>
+                </a14:m>
+                <a:endParaRPr lang="zh-CN" altLang="en-US"/>
+              </a:p>
+            </p:txBody>
+          </p:sp>
+        </mc:Choice>
+        <mc:Fallback>
+          <p:sp>
+            <p:nvSpPr>
+              <p:cNvPr id="58" name="文本框 57">
+                <a:extLst>
+                  <a:ext uri="{FF2B5EF4-FFF2-40B4-BE49-F238E27FC236}">
+                    <a16:creationId xmlns:a16="http://schemas.microsoft.com/office/drawing/2014/main" id="{B7A52D27-5FFD-8201-0826-67C26A629143}"/>
+                  </a:ext>
+                </a:extLst>
+              </p:cNvPr>
+              <p:cNvSpPr txBox="1">
+                <a:spLocks noRot="1" noChangeAspect="1" noMove="1" noResize="1" noEditPoints="1" noAdjustHandles="1" noChangeArrowheads="1" noChangeShapeType="1" noTextEdit="1"/>
+              </p:cNvSpPr>
+              <p:nvPr/>
+            </p:nvSpPr>
+            <p:spPr>
+              <a:xfrm>
+                <a:off x="4183534" y="1691355"/>
+                <a:ext cx="285031" cy="369332"/>
+              </a:xfrm>
+              <a:prstGeom prst="rect">
+                <a:avLst/>
+              </a:prstGeom>
+              <a:blipFill>
+                <a:blip r:embed="rId7"/>
+                <a:stretch>
+                  <a:fillRect r="-26087"/>
+                </a:stretch>
+              </a:blipFill>
+            </p:spPr>
+            <p:txBody>
+              <a:bodyPr/>
+              <a:lstStyle/>
+              <a:p>
+                <a:r>
+                  <a:rPr lang="zh-CN" altLang="en-US">
+                    <a:noFill/>
+                  </a:rPr>
+                  <a:t> </a:t>
+                </a:r>
+              </a:p>
+            </p:txBody>
+          </p:sp>
+        </mc:Fallback>
+      </mc:AlternateContent>
+      <mc:AlternateContent xmlns:mc="http://schemas.openxmlformats.org/markup-compatibility/2006">
+        <mc:Choice xmlns:a14="http://schemas.microsoft.com/office/drawing/2010/main" Requires="a14">
+          <p:sp>
+            <p:nvSpPr>
+              <p:cNvPr id="60" name="文本框 59">
+                <a:extLst>
+                  <a:ext uri="{FF2B5EF4-FFF2-40B4-BE49-F238E27FC236}">
+                    <a16:creationId xmlns:a16="http://schemas.microsoft.com/office/drawing/2014/main" id="{F9E931D6-A180-806F-1344-B19A21B4A9C0}"/>
+                  </a:ext>
+                </a:extLst>
+              </p:cNvPr>
+              <p:cNvSpPr txBox="1"/>
+              <p:nvPr/>
+            </p:nvSpPr>
+            <p:spPr>
+              <a:xfrm>
+                <a:off x="3835908" y="4497178"/>
+                <a:ext cx="837466" cy="369332"/>
+              </a:xfrm>
+              <a:prstGeom prst="rect">
+                <a:avLst/>
+              </a:prstGeom>
+              <a:noFill/>
+            </p:spPr>
+            <p:txBody>
+              <a:bodyPr wrap="square">
+                <a:spAutoFit/>
+              </a:bodyPr>
+              <a:lstStyle/>
+              <a:p>
+                <a:pPr/>
+                <a14:m>
+                  <m:oMathPara xmlns:m="http://schemas.openxmlformats.org/officeDocument/2006/math">
+                    <m:oMathParaPr>
+                      <m:jc m:val="centerGroup"/>
+                    </m:oMathParaPr>
+                    <m:oMath xmlns:m="http://schemas.openxmlformats.org/officeDocument/2006/math">
+                      <m:sSub>
+                        <m:sSubPr>
+                          <m:ctrlPr>
+                            <a:rPr kumimoji="1" lang="en-US" altLang="zh-CN" b="0" i="1">
+                              <a:latin typeface="Cambria Math" panose="02040503050406030204" pitchFamily="18" charset="0"/>
+                            </a:rPr>
+                          </m:ctrlPr>
+                        </m:sSubPr>
+                        <m:e>
+                          <m:r>
+                            <a:rPr kumimoji="1" lang="en-US" altLang="zh-CN" b="0" i="1">
+                              <a:latin typeface="Cambria Math" panose="02040503050406030204" pitchFamily="18" charset="0"/>
+                            </a:rPr>
+                            <m:t>𝐹</m:t>
+                          </m:r>
+                        </m:e>
+                        <m:sub>
+                          <m:r>
+                            <a:rPr kumimoji="1" lang="en-US" altLang="zh-CN" b="0" i="1">
+                              <a:latin typeface="Cambria Math" panose="02040503050406030204" pitchFamily="18" charset="0"/>
+                            </a:rPr>
+                            <m:t>2</m:t>
+                          </m:r>
+                        </m:sub>
+                      </m:sSub>
+                    </m:oMath>
+                  </m:oMathPara>
+                </a14:m>
+                <a:endParaRPr lang="zh-CN" altLang="en-US"/>
+              </a:p>
+            </p:txBody>
+          </p:sp>
+        </mc:Choice>
+        <mc:Fallback>
+          <p:sp>
+            <p:nvSpPr>
+              <p:cNvPr id="60" name="文本框 59">
+                <a:extLst>
+                  <a:ext uri="{FF2B5EF4-FFF2-40B4-BE49-F238E27FC236}">
+                    <a16:creationId xmlns:a16="http://schemas.microsoft.com/office/drawing/2014/main" id="{F9E931D6-A180-806F-1344-B19A21B4A9C0}"/>
+                  </a:ext>
+                </a:extLst>
+              </p:cNvPr>
+              <p:cNvSpPr txBox="1">
+                <a:spLocks noRot="1" noChangeAspect="1" noMove="1" noResize="1" noEditPoints="1" noAdjustHandles="1" noChangeArrowheads="1" noChangeShapeType="1" noTextEdit="1"/>
+              </p:cNvSpPr>
+              <p:nvPr/>
+            </p:nvSpPr>
+            <p:spPr>
+              <a:xfrm>
+                <a:off x="3835908" y="4497178"/>
+                <a:ext cx="837466" cy="369332"/>
+              </a:xfrm>
+              <a:prstGeom prst="rect">
+                <a:avLst/>
+              </a:prstGeom>
+              <a:blipFill>
+                <a:blip r:embed="rId8"/>
+                <a:stretch>
+                  <a:fillRect/>
+                </a:stretch>
+              </a:blipFill>
+            </p:spPr>
+            <p:txBody>
+              <a:bodyPr/>
+              <a:lstStyle/>
+              <a:p>
+                <a:r>
+                  <a:rPr lang="zh-CN" altLang="en-US">
+                    <a:noFill/>
+                  </a:rPr>
+                  <a:t> </a:t>
+                </a:r>
+              </a:p>
+            </p:txBody>
+          </p:sp>
+        </mc:Fallback>
+      </mc:AlternateContent>
+      <p:sp>
+        <p:nvSpPr>
+          <p:cNvPr id="2" name="文本框 1">
+            <a:extLst>
+              <a:ext uri="{FF2B5EF4-FFF2-40B4-BE49-F238E27FC236}">
+                <a16:creationId xmlns:a16="http://schemas.microsoft.com/office/drawing/2014/main" id="{5E1D7CE5-B23B-33E7-DAA6-171E7AAD17BE}"/>
+              </a:ext>
+            </a:extLst>
+          </p:cNvPr>
+          <p:cNvSpPr txBox="1"/>
+          <p:nvPr/>
+        </p:nvSpPr>
+        <p:spPr>
+          <a:xfrm>
+            <a:off x="7454441" y="5241975"/>
+            <a:ext cx="2666114" cy="369332"/>
+          </a:xfrm>
+          <a:prstGeom prst="rect">
+            <a:avLst/>
+          </a:prstGeom>
+          <a:noFill/>
+        </p:spPr>
+        <p:txBody>
+          <a:bodyPr wrap="none" rtlCol="0">
+            <a:spAutoFit/>
+          </a:bodyPr>
+          <a:lstStyle/>
+          <a:p>
+            <a:r>
+              <a:rPr kumimoji="1" lang="en-US" altLang="zh-CN">
+                <a:solidFill>
+                  <a:schemeClr val="accent1">
+                    <a:lumMod val="50000"/>
+                  </a:schemeClr>
+                </a:solidFill>
+                <a:latin typeface="Times New Roman" panose="02020603050405020304" pitchFamily="18" charset="0"/>
+              </a:rPr>
+              <a:t>Step2: Refine pseudo label</a:t>
+            </a:r>
+            <a:endParaRPr kumimoji="1" lang="zh-CN" altLang="en-US">
+              <a:solidFill>
+                <a:schemeClr val="accent1">
+                  <a:lumMod val="50000"/>
+                </a:schemeClr>
+              </a:solidFill>
+              <a:latin typeface="Times New Roman" panose="02020603050405020304" pitchFamily="18" charset="0"/>
+            </a:endParaRPr>
+          </a:p>
+        </p:txBody>
+      </p:sp>
+    </p:spTree>
+    <p:extLst>
+      <p:ext uri="{BB962C8B-B14F-4D97-AF65-F5344CB8AC3E}">
+        <p14:creationId xmlns:p14="http://schemas.microsoft.com/office/powerpoint/2010/main" val="805687114"/>
+      </p:ext>
+    </p:extLst>
+  </p:cSld>
+  <p:clrMapOvr>
+    <a:masterClrMapping/>
+  </p:clrMapOvr>
+</p:sld>
+</file>
+
+<file path=ppt/slides/slide14.xml><?xml version="1.0" encoding="utf-8"?>
+<p:sld xmlns:a="http://schemas.openxmlformats.org/drawingml/2006/main" xmlns:r="http://schemas.openxmlformats.org/officeDocument/2006/relationships" xmlns:p="http://schemas.openxmlformats.org/presentationml/2006/main">
+  <p:cSld>
+    <p:spTree>
+      <p:nvGrpSpPr>
+        <p:cNvPr id="1" name=""/>
+        <p:cNvGrpSpPr/>
+        <p:nvPr/>
+      </p:nvGrpSpPr>
+      <p:grpSpPr>
+        <a:xfrm>
+          <a:off x="0" y="0"/>
+          <a:ext cx="0" cy="0"/>
+          <a:chOff x="0" y="0"/>
+          <a:chExt cx="0" cy="0"/>
+        </a:xfrm>
+      </p:grpSpPr>
+      <mc:AlternateContent xmlns:mc="http://schemas.openxmlformats.org/markup-compatibility/2006">
+        <mc:Choice xmlns:p14="http://schemas.microsoft.com/office/powerpoint/2010/main" Requires="p14">
+          <p:contentPart p14:bwMode="auto" r:id="rId2">
+            <p14:nvContentPartPr>
+              <p14:cNvPr id="5" name="墨迹 4">
+                <a:extLst>
+                  <a:ext uri="{FF2B5EF4-FFF2-40B4-BE49-F238E27FC236}">
+                    <a16:creationId xmlns:a16="http://schemas.microsoft.com/office/drawing/2014/main" id="{DCE1B999-01F5-29AD-7158-CA937AE33C88}"/>
+                  </a:ext>
+                </a:extLst>
+              </p14:cNvPr>
+              <p14:cNvContentPartPr/>
+              <p14:nvPr/>
+            </p14:nvContentPartPr>
+            <p14:xfrm>
+              <a:off x="5694632" y="3087097"/>
+              <a:ext cx="8640" cy="6480"/>
+            </p14:xfrm>
+          </p:contentPart>
+        </mc:Choice>
+        <mc:Fallback>
+          <p:pic>
+            <p:nvPicPr>
+              <p:cNvPr id="5" name="墨迹 4">
+                <a:extLst>
+                  <a:ext uri="{FF2B5EF4-FFF2-40B4-BE49-F238E27FC236}">
+                    <a16:creationId xmlns:a16="http://schemas.microsoft.com/office/drawing/2014/main" id="{DCE1B999-01F5-29AD-7158-CA937AE33C88}"/>
+                  </a:ext>
+                </a:extLst>
+              </p:cNvPr>
+              <p:cNvPicPr/>
+              <p:nvPr/>
+            </p:nvPicPr>
+            <p:blipFill>
+              <a:blip r:embed="rId3"/>
+              <a:stretch>
+                <a:fillRect/>
+              </a:stretch>
+            </p:blipFill>
+            <p:spPr>
+              <a:xfrm>
+                <a:off x="5679512" y="3071977"/>
+                <a:ext cx="39240" cy="37080"/>
+              </a:xfrm>
+              <a:prstGeom prst="rect">
+                <a:avLst/>
+              </a:prstGeom>
+            </p:spPr>
+          </p:pic>
+        </mc:Fallback>
+      </mc:AlternateContent>
+      <mc:AlternateContent xmlns:mc="http://schemas.openxmlformats.org/markup-compatibility/2006">
+        <mc:Choice xmlns:a14="http://schemas.microsoft.com/office/drawing/2010/main" Requires="a14">
+          <p:sp>
+            <p:nvSpPr>
+              <p:cNvPr id="20" name="矩形 19">
+                <a:extLst>
+                  <a:ext uri="{FF2B5EF4-FFF2-40B4-BE49-F238E27FC236}">
+                    <a16:creationId xmlns:a16="http://schemas.microsoft.com/office/drawing/2014/main" id="{0893DDC8-6FCE-4520-B20F-23F0731B0B18}"/>
+                  </a:ext>
+                </a:extLst>
+              </p:cNvPr>
+              <p:cNvSpPr/>
+              <p:nvPr/>
+            </p:nvSpPr>
+            <p:spPr>
+              <a:xfrm>
+                <a:off x="1153080" y="2599920"/>
+                <a:ext cx="1280160" cy="1280160"/>
+              </a:xfrm>
+              <a:prstGeom prst="rect">
+                <a:avLst/>
+              </a:prstGeom>
+              <a:solidFill>
+                <a:srgbClr val="849398">
+                  <a:alpha val="5000"/>
+                </a:srgbClr>
+              </a:solidFill>
+              <a:ln w="18000" cap="flat" cmpd="sng" algn="ctr">
+                <a:solidFill>
+                  <a:srgbClr val="849398"/>
+                </a:solidFill>
+                <a:prstDash val="solid"/>
+              </a:ln>
+              <a:effectLst/>
+            </p:spPr>
+            <p:style>
+              <a:lnRef idx="2">
+                <a:schemeClr val="accent1">
+                  <a:shade val="15000"/>
+                </a:schemeClr>
+              </a:lnRef>
+              <a:fillRef idx="1">
+                <a:schemeClr val="accent1"/>
+              </a:fillRef>
+              <a:effectRef idx="0">
+                <a:schemeClr val="accent1"/>
+              </a:effectRef>
+              <a:fontRef idx="minor">
+                <a:schemeClr val="lt1"/>
+              </a:fontRef>
+            </p:style>
+            <p:txBody>
+              <a:bodyPr wrap="none" rtlCol="0" anchor="ctr" anchorCtr="1">
+                <a:noAutofit/>
+              </a:bodyPr>
+              <a:lstStyle/>
+              <a:p>
+                <a:pPr algn="ctr"/>
+                <a14:m>
+                  <m:oMathPara xmlns:m="http://schemas.openxmlformats.org/officeDocument/2006/math">
+                    <m:oMathParaPr>
+                      <m:jc m:val="centerGroup"/>
+                    </m:oMathParaPr>
+                    <m:oMath xmlns:m="http://schemas.openxmlformats.org/officeDocument/2006/math">
+                      <m:sSup>
+                        <m:sSupPr>
+                          <m:ctrlPr>
+                            <a:rPr lang="en-US" altLang="zh-CN" sz="2400" i="1">
+                              <a:solidFill>
+                                <a:srgbClr val="849398"/>
+                              </a:solidFill>
+                              <a:latin typeface="Cambria Math" panose="02040503050406030204" pitchFamily="18" charset="0"/>
+                            </a:rPr>
+                          </m:ctrlPr>
+                        </m:sSupPr>
+                        <m:e>
+                          <m:r>
+                            <a:rPr lang="en-US" altLang="zh-CN" sz="2400" b="0" i="1">
+                              <a:solidFill>
+                                <a:srgbClr val="849398"/>
+                              </a:solidFill>
+                              <a:latin typeface="Cambria Math" panose="02040503050406030204" pitchFamily="18" charset="0"/>
+                            </a:rPr>
+                            <m:t>𝑋</m:t>
+                          </m:r>
+                        </m:e>
+                        <m:sup>
+                          <m:r>
+                            <a:rPr lang="en-US" altLang="zh-CN" sz="2400" b="0" i="1">
+                              <a:solidFill>
+                                <a:srgbClr val="849398"/>
+                              </a:solidFill>
+                              <a:latin typeface="Cambria Math" panose="02040503050406030204" pitchFamily="18" charset="0"/>
+                            </a:rPr>
+                            <m:t>𝑢</m:t>
+                          </m:r>
+                        </m:sup>
+                      </m:sSup>
+                    </m:oMath>
+                  </m:oMathPara>
+                </a14:m>
+                <a:endParaRPr lang="en-US" altLang="zh-CN" sz="2400">
+                  <a:solidFill>
+                    <a:srgbClr val="849398"/>
+                  </a:solidFill>
+                </a:endParaRPr>
+              </a:p>
+            </p:txBody>
+          </p:sp>
+        </mc:Choice>
+        <mc:Fallback>
+          <p:sp>
+            <p:nvSpPr>
+              <p:cNvPr id="20" name="矩形 19">
+                <a:extLst>
+                  <a:ext uri="{FF2B5EF4-FFF2-40B4-BE49-F238E27FC236}">
+                    <a16:creationId xmlns:a16="http://schemas.microsoft.com/office/drawing/2014/main" id="{0893DDC8-6FCE-4520-B20F-23F0731B0B18}"/>
+                  </a:ext>
+                </a:extLst>
+              </p:cNvPr>
+              <p:cNvSpPr>
+                <a:spLocks noRot="1" noChangeAspect="1" noMove="1" noResize="1" noEditPoints="1" noAdjustHandles="1" noChangeArrowheads="1" noChangeShapeType="1" noTextEdit="1"/>
+              </p:cNvSpPr>
+              <p:nvPr/>
+            </p:nvSpPr>
+            <p:spPr>
+              <a:xfrm>
+                <a:off x="1153080" y="2599920"/>
+                <a:ext cx="1280160" cy="1280160"/>
+              </a:xfrm>
+              <a:prstGeom prst="rect">
+                <a:avLst/>
+              </a:prstGeom>
+              <a:blipFill>
+                <a:blip r:embed="rId4"/>
+                <a:stretch>
+                  <a:fillRect/>
+                </a:stretch>
+              </a:blipFill>
+              <a:ln w="18000" cap="flat" cmpd="sng" algn="ctr">
+                <a:solidFill>
+                  <a:srgbClr val="849398"/>
+                </a:solidFill>
+                <a:prstDash val="solid"/>
+              </a:ln>
+              <a:effectLst/>
+            </p:spPr>
+            <p:txBody>
+              <a:bodyPr/>
+              <a:lstStyle/>
+              <a:p>
+                <a:r>
+                  <a:rPr lang="zh-CN" altLang="en-US">
+                    <a:noFill/>
+                  </a:rPr>
+                  <a:t> </a:t>
+                </a:r>
+              </a:p>
+            </p:txBody>
+          </p:sp>
+        </mc:Fallback>
+      </mc:AlternateContent>
+      <p:cxnSp>
+        <p:nvCxnSpPr>
+          <p:cNvPr id="12" name="直线箭头连接符 11">
+            <a:extLst>
+              <a:ext uri="{FF2B5EF4-FFF2-40B4-BE49-F238E27FC236}">
+                <a16:creationId xmlns:a16="http://schemas.microsoft.com/office/drawing/2014/main" id="{897CF935-963F-503B-4409-BDCD4E9EC8DB}"/>
+              </a:ext>
+            </a:extLst>
+          </p:cNvPr>
+          <p:cNvCxnSpPr>
+            <a:cxnSpLocks/>
+            <a:stCxn id="20" idx="3"/>
+          </p:cNvCxnSpPr>
+          <p:nvPr/>
+        </p:nvCxnSpPr>
+        <p:spPr>
+          <a:xfrm flipV="1">
+            <a:off x="2433240" y="1890346"/>
+            <a:ext cx="1338660" cy="1349654"/>
+          </a:xfrm>
+          <a:prstGeom prst="straightConnector1">
+            <a:avLst/>
+          </a:prstGeom>
+          <a:ln>
+            <a:tailEnd type="triangle"/>
+          </a:ln>
+        </p:spPr>
+        <p:style>
+          <a:lnRef idx="1">
+            <a:schemeClr val="dk1"/>
+          </a:lnRef>
+          <a:fillRef idx="0">
+            <a:schemeClr val="dk1"/>
+          </a:fillRef>
+          <a:effectRef idx="0">
+            <a:schemeClr val="dk1"/>
+          </a:effectRef>
+          <a:fontRef idx="minor">
+            <a:schemeClr val="tx1"/>
+          </a:fontRef>
+        </p:style>
+      </p:cxnSp>
+      <p:cxnSp>
+        <p:nvCxnSpPr>
+          <p:cNvPr id="14" name="直线箭头连接符 13">
+            <a:extLst>
+              <a:ext uri="{FF2B5EF4-FFF2-40B4-BE49-F238E27FC236}">
+                <a16:creationId xmlns:a16="http://schemas.microsoft.com/office/drawing/2014/main" id="{0D35201A-BC75-4EEB-996B-558E020A2646}"/>
+              </a:ext>
+            </a:extLst>
+          </p:cNvPr>
+          <p:cNvCxnSpPr>
+            <a:cxnSpLocks/>
+            <a:stCxn id="20" idx="3"/>
+          </p:cNvCxnSpPr>
+          <p:nvPr/>
+        </p:nvCxnSpPr>
+        <p:spPr>
+          <a:xfrm>
+            <a:off x="2433240" y="3240000"/>
+            <a:ext cx="1338660" cy="1375962"/>
+          </a:xfrm>
+          <a:prstGeom prst="straightConnector1">
+            <a:avLst/>
+          </a:prstGeom>
+          <a:ln>
+            <a:tailEnd type="triangle"/>
+          </a:ln>
+        </p:spPr>
+        <p:style>
+          <a:lnRef idx="1">
+            <a:schemeClr val="dk1"/>
+          </a:lnRef>
+          <a:fillRef idx="0">
+            <a:schemeClr val="dk1"/>
+          </a:fillRef>
+          <a:effectRef idx="0">
+            <a:schemeClr val="dk1"/>
+          </a:effectRef>
+          <a:fontRef idx="minor">
+            <a:schemeClr val="tx1"/>
+          </a:fontRef>
+        </p:style>
+      </p:cxnSp>
+      <p:sp>
+        <p:nvSpPr>
+          <p:cNvPr id="19" name="立方体 18">
+            <a:extLst>
+              <a:ext uri="{FF2B5EF4-FFF2-40B4-BE49-F238E27FC236}">
+                <a16:creationId xmlns:a16="http://schemas.microsoft.com/office/drawing/2014/main" id="{F2E22F1E-E886-9D43-29BE-AD16069F7D3B}"/>
+              </a:ext>
+            </a:extLst>
+          </p:cNvPr>
+          <p:cNvSpPr/>
+          <p:nvPr/>
+        </p:nvSpPr>
+        <p:spPr>
+          <a:xfrm>
+            <a:off x="3932858" y="1124272"/>
+            <a:ext cx="1216152" cy="1216152"/>
+          </a:xfrm>
+          <a:prstGeom prst="cube">
+            <a:avLst/>
+          </a:prstGeom>
+        </p:spPr>
+        <p:style>
+          <a:lnRef idx="2">
+            <a:schemeClr val="accent6"/>
+          </a:lnRef>
+          <a:fillRef idx="1">
+            <a:schemeClr val="lt1"/>
+          </a:fillRef>
+          <a:effectRef idx="0">
+            <a:schemeClr val="accent6"/>
+          </a:effectRef>
+          <a:fontRef idx="minor">
+            <a:schemeClr val="dk1"/>
+          </a:fontRef>
+        </p:style>
+        <p:txBody>
+          <a:bodyPr rtlCol="0" anchor="ctr"/>
+          <a:lstStyle/>
+          <a:p>
+            <a:pPr algn="ctr"/>
+            <a:endParaRPr kumimoji="1" lang="zh-CN" altLang="en-US"/>
+          </a:p>
+        </p:txBody>
+      </p:sp>
+      <p:cxnSp>
+        <p:nvCxnSpPr>
+          <p:cNvPr id="22" name="直线箭头连接符 21">
+            <a:extLst>
+              <a:ext uri="{FF2B5EF4-FFF2-40B4-BE49-F238E27FC236}">
+                <a16:creationId xmlns:a16="http://schemas.microsoft.com/office/drawing/2014/main" id="{AC8EFE48-0D42-73EC-92D9-7792FFBEAED0}"/>
+              </a:ext>
+            </a:extLst>
+          </p:cNvPr>
+          <p:cNvCxnSpPr>
+            <a:cxnSpLocks/>
+            <a:stCxn id="19" idx="5"/>
+          </p:cNvCxnSpPr>
+          <p:nvPr/>
+        </p:nvCxnSpPr>
+        <p:spPr>
+          <a:xfrm>
+            <a:off x="5149010" y="1580329"/>
+            <a:ext cx="1043940" cy="0"/>
+          </a:xfrm>
+          <a:prstGeom prst="straightConnector1">
+            <a:avLst/>
+          </a:prstGeom>
+          <a:ln>
+            <a:tailEnd type="triangle"/>
+          </a:ln>
+        </p:spPr>
+        <p:style>
+          <a:lnRef idx="1">
+            <a:schemeClr val="dk1"/>
+          </a:lnRef>
+          <a:fillRef idx="0">
+            <a:schemeClr val="dk1"/>
+          </a:fillRef>
+          <a:effectRef idx="0">
+            <a:schemeClr val="dk1"/>
+          </a:effectRef>
+          <a:fontRef idx="minor">
+            <a:schemeClr val="tx1"/>
+          </a:fontRef>
+        </p:style>
+      </p:cxnSp>
+      <p:cxnSp>
+        <p:nvCxnSpPr>
+          <p:cNvPr id="25" name="直线箭头连接符 24">
+            <a:extLst>
+              <a:ext uri="{FF2B5EF4-FFF2-40B4-BE49-F238E27FC236}">
+                <a16:creationId xmlns:a16="http://schemas.microsoft.com/office/drawing/2014/main" id="{B5818D52-DEB6-CA71-306B-F3A93BBE84DA}"/>
+              </a:ext>
+            </a:extLst>
+          </p:cNvPr>
+          <p:cNvCxnSpPr>
+            <a:cxnSpLocks/>
+          </p:cNvCxnSpPr>
+          <p:nvPr/>
+        </p:nvCxnSpPr>
+        <p:spPr>
+          <a:xfrm>
+            <a:off x="5052060" y="4512241"/>
+            <a:ext cx="1043940" cy="0"/>
+          </a:xfrm>
+          <a:prstGeom prst="straightConnector1">
+            <a:avLst/>
+          </a:prstGeom>
+          <a:ln>
+            <a:tailEnd type="triangle"/>
+          </a:ln>
+        </p:spPr>
+        <p:style>
+          <a:lnRef idx="1">
+            <a:schemeClr val="dk1"/>
+          </a:lnRef>
+          <a:fillRef idx="0">
+            <a:schemeClr val="dk1"/>
+          </a:fillRef>
+          <a:effectRef idx="0">
+            <a:schemeClr val="dk1"/>
+          </a:effectRef>
+          <a:fontRef idx="minor">
+            <a:schemeClr val="tx1"/>
+          </a:fontRef>
+        </p:style>
+      </p:cxnSp>
+      <p:sp>
+        <p:nvSpPr>
+          <p:cNvPr id="26" name="矩形 25">
+            <a:extLst>
+              <a:ext uri="{FF2B5EF4-FFF2-40B4-BE49-F238E27FC236}">
+                <a16:creationId xmlns:a16="http://schemas.microsoft.com/office/drawing/2014/main" id="{971F102C-2BA8-3120-FB7F-BC5A55FBB15F}"/>
+              </a:ext>
+            </a:extLst>
+          </p:cNvPr>
+          <p:cNvSpPr/>
+          <p:nvPr/>
+        </p:nvSpPr>
+        <p:spPr>
+          <a:xfrm>
+            <a:off x="6160360" y="1124272"/>
+            <a:ext cx="914400" cy="914400"/>
+          </a:xfrm>
+          <a:prstGeom prst="rect">
+            <a:avLst/>
+          </a:prstGeom>
+        </p:spPr>
+        <p:style>
+          <a:lnRef idx="2">
+            <a:schemeClr val="accent6"/>
+          </a:lnRef>
+          <a:fillRef idx="1">
+            <a:schemeClr val="lt1"/>
+          </a:fillRef>
+          <a:effectRef idx="0">
+            <a:schemeClr val="accent6"/>
+          </a:effectRef>
+          <a:fontRef idx="minor">
+            <a:schemeClr val="dk1"/>
+          </a:fontRef>
+        </p:style>
+        <p:txBody>
+          <a:bodyPr rtlCol="0" anchor="ctr"/>
+          <a:lstStyle/>
+          <a:p>
+            <a:pPr algn="ctr"/>
+            <a:endParaRPr kumimoji="1" lang="zh-CN" altLang="en-US"/>
+          </a:p>
+        </p:txBody>
+      </p:sp>
+      <p:sp>
+        <p:nvSpPr>
+          <p:cNvPr id="29" name="矩形 28">
+            <a:extLst>
+              <a:ext uri="{FF2B5EF4-FFF2-40B4-BE49-F238E27FC236}">
+                <a16:creationId xmlns:a16="http://schemas.microsoft.com/office/drawing/2014/main" id="{9A025E25-30C6-0382-B0D2-B0428D218E43}"/>
+              </a:ext>
+            </a:extLst>
+          </p:cNvPr>
+          <p:cNvSpPr/>
+          <p:nvPr/>
+        </p:nvSpPr>
+        <p:spPr>
+          <a:xfrm>
+            <a:off x="6160360" y="4055041"/>
+            <a:ext cx="914400" cy="914400"/>
+          </a:xfrm>
+          <a:prstGeom prst="rect">
+            <a:avLst/>
+          </a:prstGeom>
+        </p:spPr>
+        <p:style>
+          <a:lnRef idx="2">
+            <a:schemeClr val="accent6"/>
+          </a:lnRef>
+          <a:fillRef idx="1">
+            <a:schemeClr val="lt1"/>
+          </a:fillRef>
+          <a:effectRef idx="0">
+            <a:schemeClr val="accent6"/>
+          </a:effectRef>
+          <a:fontRef idx="minor">
+            <a:schemeClr val="dk1"/>
+          </a:fontRef>
+        </p:style>
+        <p:txBody>
+          <a:bodyPr rtlCol="0" anchor="ctr"/>
+          <a:lstStyle/>
+          <a:p>
+            <a:pPr algn="ctr"/>
+            <a:endParaRPr kumimoji="1" lang="zh-CN" altLang="en-US"/>
+          </a:p>
+        </p:txBody>
+      </p:sp>
+      <p:cxnSp>
+        <p:nvCxnSpPr>
+          <p:cNvPr id="31" name="直线箭头连接符 30">
+            <a:extLst>
+              <a:ext uri="{FF2B5EF4-FFF2-40B4-BE49-F238E27FC236}">
+                <a16:creationId xmlns:a16="http://schemas.microsoft.com/office/drawing/2014/main" id="{ECCDD0E9-E318-5685-5918-BBF4B8E43681}"/>
+              </a:ext>
+            </a:extLst>
+          </p:cNvPr>
+          <p:cNvCxnSpPr>
+            <a:cxnSpLocks/>
+          </p:cNvCxnSpPr>
+          <p:nvPr/>
+        </p:nvCxnSpPr>
+        <p:spPr>
+          <a:xfrm>
+            <a:off x="7074760" y="4512241"/>
+            <a:ext cx="1043940" cy="0"/>
+          </a:xfrm>
+          <a:prstGeom prst="straightConnector1">
+            <a:avLst/>
+          </a:prstGeom>
+          <a:ln>
+            <a:tailEnd type="triangle"/>
+          </a:ln>
+        </p:spPr>
+        <p:style>
+          <a:lnRef idx="1">
+            <a:schemeClr val="dk1"/>
+          </a:lnRef>
+          <a:fillRef idx="0">
+            <a:schemeClr val="dk1"/>
+          </a:fillRef>
+          <a:effectRef idx="0">
+            <a:schemeClr val="dk1"/>
+          </a:effectRef>
+          <a:fontRef idx="minor">
+            <a:schemeClr val="tx1"/>
+          </a:fontRef>
+        </p:style>
+      </p:cxnSp>
+      <p:sp>
+        <p:nvSpPr>
+          <p:cNvPr id="33" name="矩形 32">
+            <a:extLst>
+              <a:ext uri="{FF2B5EF4-FFF2-40B4-BE49-F238E27FC236}">
+                <a16:creationId xmlns:a16="http://schemas.microsoft.com/office/drawing/2014/main" id="{3F143E3C-0F5B-65F9-6AF5-197500452B10}"/>
+              </a:ext>
+            </a:extLst>
+          </p:cNvPr>
+          <p:cNvSpPr/>
+          <p:nvPr/>
+        </p:nvSpPr>
+        <p:spPr>
+          <a:xfrm>
+            <a:off x="8183060" y="4055041"/>
+            <a:ext cx="914400" cy="914400"/>
+          </a:xfrm>
+          <a:prstGeom prst="rect">
+            <a:avLst/>
+          </a:prstGeom>
+        </p:spPr>
+        <p:style>
+          <a:lnRef idx="2">
+            <a:schemeClr val="accent1">
+              <a:shade val="15000"/>
+            </a:schemeClr>
+          </a:lnRef>
+          <a:fillRef idx="1">
+            <a:schemeClr val="accent1"/>
+          </a:fillRef>
+          <a:effectRef idx="0">
+            <a:schemeClr val="accent1"/>
+          </a:effectRef>
+          <a:fontRef idx="minor">
+            <a:schemeClr val="lt1"/>
+          </a:fontRef>
+        </p:style>
+        <p:txBody>
+          <a:bodyPr rtlCol="0" anchor="ctr"/>
+          <a:lstStyle/>
+          <a:p>
+            <a:pPr algn="ctr"/>
+            <a:endParaRPr kumimoji="1" lang="zh-CN" altLang="en-US"/>
+          </a:p>
+        </p:txBody>
+      </p:sp>
+      <p:cxnSp>
+        <p:nvCxnSpPr>
+          <p:cNvPr id="34" name="直线箭头连接符 33">
+            <a:extLst>
+              <a:ext uri="{FF2B5EF4-FFF2-40B4-BE49-F238E27FC236}">
+                <a16:creationId xmlns:a16="http://schemas.microsoft.com/office/drawing/2014/main" id="{8D8FB2FA-4B87-7A2D-6939-02E1A51E4DC8}"/>
+              </a:ext>
+            </a:extLst>
+          </p:cNvPr>
+          <p:cNvCxnSpPr>
+            <a:cxnSpLocks/>
+            <a:endCxn id="26" idx="3"/>
+          </p:cNvCxnSpPr>
+          <p:nvPr/>
+        </p:nvCxnSpPr>
+        <p:spPr>
+          <a:xfrm flipH="1" flipV="1">
+            <a:off x="7074760" y="1581472"/>
+            <a:ext cx="1108300" cy="2426414"/>
+          </a:xfrm>
+          <a:prstGeom prst="straightConnector1">
+            <a:avLst/>
+          </a:prstGeom>
+          <a:ln>
+            <a:solidFill>
+              <a:schemeClr val="dk1"/>
+            </a:solidFill>
+            <a:prstDash val="lgDash"/>
+            <a:tailEnd type="triangle"/>
+          </a:ln>
+        </p:spPr>
+        <p:style>
+          <a:lnRef idx="1">
+            <a:schemeClr val="dk1"/>
+          </a:lnRef>
+          <a:fillRef idx="0">
+            <a:schemeClr val="dk1"/>
+          </a:fillRef>
+          <a:effectRef idx="0">
+            <a:schemeClr val="dk1"/>
+          </a:effectRef>
+          <a:fontRef idx="minor">
+            <a:schemeClr val="tx1"/>
+          </a:fontRef>
+        </p:style>
+      </p:cxnSp>
+      <p:cxnSp>
+        <p:nvCxnSpPr>
+          <p:cNvPr id="45" name="直线连接符 44">
+            <a:extLst>
+              <a:ext uri="{FF2B5EF4-FFF2-40B4-BE49-F238E27FC236}">
+                <a16:creationId xmlns:a16="http://schemas.microsoft.com/office/drawing/2014/main" id="{E137365E-AB41-C0AE-ED0D-2A006705170D}"/>
+              </a:ext>
+            </a:extLst>
+          </p:cNvPr>
+          <p:cNvCxnSpPr>
+            <a:cxnSpLocks/>
+          </p:cNvCxnSpPr>
+          <p:nvPr/>
+        </p:nvCxnSpPr>
+        <p:spPr>
+          <a:xfrm flipH="1">
+            <a:off x="7312152" y="4376341"/>
+            <a:ext cx="284578" cy="307731"/>
+          </a:xfrm>
+          <a:prstGeom prst="line">
+            <a:avLst/>
+          </a:prstGeom>
+        </p:spPr>
+        <p:style>
+          <a:lnRef idx="1">
+            <a:schemeClr val="dk1"/>
+          </a:lnRef>
+          <a:fillRef idx="0">
+            <a:schemeClr val="dk1"/>
+          </a:fillRef>
+          <a:effectRef idx="0">
+            <a:schemeClr val="dk1"/>
+          </a:effectRef>
+          <a:fontRef idx="minor">
+            <a:schemeClr val="tx1"/>
+          </a:fontRef>
+        </p:style>
+      </p:cxnSp>
+      <p:cxnSp>
+        <p:nvCxnSpPr>
+          <p:cNvPr id="47" name="直线连接符 46">
+            <a:extLst>
+              <a:ext uri="{FF2B5EF4-FFF2-40B4-BE49-F238E27FC236}">
+                <a16:creationId xmlns:a16="http://schemas.microsoft.com/office/drawing/2014/main" id="{1E4CC415-066C-6389-B678-3ECE6ACDE4C7}"/>
+              </a:ext>
+            </a:extLst>
+          </p:cNvPr>
+          <p:cNvCxnSpPr>
+            <a:cxnSpLocks/>
+          </p:cNvCxnSpPr>
+          <p:nvPr/>
+        </p:nvCxnSpPr>
+        <p:spPr>
+          <a:xfrm flipH="1">
+            <a:off x="7464675" y="4376341"/>
+            <a:ext cx="284578" cy="307731"/>
+          </a:xfrm>
+          <a:prstGeom prst="line">
+            <a:avLst/>
+          </a:prstGeom>
+        </p:spPr>
+        <p:style>
+          <a:lnRef idx="1">
+            <a:schemeClr val="dk1"/>
+          </a:lnRef>
+          <a:fillRef idx="0">
+            <a:schemeClr val="dk1"/>
+          </a:fillRef>
+          <a:effectRef idx="0">
+            <a:schemeClr val="dk1"/>
+          </a:effectRef>
+          <a:fontRef idx="minor">
+            <a:schemeClr val="tx1"/>
+          </a:fontRef>
+        </p:style>
+      </p:cxnSp>
+      <p:sp>
+        <p:nvSpPr>
+          <p:cNvPr id="50" name="立方体 49">
+            <a:extLst>
+              <a:ext uri="{FF2B5EF4-FFF2-40B4-BE49-F238E27FC236}">
+                <a16:creationId xmlns:a16="http://schemas.microsoft.com/office/drawing/2014/main" id="{A85B7CF1-AAEB-50D1-4AD4-A43303A9894A}"/>
+              </a:ext>
+            </a:extLst>
+          </p:cNvPr>
+          <p:cNvSpPr/>
+          <p:nvPr/>
+        </p:nvSpPr>
+        <p:spPr>
+          <a:xfrm>
+            <a:off x="3835908" y="3927981"/>
+            <a:ext cx="1216152" cy="1216152"/>
+          </a:xfrm>
+          <a:prstGeom prst="cube">
+            <a:avLst/>
+          </a:prstGeom>
+        </p:spPr>
+        <p:style>
+          <a:lnRef idx="2">
+            <a:schemeClr val="accent6"/>
+          </a:lnRef>
+          <a:fillRef idx="1">
+            <a:schemeClr val="lt1"/>
+          </a:fillRef>
+          <a:effectRef idx="0">
+            <a:schemeClr val="accent6"/>
+          </a:effectRef>
+          <a:fontRef idx="minor">
+            <a:schemeClr val="dk1"/>
+          </a:fontRef>
+        </p:style>
+        <p:txBody>
+          <a:bodyPr rtlCol="0" anchor="ctr"/>
+          <a:lstStyle/>
+          <a:p>
+            <a:pPr algn="ctr"/>
+            <a:endParaRPr kumimoji="1" lang="zh-CN" altLang="en-US"/>
+          </a:p>
+        </p:txBody>
+      </p:sp>
+      <mc:AlternateContent xmlns:mc="http://schemas.openxmlformats.org/markup-compatibility/2006">
+        <mc:Choice xmlns:a14="http://schemas.microsoft.com/office/drawing/2010/main" Requires="a14">
+          <p:sp>
+            <p:nvSpPr>
+              <p:cNvPr id="52" name="文本框 51">
+                <a:extLst>
+                  <a:ext uri="{FF2B5EF4-FFF2-40B4-BE49-F238E27FC236}">
+                    <a16:creationId xmlns:a16="http://schemas.microsoft.com/office/drawing/2014/main" id="{022E6D55-72C0-506B-BED0-ECB3C0F5BF9B}"/>
+                  </a:ext>
+                </a:extLst>
+              </p:cNvPr>
+              <p:cNvSpPr txBox="1"/>
+              <p:nvPr/>
+            </p:nvSpPr>
+            <p:spPr>
+              <a:xfrm>
+                <a:off x="6379862" y="4312512"/>
+                <a:ext cx="441812" cy="369332"/>
+              </a:xfrm>
+              <a:prstGeom prst="rect">
+                <a:avLst/>
+              </a:prstGeom>
+              <a:noFill/>
+            </p:spPr>
+            <p:txBody>
+              <a:bodyPr wrap="square">
+                <a:spAutoFit/>
+              </a:bodyPr>
+              <a:lstStyle/>
+              <a:p>
+                <a:pPr/>
+                <a14:m>
+                  <m:oMathPara xmlns:m="http://schemas.openxmlformats.org/officeDocument/2006/math">
+                    <m:oMathParaPr>
+                      <m:jc m:val="centerGroup"/>
+                    </m:oMathParaPr>
+                    <m:oMath xmlns:m="http://schemas.openxmlformats.org/officeDocument/2006/math">
+                      <m:sSub>
+                        <m:sSubPr>
+                          <m:ctrlPr>
+                            <a:rPr kumimoji="1" lang="en-US" altLang="zh-CN" b="0" i="1">
+                              <a:latin typeface="Cambria Math" panose="02040503050406030204" pitchFamily="18" charset="0"/>
+                            </a:rPr>
+                          </m:ctrlPr>
+                        </m:sSubPr>
+                        <m:e>
+                          <m:r>
+                            <a:rPr kumimoji="1" lang="en-US" altLang="zh-CN" b="0" i="1">
+                              <a:latin typeface="Cambria Math" panose="02040503050406030204" pitchFamily="18" charset="0"/>
+                            </a:rPr>
+                            <m:t>𝑃</m:t>
+                          </m:r>
+                        </m:e>
+                        <m:sub>
+                          <m:r>
+                            <a:rPr kumimoji="1" lang="en-US" altLang="zh-CN" b="0" i="1">
+                              <a:latin typeface="Cambria Math" panose="02040503050406030204" pitchFamily="18" charset="0"/>
+                            </a:rPr>
+                            <m:t>2</m:t>
+                          </m:r>
+                        </m:sub>
+                      </m:sSub>
+                    </m:oMath>
+                  </m:oMathPara>
+                </a14:m>
+                <a:endParaRPr lang="zh-CN" altLang="en-US"/>
+              </a:p>
+            </p:txBody>
+          </p:sp>
+        </mc:Choice>
+        <mc:Fallback>
+          <p:sp>
+            <p:nvSpPr>
+              <p:cNvPr id="52" name="文本框 51">
+                <a:extLst>
+                  <a:ext uri="{FF2B5EF4-FFF2-40B4-BE49-F238E27FC236}">
+                    <a16:creationId xmlns:a16="http://schemas.microsoft.com/office/drawing/2014/main" id="{022E6D55-72C0-506B-BED0-ECB3C0F5BF9B}"/>
+                  </a:ext>
+                </a:extLst>
+              </p:cNvPr>
+              <p:cNvSpPr txBox="1">
+                <a:spLocks noRot="1" noChangeAspect="1" noMove="1" noResize="1" noEditPoints="1" noAdjustHandles="1" noChangeArrowheads="1" noChangeShapeType="1" noTextEdit="1"/>
+              </p:cNvSpPr>
+              <p:nvPr/>
+            </p:nvSpPr>
+            <p:spPr>
+              <a:xfrm>
+                <a:off x="6379862" y="4312512"/>
+                <a:ext cx="441812" cy="369332"/>
+              </a:xfrm>
+              <a:prstGeom prst="rect">
+                <a:avLst/>
+              </a:prstGeom>
+              <a:blipFill>
+                <a:blip r:embed="rId5"/>
+                <a:stretch>
+                  <a:fillRect/>
+                </a:stretch>
+              </a:blipFill>
+            </p:spPr>
+            <p:txBody>
+              <a:bodyPr/>
+              <a:lstStyle/>
+              <a:p>
+                <a:r>
+                  <a:rPr lang="zh-CN" altLang="en-US">
+                    <a:noFill/>
+                  </a:rPr>
+                  <a:t> </a:t>
+                </a:r>
+              </a:p>
+            </p:txBody>
+          </p:sp>
+        </mc:Fallback>
+      </mc:AlternateContent>
+      <mc:AlternateContent xmlns:mc="http://schemas.openxmlformats.org/markup-compatibility/2006">
+        <mc:Choice xmlns:a14="http://schemas.microsoft.com/office/drawing/2010/main" Requires="a14">
+          <p:sp>
+            <p:nvSpPr>
+              <p:cNvPr id="54" name="文本框 53">
+                <a:extLst>
+                  <a:ext uri="{FF2B5EF4-FFF2-40B4-BE49-F238E27FC236}">
+                    <a16:creationId xmlns:a16="http://schemas.microsoft.com/office/drawing/2014/main" id="{4386C84A-F576-7791-1886-F4D003E48C4A}"/>
+                  </a:ext>
+                </a:extLst>
+              </p:cNvPr>
+              <p:cNvSpPr txBox="1"/>
+              <p:nvPr/>
+            </p:nvSpPr>
+            <p:spPr>
+              <a:xfrm>
+                <a:off x="8419354" y="4327575"/>
+                <a:ext cx="441812" cy="369332"/>
+              </a:xfrm>
+              <a:prstGeom prst="rect">
+                <a:avLst/>
+              </a:prstGeom>
+              <a:noFill/>
+            </p:spPr>
+            <p:txBody>
+              <a:bodyPr wrap="square">
+                <a:spAutoFit/>
+              </a:bodyPr>
+              <a:lstStyle/>
+              <a:p>
+                <a:pPr/>
+                <a14:m>
+                  <m:oMathPara xmlns:m="http://schemas.openxmlformats.org/officeDocument/2006/math">
+                    <m:oMathParaPr>
+                      <m:jc m:val="centerGroup"/>
+                    </m:oMathParaPr>
+                    <m:oMath xmlns:m="http://schemas.openxmlformats.org/officeDocument/2006/math">
+                      <m:sSub>
+                        <m:sSubPr>
+                          <m:ctrlPr>
+                            <a:rPr kumimoji="1" lang="en-US" altLang="zh-CN" b="0" i="1">
+                              <a:latin typeface="Cambria Math" panose="02040503050406030204" pitchFamily="18" charset="0"/>
+                            </a:rPr>
+                          </m:ctrlPr>
+                        </m:sSubPr>
+                        <m:e>
+                          <m:r>
+                            <a:rPr kumimoji="1" lang="en-US" altLang="zh-CN" b="0" i="1">
+                              <a:latin typeface="Cambria Math" panose="02040503050406030204" pitchFamily="18" charset="0"/>
+                            </a:rPr>
+                            <m:t>𝑌</m:t>
+                          </m:r>
+                        </m:e>
+                        <m:sub>
+                          <m:r>
+                            <a:rPr kumimoji="1" lang="en-US" altLang="zh-CN" b="0" i="1">
+                              <a:latin typeface="Cambria Math" panose="02040503050406030204" pitchFamily="18" charset="0"/>
+                            </a:rPr>
+                            <m:t>2</m:t>
+                          </m:r>
+                        </m:sub>
+                      </m:sSub>
+                    </m:oMath>
+                  </m:oMathPara>
+                </a14:m>
+                <a:endParaRPr lang="zh-CN" altLang="en-US"/>
+              </a:p>
+            </p:txBody>
+          </p:sp>
+        </mc:Choice>
+        <mc:Fallback>
+          <p:sp>
+            <p:nvSpPr>
+              <p:cNvPr id="54" name="文本框 53">
+                <a:extLst>
+                  <a:ext uri="{FF2B5EF4-FFF2-40B4-BE49-F238E27FC236}">
+                    <a16:creationId xmlns:a16="http://schemas.microsoft.com/office/drawing/2014/main" id="{4386C84A-F576-7791-1886-F4D003E48C4A}"/>
+                  </a:ext>
+                </a:extLst>
+              </p:cNvPr>
+              <p:cNvSpPr txBox="1">
+                <a:spLocks noRot="1" noChangeAspect="1" noMove="1" noResize="1" noEditPoints="1" noAdjustHandles="1" noChangeArrowheads="1" noChangeShapeType="1" noTextEdit="1"/>
+              </p:cNvSpPr>
+              <p:nvPr/>
+            </p:nvSpPr>
+            <p:spPr>
+              <a:xfrm>
+                <a:off x="8419354" y="4327575"/>
+                <a:ext cx="441812" cy="369332"/>
+              </a:xfrm>
+              <a:prstGeom prst="rect">
+                <a:avLst/>
+              </a:prstGeom>
+              <a:blipFill>
+                <a:blip r:embed="rId6"/>
+                <a:stretch>
+                  <a:fillRect/>
+                </a:stretch>
+              </a:blipFill>
+            </p:spPr>
+            <p:txBody>
+              <a:bodyPr/>
+              <a:lstStyle/>
+              <a:p>
+                <a:r>
+                  <a:rPr lang="zh-CN" altLang="en-US">
+                    <a:noFill/>
+                  </a:rPr>
+                  <a:t> </a:t>
+                </a:r>
+              </a:p>
+            </p:txBody>
+          </p:sp>
+        </mc:Fallback>
+      </mc:AlternateContent>
+      <mc:AlternateContent xmlns:mc="http://schemas.openxmlformats.org/markup-compatibility/2006">
+        <mc:Choice xmlns:a14="http://schemas.microsoft.com/office/drawing/2010/main" Requires="a14">
+          <p:sp>
+            <p:nvSpPr>
+              <p:cNvPr id="56" name="文本框 55">
+                <a:extLst>
+                  <a:ext uri="{FF2B5EF4-FFF2-40B4-BE49-F238E27FC236}">
+                    <a16:creationId xmlns:a16="http://schemas.microsoft.com/office/drawing/2014/main" id="{456A5648-22E1-0B2A-C69E-399170952AD1}"/>
+                  </a:ext>
+                </a:extLst>
+              </p:cNvPr>
+              <p:cNvSpPr txBox="1"/>
+              <p:nvPr/>
+            </p:nvSpPr>
+            <p:spPr>
+              <a:xfrm>
+                <a:off x="6294005" y="1395663"/>
+                <a:ext cx="582489" cy="369332"/>
+              </a:xfrm>
+              <a:prstGeom prst="rect">
+                <a:avLst/>
+              </a:prstGeom>
+              <a:noFill/>
+            </p:spPr>
+            <p:txBody>
+              <a:bodyPr wrap="square">
+                <a:spAutoFit/>
+              </a:bodyPr>
+              <a:lstStyle/>
+              <a:p>
+                <a:pPr/>
+                <a14:m>
+                  <m:oMathPara xmlns:m="http://schemas.openxmlformats.org/officeDocument/2006/math">
+                    <m:oMathParaPr>
+                      <m:jc m:val="centerGroup"/>
+                    </m:oMathParaPr>
+                    <m:oMath xmlns:m="http://schemas.openxmlformats.org/officeDocument/2006/math">
+                      <m:sSub>
+                        <m:sSubPr>
+                          <m:ctrlPr>
+                            <a:rPr kumimoji="1" lang="en-US" altLang="zh-CN" b="0" i="1">
+                              <a:latin typeface="Cambria Math" panose="02040503050406030204" pitchFamily="18" charset="0"/>
+                            </a:rPr>
+                          </m:ctrlPr>
+                        </m:sSubPr>
+                        <m:e>
+                          <m:r>
+                            <a:rPr kumimoji="1" lang="en-US" altLang="zh-CN" b="0" i="1">
+                              <a:latin typeface="Cambria Math" panose="02040503050406030204" pitchFamily="18" charset="0"/>
+                            </a:rPr>
+                            <m:t>𝑃</m:t>
+                          </m:r>
+                        </m:e>
+                        <m:sub>
+                          <m:r>
+                            <a:rPr kumimoji="1" lang="en-US" altLang="zh-CN" b="0" i="1">
+                              <a:latin typeface="Cambria Math" panose="02040503050406030204" pitchFamily="18" charset="0"/>
+                            </a:rPr>
+                            <m:t>1</m:t>
+                          </m:r>
+                        </m:sub>
+                      </m:sSub>
+                    </m:oMath>
+                  </m:oMathPara>
+                </a14:m>
+                <a:endParaRPr lang="zh-CN" altLang="en-US"/>
+              </a:p>
+            </p:txBody>
+          </p:sp>
+        </mc:Choice>
+        <mc:Fallback>
+          <p:sp>
+            <p:nvSpPr>
+              <p:cNvPr id="56" name="文本框 55">
+                <a:extLst>
+                  <a:ext uri="{FF2B5EF4-FFF2-40B4-BE49-F238E27FC236}">
+                    <a16:creationId xmlns:a16="http://schemas.microsoft.com/office/drawing/2014/main" id="{456A5648-22E1-0B2A-C69E-399170952AD1}"/>
+                  </a:ext>
+                </a:extLst>
+              </p:cNvPr>
+              <p:cNvSpPr txBox="1">
+                <a:spLocks noRot="1" noChangeAspect="1" noMove="1" noResize="1" noEditPoints="1" noAdjustHandles="1" noChangeArrowheads="1" noChangeShapeType="1" noTextEdit="1"/>
+              </p:cNvSpPr>
+              <p:nvPr/>
+            </p:nvSpPr>
+            <p:spPr>
+              <a:xfrm>
+                <a:off x="6294005" y="1395663"/>
+                <a:ext cx="582489" cy="369332"/>
+              </a:xfrm>
+              <a:prstGeom prst="rect">
+                <a:avLst/>
+              </a:prstGeom>
+              <a:blipFill>
+                <a:blip r:embed="rId7"/>
+                <a:stretch>
+                  <a:fillRect/>
+                </a:stretch>
+              </a:blipFill>
+            </p:spPr>
+            <p:txBody>
+              <a:bodyPr/>
+              <a:lstStyle/>
+              <a:p>
+                <a:r>
+                  <a:rPr lang="zh-CN" altLang="en-US">
+                    <a:noFill/>
+                  </a:rPr>
+                  <a:t> </a:t>
+                </a:r>
+              </a:p>
+            </p:txBody>
+          </p:sp>
+        </mc:Fallback>
+      </mc:AlternateContent>
+      <mc:AlternateContent xmlns:mc="http://schemas.openxmlformats.org/markup-compatibility/2006">
+        <mc:Choice xmlns:a14="http://schemas.microsoft.com/office/drawing/2010/main" Requires="a14">
+          <p:sp>
+            <p:nvSpPr>
+              <p:cNvPr id="58" name="文本框 57">
+                <a:extLst>
+                  <a:ext uri="{FF2B5EF4-FFF2-40B4-BE49-F238E27FC236}">
+                    <a16:creationId xmlns:a16="http://schemas.microsoft.com/office/drawing/2014/main" id="{B7A52D27-5FFD-8201-0826-67C26A629143}"/>
+                  </a:ext>
+                </a:extLst>
+              </p:cNvPr>
+              <p:cNvSpPr txBox="1"/>
+              <p:nvPr/>
+            </p:nvSpPr>
+            <p:spPr>
+              <a:xfrm>
+                <a:off x="4183534" y="1691355"/>
+                <a:ext cx="285031" cy="369332"/>
+              </a:xfrm>
+              <a:prstGeom prst="rect">
+                <a:avLst/>
+              </a:prstGeom>
+              <a:noFill/>
+            </p:spPr>
+            <p:txBody>
+              <a:bodyPr wrap="square">
+                <a:spAutoFit/>
+              </a:bodyPr>
+              <a:lstStyle/>
+              <a:p>
+                <a:pPr/>
+                <a14:m>
+                  <m:oMathPara xmlns:m="http://schemas.openxmlformats.org/officeDocument/2006/math">
+                    <m:oMathParaPr>
+                      <m:jc m:val="centerGroup"/>
+                    </m:oMathParaPr>
+                    <m:oMath xmlns:m="http://schemas.openxmlformats.org/officeDocument/2006/math">
+                      <m:sSub>
+                        <m:sSubPr>
+                          <m:ctrlPr>
+                            <a:rPr kumimoji="1" lang="en-US" altLang="zh-CN" b="0" i="1">
+                              <a:latin typeface="Cambria Math" panose="02040503050406030204" pitchFamily="18" charset="0"/>
+                            </a:rPr>
+                          </m:ctrlPr>
+                        </m:sSubPr>
+                        <m:e>
+                          <m:r>
+                            <a:rPr kumimoji="1" lang="en-US" altLang="zh-CN" b="0" i="1">
+                              <a:latin typeface="Cambria Math" panose="02040503050406030204" pitchFamily="18" charset="0"/>
+                            </a:rPr>
+                            <m:t>𝐹</m:t>
+                          </m:r>
+                        </m:e>
+                        <m:sub>
+                          <m:r>
+                            <a:rPr kumimoji="1" lang="en-US" altLang="zh-CN" b="0" i="1">
+                              <a:latin typeface="Cambria Math" panose="02040503050406030204" pitchFamily="18" charset="0"/>
+                            </a:rPr>
+                            <m:t>1</m:t>
+                          </m:r>
+                        </m:sub>
+                      </m:sSub>
+                    </m:oMath>
+                  </m:oMathPara>
+                </a14:m>
+                <a:endParaRPr lang="zh-CN" altLang="en-US"/>
+              </a:p>
+            </p:txBody>
+          </p:sp>
+        </mc:Choice>
+        <mc:Fallback>
+          <p:sp>
+            <p:nvSpPr>
+              <p:cNvPr id="58" name="文本框 57">
+                <a:extLst>
+                  <a:ext uri="{FF2B5EF4-FFF2-40B4-BE49-F238E27FC236}">
+                    <a16:creationId xmlns:a16="http://schemas.microsoft.com/office/drawing/2014/main" id="{B7A52D27-5FFD-8201-0826-67C26A629143}"/>
+                  </a:ext>
+                </a:extLst>
+              </p:cNvPr>
+              <p:cNvSpPr txBox="1">
+                <a:spLocks noRot="1" noChangeAspect="1" noMove="1" noResize="1" noEditPoints="1" noAdjustHandles="1" noChangeArrowheads="1" noChangeShapeType="1" noTextEdit="1"/>
+              </p:cNvSpPr>
+              <p:nvPr/>
+            </p:nvSpPr>
+            <p:spPr>
+              <a:xfrm>
+                <a:off x="4183534" y="1691355"/>
+                <a:ext cx="285031" cy="369332"/>
+              </a:xfrm>
+              <a:prstGeom prst="rect">
+                <a:avLst/>
+              </a:prstGeom>
+              <a:blipFill>
+                <a:blip r:embed="rId8"/>
+                <a:stretch>
+                  <a:fillRect r="-26087"/>
+                </a:stretch>
+              </a:blipFill>
+            </p:spPr>
+            <p:txBody>
+              <a:bodyPr/>
+              <a:lstStyle/>
+              <a:p>
+                <a:r>
+                  <a:rPr lang="zh-CN" altLang="en-US">
+                    <a:noFill/>
+                  </a:rPr>
+                  <a:t> </a:t>
+                </a:r>
+              </a:p>
+            </p:txBody>
+          </p:sp>
+        </mc:Fallback>
+      </mc:AlternateContent>
+      <mc:AlternateContent xmlns:mc="http://schemas.openxmlformats.org/markup-compatibility/2006">
+        <mc:Choice xmlns:a14="http://schemas.microsoft.com/office/drawing/2010/main" Requires="a14">
+          <p:sp>
+            <p:nvSpPr>
+              <p:cNvPr id="60" name="文本框 59">
+                <a:extLst>
+                  <a:ext uri="{FF2B5EF4-FFF2-40B4-BE49-F238E27FC236}">
+                    <a16:creationId xmlns:a16="http://schemas.microsoft.com/office/drawing/2014/main" id="{F9E931D6-A180-806F-1344-B19A21B4A9C0}"/>
+                  </a:ext>
+                </a:extLst>
+              </p:cNvPr>
+              <p:cNvSpPr txBox="1"/>
+              <p:nvPr/>
+            </p:nvSpPr>
+            <p:spPr>
+              <a:xfrm>
+                <a:off x="3835908" y="4497178"/>
+                <a:ext cx="837466" cy="369332"/>
+              </a:xfrm>
+              <a:prstGeom prst="rect">
+                <a:avLst/>
+              </a:prstGeom>
+              <a:noFill/>
+            </p:spPr>
+            <p:txBody>
+              <a:bodyPr wrap="square">
+                <a:spAutoFit/>
+              </a:bodyPr>
+              <a:lstStyle/>
+              <a:p>
+                <a:pPr/>
+                <a14:m>
+                  <m:oMathPara xmlns:m="http://schemas.openxmlformats.org/officeDocument/2006/math">
+                    <m:oMathParaPr>
+                      <m:jc m:val="centerGroup"/>
+                    </m:oMathParaPr>
+                    <m:oMath xmlns:m="http://schemas.openxmlformats.org/officeDocument/2006/math">
+                      <m:sSub>
+                        <m:sSubPr>
+                          <m:ctrlPr>
+                            <a:rPr kumimoji="1" lang="en-US" altLang="zh-CN" b="0" i="1">
+                              <a:latin typeface="Cambria Math" panose="02040503050406030204" pitchFamily="18" charset="0"/>
+                            </a:rPr>
+                          </m:ctrlPr>
+                        </m:sSubPr>
+                        <m:e>
+                          <m:r>
+                            <a:rPr kumimoji="1" lang="en-US" altLang="zh-CN" b="0" i="1">
+                              <a:latin typeface="Cambria Math" panose="02040503050406030204" pitchFamily="18" charset="0"/>
+                            </a:rPr>
+                            <m:t>𝐹</m:t>
+                          </m:r>
+                        </m:e>
+                        <m:sub>
+                          <m:r>
+                            <a:rPr kumimoji="1" lang="en-US" altLang="zh-CN" b="0" i="1">
+                              <a:latin typeface="Cambria Math" panose="02040503050406030204" pitchFamily="18" charset="0"/>
+                            </a:rPr>
+                            <m:t>2</m:t>
+                          </m:r>
+                        </m:sub>
+                      </m:sSub>
+                    </m:oMath>
+                  </m:oMathPara>
+                </a14:m>
+                <a:endParaRPr lang="zh-CN" altLang="en-US"/>
+              </a:p>
+            </p:txBody>
+          </p:sp>
+        </mc:Choice>
+        <mc:Fallback>
+          <p:sp>
+            <p:nvSpPr>
+              <p:cNvPr id="60" name="文本框 59">
+                <a:extLst>
+                  <a:ext uri="{FF2B5EF4-FFF2-40B4-BE49-F238E27FC236}">
+                    <a16:creationId xmlns:a16="http://schemas.microsoft.com/office/drawing/2014/main" id="{F9E931D6-A180-806F-1344-B19A21B4A9C0}"/>
+                  </a:ext>
+                </a:extLst>
+              </p:cNvPr>
+              <p:cNvSpPr txBox="1">
+                <a:spLocks noRot="1" noChangeAspect="1" noMove="1" noResize="1" noEditPoints="1" noAdjustHandles="1" noChangeArrowheads="1" noChangeShapeType="1" noTextEdit="1"/>
+              </p:cNvSpPr>
+              <p:nvPr/>
+            </p:nvSpPr>
+            <p:spPr>
+              <a:xfrm>
+                <a:off x="3835908" y="4497178"/>
+                <a:ext cx="837466" cy="369332"/>
+              </a:xfrm>
+              <a:prstGeom prst="rect">
+                <a:avLst/>
+              </a:prstGeom>
+              <a:blipFill>
+                <a:blip r:embed="rId9"/>
+                <a:stretch>
+                  <a:fillRect/>
+                </a:stretch>
+              </a:blipFill>
+            </p:spPr>
+            <p:txBody>
+              <a:bodyPr/>
+              <a:lstStyle/>
+              <a:p>
+                <a:r>
+                  <a:rPr lang="zh-CN" altLang="en-US">
+                    <a:noFill/>
+                  </a:rPr>
+                  <a:t> </a:t>
+                </a:r>
+              </a:p>
+            </p:txBody>
+          </p:sp>
+        </mc:Fallback>
+      </mc:AlternateContent>
+      <mc:AlternateContent xmlns:mc="http://schemas.openxmlformats.org/markup-compatibility/2006">
+        <mc:Choice xmlns:a14="http://schemas.microsoft.com/office/drawing/2010/main" Requires="a14">
+          <p:sp>
+            <p:nvSpPr>
+              <p:cNvPr id="3" name="文本框 2">
+                <a:extLst>
+                  <a:ext uri="{FF2B5EF4-FFF2-40B4-BE49-F238E27FC236}">
+                    <a16:creationId xmlns:a16="http://schemas.microsoft.com/office/drawing/2014/main" id="{C0A7A498-1154-412E-D430-98FD941058B1}"/>
+                  </a:ext>
+                </a:extLst>
+              </p:cNvPr>
+              <p:cNvSpPr txBox="1"/>
+              <p:nvPr/>
+            </p:nvSpPr>
+            <p:spPr>
+              <a:xfrm>
+                <a:off x="7596730" y="2645471"/>
+                <a:ext cx="2953821" cy="298415"/>
+              </a:xfrm>
+              <a:prstGeom prst="rect">
+                <a:avLst/>
+              </a:prstGeom>
+              <a:noFill/>
+            </p:spPr>
+            <p:txBody>
+              <a:bodyPr wrap="none" lIns="0" tIns="0" rIns="0" bIns="0" rtlCol="0">
+                <a:spAutoFit/>
+              </a:bodyPr>
+              <a:lstStyle/>
+              <a:p>
+                <a14:m>
+                  <m:oMathPara xmlns:m="http://schemas.openxmlformats.org/officeDocument/2006/math">
+                    <m:oMathParaPr>
+                      <m:jc m:val="centerGroup"/>
+                    </m:oMathParaPr>
+                    <m:oMath xmlns:m="http://schemas.openxmlformats.org/officeDocument/2006/math">
+                      <m:sSub>
+                        <m:sSubPr>
+                          <m:ctrlPr>
+                            <a:rPr kumimoji="1" lang="en-US" altLang="zh-CN" i="1">
+                              <a:latin typeface="Cambria Math" panose="02040503050406030204" pitchFamily="18" charset="0"/>
+                            </a:rPr>
+                          </m:ctrlPr>
+                        </m:sSubPr>
+                        <m:e>
+                          <m:r>
+                            <a:rPr kumimoji="1" lang="en-US" altLang="zh-CN" b="0" i="1">
+                              <a:latin typeface="Cambria Math" panose="02040503050406030204" pitchFamily="18" charset="0"/>
+                            </a:rPr>
+                            <m:t>𝑙</m:t>
+                          </m:r>
+                        </m:e>
+                        <m:sub>
+                          <m:r>
+                            <a:rPr kumimoji="1" lang="en-US" altLang="zh-CN" b="0" i="1">
+                              <a:latin typeface="Cambria Math" panose="02040503050406030204" pitchFamily="18" charset="0"/>
+                            </a:rPr>
+                            <m:t>𝑝𝑠𝑒𝑢𝑑𝑜</m:t>
+                          </m:r>
+                        </m:sub>
+                      </m:sSub>
+                      <m:r>
+                        <a:rPr kumimoji="1" lang="en-US" altLang="zh-CN" b="0" i="1">
+                          <a:latin typeface="Cambria Math" panose="02040503050406030204" pitchFamily="18" charset="0"/>
+                        </a:rPr>
+                        <m:t>=</m:t>
+                      </m:r>
+                      <m:r>
+                        <a:rPr kumimoji="1" lang="en-US" altLang="zh-CN" b="0" i="1">
+                          <a:latin typeface="Cambria Math" panose="02040503050406030204" pitchFamily="18" charset="0"/>
+                        </a:rPr>
+                        <m:t>𝑐𝑟𝑜𝑠𝑠</m:t>
+                      </m:r>
+                      <m:r>
+                        <a:rPr kumimoji="1" lang="en-US" altLang="zh-CN" b="0" i="1">
+                          <a:latin typeface="Cambria Math" panose="02040503050406030204" pitchFamily="18" charset="0"/>
+                        </a:rPr>
+                        <m:t> </m:t>
+                      </m:r>
+                      <m:r>
+                        <a:rPr kumimoji="1" lang="en-US" altLang="zh-CN" b="0" i="1">
+                          <a:latin typeface="Cambria Math" panose="02040503050406030204" pitchFamily="18" charset="0"/>
+                        </a:rPr>
+                        <m:t>𝑒𝑛𝑡𝑟𝑜𝑝𝑦</m:t>
+                      </m:r>
+                      <m:r>
+                        <a:rPr kumimoji="1" lang="en-US" altLang="zh-CN" b="0" i="1">
+                          <a:latin typeface="Cambria Math" panose="02040503050406030204" pitchFamily="18" charset="0"/>
+                        </a:rPr>
+                        <m:t> </m:t>
+                      </m:r>
+                      <m:r>
+                        <a:rPr kumimoji="1" lang="en-US" altLang="zh-CN" b="0" i="1">
+                          <a:latin typeface="Cambria Math" panose="02040503050406030204" pitchFamily="18" charset="0"/>
+                        </a:rPr>
+                        <m:t>𝑙𝑜𝑠𝑠</m:t>
+                      </m:r>
+                    </m:oMath>
+                  </m:oMathPara>
+                </a14:m>
+                <a:endParaRPr kumimoji="1" lang="zh-CN" altLang="en-US"/>
+              </a:p>
+            </p:txBody>
+          </p:sp>
+        </mc:Choice>
+        <mc:Fallback>
+          <p:sp>
+            <p:nvSpPr>
+              <p:cNvPr id="3" name="文本框 2">
+                <a:extLst>
+                  <a:ext uri="{FF2B5EF4-FFF2-40B4-BE49-F238E27FC236}">
+                    <a16:creationId xmlns:a16="http://schemas.microsoft.com/office/drawing/2014/main" id="{C0A7A498-1154-412E-D430-98FD941058B1}"/>
+                  </a:ext>
+                </a:extLst>
+              </p:cNvPr>
+              <p:cNvSpPr txBox="1">
+                <a:spLocks noRot="1" noChangeAspect="1" noMove="1" noResize="1" noEditPoints="1" noAdjustHandles="1" noChangeArrowheads="1" noChangeShapeType="1" noTextEdit="1"/>
+              </p:cNvSpPr>
+              <p:nvPr/>
+            </p:nvSpPr>
+            <p:spPr>
+              <a:xfrm>
+                <a:off x="7596730" y="2645471"/>
+                <a:ext cx="2953821" cy="298415"/>
+              </a:xfrm>
+              <a:prstGeom prst="rect">
+                <a:avLst/>
+              </a:prstGeom>
+              <a:blipFill>
+                <a:blip r:embed="rId10"/>
+                <a:stretch>
+                  <a:fillRect l="-1288" t="-8333" r="-1288" b="-29167"/>
+                </a:stretch>
+              </a:blipFill>
+            </p:spPr>
+            <p:txBody>
+              <a:bodyPr/>
+              <a:lstStyle/>
+              <a:p>
+                <a:r>
+                  <a:rPr lang="zh-CN" altLang="en-US">
+                    <a:noFill/>
+                  </a:rPr>
+                  <a:t> </a:t>
+                </a:r>
+              </a:p>
+            </p:txBody>
+          </p:sp>
+        </mc:Fallback>
+      </mc:AlternateContent>
+      <mc:AlternateContent xmlns:mc="http://schemas.openxmlformats.org/markup-compatibility/2006">
+        <mc:Choice xmlns:a14="http://schemas.microsoft.com/office/drawing/2010/main" Requires="a14">
+          <p:sp>
+            <p:nvSpPr>
+              <p:cNvPr id="7" name="文本框 6">
+                <a:extLst>
+                  <a:ext uri="{FF2B5EF4-FFF2-40B4-BE49-F238E27FC236}">
+                    <a16:creationId xmlns:a16="http://schemas.microsoft.com/office/drawing/2014/main" id="{0471058F-E27B-DCFB-1DC7-0DA361EBE1CF}"/>
+                  </a:ext>
+                </a:extLst>
+              </p:cNvPr>
+              <p:cNvSpPr txBox="1"/>
+              <p:nvPr/>
+            </p:nvSpPr>
+            <p:spPr>
+              <a:xfrm>
+                <a:off x="5063938" y="6114702"/>
+                <a:ext cx="2471895" cy="298415"/>
+              </a:xfrm>
+              <a:prstGeom prst="rect">
+                <a:avLst/>
+              </a:prstGeom>
+              <a:noFill/>
+            </p:spPr>
+            <p:txBody>
+              <a:bodyPr wrap="none" lIns="0" tIns="0" rIns="0" bIns="0" rtlCol="0">
+                <a:spAutoFit/>
+              </a:bodyPr>
+              <a:lstStyle/>
+              <a:p>
+                <a14:m>
+                  <m:oMathPara xmlns:m="http://schemas.openxmlformats.org/officeDocument/2006/math">
+                    <m:oMathParaPr>
+                      <m:jc m:val="centerGroup"/>
+                    </m:oMathParaPr>
+                    <m:oMath xmlns:m="http://schemas.openxmlformats.org/officeDocument/2006/math">
+                      <m:sSub>
+                        <m:sSubPr>
+                          <m:ctrlPr>
+                            <a:rPr kumimoji="1" lang="en-US" altLang="zh-CN" i="1">
+                              <a:latin typeface="Cambria Math" panose="02040503050406030204" pitchFamily="18" charset="0"/>
+                            </a:rPr>
+                          </m:ctrlPr>
+                        </m:sSubPr>
+                        <m:e>
+                          <m:r>
+                            <a:rPr kumimoji="1" lang="en-US" altLang="zh-CN" i="1">
+                              <a:latin typeface="Cambria Math" panose="02040503050406030204" pitchFamily="18" charset="0"/>
+                            </a:rPr>
+                            <m:t>𝐿</m:t>
+                          </m:r>
+                        </m:e>
+                        <m:sub>
+                          <m:r>
+                            <a:rPr kumimoji="1" lang="en-US" altLang="zh-CN" b="0" i="1">
+                              <a:latin typeface="Cambria Math" panose="02040503050406030204" pitchFamily="18" charset="0"/>
+                            </a:rPr>
+                            <m:t>𝑡𝑜𝑡𝑎𝑙</m:t>
+                          </m:r>
+                        </m:sub>
+                      </m:sSub>
+                      <m:r>
+                        <a:rPr kumimoji="1" lang="en-US" altLang="zh-CN" i="1">
+                          <a:latin typeface="Cambria Math" panose="02040503050406030204" pitchFamily="18" charset="0"/>
+                        </a:rPr>
+                        <m:t> </m:t>
+                      </m:r>
+                      <m:r>
+                        <a:rPr kumimoji="1" lang="en-US" altLang="zh-CN" b="0" i="1">
+                          <a:latin typeface="Cambria Math" panose="02040503050406030204" pitchFamily="18" charset="0"/>
+                        </a:rPr>
+                        <m:t>=</m:t>
+                      </m:r>
+                      <m:sSub>
+                        <m:sSubPr>
+                          <m:ctrlPr>
+                            <a:rPr kumimoji="1" lang="en-US" altLang="zh-CN" b="0" i="1">
+                              <a:latin typeface="Cambria Math" panose="02040503050406030204" pitchFamily="18" charset="0"/>
+                            </a:rPr>
+                          </m:ctrlPr>
+                        </m:sSubPr>
+                        <m:e>
+                          <m:r>
+                            <a:rPr kumimoji="1" lang="en-US" altLang="zh-CN" b="0" i="1">
+                              <a:latin typeface="Cambria Math" panose="02040503050406030204" pitchFamily="18" charset="0"/>
+                            </a:rPr>
+                            <m:t>𝐿</m:t>
+                          </m:r>
+                        </m:e>
+                        <m:sub>
+                          <m:r>
+                            <a:rPr kumimoji="1" lang="en-US" altLang="zh-CN" b="0" i="1">
+                              <a:latin typeface="Cambria Math" panose="02040503050406030204" pitchFamily="18" charset="0"/>
+                            </a:rPr>
+                            <m:t>𝑠</m:t>
+                          </m:r>
+                        </m:sub>
+                      </m:sSub>
+                      <m:r>
+                        <a:rPr kumimoji="1" lang="en-US" altLang="zh-CN" b="0" i="1">
+                          <a:latin typeface="Cambria Math" panose="02040503050406030204" pitchFamily="18" charset="0"/>
+                        </a:rPr>
+                        <m:t>+</m:t>
+                      </m:r>
+                      <m:r>
+                        <a:rPr kumimoji="1" lang="en-US" altLang="zh-CN" b="0" i="1">
+                          <a:latin typeface="Cambria Math" panose="02040503050406030204" pitchFamily="18" charset="0"/>
+                          <a:ea typeface="Cambria Math" panose="02040503050406030204" pitchFamily="18" charset="0"/>
+                        </a:rPr>
+                        <m:t>𝜏</m:t>
+                      </m:r>
+                      <m:r>
+                        <a:rPr kumimoji="1" lang="en-US" altLang="zh-CN" b="0" i="1">
+                          <a:latin typeface="Cambria Math" panose="02040503050406030204" pitchFamily="18" charset="0"/>
+                          <a:ea typeface="Cambria Math" panose="02040503050406030204" pitchFamily="18" charset="0"/>
+                        </a:rPr>
+                        <m:t>·</m:t>
+                      </m:r>
+                      <m:sSub>
+                        <m:sSubPr>
+                          <m:ctrlPr>
+                            <a:rPr kumimoji="1" lang="en-US" altLang="zh-CN" i="1">
+                              <a:latin typeface="Cambria Math" panose="02040503050406030204" pitchFamily="18" charset="0"/>
+                            </a:rPr>
+                          </m:ctrlPr>
+                        </m:sSubPr>
+                        <m:e>
+                          <m:r>
+                            <a:rPr kumimoji="1" lang="en-US" altLang="zh-CN" i="1">
+                              <a:latin typeface="Cambria Math" panose="02040503050406030204" pitchFamily="18" charset="0"/>
+                            </a:rPr>
+                            <m:t>𝐿</m:t>
+                          </m:r>
+                        </m:e>
+                        <m:sub>
+                          <m:r>
+                            <a:rPr kumimoji="1" lang="en-US" altLang="zh-CN" b="0" i="1">
+                              <a:latin typeface="Cambria Math" panose="02040503050406030204" pitchFamily="18" charset="0"/>
+                            </a:rPr>
+                            <m:t>𝑝𝑠𝑒𝑢𝑑𝑜</m:t>
+                          </m:r>
+                        </m:sub>
+                      </m:sSub>
+                    </m:oMath>
+                  </m:oMathPara>
+                </a14:m>
+                <a:endParaRPr kumimoji="1" lang="zh-CN" altLang="en-US"/>
+              </a:p>
+            </p:txBody>
+          </p:sp>
+        </mc:Choice>
+        <mc:Fallback>
+          <p:sp>
+            <p:nvSpPr>
+              <p:cNvPr id="7" name="文本框 6">
+                <a:extLst>
+                  <a:ext uri="{FF2B5EF4-FFF2-40B4-BE49-F238E27FC236}">
+                    <a16:creationId xmlns:a16="http://schemas.microsoft.com/office/drawing/2014/main" id="{0471058F-E27B-DCFB-1DC7-0DA361EBE1CF}"/>
+                  </a:ext>
+                </a:extLst>
+              </p:cNvPr>
+              <p:cNvSpPr txBox="1">
+                <a:spLocks noRot="1" noChangeAspect="1" noMove="1" noResize="1" noEditPoints="1" noAdjustHandles="1" noChangeArrowheads="1" noChangeShapeType="1" noTextEdit="1"/>
+              </p:cNvSpPr>
+              <p:nvPr/>
+            </p:nvSpPr>
+            <p:spPr>
+              <a:xfrm>
+                <a:off x="5063938" y="6114702"/>
+                <a:ext cx="2471895" cy="298415"/>
+              </a:xfrm>
+              <a:prstGeom prst="rect">
+                <a:avLst/>
+              </a:prstGeom>
+              <a:blipFill>
+                <a:blip r:embed="rId11"/>
+                <a:stretch>
+                  <a:fillRect l="-1020" t="-8333" r="-510" b="-29167"/>
+                </a:stretch>
+              </a:blipFill>
+            </p:spPr>
+            <p:txBody>
+              <a:bodyPr/>
+              <a:lstStyle/>
+              <a:p>
+                <a:r>
+                  <a:rPr lang="zh-CN" altLang="en-US">
+                    <a:noFill/>
+                  </a:rPr>
+                  <a:t> </a:t>
+                </a:r>
+              </a:p>
+            </p:txBody>
+          </p:sp>
+        </mc:Fallback>
+      </mc:AlternateContent>
+    </p:spTree>
+    <p:extLst>
+      <p:ext uri="{BB962C8B-B14F-4D97-AF65-F5344CB8AC3E}">
+        <p14:creationId xmlns:p14="http://schemas.microsoft.com/office/powerpoint/2010/main" val="2890452232"/>
+      </p:ext>
+    </p:extLst>
+  </p:cSld>
+  <p:clrMapOvr>
+    <a:masterClrMapping/>
+  </p:clrMapOvr>
+</p:sld>
+</file>
+
+<file path=ppt/slides/slide15.xml><?xml version="1.0" encoding="utf-8"?>
+<p:sld xmlns:a="http://schemas.openxmlformats.org/drawingml/2006/main" xmlns:r="http://schemas.openxmlformats.org/officeDocument/2006/relationships" xmlns:p="http://schemas.openxmlformats.org/presentationml/2006/main">
+  <p:cSld>
+    <p:bg>
+      <p:bgPr>
+        <a:solidFill>
+          <a:schemeClr val="bg1">
+            <a:lumMod val="95000"/>
+          </a:schemeClr>
+        </a:solidFill>
+        <a:effectLst/>
+      </p:bgPr>
+    </p:bg>
+    <p:spTree>
+      <p:nvGrpSpPr>
+        <p:cNvPr id="1" name=""/>
+        <p:cNvGrpSpPr/>
+        <p:nvPr/>
+      </p:nvGrpSpPr>
+      <p:grpSpPr>
+        <a:xfrm>
+          <a:off x="0" y="0"/>
+          <a:ext cx="0" cy="0"/>
+          <a:chOff x="0" y="0"/>
+          <a:chExt cx="0" cy="0"/>
+        </a:xfrm>
+      </p:grpSpPr>
+      <p:sp useBgFill="1">
+        <p:nvSpPr>
+          <p:cNvPr id="2055" name="Rectangle 2054">
+            <a:extLst>
+              <a:ext uri="{FF2B5EF4-FFF2-40B4-BE49-F238E27FC236}">
+                <a16:creationId xmlns:a16="http://schemas.microsoft.com/office/drawing/2014/main" id="{1660E788-AFA9-4A1B-9991-6AA74632A15B}"/>
+              </a:ext>
+              <a:ext uri="{C183D7F6-B498-43B3-948B-1728B52AA6E4}">
+                <adec:decorative xmlns:adec="http://schemas.microsoft.com/office/drawing/2017/decorative" val="1"/>
+              </a:ext>
+            </a:extLst>
+          </p:cNvPr>
+          <p:cNvSpPr>
+            <a:spLocks noGrp="1" noRot="1" noChangeAspect="1" noMove="1" noResize="1" noEditPoints="1" noAdjustHandles="1" noChangeArrowheads="1" noChangeShapeType="1" noTextEdit="1"/>
+          </p:cNvSpPr>
+          <p:nvPr>
+            <p:extLst>
+              <p:ext uri="{386F3935-93C4-4BCD-93E2-E3B085C9AB24}">
+                <p16:designElem xmlns:p16="http://schemas.microsoft.com/office/powerpoint/2015/main" val="1"/>
+              </p:ext>
+            </p:extLst>
+          </p:nvPr>
+        </p:nvSpPr>
+        <p:spPr>
+          <a:xfrm>
+            <a:off x="0" y="0"/>
+            <a:ext cx="12191999" cy="6858000"/>
+          </a:xfrm>
+          <a:prstGeom prst="rect">
+            <a:avLst/>
+          </a:prstGeom>
           <a:ln>
             <a:noFill/>
           </a:ln>
@@ -3383,113 +8878,10 @@
       </p:sp>
       <p:sp>
         <p:nvSpPr>
-          <p:cNvPr id="2" name="标题 1">
+          <p:cNvPr id="2057" name="Rectangle 2056">
             <a:extLst>
               <a:ext uri="{FF2B5EF4-FFF2-40B4-BE49-F238E27FC236}">
-                <a16:creationId xmlns:a16="http://schemas.microsoft.com/office/drawing/2014/main" id="{7C8326B7-7844-5B5A-A56B-6B968F0D721B}"/>
-              </a:ext>
-            </a:extLst>
-          </p:cNvPr>
-          <p:cNvSpPr>
-            <a:spLocks noGrp="1"/>
-          </p:cNvSpPr>
-          <p:nvPr>
-            <p:ph type="title"/>
-          </p:nvPr>
-        </p:nvSpPr>
-        <p:spPr>
-          <a:xfrm>
-            <a:off x="804672" y="2404872"/>
-            <a:ext cx="3044950" cy="1627792"/>
-          </a:xfrm>
-        </p:spPr>
-        <p:txBody>
-          <a:bodyPr vert="horz" lIns="274320" tIns="182880" rIns="274320" bIns="182880" rtlCol="0" anchor="ctr" anchorCtr="1">
-            <a:normAutofit/>
-          </a:bodyPr>
-          <a:lstStyle/>
-          <a:p>
-            <a:r>
-              <a:rPr kumimoji="1" lang="en-US" altLang="zh-CN" sz="2200"/>
-              <a:t>semi-supervised learning</a:t>
-            </a:r>
-          </a:p>
-        </p:txBody>
-      </p:sp>
-      <p:pic>
-        <p:nvPicPr>
-          <p:cNvPr id="7" name="图片 6" descr="图表, 雷达图&#10;&#10;描述已自动生成">
-            <a:extLst>
-              <a:ext uri="{FF2B5EF4-FFF2-40B4-BE49-F238E27FC236}">
-                <a16:creationId xmlns:a16="http://schemas.microsoft.com/office/drawing/2014/main" id="{00F6D1AD-6E1A-540F-779A-93450EF48C0D}"/>
-              </a:ext>
-            </a:extLst>
-          </p:cNvPr>
-          <p:cNvPicPr>
-            <a:picLocks noChangeAspect="1"/>
-          </p:cNvPicPr>
-          <p:nvPr/>
-        </p:nvPicPr>
-        <p:blipFill>
-          <a:blip r:embed="rId2"/>
-          <a:stretch>
-            <a:fillRect/>
-          </a:stretch>
-        </p:blipFill>
-        <p:spPr>
-          <a:xfrm>
-            <a:off x="4654293" y="383019"/>
-            <a:ext cx="7537707" cy="5757806"/>
-          </a:xfrm>
-          <a:prstGeom prst="rect">
-            <a:avLst/>
-          </a:prstGeom>
-        </p:spPr>
-      </p:pic>
-    </p:spTree>
-    <p:extLst>
-      <p:ext uri="{BB962C8B-B14F-4D97-AF65-F5344CB8AC3E}">
-        <p14:creationId xmlns:p14="http://schemas.microsoft.com/office/powerpoint/2010/main" val="624201842"/>
-      </p:ext>
-    </p:extLst>
-  </p:cSld>
-  <p:clrMapOvr>
-    <a:masterClrMapping/>
-  </p:clrMapOvr>
-</p:sld>
-</file>
-
-<file path=ppt/slides/slide2.xml><?xml version="1.0" encoding="utf-8"?>
-<p:sld xmlns:a="http://schemas.openxmlformats.org/drawingml/2006/main" xmlns:r="http://schemas.openxmlformats.org/officeDocument/2006/relationships" xmlns:p="http://schemas.openxmlformats.org/presentationml/2006/main">
-  <p:cSld>
-    <p:bg>
-      <p:bgPr>
-        <a:solidFill>
-          <a:schemeClr val="bg1"/>
-        </a:solidFill>
-        <a:effectLst/>
-      </p:bgPr>
-    </p:bg>
-    <p:spTree>
-      <p:nvGrpSpPr>
-        <p:cNvPr id="1" name=""/>
-        <p:cNvGrpSpPr/>
-        <p:nvPr/>
-      </p:nvGrpSpPr>
-      <p:grpSpPr>
-        <a:xfrm>
-          <a:off x="0" y="0"/>
-          <a:ext cx="0" cy="0"/>
-          <a:chOff x="0" y="0"/>
-          <a:chExt cx="0" cy="0"/>
-        </a:xfrm>
-      </p:grpSpPr>
-      <p:sp>
-        <p:nvSpPr>
-          <p:cNvPr id="11" name="Rectangle 10">
-            <a:extLst>
-              <a:ext uri="{FF2B5EF4-FFF2-40B4-BE49-F238E27FC236}">
-                <a16:creationId xmlns:a16="http://schemas.microsoft.com/office/drawing/2014/main" id="{6D118E90-A8D1-41A8-B29B-06A3554D99BE}"/>
+                <a16:creationId xmlns:a16="http://schemas.microsoft.com/office/drawing/2014/main" id="{867D4867-5BA7-4462-B2F6-A23F4A622AA7}"/>
               </a:ext>
               <a:ext uri="{C183D7F6-B498-43B3-948B-1728B52AA6E4}">
                 <adec:decorative xmlns:adec="http://schemas.microsoft.com/office/drawing/2017/decorative" val="1"/>
@@ -3509,15 +8901,209 @@
         </p:nvSpPr>
         <p:spPr>
           <a:xfrm>
-            <a:off x="0" y="-2"/>
-            <a:ext cx="12192000" cy="6858002"/>
+            <a:off x="0" y="0"/>
+            <a:ext cx="4654296" cy="6858000"/>
           </a:xfrm>
           <a:prstGeom prst="rect">
             <a:avLst/>
           </a:prstGeom>
           <a:solidFill>
-            <a:schemeClr val="accent2"/>
+            <a:schemeClr val="tx2"/>
           </a:solidFill>
+          <a:ln>
+            <a:noFill/>
+          </a:ln>
+        </p:spPr>
+        <p:style>
+          <a:lnRef idx="0">
+            <a:scrgbClr r="0" g="0" b="0"/>
+          </a:lnRef>
+          <a:fillRef idx="0">
+            <a:scrgbClr r="0" g="0" b="0"/>
+          </a:fillRef>
+          <a:effectRef idx="0">
+            <a:scrgbClr r="0" g="0" b="0"/>
+          </a:effectRef>
+          <a:fontRef idx="minor">
+            <a:schemeClr val="lt1"/>
+          </a:fontRef>
+        </p:style>
+        <p:txBody>
+          <a:bodyPr rtlCol="0" anchor="ctr"/>
+          <a:lstStyle/>
+          <a:p>
+            <a:pPr algn="ctr"/>
+            <a:endParaRPr lang="en-US"/>
+          </a:p>
+        </p:txBody>
+      </p:sp>
+      <p:sp>
+        <p:nvSpPr>
+          <p:cNvPr id="6" name="文本框 5">
+            <a:extLst>
+              <a:ext uri="{FF2B5EF4-FFF2-40B4-BE49-F238E27FC236}">
+                <a16:creationId xmlns:a16="http://schemas.microsoft.com/office/drawing/2014/main" id="{9E24D4B7-C759-14E6-3089-1D0BF1BD1209}"/>
+              </a:ext>
+            </a:extLst>
+          </p:cNvPr>
+          <p:cNvSpPr txBox="1"/>
+          <p:nvPr/>
+        </p:nvSpPr>
+        <p:spPr>
+          <a:xfrm>
+            <a:off x="643468" y="2638044"/>
+            <a:ext cx="3363974" cy="3415622"/>
+          </a:xfrm>
+          <a:prstGeom prst="rect">
+            <a:avLst/>
+          </a:prstGeom>
+        </p:spPr>
+        <p:txBody>
+          <a:bodyPr vert="horz" lIns="91440" tIns="45720" rIns="91440" bIns="45720" rtlCol="0">
+            <a:normAutofit/>
+          </a:bodyPr>
+          <a:lstStyle/>
+          <a:p>
+            <a:pPr defTabSz="914400">
+              <a:spcBef>
+                <a:spcPts val="1000"/>
+              </a:spcBef>
+              <a:buClr>
+                <a:schemeClr val="accent2"/>
+              </a:buClr>
+            </a:pPr>
+            <a:r>
+              <a:rPr kumimoji="1" lang="en-US" altLang="zh-CN">
+                <a:solidFill>
+                  <a:schemeClr val="bg1"/>
+                </a:solidFill>
+                <a:latin typeface="Source Sans Pro" panose="020B0503030403020204" pitchFamily="34" charset="0"/>
+                <a:ea typeface="Source Sans Pro" panose="020B0503030403020204" pitchFamily="34" charset="0"/>
+              </a:rPr>
+              <a:t>Backbones</a:t>
+            </a:r>
+          </a:p>
+        </p:txBody>
+      </p:sp>
+      <p:pic>
+        <p:nvPicPr>
+          <p:cNvPr id="2050" name="Picture 2" descr="图表&#10;&#10;描述已自动生成">
+            <a:extLst>
+              <a:ext uri="{FF2B5EF4-FFF2-40B4-BE49-F238E27FC236}">
+                <a16:creationId xmlns:a16="http://schemas.microsoft.com/office/drawing/2014/main" id="{1BF7E1F8-5F03-040E-749B-94FBA6A427BF}"/>
+              </a:ext>
+            </a:extLst>
+          </p:cNvPr>
+          <p:cNvPicPr>
+            <a:picLocks noGrp="1" noChangeAspect="1" noChangeArrowheads="1"/>
+          </p:cNvPicPr>
+          <p:nvPr>
+            <p:ph idx="1"/>
+          </p:nvPr>
+        </p:nvPicPr>
+        <p:blipFill>
+          <a:blip r:embed="rId2">
+            <a:extLst>
+              <a:ext uri="{28A0092B-C50C-407E-A947-70E740481C1C}">
+                <a14:useLocalDpi xmlns:a14="http://schemas.microsoft.com/office/drawing/2010/main" val="0"/>
+              </a:ext>
+            </a:extLst>
+          </a:blip>
+          <a:stretch>
+            <a:fillRect/>
+          </a:stretch>
+        </p:blipFill>
+        <p:spPr bwMode="auto">
+          <a:xfrm>
+            <a:off x="5297763" y="879513"/>
+            <a:ext cx="6250769" cy="4938106"/>
+          </a:xfrm>
+          <a:prstGeom prst="rect">
+            <a:avLst/>
+          </a:prstGeom>
+          <a:noFill/>
+          <a:extLst>
+            <a:ext uri="{909E8E84-426E-40DD-AFC4-6F175D3DCCD1}">
+              <a14:hiddenFill xmlns:a14="http://schemas.microsoft.com/office/drawing/2010/main">
+                <a:solidFill>
+                  <a:srgbClr val="FFFFFF"/>
+                </a:solidFill>
+              </a14:hiddenFill>
+            </a:ext>
+          </a:extLst>
+        </p:spPr>
+      </p:pic>
+    </p:spTree>
+    <p:extLst>
+      <p:ext uri="{BB962C8B-B14F-4D97-AF65-F5344CB8AC3E}">
+        <p14:creationId xmlns:p14="http://schemas.microsoft.com/office/powerpoint/2010/main" val="2354643134"/>
+      </p:ext>
+    </p:extLst>
+  </p:cSld>
+  <p:clrMapOvr>
+    <a:masterClrMapping/>
+  </p:clrMapOvr>
+</p:sld>
+</file>
+
+<file path=ppt/slides/slide16.xml><?xml version="1.0" encoding="utf-8"?>
+<p:sld xmlns:a="http://schemas.openxmlformats.org/drawingml/2006/main" xmlns:r="http://schemas.openxmlformats.org/officeDocument/2006/relationships" xmlns:p="http://schemas.openxmlformats.org/presentationml/2006/main">
+  <p:cSld>
+    <p:bg>
+      <p:bgPr>
+        <a:solidFill>
+          <a:schemeClr val="bg1">
+            <a:lumMod val="95000"/>
+          </a:schemeClr>
+        </a:solidFill>
+        <a:effectLst/>
+      </p:bgPr>
+    </p:bg>
+    <p:spTree>
+      <p:nvGrpSpPr>
+        <p:cNvPr id="1" name=""/>
+        <p:cNvGrpSpPr/>
+        <p:nvPr/>
+      </p:nvGrpSpPr>
+      <p:grpSpPr>
+        <a:xfrm>
+          <a:off x="0" y="0"/>
+          <a:ext cx="0" cy="0"/>
+          <a:chOff x="0" y="0"/>
+          <a:chExt cx="0" cy="0"/>
+        </a:xfrm>
+      </p:grpSpPr>
+      <p:sp useBgFill="1">
+        <p:nvSpPr>
+          <p:cNvPr id="16" name="Rectangle 11">
+            <a:extLst>
+              <a:ext uri="{FF2B5EF4-FFF2-40B4-BE49-F238E27FC236}">
+                <a16:creationId xmlns:a16="http://schemas.microsoft.com/office/drawing/2014/main" id="{1660E788-AFA9-4A1B-9991-6AA74632A15B}"/>
+              </a:ext>
+              <a:ext uri="{C183D7F6-B498-43B3-948B-1728B52AA6E4}">
+                <adec:decorative xmlns:adec="http://schemas.microsoft.com/office/drawing/2017/decorative" val="1"/>
+              </a:ext>
+            </a:extLst>
+          </p:cNvPr>
+          <p:cNvSpPr>
+            <a:spLocks noGrp="1" noRot="1" noChangeAspect="1" noMove="1" noResize="1" noEditPoints="1" noAdjustHandles="1" noChangeArrowheads="1" noChangeShapeType="1" noTextEdit="1"/>
+          </p:cNvSpPr>
+          <p:nvPr>
+            <p:extLst>
+              <p:ext uri="{386F3935-93C4-4BCD-93E2-E3B085C9AB24}">
+                <p16:designElem xmlns:p16="http://schemas.microsoft.com/office/powerpoint/2015/main" val="1"/>
+              </p:ext>
+            </p:extLst>
+          </p:nvPr>
+        </p:nvSpPr>
+        <p:spPr>
+          <a:xfrm>
+            <a:off x="0" y="0"/>
+            <a:ext cx="12191999" cy="6858000"/>
+          </a:xfrm>
+          <a:prstGeom prst="rect">
+            <a:avLst/>
+          </a:prstGeom>
           <a:ln>
             <a:noFill/>
           </a:ln>
@@ -3549,46 +9135,10 @@
       </p:sp>
       <p:sp>
         <p:nvSpPr>
-          <p:cNvPr id="2" name="标题 1">
+          <p:cNvPr id="17" name="Rectangle 13">
             <a:extLst>
               <a:ext uri="{FF2B5EF4-FFF2-40B4-BE49-F238E27FC236}">
-                <a16:creationId xmlns:a16="http://schemas.microsoft.com/office/drawing/2014/main" id="{015AEFA5-6E49-3D2B-EC5B-DB2E4D5F2F69}"/>
-              </a:ext>
-            </a:extLst>
-          </p:cNvPr>
-          <p:cNvSpPr>
-            <a:spLocks noGrp="1"/>
-          </p:cNvSpPr>
-          <p:nvPr>
-            <p:ph type="ctrTitle"/>
-          </p:nvPr>
-        </p:nvSpPr>
-        <p:spPr>
-          <a:xfrm>
-            <a:off x="1600200" y="4140544"/>
-            <a:ext cx="8991600" cy="1264762"/>
-          </a:xfrm>
-        </p:spPr>
-        <p:txBody>
-          <a:bodyPr>
-            <a:normAutofit/>
-          </a:bodyPr>
-          <a:lstStyle/>
-          <a:p>
-            <a:r>
-              <a:rPr kumimoji="1" lang="fr-CA" altLang="zh-CN" sz="3200"/>
-              <a:t>Semi-supervised learning based on mean teacher</a:t>
-            </a:r>
-            <a:endParaRPr kumimoji="1" lang="zh-CN" altLang="en-US" sz="3200"/>
-          </a:p>
-        </p:txBody>
-      </p:sp>
-      <p:sp>
-        <p:nvSpPr>
-          <p:cNvPr id="13" name="Rectangle 12">
-            <a:extLst>
-              <a:ext uri="{FF2B5EF4-FFF2-40B4-BE49-F238E27FC236}">
-                <a16:creationId xmlns:a16="http://schemas.microsoft.com/office/drawing/2014/main" id="{23737A38-06E9-444D-9349-4EA8F3A8C070}"/>
+                <a16:creationId xmlns:a16="http://schemas.microsoft.com/office/drawing/2014/main" id="{867D4867-5BA7-4462-B2F6-A23F4A622AA7}"/>
               </a:ext>
               <a:ext uri="{C183D7F6-B498-43B3-948B-1728B52AA6E4}">
                 <adec:decorative xmlns:adec="http://schemas.microsoft.com/office/drawing/2017/decorative" val="1"/>
@@ -3608,31 +9158,28 @@
         </p:nvSpPr>
         <p:spPr>
           <a:xfrm>
-            <a:off x="2560320" y="640555"/>
-            <a:ext cx="7071360" cy="3312058"/>
+            <a:off x="0" y="0"/>
+            <a:ext cx="4654296" cy="6858000"/>
           </a:xfrm>
           <a:prstGeom prst="rect">
             <a:avLst/>
           </a:prstGeom>
-          <a:noFill/>
-          <a:ln w="31750" cap="sq">
-            <a:solidFill>
-              <a:srgbClr val="FFFFFF"/>
-            </a:solidFill>
-            <a:miter lim="800000"/>
+          <a:solidFill>
+            <a:schemeClr val="tx2"/>
+          </a:solidFill>
+          <a:ln>
+            <a:noFill/>
           </a:ln>
         </p:spPr>
         <p:style>
-          <a:lnRef idx="2">
-            <a:schemeClr val="accent1">
-              <a:shade val="50000"/>
-            </a:schemeClr>
+          <a:lnRef idx="0">
+            <a:scrgbClr r="0" g="0" b="0"/>
           </a:lnRef>
-          <a:fillRef idx="1">
-            <a:schemeClr val="accent1"/>
+          <a:fillRef idx="0">
+            <a:scrgbClr r="0" g="0" b="0"/>
           </a:fillRef>
           <a:effectRef idx="0">
-            <a:schemeClr val="accent1"/>
+            <a:scrgbClr r="0" g="0" b="0"/>
           </a:effectRef>
           <a:fontRef idx="minor">
             <a:schemeClr val="lt1"/>
@@ -3643,16 +9190,136 @@
           <a:lstStyle/>
           <a:p>
             <a:pPr algn="ctr"/>
-            <a:endParaRPr lang="en-US" dirty="0"/>
+            <a:endParaRPr lang="en-US"/>
           </a:p>
         </p:txBody>
       </p:sp>
       <p:sp>
         <p:nvSpPr>
-          <p:cNvPr id="18" name="Rectangle 14">
+          <p:cNvPr id="6" name="文本框 5">
             <a:extLst>
               <a:ext uri="{FF2B5EF4-FFF2-40B4-BE49-F238E27FC236}">
-                <a16:creationId xmlns:a16="http://schemas.microsoft.com/office/drawing/2014/main" id="{219FCCB8-5A8A-43BA-B60E-759FC80FF1B0}"/>
+                <a16:creationId xmlns:a16="http://schemas.microsoft.com/office/drawing/2014/main" id="{9E24D4B7-C759-14E6-3089-1D0BF1BD1209}"/>
+              </a:ext>
+            </a:extLst>
+          </p:cNvPr>
+          <p:cNvSpPr txBox="1"/>
+          <p:nvPr/>
+        </p:nvSpPr>
+        <p:spPr>
+          <a:xfrm>
+            <a:off x="643468" y="2638044"/>
+            <a:ext cx="3623732" cy="3415622"/>
+          </a:xfrm>
+          <a:prstGeom prst="rect">
+            <a:avLst/>
+          </a:prstGeom>
+        </p:spPr>
+        <p:txBody>
+          <a:bodyPr vert="horz" lIns="91440" tIns="45720" rIns="91440" bIns="45720" rtlCol="0">
+            <a:normAutofit/>
+          </a:bodyPr>
+          <a:lstStyle/>
+          <a:p>
+            <a:pPr defTabSz="914400">
+              <a:spcBef>
+                <a:spcPts val="1000"/>
+              </a:spcBef>
+              <a:buClr>
+                <a:schemeClr val="accent2"/>
+              </a:buClr>
+            </a:pPr>
+            <a:r>
+              <a:rPr kumimoji="1" lang="en-US" altLang="zh-CN">
+                <a:solidFill>
+                  <a:schemeClr val="bg1"/>
+                </a:solidFill>
+                <a:latin typeface="Source Sans Pro" panose="020B0503030403020204" pitchFamily="34" charset="0"/>
+                <a:ea typeface="Source Sans Pro" panose="020B0503030403020204" pitchFamily="34" charset="0"/>
+              </a:rPr>
+              <a:t>Dataset</a:t>
+            </a:r>
+          </a:p>
+        </p:txBody>
+      </p:sp>
+      <p:pic>
+        <p:nvPicPr>
+          <p:cNvPr id="7" name="内容占位符 6" descr="图形用户界面&#10;&#10;描述已自动生成">
+            <a:extLst>
+              <a:ext uri="{FF2B5EF4-FFF2-40B4-BE49-F238E27FC236}">
+                <a16:creationId xmlns:a16="http://schemas.microsoft.com/office/drawing/2014/main" id="{110548B5-B0EC-794C-2017-364B1D6A946E}"/>
+              </a:ext>
+            </a:extLst>
+          </p:cNvPr>
+          <p:cNvPicPr>
+            <a:picLocks noGrp="1" noChangeAspect="1"/>
+          </p:cNvPicPr>
+          <p:nvPr>
+            <p:ph idx="1"/>
+          </p:nvPr>
+        </p:nvPicPr>
+        <p:blipFill>
+          <a:blip r:embed="rId2"/>
+          <a:stretch>
+            <a:fillRect/>
+          </a:stretch>
+        </p:blipFill>
+        <p:spPr>
+          <a:xfrm>
+            <a:off x="5297763" y="1356135"/>
+            <a:ext cx="6250769" cy="3984863"/>
+          </a:xfrm>
+          <a:prstGeom prst="rect">
+            <a:avLst/>
+          </a:prstGeom>
+        </p:spPr>
+      </p:pic>
+    </p:spTree>
+    <p:extLst>
+      <p:ext uri="{BB962C8B-B14F-4D97-AF65-F5344CB8AC3E}">
+        <p14:creationId xmlns:p14="http://schemas.microsoft.com/office/powerpoint/2010/main" val="688922381"/>
+      </p:ext>
+    </p:extLst>
+  </p:cSld>
+  <p:clrMapOvr>
+    <a:masterClrMapping/>
+  </p:clrMapOvr>
+</p:sld>
+</file>
+
+<file path=ppt/slides/slide17.xml><?xml version="1.0" encoding="utf-8"?>
+<p:sld xmlns:a="http://schemas.openxmlformats.org/drawingml/2006/main" xmlns:r="http://schemas.openxmlformats.org/officeDocument/2006/relationships" xmlns:p="http://schemas.openxmlformats.org/presentationml/2006/main">
+  <p:cSld>
+    <p:bg>
+      <p:bgPr>
+        <a:solidFill>
+          <a:schemeClr val="bg1">
+            <a:lumMod val="95000"/>
+          </a:schemeClr>
+        </a:solidFill>
+        <a:effectLst/>
+      </p:bgPr>
+    </p:bg>
+    <p:spTree>
+      <p:nvGrpSpPr>
+        <p:cNvPr id="1" name=""/>
+        <p:cNvGrpSpPr/>
+        <p:nvPr/>
+      </p:nvGrpSpPr>
+      <p:grpSpPr>
+        <a:xfrm>
+          <a:off x="0" y="0"/>
+          <a:ext cx="0" cy="0"/>
+          <a:chOff x="0" y="0"/>
+          <a:chExt cx="0" cy="0"/>
+        </a:xfrm>
+      </p:grpSpPr>
+      <p:sp useBgFill="1">
+        <p:nvSpPr>
+          <p:cNvPr id="11" name="Rectangle 10">
+            <a:extLst>
+              <a:ext uri="{FF2B5EF4-FFF2-40B4-BE49-F238E27FC236}">
+                <a16:creationId xmlns:a16="http://schemas.microsoft.com/office/drawing/2014/main" id="{1660E788-AFA9-4A1B-9991-6AA74632A15B}"/>
               </a:ext>
               <a:ext uri="{C183D7F6-B498-43B3-948B-1728B52AA6E4}">
                 <adec:decorative xmlns:adec="http://schemas.microsoft.com/office/drawing/2017/decorative" val="1"/>
@@ -3672,15 +9339,12 @@
         </p:nvSpPr>
         <p:spPr>
           <a:xfrm>
-            <a:off x="2726436" y="806112"/>
-            <a:ext cx="6739128" cy="2980944"/>
+            <a:off x="0" y="0"/>
+            <a:ext cx="12191999" cy="6858000"/>
           </a:xfrm>
           <a:prstGeom prst="rect">
             <a:avLst/>
           </a:prstGeom>
-          <a:solidFill>
-            <a:schemeClr val="bg1"/>
-          </a:solidFill>
           <a:ln>
             <a:noFill/>
           </a:ln>
@@ -3710,111 +9374,121 @@
           </a:p>
         </p:txBody>
       </p:sp>
-      <p:pic>
-        <p:nvPicPr>
-          <p:cNvPr id="6" name="图片 5" descr="图示&#10;&#10;描述已自动生成">
+      <p:sp>
+        <p:nvSpPr>
+          <p:cNvPr id="13" name="Rectangle 12">
             <a:extLst>
               <a:ext uri="{FF2B5EF4-FFF2-40B4-BE49-F238E27FC236}">
-                <a16:creationId xmlns:a16="http://schemas.microsoft.com/office/drawing/2014/main" id="{B14F6DB4-AD2F-51FA-0E31-7F77487D5A06}"/>
+                <a16:creationId xmlns:a16="http://schemas.microsoft.com/office/drawing/2014/main" id="{867D4867-5BA7-4462-B2F6-A23F4A622AA7}"/>
+              </a:ext>
+              <a:ext uri="{C183D7F6-B498-43B3-948B-1728B52AA6E4}">
+                <adec:decorative xmlns:adec="http://schemas.microsoft.com/office/drawing/2017/decorative" val="1"/>
               </a:ext>
             </a:extLst>
           </p:cNvPr>
-          <p:cNvPicPr>
-            <a:picLocks noChangeAspect="1"/>
-          </p:cNvPicPr>
-          <p:nvPr/>
-        </p:nvPicPr>
-        <p:blipFill>
-          <a:blip r:embed="rId2"/>
-          <a:stretch>
-            <a:fillRect/>
-          </a:stretch>
-        </p:blipFill>
+          <p:cNvSpPr>
+            <a:spLocks noGrp="1" noRot="1" noChangeAspect="1" noMove="1" noResize="1" noEditPoints="1" noAdjustHandles="1" noChangeArrowheads="1" noChangeShapeType="1" noTextEdit="1"/>
+          </p:cNvSpPr>
+          <p:nvPr>
+            <p:extLst>
+              <p:ext uri="{386F3935-93C4-4BCD-93E2-E3B085C9AB24}">
+                <p16:designElem xmlns:p16="http://schemas.microsoft.com/office/powerpoint/2015/main" val="1"/>
+              </p:ext>
+            </p:extLst>
+          </p:nvPr>
+        </p:nvSpPr>
         <p:spPr>
           <a:xfrm>
-            <a:off x="2746624" y="797128"/>
-            <a:ext cx="6718940" cy="2989928"/>
+            <a:off x="0" y="0"/>
+            <a:ext cx="4654296" cy="6858000"/>
+          </a:xfrm>
+          <a:prstGeom prst="rect">
+            <a:avLst/>
+          </a:prstGeom>
+          <a:solidFill>
+            <a:schemeClr val="tx2"/>
+          </a:solidFill>
+          <a:ln>
+            <a:noFill/>
+          </a:ln>
+        </p:spPr>
+        <p:style>
+          <a:lnRef idx="0">
+            <a:scrgbClr r="0" g="0" b="0"/>
+          </a:lnRef>
+          <a:fillRef idx="0">
+            <a:scrgbClr r="0" g="0" b="0"/>
+          </a:fillRef>
+          <a:effectRef idx="0">
+            <a:scrgbClr r="0" g="0" b="0"/>
+          </a:effectRef>
+          <a:fontRef idx="minor">
+            <a:schemeClr val="lt1"/>
+          </a:fontRef>
+        </p:style>
+        <p:txBody>
+          <a:bodyPr rtlCol="0" anchor="ctr"/>
+          <a:lstStyle/>
+          <a:p>
+            <a:pPr algn="ctr"/>
+            <a:endParaRPr lang="en-US"/>
+          </a:p>
+        </p:txBody>
+      </p:sp>
+      <p:sp>
+        <p:nvSpPr>
+          <p:cNvPr id="6" name="文本框 5">
+            <a:extLst>
+              <a:ext uri="{FF2B5EF4-FFF2-40B4-BE49-F238E27FC236}">
+                <a16:creationId xmlns:a16="http://schemas.microsoft.com/office/drawing/2014/main" id="{9E24D4B7-C759-14E6-3089-1D0BF1BD1209}"/>
+              </a:ext>
+            </a:extLst>
+          </p:cNvPr>
+          <p:cNvSpPr txBox="1"/>
+          <p:nvPr/>
+        </p:nvSpPr>
+        <p:spPr>
+          <a:xfrm>
+            <a:off x="643468" y="2638044"/>
+            <a:ext cx="3363974" cy="3415622"/>
           </a:xfrm>
           <a:prstGeom prst="rect">
             <a:avLst/>
           </a:prstGeom>
         </p:spPr>
-      </p:pic>
-    </p:spTree>
-    <p:extLst>
-      <p:ext uri="{BB962C8B-B14F-4D97-AF65-F5344CB8AC3E}">
-        <p14:creationId xmlns:p14="http://schemas.microsoft.com/office/powerpoint/2010/main" val="4140042160"/>
-      </p:ext>
-    </p:extLst>
-  </p:cSld>
-  <p:clrMapOvr>
-    <a:overrideClrMapping bg1="lt1" tx1="dk1" bg2="lt2" tx2="dk2" accent1="accent1" accent2="accent2" accent3="accent3" accent4="accent4" accent5="accent5" accent6="accent6" hlink="hlink" folHlink="folHlink"/>
-  </p:clrMapOvr>
-</p:sld>
-</file>
-
-<file path=ppt/slides/slide3.xml><?xml version="1.0" encoding="utf-8"?>
-<p:sld xmlns:a="http://schemas.openxmlformats.org/drawingml/2006/main" xmlns:r="http://schemas.openxmlformats.org/officeDocument/2006/relationships" xmlns:p="http://schemas.openxmlformats.org/presentationml/2006/main">
-  <p:cSld>
-    <p:spTree>
-      <p:nvGrpSpPr>
-        <p:cNvPr id="1" name=""/>
-        <p:cNvGrpSpPr/>
-        <p:nvPr/>
-      </p:nvGrpSpPr>
-      <p:grpSpPr>
-        <a:xfrm>
-          <a:off x="0" y="0"/>
-          <a:ext cx="0" cy="0"/>
-          <a:chOff x="0" y="0"/>
-          <a:chExt cx="0" cy="0"/>
-        </a:xfrm>
-      </p:grpSpPr>
-      <p:sp>
-        <p:nvSpPr>
-          <p:cNvPr id="2" name="标题 1">
-            <a:extLst>
-              <a:ext uri="{FF2B5EF4-FFF2-40B4-BE49-F238E27FC236}">
-                <a16:creationId xmlns:a16="http://schemas.microsoft.com/office/drawing/2014/main" id="{2E3F59B8-C62E-E83D-6BA9-2CF9838A3451}"/>
-              </a:ext>
-            </a:extLst>
-          </p:cNvPr>
-          <p:cNvSpPr>
-            <a:spLocks noGrp="1"/>
-          </p:cNvSpPr>
-          <p:nvPr>
-            <p:ph type="title"/>
-          </p:nvPr>
-        </p:nvSpPr>
-        <p:spPr/>
         <p:txBody>
-          <a:bodyPr>
-            <a:normAutofit fontScale="90000"/>
+          <a:bodyPr vert="horz" lIns="91440" tIns="45720" rIns="91440" bIns="45720" rtlCol="0">
+            <a:normAutofit/>
           </a:bodyPr>
           <a:lstStyle/>
           <a:p>
-            <a:r>
-              <a:rPr lang="zh-CN" altLang="en-US"/>
-              <a:t>一致性约束的目标选择</a:t>
-            </a:r>
-            <a:r>
-              <a:rPr lang="en-US" altLang="zh-CN"/>
-              <a:t>(</a:t>
-            </a:r>
-            <a:r>
-              <a:rPr lang="fr-CA" altLang="zh-CN"/>
-              <a:t>target selection of consistency regulation)</a:t>
-            </a:r>
-            <a:endParaRPr kumimoji="1" lang="zh-CN" altLang="en-US"/>
+            <a:pPr defTabSz="914400">
+              <a:spcBef>
+                <a:spcPts val="1000"/>
+              </a:spcBef>
+              <a:buClr>
+                <a:schemeClr val="accent2"/>
+              </a:buClr>
+            </a:pPr>
+            <a:r>
+              <a:rPr kumimoji="1" lang="en-US" altLang="zh-CN">
+                <a:solidFill>
+                  <a:schemeClr val="bg1"/>
+                </a:solidFill>
+                <a:latin typeface="Source Sans Pro" panose="020B0503030403020204" pitchFamily="34" charset="0"/>
+                <a:ea typeface="Source Sans Pro" panose="020B0503030403020204" pitchFamily="34" charset="0"/>
+              </a:rPr>
+              <a:t>Experimental Settings</a:t>
+            </a:r>
           </a:p>
         </p:txBody>
       </p:sp>
       <p:pic>
         <p:nvPicPr>
-          <p:cNvPr id="9" name="内容占位符 8" descr="图形用户界面, 文本, 应用程序&#10;&#10;描述已自动生成">
+          <p:cNvPr id="12" name="内容占位符 11" descr="图片包含 图形用户界面&#10;&#10;描述已自动生成">
             <a:extLst>
               <a:ext uri="{FF2B5EF4-FFF2-40B4-BE49-F238E27FC236}">
-                <a16:creationId xmlns:a16="http://schemas.microsoft.com/office/drawing/2014/main" id="{6AC0EC36-1C29-438F-F7E8-71A1A1154BEA}"/>
+                <a16:creationId xmlns:a16="http://schemas.microsoft.com/office/drawing/2014/main" id="{46FD5972-A02A-6C06-DC98-05D284EDDC32}"/>
               </a:ext>
             </a:extLst>
           </p:cNvPr>
@@ -3833,15 +9507,15 @@
         </p:blipFill>
         <p:spPr>
           <a:xfrm>
-            <a:off x="1934603" y="2702853"/>
-            <a:ext cx="8904857" cy="1452294"/>
+            <a:off x="5187025" y="2092758"/>
+            <a:ext cx="6439414" cy="2672484"/>
           </a:xfrm>
         </p:spPr>
       </p:pic>
     </p:spTree>
     <p:extLst>
       <p:ext uri="{BB962C8B-B14F-4D97-AF65-F5344CB8AC3E}">
-        <p14:creationId xmlns:p14="http://schemas.microsoft.com/office/powerpoint/2010/main" val="2812991056"/>
+        <p14:creationId xmlns:p14="http://schemas.microsoft.com/office/powerpoint/2010/main" val="3647060310"/>
       </p:ext>
     </p:extLst>
   </p:cSld>
@@ -3851,9 +9525,19 @@
 </p:sld>
 </file>
 
-<file path=ppt/slides/slide4.xml><?xml version="1.0" encoding="utf-8"?>
+<file path=ppt/slides/slide18.xml><?xml version="1.0" encoding="utf-8"?>
 <p:sld xmlns:a="http://schemas.openxmlformats.org/drawingml/2006/main" xmlns:r="http://schemas.openxmlformats.org/officeDocument/2006/relationships" xmlns:p="http://schemas.openxmlformats.org/presentationml/2006/main">
   <p:cSld>
+    <p:bg>
+      <p:bgPr>
+        <a:solidFill>
+          <a:schemeClr val="bg1">
+            <a:lumMod val="95000"/>
+          </a:schemeClr>
+        </a:solidFill>
+        <a:effectLst/>
+      </p:bgPr>
+    </p:bg>
     <p:spTree>
       <p:nvGrpSpPr>
         <p:cNvPr id="1" name=""/>
@@ -3868,72 +9552,133 @@
           <a:chExt cx="0" cy="0"/>
         </a:xfrm>
       </p:grpSpPr>
-      <p:pic>
-        <p:nvPicPr>
-          <p:cNvPr id="5" name="图片 4" descr="图形用户界面, 应用程序&#10;&#10;描述已自动生成">
+      <p:sp useBgFill="1">
+        <p:nvSpPr>
+          <p:cNvPr id="1031" name="Rectangle 1030">
             <a:extLst>
               <a:ext uri="{FF2B5EF4-FFF2-40B4-BE49-F238E27FC236}">
-                <a16:creationId xmlns:a16="http://schemas.microsoft.com/office/drawing/2014/main" id="{7070D789-ABEF-5CBA-F33D-1659AE06F5A7}"/>
+                <a16:creationId xmlns:a16="http://schemas.microsoft.com/office/drawing/2014/main" id="{1660E788-AFA9-4A1B-9991-6AA74632A15B}"/>
+              </a:ext>
+              <a:ext uri="{C183D7F6-B498-43B3-948B-1728B52AA6E4}">
+                <adec:decorative xmlns:adec="http://schemas.microsoft.com/office/drawing/2017/decorative" val="1"/>
               </a:ext>
             </a:extLst>
           </p:cNvPr>
-          <p:cNvPicPr>
-            <a:picLocks noChangeAspect="1"/>
-          </p:cNvPicPr>
-          <p:nvPr/>
-        </p:nvPicPr>
-        <p:blipFill>
-          <a:blip r:embed="rId2"/>
-          <a:stretch>
-            <a:fillRect/>
-          </a:stretch>
-        </p:blipFill>
+          <p:cNvSpPr>
+            <a:spLocks noGrp="1" noRot="1" noChangeAspect="1" noMove="1" noResize="1" noEditPoints="1" noAdjustHandles="1" noChangeArrowheads="1" noChangeShapeType="1" noTextEdit="1"/>
+          </p:cNvSpPr>
+          <p:nvPr>
+            <p:extLst>
+              <p:ext uri="{386F3935-93C4-4BCD-93E2-E3B085C9AB24}">
+                <p16:designElem xmlns:p16="http://schemas.microsoft.com/office/powerpoint/2015/main" val="1"/>
+              </p:ext>
+            </p:extLst>
+          </p:nvPr>
+        </p:nvSpPr>
         <p:spPr>
           <a:xfrm>
-            <a:off x="1346926" y="0"/>
-            <a:ext cx="5552612" cy="3132044"/>
+            <a:off x="0" y="0"/>
+            <a:ext cx="12191999" cy="6858000"/>
           </a:xfrm>
           <a:prstGeom prst="rect">
             <a:avLst/>
           </a:prstGeom>
+          <a:ln>
+            <a:noFill/>
+          </a:ln>
         </p:spPr>
-      </p:pic>
-      <p:pic>
-        <p:nvPicPr>
-          <p:cNvPr id="7" name="图片 6" descr="图示&#10;&#10;描述已自动生成">
+        <p:style>
+          <a:lnRef idx="2">
+            <a:schemeClr val="accent1">
+              <a:shade val="50000"/>
+            </a:schemeClr>
+          </a:lnRef>
+          <a:fillRef idx="1">
+            <a:schemeClr val="accent1"/>
+          </a:fillRef>
+          <a:effectRef idx="0">
+            <a:schemeClr val="accent1"/>
+          </a:effectRef>
+          <a:fontRef idx="minor">
+            <a:schemeClr val="lt1"/>
+          </a:fontRef>
+        </p:style>
+        <p:txBody>
+          <a:bodyPr rtlCol="0" anchor="ctr"/>
+          <a:lstStyle/>
+          <a:p>
+            <a:pPr algn="ctr"/>
+            <a:endParaRPr lang="en-US"/>
+          </a:p>
+        </p:txBody>
+      </p:sp>
+      <p:sp>
+        <p:nvSpPr>
+          <p:cNvPr id="1033" name="Rectangle 1032">
             <a:extLst>
               <a:ext uri="{FF2B5EF4-FFF2-40B4-BE49-F238E27FC236}">
-                <a16:creationId xmlns:a16="http://schemas.microsoft.com/office/drawing/2014/main" id="{3285CAEB-2925-EC15-5F6A-FB2CD47FC986}"/>
+                <a16:creationId xmlns:a16="http://schemas.microsoft.com/office/drawing/2014/main" id="{867D4867-5BA7-4462-B2F6-A23F4A622AA7}"/>
+              </a:ext>
+              <a:ext uri="{C183D7F6-B498-43B3-948B-1728B52AA6E4}">
+                <adec:decorative xmlns:adec="http://schemas.microsoft.com/office/drawing/2017/decorative" val="1"/>
               </a:ext>
             </a:extLst>
           </p:cNvPr>
-          <p:cNvPicPr>
-            <a:picLocks noChangeAspect="1"/>
-          </p:cNvPicPr>
-          <p:nvPr/>
-        </p:nvPicPr>
-        <p:blipFill>
-          <a:blip r:embed="rId3"/>
-          <a:stretch>
-            <a:fillRect/>
-          </a:stretch>
-        </p:blipFill>
+          <p:cNvSpPr>
+            <a:spLocks noGrp="1" noRot="1" noChangeAspect="1" noMove="1" noResize="1" noEditPoints="1" noAdjustHandles="1" noChangeArrowheads="1" noChangeShapeType="1" noTextEdit="1"/>
+          </p:cNvSpPr>
+          <p:nvPr>
+            <p:extLst>
+              <p:ext uri="{386F3935-93C4-4BCD-93E2-E3B085C9AB24}">
+                <p16:designElem xmlns:p16="http://schemas.microsoft.com/office/powerpoint/2015/main" val="1"/>
+              </p:ext>
+            </p:extLst>
+          </p:nvPr>
+        </p:nvSpPr>
         <p:spPr>
           <a:xfrm>
-            <a:off x="0" y="3330388"/>
-            <a:ext cx="8246465" cy="3429000"/>
+            <a:off x="0" y="0"/>
+            <a:ext cx="4654296" cy="6858000"/>
           </a:xfrm>
           <a:prstGeom prst="rect">
             <a:avLst/>
           </a:prstGeom>
+          <a:solidFill>
+            <a:schemeClr val="tx2"/>
+          </a:solidFill>
+          <a:ln>
+            <a:noFill/>
+          </a:ln>
         </p:spPr>
-      </p:pic>
+        <p:style>
+          <a:lnRef idx="0">
+            <a:scrgbClr r="0" g="0" b="0"/>
+          </a:lnRef>
+          <a:fillRef idx="0">
+            <a:scrgbClr r="0" g="0" b="0"/>
+          </a:fillRef>
+          <a:effectRef idx="0">
+            <a:scrgbClr r="0" g="0" b="0"/>
+          </a:effectRef>
+          <a:fontRef idx="minor">
+            <a:schemeClr val="lt1"/>
+          </a:fontRef>
+        </p:style>
+        <p:txBody>
+          <a:bodyPr rtlCol="0" anchor="ctr"/>
+          <a:lstStyle/>
+          <a:p>
+            <a:pPr algn="ctr"/>
+            <a:endParaRPr lang="en-US"/>
+          </a:p>
+        </p:txBody>
+      </p:sp>
       <p:sp>
         <p:nvSpPr>
-          <p:cNvPr id="8" name="文本框 7">
+          <p:cNvPr id="4" name="文本框 3">
             <a:extLst>
               <a:ext uri="{FF2B5EF4-FFF2-40B4-BE49-F238E27FC236}">
-                <a16:creationId xmlns:a16="http://schemas.microsoft.com/office/drawing/2014/main" id="{F0B45760-8DD5-3951-EA02-3180A6D86D3A}"/>
+                <a16:creationId xmlns:a16="http://schemas.microsoft.com/office/drawing/2014/main" id="{B916DB28-19D5-1903-6B85-8EF206750044}"/>
               </a:ext>
             </a:extLst>
           </p:cNvPr>
@@ -3942,116 +9687,110 @@
         </p:nvSpPr>
         <p:spPr>
           <a:xfrm>
-            <a:off x="9515012" y="1566022"/>
-            <a:ext cx="890628" cy="369332"/>
+            <a:off x="643468" y="2638044"/>
+            <a:ext cx="3363974" cy="3415622"/>
+          </a:xfrm>
+          <a:prstGeom prst="rect">
+            <a:avLst/>
+          </a:prstGeom>
+        </p:spPr>
+        <p:txBody>
+          <a:bodyPr vert="horz" lIns="91440" tIns="45720" rIns="91440" bIns="45720" rtlCol="0">
+            <a:normAutofit/>
+          </a:bodyPr>
+          <a:lstStyle/>
+          <a:p>
+            <a:pPr defTabSz="914400">
+              <a:spcBef>
+                <a:spcPts val="1000"/>
+              </a:spcBef>
+              <a:buClr>
+                <a:schemeClr val="accent2"/>
+              </a:buClr>
+            </a:pPr>
+            <a:r>
+              <a:rPr kumimoji="1" lang="en-US" altLang="zh-CN">
+                <a:solidFill>
+                  <a:schemeClr val="bg1"/>
+                </a:solidFill>
+                <a:latin typeface="Source Sans Pro" panose="020B0503030403020204" pitchFamily="34" charset="0"/>
+                <a:ea typeface="Source Sans Pro" panose="020B0503030403020204" pitchFamily="34" charset="0"/>
+              </a:rPr>
+              <a:t>Future plan: </a:t>
+            </a:r>
+          </a:p>
+          <a:p>
+            <a:pPr defTabSz="914400">
+              <a:spcBef>
+                <a:spcPts val="1000"/>
+              </a:spcBef>
+              <a:buClr>
+                <a:schemeClr val="accent2"/>
+              </a:buClr>
+            </a:pPr>
+            <a:r>
+              <a:rPr kumimoji="1" lang="en-US" altLang="zh-CN">
+                <a:solidFill>
+                  <a:schemeClr val="bg1"/>
+                </a:solidFill>
+                <a:latin typeface="Source Sans Pro" panose="020B0503030403020204" pitchFamily="34" charset="0"/>
+                <a:ea typeface="Source Sans Pro" panose="020B0503030403020204" pitchFamily="34" charset="0"/>
+              </a:rPr>
+              <a:t>Scribble Annotations</a:t>
+            </a:r>
+          </a:p>
+        </p:txBody>
+      </p:sp>
+      <p:pic>
+        <p:nvPicPr>
+          <p:cNvPr id="1026" name="Picture 2">
+            <a:extLst>
+              <a:ext uri="{FF2B5EF4-FFF2-40B4-BE49-F238E27FC236}">
+                <a16:creationId xmlns:a16="http://schemas.microsoft.com/office/drawing/2014/main" id="{9EB9258B-279C-49D2-CE6D-7D61D1632F2A}"/>
+              </a:ext>
+            </a:extLst>
+          </p:cNvPr>
+          <p:cNvPicPr>
+            <a:picLocks noChangeAspect="1" noChangeArrowheads="1"/>
+          </p:cNvPicPr>
+          <p:nvPr/>
+        </p:nvPicPr>
+        <p:blipFill>
+          <a:blip r:embed="rId2">
+            <a:extLst>
+              <a:ext uri="{28A0092B-C50C-407E-A947-70E740481C1C}">
+                <a14:useLocalDpi xmlns:a14="http://schemas.microsoft.com/office/drawing/2010/main" val="0"/>
+              </a:ext>
+            </a:extLst>
+          </a:blip>
+          <a:stretch>
+            <a:fillRect/>
+          </a:stretch>
+        </p:blipFill>
+        <p:spPr bwMode="auto">
+          <a:xfrm>
+            <a:off x="5297763" y="1699926"/>
+            <a:ext cx="6250769" cy="3297280"/>
           </a:xfrm>
           <a:prstGeom prst="rect">
             <a:avLst/>
           </a:prstGeom>
           <a:noFill/>
+          <a:extLst>
+            <a:ext uri="{909E8E84-426E-40DD-AFC4-6F175D3DCCD1}">
+              <a14:hiddenFill xmlns:a14="http://schemas.microsoft.com/office/drawing/2010/main">
+                <a:solidFill>
+                  <a:srgbClr val="FFFFFF"/>
+                </a:solidFill>
+              </a14:hiddenFill>
+            </a:ext>
+          </a:extLst>
         </p:spPr>
-        <p:txBody>
-          <a:bodyPr wrap="none" rtlCol="0">
-            <a:spAutoFit/>
-          </a:bodyPr>
-          <a:lstStyle/>
-          <a:p>
-            <a:r>
-              <a:rPr kumimoji="1" lang="en-US" altLang="zh-CN"/>
-              <a:t>UA-MT</a:t>
-            </a:r>
-            <a:endParaRPr kumimoji="1" lang="zh-CN" altLang="en-US"/>
-          </a:p>
-        </p:txBody>
-      </p:sp>
-      <p:sp>
-        <p:nvSpPr>
-          <p:cNvPr id="9" name="文本框 8">
-            <a:extLst>
-              <a:ext uri="{FF2B5EF4-FFF2-40B4-BE49-F238E27FC236}">
-                <a16:creationId xmlns:a16="http://schemas.microsoft.com/office/drawing/2014/main" id="{C53757E3-EDFF-CED9-7DFE-7A4D3742DD71}"/>
-              </a:ext>
-            </a:extLst>
-          </p:cNvPr>
-          <p:cNvSpPr txBox="1"/>
-          <p:nvPr/>
-        </p:nvSpPr>
-        <p:spPr>
-          <a:xfrm>
-            <a:off x="9610165" y="5044888"/>
-            <a:ext cx="887166" cy="369332"/>
-          </a:xfrm>
-          <a:prstGeom prst="rect">
-            <a:avLst/>
-          </a:prstGeom>
-          <a:noFill/>
-        </p:spPr>
-        <p:txBody>
-          <a:bodyPr wrap="none" rtlCol="0">
-            <a:spAutoFit/>
-          </a:bodyPr>
-          <a:lstStyle/>
-          <a:p>
-            <a:r>
-              <a:rPr kumimoji="1" lang="en-US" altLang="zh-CN"/>
-              <a:t>AC-MT</a:t>
-            </a:r>
-            <a:endParaRPr kumimoji="1" lang="zh-CN" altLang="en-US"/>
-          </a:p>
-        </p:txBody>
-      </p:sp>
-      <p:sp>
-        <p:nvSpPr>
-          <p:cNvPr id="10" name="文本框 9">
-            <a:extLst>
-              <a:ext uri="{FF2B5EF4-FFF2-40B4-BE49-F238E27FC236}">
-                <a16:creationId xmlns:a16="http://schemas.microsoft.com/office/drawing/2014/main" id="{947C0CB9-F5D8-A996-471A-2CB0E93BC21E}"/>
-              </a:ext>
-            </a:extLst>
-          </p:cNvPr>
-          <p:cNvSpPr txBox="1"/>
-          <p:nvPr/>
-        </p:nvSpPr>
-        <p:spPr>
-          <a:xfrm>
-            <a:off x="9126747" y="3725957"/>
-            <a:ext cx="2576346" cy="369332"/>
-          </a:xfrm>
-          <a:prstGeom prst="rect">
-            <a:avLst/>
-          </a:prstGeom>
-          <a:noFill/>
-        </p:spPr>
-        <p:txBody>
-          <a:bodyPr wrap="none" rtlCol="0">
-            <a:spAutoFit/>
-          </a:bodyPr>
-          <a:lstStyle/>
-          <a:p>
-            <a:r>
-              <a:rPr kumimoji="1" lang="zh-CN" altLang="en-US"/>
-              <a:t>如何计算</a:t>
-            </a:r>
-            <a:r>
-              <a:rPr kumimoji="1" lang="en-US" altLang="zh-CN"/>
-              <a:t> ambiguity</a:t>
-            </a:r>
-            <a:r>
-              <a:rPr kumimoji="1" lang="zh-CN" altLang="en-US"/>
-              <a:t> </a:t>
-            </a:r>
-            <a:r>
-              <a:rPr kumimoji="1" lang="en-US" altLang="zh-CN"/>
-              <a:t>map</a:t>
-            </a:r>
-            <a:endParaRPr kumimoji="1" lang="zh-CN" altLang="en-US"/>
-          </a:p>
-        </p:txBody>
-      </p:sp>
+      </p:pic>
     </p:spTree>
     <p:extLst>
       <p:ext uri="{BB962C8B-B14F-4D97-AF65-F5344CB8AC3E}">
-        <p14:creationId xmlns:p14="http://schemas.microsoft.com/office/powerpoint/2010/main" val="2437605002"/>
+        <p14:creationId xmlns:p14="http://schemas.microsoft.com/office/powerpoint/2010/main" val="4026280527"/>
       </p:ext>
     </p:extLst>
   </p:cSld>
@@ -4061,7 +9800,7 @@
 </p:sld>
 </file>
 
-<file path=ppt/slides/slide5.xml><?xml version="1.0" encoding="utf-8"?>
+<file path=ppt/slides/slide2.xml><?xml version="1.0" encoding="utf-8"?>
 <p:sld xmlns:a="http://schemas.openxmlformats.org/drawingml/2006/main" xmlns:r="http://schemas.openxmlformats.org/officeDocument/2006/relationships" xmlns:p="http://schemas.openxmlformats.org/presentationml/2006/main">
   <p:cSld>
     <p:spTree>
@@ -4094,42 +9833,953 @@
             <p:ph type="title"/>
           </p:nvPr>
         </p:nvSpPr>
-        <p:spPr/>
+        <p:spPr>
+          <a:xfrm>
+            <a:off x="2231136" y="58838"/>
+            <a:ext cx="7729728" cy="1188720"/>
+          </a:xfrm>
+        </p:spPr>
         <p:txBody>
           <a:bodyPr/>
           <a:lstStyle/>
           <a:p>
             <a:r>
+              <a:rPr lang="en-US" altLang="zh-CN"/>
+              <a:t>Select pseudo label</a:t>
+            </a:r>
+            <a:endParaRPr kumimoji="1" lang="zh-CN" altLang="en-US"/>
+          </a:p>
+        </p:txBody>
+      </p:sp>
+      <p:sp>
+        <p:nvSpPr>
+          <p:cNvPr id="6" name="文本框 5">
+            <a:extLst>
+              <a:ext uri="{FF2B5EF4-FFF2-40B4-BE49-F238E27FC236}">
+                <a16:creationId xmlns:a16="http://schemas.microsoft.com/office/drawing/2014/main" id="{88AB2868-AFD7-72F6-05F9-A06F77F21A4D}"/>
+              </a:ext>
+            </a:extLst>
+          </p:cNvPr>
+          <p:cNvSpPr txBox="1"/>
+          <p:nvPr/>
+        </p:nvSpPr>
+        <p:spPr>
+          <a:xfrm>
+            <a:off x="754878" y="1618089"/>
+            <a:ext cx="10682243" cy="646331"/>
+          </a:xfrm>
+          <a:prstGeom prst="rect">
+            <a:avLst/>
+          </a:prstGeom>
+          <a:noFill/>
+        </p:spPr>
+        <p:txBody>
+          <a:bodyPr wrap="square" rtlCol="0">
+            <a:spAutoFit/>
+          </a:bodyPr>
+          <a:lstStyle/>
+          <a:p>
+            <a:r>
+              <a:rPr lang="en-US" altLang="zh-CN" b="1"/>
+              <a:t>Method</a:t>
+            </a:r>
+            <a:r>
+              <a:rPr lang="en-US" altLang="zh-CN"/>
+              <a:t>:</a:t>
+            </a:r>
+            <a:r>
               <a:rPr lang="zh-CN" altLang="en-US"/>
-              <a:t>如何利用噪声标签</a:t>
+              <a:t> 从两个网络中，挑选性能更好的网络，将它对无标注数据的预测作为伪标签，监督另一个网络</a:t>
+            </a:r>
+            <a:endParaRPr lang="en-US" altLang="zh-CN"/>
+          </a:p>
+          <a:p>
+            <a:r>
+              <a:rPr kumimoji="1" lang="en-US" altLang="zh-CN" b="1"/>
+              <a:t>Steps</a:t>
+            </a:r>
+            <a:r>
+              <a:rPr kumimoji="1" lang="en-US" altLang="zh-CN"/>
+              <a:t>:</a:t>
+            </a:r>
+          </a:p>
+        </p:txBody>
+      </p:sp>
+    </p:spTree>
+    <p:extLst>
+      <p:ext uri="{BB962C8B-B14F-4D97-AF65-F5344CB8AC3E}">
+        <p14:creationId xmlns:p14="http://schemas.microsoft.com/office/powerpoint/2010/main" val="2624742937"/>
+      </p:ext>
+    </p:extLst>
+  </p:cSld>
+  <p:clrMapOvr>
+    <a:masterClrMapping/>
+  </p:clrMapOvr>
+</p:sld>
+</file>
+
+<file path=ppt/slides/slide3.xml><?xml version="1.0" encoding="utf-8"?>
+<p:sld xmlns:a="http://schemas.openxmlformats.org/drawingml/2006/main" xmlns:r="http://schemas.openxmlformats.org/officeDocument/2006/relationships" xmlns:p="http://schemas.openxmlformats.org/presentationml/2006/main">
+  <p:cSld>
+    <p:spTree>
+      <p:nvGrpSpPr>
+        <p:cNvPr id="1" name=""/>
+        <p:cNvGrpSpPr/>
+        <p:nvPr/>
+      </p:nvGrpSpPr>
+      <p:grpSpPr>
+        <a:xfrm>
+          <a:off x="0" y="0"/>
+          <a:ext cx="0" cy="0"/>
+          <a:chOff x="0" y="0"/>
+          <a:chExt cx="0" cy="0"/>
+        </a:xfrm>
+      </p:grpSpPr>
+      <p:sp>
+        <p:nvSpPr>
+          <p:cNvPr id="2" name="标题 1">
+            <a:extLst>
+              <a:ext uri="{FF2B5EF4-FFF2-40B4-BE49-F238E27FC236}">
+                <a16:creationId xmlns:a16="http://schemas.microsoft.com/office/drawing/2014/main" id="{29076B8D-452F-F9B8-AC88-95B80FADDC78}"/>
+              </a:ext>
+            </a:extLst>
+          </p:cNvPr>
+          <p:cNvSpPr>
+            <a:spLocks noGrp="1"/>
+          </p:cNvSpPr>
+          <p:nvPr>
+            <p:ph type="title"/>
+          </p:nvPr>
+        </p:nvSpPr>
+        <p:spPr>
+          <a:xfrm>
+            <a:off x="2231136" y="58838"/>
+            <a:ext cx="7729728" cy="1188720"/>
+          </a:xfrm>
+        </p:spPr>
+        <p:txBody>
+          <a:bodyPr/>
+          <a:lstStyle/>
+          <a:p>
+            <a:r>
+              <a:rPr lang="en-US" altLang="zh-CN"/>
+              <a:t>Refine pseudo label</a:t>
+            </a:r>
+            <a:endParaRPr kumimoji="1" lang="zh-CN" altLang="en-US"/>
+          </a:p>
+        </p:txBody>
+      </p:sp>
+      <p:sp>
+        <p:nvSpPr>
+          <p:cNvPr id="6" name="文本框 5">
+            <a:extLst>
+              <a:ext uri="{FF2B5EF4-FFF2-40B4-BE49-F238E27FC236}">
+                <a16:creationId xmlns:a16="http://schemas.microsoft.com/office/drawing/2014/main" id="{88AB2868-AFD7-72F6-05F9-A06F77F21A4D}"/>
+              </a:ext>
+            </a:extLst>
+          </p:cNvPr>
+          <p:cNvSpPr txBox="1"/>
+          <p:nvPr/>
+        </p:nvSpPr>
+        <p:spPr>
+          <a:xfrm>
+            <a:off x="754878" y="1618089"/>
+            <a:ext cx="10682243" cy="4524315"/>
+          </a:xfrm>
+          <a:prstGeom prst="rect">
+            <a:avLst/>
+          </a:prstGeom>
+          <a:noFill/>
+        </p:spPr>
+        <p:txBody>
+          <a:bodyPr wrap="square" rtlCol="0">
+            <a:spAutoFit/>
+          </a:bodyPr>
+          <a:lstStyle/>
+          <a:p>
+            <a:r>
+              <a:rPr lang="en-US" altLang="zh-CN" b="1"/>
+              <a:t>Method</a:t>
+            </a:r>
+            <a:r>
+              <a:rPr lang="en-US" altLang="zh-CN"/>
+              <a:t>: </a:t>
+            </a:r>
+            <a:r>
+              <a:rPr lang="zh-CN" altLang="en-US"/>
+              <a:t>识别</a:t>
+            </a:r>
+            <a:r>
+              <a:rPr lang="fr-CA" altLang="zh-CN"/>
+              <a:t>pseudo label</a:t>
+            </a:r>
+            <a:r>
+              <a:rPr lang="zh-CN" altLang="en-US"/>
+              <a:t>中的噪声</a:t>
             </a:r>
             <a:r>
               <a:rPr lang="en-US" altLang="zh-CN"/>
               <a:t>(</a:t>
             </a:r>
             <a:r>
-              <a:rPr lang="fr-CA" altLang="zh-CN"/>
-              <a:t>noisy label)</a:t>
-            </a:r>
-            <a:endParaRPr kumimoji="1" lang="zh-CN" altLang="en-US"/>
+              <a:rPr lang="zh-CN" altLang="en-US"/>
+              <a:t>像素</a:t>
+            </a:r>
+            <a:r>
+              <a:rPr lang="en-US" altLang="zh-CN"/>
+              <a:t>)</a:t>
+            </a:r>
+            <a:r>
+              <a:rPr lang="zh-CN" altLang="en-US"/>
+              <a:t>，然后修正这些噪声</a:t>
+            </a:r>
+            <a:r>
+              <a:rPr lang="en-US" altLang="zh-CN"/>
+              <a:t>(</a:t>
+            </a:r>
+            <a:r>
+              <a:rPr lang="zh-CN" altLang="en-US"/>
+              <a:t>因为是二分类任务，所以取反标签</a:t>
+            </a:r>
+            <a:r>
+              <a:rPr lang="en-US" altLang="zh-CN"/>
+              <a:t>)</a:t>
+            </a:r>
+          </a:p>
+          <a:p>
+            <a:endParaRPr lang="en-US" altLang="zh-CN"/>
+          </a:p>
+          <a:p>
+            <a:r>
+              <a:rPr kumimoji="1" lang="en-US" altLang="zh-CN" b="1"/>
+              <a:t>Steps</a:t>
+            </a:r>
+            <a:r>
+              <a:rPr kumimoji="1" lang="en-US" altLang="zh-CN"/>
+              <a:t>:</a:t>
+            </a:r>
+          </a:p>
+          <a:p>
+            <a:pPr marL="342900" indent="-342900">
+              <a:buFont typeface="+mj-lt"/>
+              <a:buAutoNum type="arabicPeriod"/>
+            </a:pPr>
+            <a:r>
+              <a:rPr lang="en-US" altLang="zh-CN" b="0" i="0">
+                <a:solidFill>
+                  <a:srgbClr val="1F2328"/>
+                </a:solidFill>
+                <a:effectLst/>
+                <a:highlight>
+                  <a:srgbClr val="FFFF00"/>
+                </a:highlight>
+                <a:latin typeface="-apple-system"/>
+              </a:rPr>
+              <a:t>calculate </a:t>
+            </a:r>
+            <a:r>
+              <a:rPr lang="fr-CA" altLang="zh-CN" b="0" i="0">
+                <a:solidFill>
+                  <a:srgbClr val="1F2328"/>
+                </a:solidFill>
+                <a:effectLst/>
+                <a:highlight>
+                  <a:srgbClr val="FFFF00"/>
+                </a:highlight>
+                <a:latin typeface="-apple-system"/>
+              </a:rPr>
+              <a:t>noisy map</a:t>
+            </a:r>
+            <a:r>
+              <a:rPr lang="fr-CA" altLang="zh-CN" b="0" i="0">
+                <a:solidFill>
+                  <a:srgbClr val="1F2328"/>
+                </a:solidFill>
+                <a:effectLst/>
+                <a:latin typeface="-apple-system"/>
+              </a:rPr>
+              <a:t>. </a:t>
+            </a:r>
+            <a:r>
+              <a:rPr lang="zh-CN" altLang="fr-CA" b="0" i="0">
+                <a:solidFill>
+                  <a:srgbClr val="1F2328"/>
+                </a:solidFill>
+                <a:effectLst/>
+                <a:latin typeface="-apple-system"/>
+              </a:rPr>
+              <a:t>即</a:t>
+            </a:r>
+            <a:r>
+              <a:rPr lang="zh-CN" altLang="en-US" b="0" i="0">
+                <a:solidFill>
+                  <a:srgbClr val="1F2328"/>
+                </a:solidFill>
+                <a:effectLst/>
+                <a:latin typeface="-apple-system"/>
+              </a:rPr>
+              <a:t>找出哪些位置的像素可能是错误分割的。可选方法如下：</a:t>
+            </a:r>
+            <a:endParaRPr lang="en-US" altLang="zh-CN" b="0" i="0">
+              <a:solidFill>
+                <a:srgbClr val="1F2328"/>
+              </a:solidFill>
+              <a:effectLst/>
+              <a:latin typeface="-apple-system"/>
+            </a:endParaRPr>
+          </a:p>
+          <a:p>
+            <a:pPr marL="800100" lvl="1" indent="-342900">
+              <a:buFont typeface="Arial" panose="020B0604020202020204" pitchFamily="34" charset="0"/>
+              <a:buChar char="•"/>
+            </a:pPr>
+            <a:r>
+              <a:rPr lang="zh-CN" altLang="en-US" b="0" i="0">
+                <a:solidFill>
+                  <a:srgbClr val="1F2328"/>
+                </a:solidFill>
+                <a:effectLst/>
+                <a:highlight>
+                  <a:srgbClr val="C0C0C0"/>
+                </a:highlight>
+                <a:latin typeface="-apple-system"/>
+              </a:rPr>
+              <a:t>置信学习</a:t>
+            </a:r>
+            <a:r>
+              <a:rPr lang="zh-CN" altLang="en-US" b="0" i="0">
+                <a:solidFill>
+                  <a:srgbClr val="1F2328"/>
+                </a:solidFill>
+                <a:effectLst/>
+                <a:latin typeface="-apple-system"/>
+              </a:rPr>
+              <a:t>：计算预测分割和真实分割的联合概率矩阵，再在每个类别里选择置信度低的像素，把它们当作</a:t>
+            </a:r>
+            <a:r>
+              <a:rPr lang="en-US" altLang="zh-CN" b="0" i="0">
+                <a:solidFill>
+                  <a:srgbClr val="1F2328"/>
+                </a:solidFill>
+                <a:effectLst/>
+                <a:latin typeface="-apple-system"/>
+              </a:rPr>
+              <a:t>error</a:t>
+            </a:r>
+            <a:endParaRPr lang="en-US" altLang="zh-CN">
+              <a:solidFill>
+                <a:srgbClr val="1F2328"/>
+              </a:solidFill>
+              <a:latin typeface="-apple-system"/>
+            </a:endParaRPr>
+          </a:p>
+          <a:p>
+            <a:pPr marL="800100" lvl="1" indent="-342900">
+              <a:buFont typeface="Arial" panose="020B0604020202020204" pitchFamily="34" charset="0"/>
+              <a:buChar char="•"/>
+            </a:pPr>
+            <a:r>
+              <a:rPr lang="zh-CN" altLang="en-US" b="0" i="0">
+                <a:solidFill>
+                  <a:srgbClr val="1F2328"/>
+                </a:solidFill>
+                <a:effectLst/>
+                <a:highlight>
+                  <a:srgbClr val="C0C0C0"/>
+                </a:highlight>
+                <a:latin typeface="-apple-system"/>
+              </a:rPr>
+              <a:t>原型学习</a:t>
+            </a:r>
+            <a:r>
+              <a:rPr lang="zh-CN" altLang="en-US" b="0" i="0">
+                <a:solidFill>
+                  <a:srgbClr val="1F2328"/>
+                </a:solidFill>
+                <a:effectLst/>
+                <a:latin typeface="-apple-system"/>
+              </a:rPr>
+              <a:t>：用另一个模型的预测计算</a:t>
+            </a:r>
+            <a:r>
+              <a:rPr lang="en-US" altLang="zh-CN" b="0" i="0">
+                <a:solidFill>
+                  <a:srgbClr val="1F2328"/>
+                </a:solidFill>
+                <a:effectLst/>
+                <a:latin typeface="-apple-system"/>
+              </a:rPr>
+              <a:t>prototype</a:t>
+            </a:r>
+            <a:r>
+              <a:rPr lang="zh-CN" altLang="en-US" b="0" i="0">
+                <a:solidFill>
+                  <a:srgbClr val="1F2328"/>
+                </a:solidFill>
+                <a:effectLst/>
+                <a:latin typeface="-apple-system"/>
+              </a:rPr>
+              <a:t>，然后计算每个像素的特征向量与</a:t>
+            </a:r>
+            <a:r>
+              <a:rPr lang="en-US" altLang="zh-CN">
+                <a:solidFill>
+                  <a:srgbClr val="1F2328"/>
+                </a:solidFill>
+                <a:latin typeface="-apple-system"/>
+              </a:rPr>
+              <a:t>prototype</a:t>
+            </a:r>
+            <a:r>
+              <a:rPr lang="zh-CN" altLang="en-US">
+                <a:solidFill>
+                  <a:srgbClr val="1F2328"/>
+                </a:solidFill>
+                <a:latin typeface="-apple-system"/>
+              </a:rPr>
+              <a:t>的距离，得到</a:t>
+            </a:r>
+            <a:r>
+              <a:rPr lang="en-US" altLang="zh-CN">
+                <a:solidFill>
+                  <a:srgbClr val="1F2328"/>
+                </a:solidFill>
+                <a:latin typeface="-apple-system"/>
+              </a:rPr>
+              <a:t>”</a:t>
+            </a:r>
+            <a:r>
+              <a:rPr lang="zh-CN" altLang="en-US">
+                <a:solidFill>
+                  <a:srgbClr val="1F2328"/>
+                </a:solidFill>
+                <a:latin typeface="-apple-system"/>
+              </a:rPr>
+              <a:t>真实</a:t>
+            </a:r>
+            <a:r>
+              <a:rPr lang="en-US" altLang="zh-CN">
+                <a:solidFill>
+                  <a:srgbClr val="1F2328"/>
+                </a:solidFill>
+                <a:latin typeface="-apple-system"/>
+              </a:rPr>
+              <a:t>”</a:t>
+            </a:r>
+            <a:r>
+              <a:rPr lang="zh-CN" altLang="en-US">
+                <a:solidFill>
+                  <a:srgbClr val="1F2328"/>
+                </a:solidFill>
+                <a:latin typeface="-apple-system"/>
+              </a:rPr>
+              <a:t>标签。选择那些预测标签与</a:t>
+            </a:r>
+            <a:r>
+              <a:rPr lang="en-US" altLang="zh-CN">
+                <a:solidFill>
+                  <a:srgbClr val="1F2328"/>
+                </a:solidFill>
+                <a:latin typeface="-apple-system"/>
+              </a:rPr>
+              <a:t>”</a:t>
+            </a:r>
+            <a:r>
+              <a:rPr lang="zh-CN" altLang="en-US">
+                <a:solidFill>
+                  <a:srgbClr val="1F2328"/>
+                </a:solidFill>
+                <a:latin typeface="-apple-system"/>
+              </a:rPr>
+              <a:t>真实</a:t>
+            </a:r>
+            <a:r>
+              <a:rPr lang="en-US" altLang="zh-CN">
+                <a:solidFill>
+                  <a:srgbClr val="1F2328"/>
+                </a:solidFill>
+                <a:latin typeface="-apple-system"/>
+              </a:rPr>
+              <a:t>”</a:t>
+            </a:r>
+            <a:r>
+              <a:rPr lang="zh-CN" altLang="en-US">
+                <a:solidFill>
+                  <a:srgbClr val="1F2328"/>
+                </a:solidFill>
+                <a:latin typeface="-apple-system"/>
+              </a:rPr>
+              <a:t>标签矛盾的像素作为</a:t>
+            </a:r>
+            <a:r>
+              <a:rPr lang="en-US" altLang="zh-CN">
+                <a:solidFill>
+                  <a:srgbClr val="1F2328"/>
+                </a:solidFill>
+                <a:latin typeface="-apple-system"/>
+              </a:rPr>
+              <a:t>error</a:t>
+            </a:r>
+            <a:endParaRPr lang="en-US" altLang="zh-CN" b="0" i="0">
+              <a:solidFill>
+                <a:srgbClr val="1F2328"/>
+              </a:solidFill>
+              <a:effectLst/>
+              <a:latin typeface="-apple-system"/>
+            </a:endParaRPr>
+          </a:p>
+          <a:p>
+            <a:pPr marL="800100" lvl="1" indent="-342900">
+              <a:buFont typeface="Arial" panose="020B0604020202020204" pitchFamily="34" charset="0"/>
+              <a:buChar char="•"/>
+            </a:pPr>
+            <a:r>
+              <a:rPr lang="zh-CN" altLang="en-US">
+                <a:solidFill>
+                  <a:srgbClr val="1F2328"/>
+                </a:solidFill>
+                <a:highlight>
+                  <a:srgbClr val="C0C0C0"/>
+                </a:highlight>
+                <a:latin typeface="-apple-system"/>
+              </a:rPr>
+              <a:t>熵估计</a:t>
+            </a:r>
+            <a:r>
+              <a:rPr lang="zh-CN" altLang="en-US">
+                <a:solidFill>
+                  <a:srgbClr val="1F2328"/>
+                </a:solidFill>
+                <a:latin typeface="-apple-system"/>
+              </a:rPr>
+              <a:t>：</a:t>
+            </a:r>
+            <a:r>
+              <a:rPr kumimoji="1" lang="zh-CN" altLang="en-US"/>
+              <a:t>对预测图的每一个像素都计算一个熵，把具有</a:t>
+            </a:r>
+            <a:r>
+              <a:rPr kumimoji="1" lang="en-US" altLang="zh-CN"/>
+              <a:t>high entropy</a:t>
+            </a:r>
+            <a:r>
+              <a:rPr kumimoji="1" lang="zh-CN" altLang="en-US"/>
+              <a:t>的像素当作</a:t>
+            </a:r>
+            <a:r>
+              <a:rPr kumimoji="1" lang="en-US" altLang="zh-CN"/>
+              <a:t>error</a:t>
+            </a:r>
+          </a:p>
+          <a:p>
+            <a:pPr marL="800100" lvl="1" indent="-342900">
+              <a:buFont typeface="Arial" panose="020B0604020202020204" pitchFamily="34" charset="0"/>
+              <a:buChar char="•"/>
+            </a:pPr>
+            <a:endParaRPr lang="fr-CA" altLang="zh-CN" b="0" i="0">
+              <a:solidFill>
+                <a:srgbClr val="1F2328"/>
+              </a:solidFill>
+              <a:effectLst/>
+              <a:latin typeface="-apple-system"/>
+            </a:endParaRPr>
+          </a:p>
+          <a:p>
+            <a:pPr marL="342900" indent="-342900">
+              <a:buFont typeface="+mj-lt"/>
+              <a:buAutoNum type="arabicPeriod"/>
+            </a:pPr>
+            <a:r>
+              <a:rPr lang="en-US" altLang="zh-CN" b="0" i="0">
+                <a:solidFill>
+                  <a:srgbClr val="1F2328"/>
+                </a:solidFill>
+                <a:effectLst/>
+                <a:highlight>
+                  <a:srgbClr val="FFFF00"/>
+                </a:highlight>
+                <a:latin typeface="-apple-system"/>
+              </a:rPr>
+              <a:t>lebel refine</a:t>
+            </a:r>
+            <a:r>
+              <a:rPr lang="en-US" altLang="zh-CN">
+                <a:solidFill>
+                  <a:srgbClr val="1F2328"/>
+                </a:solidFill>
+                <a:latin typeface="-apple-system"/>
+              </a:rPr>
+              <a:t>. </a:t>
+            </a:r>
+            <a:r>
+              <a:rPr lang="zh-CN" altLang="en-US">
+                <a:solidFill>
+                  <a:srgbClr val="1F2328"/>
+                </a:solidFill>
+                <a:latin typeface="-apple-system"/>
+              </a:rPr>
+              <a:t>即修正</a:t>
+            </a:r>
+            <a:r>
+              <a:rPr lang="en-US" altLang="zh-CN">
+                <a:solidFill>
+                  <a:srgbClr val="1F2328"/>
+                </a:solidFill>
+                <a:latin typeface="-apple-system"/>
+              </a:rPr>
+              <a:t>noisy map</a:t>
+            </a:r>
+            <a:r>
+              <a:rPr lang="zh-CN" altLang="en-US">
+                <a:solidFill>
+                  <a:srgbClr val="1F2328"/>
+                </a:solidFill>
+                <a:latin typeface="-apple-system"/>
+              </a:rPr>
+              <a:t>对应像素的标签。</a:t>
+            </a:r>
+            <a:r>
+              <a:rPr lang="zh-CN" altLang="en-US" b="0" i="0">
+                <a:solidFill>
+                  <a:srgbClr val="1F2328"/>
+                </a:solidFill>
+                <a:effectLst/>
+                <a:latin typeface="-apple-system"/>
+              </a:rPr>
+              <a:t>可选方法如下：</a:t>
+            </a:r>
+            <a:endParaRPr lang="en-US" altLang="zh-CN" b="0" i="0">
+              <a:solidFill>
+                <a:srgbClr val="1F2328"/>
+              </a:solidFill>
+              <a:effectLst/>
+              <a:latin typeface="-apple-system"/>
+            </a:endParaRPr>
+          </a:p>
+          <a:p>
+            <a:pPr marL="742950" lvl="1" indent="-285750">
+              <a:buFont typeface="Arial" panose="020B0604020202020204" pitchFamily="34" charset="0"/>
+              <a:buChar char="•"/>
+            </a:pPr>
+            <a:r>
+              <a:rPr lang="en-US" altLang="zh-CN" b="0" i="0">
+                <a:solidFill>
+                  <a:srgbClr val="1F2328"/>
+                </a:solidFill>
+                <a:effectLst/>
+                <a:highlight>
+                  <a:srgbClr val="C0C0C0"/>
+                </a:highlight>
+                <a:latin typeface="-apple-system"/>
+              </a:rPr>
+              <a:t>hard refine</a:t>
+            </a:r>
+            <a:r>
+              <a:rPr lang="zh-CN" altLang="en-US" b="0" i="0">
+                <a:solidFill>
+                  <a:srgbClr val="1F2328"/>
+                </a:solidFill>
+                <a:effectLst/>
+                <a:latin typeface="-apple-system"/>
+              </a:rPr>
+              <a:t>：对</a:t>
+            </a:r>
+            <a:r>
+              <a:rPr lang="en-US" altLang="zh-CN" b="0" i="0">
+                <a:solidFill>
+                  <a:srgbClr val="1F2328"/>
+                </a:solidFill>
+                <a:effectLst/>
+                <a:latin typeface="-apple-system"/>
+              </a:rPr>
+              <a:t>error</a:t>
+            </a:r>
+            <a:r>
+              <a:rPr lang="zh-CN" altLang="en-US" b="0" i="0">
+                <a:solidFill>
+                  <a:srgbClr val="1F2328"/>
+                </a:solidFill>
+                <a:effectLst/>
+                <a:latin typeface="-apple-system"/>
+              </a:rPr>
+              <a:t>像素的标签直接取反</a:t>
+            </a:r>
+            <a:endParaRPr lang="en-US" altLang="zh-CN" b="0" i="0">
+              <a:solidFill>
+                <a:srgbClr val="1F2328"/>
+              </a:solidFill>
+              <a:effectLst/>
+              <a:latin typeface="-apple-system"/>
+            </a:endParaRPr>
+          </a:p>
+          <a:p>
+            <a:pPr marL="742950" lvl="1" indent="-285750">
+              <a:buFont typeface="Arial" panose="020B0604020202020204" pitchFamily="34" charset="0"/>
+              <a:buChar char="•"/>
+            </a:pPr>
+            <a:r>
+              <a:rPr lang="en-US" altLang="zh-CN" b="0" i="0">
+                <a:solidFill>
+                  <a:srgbClr val="1F2328"/>
+                </a:solidFill>
+                <a:effectLst/>
+                <a:highlight>
+                  <a:srgbClr val="C0C0C0"/>
+                </a:highlight>
+                <a:latin typeface="-apple-system"/>
+              </a:rPr>
+              <a:t>soft refine</a:t>
+            </a:r>
+            <a:r>
+              <a:rPr lang="en-US" altLang="zh-CN" b="0" i="0">
+                <a:solidFill>
+                  <a:srgbClr val="1F2328"/>
+                </a:solidFill>
+                <a:effectLst/>
+                <a:latin typeface="-apple-system"/>
+              </a:rPr>
+              <a:t>: </a:t>
+            </a:r>
+            <a:r>
+              <a:rPr lang="zh-CN" altLang="en-US" b="0" i="0">
+                <a:solidFill>
+                  <a:srgbClr val="1F2328"/>
+                </a:solidFill>
+                <a:effectLst/>
+                <a:latin typeface="-apple-system"/>
+              </a:rPr>
+              <a:t>不完全地取反</a:t>
+            </a:r>
+            <a:r>
+              <a:rPr lang="en-US" altLang="zh-CN" b="0" i="0">
+                <a:solidFill>
+                  <a:srgbClr val="1F2328"/>
+                </a:solidFill>
+                <a:effectLst/>
+                <a:latin typeface="-apple-system"/>
+              </a:rPr>
+              <a:t>					     , \tao</a:t>
+            </a:r>
+            <a:r>
+              <a:rPr lang="zh-CN" altLang="en-US" b="0" i="0">
+                <a:solidFill>
+                  <a:srgbClr val="1F2328"/>
+                </a:solidFill>
+                <a:effectLst/>
+                <a:latin typeface="-apple-system"/>
+              </a:rPr>
+              <a:t>是人工指定的权重，比如</a:t>
+            </a:r>
+            <a:r>
+              <a:rPr lang="en-US" altLang="zh-CN" b="0" i="0">
+                <a:solidFill>
+                  <a:srgbClr val="1F2328"/>
+                </a:solidFill>
+                <a:effectLst/>
+                <a:latin typeface="-apple-system"/>
+              </a:rPr>
+              <a:t>0.8</a:t>
+            </a:r>
+          </a:p>
+          <a:p>
+            <a:pPr marL="742950" lvl="1" indent="-285750">
+              <a:buFont typeface="Arial" panose="020B0604020202020204" pitchFamily="34" charset="0"/>
+              <a:buChar char="•"/>
+            </a:pPr>
+            <a:r>
+              <a:rPr lang="en-US" altLang="zh-CN">
+                <a:solidFill>
+                  <a:srgbClr val="1F2328"/>
+                </a:solidFill>
+                <a:highlight>
+                  <a:srgbClr val="C0C0C0"/>
+                </a:highlight>
+                <a:latin typeface="-apple-system"/>
+              </a:rPr>
+              <a:t>dynamically refine</a:t>
+            </a:r>
+            <a:r>
+              <a:rPr lang="zh-CN" altLang="en-US">
+                <a:solidFill>
+                  <a:srgbClr val="1F2328"/>
+                </a:solidFill>
+                <a:latin typeface="-apple-system"/>
+              </a:rPr>
+              <a:t>：利用</a:t>
+            </a:r>
+            <a:r>
+              <a:rPr lang="en-US" altLang="zh-CN">
+                <a:solidFill>
+                  <a:srgbClr val="1F2328"/>
+                </a:solidFill>
+                <a:latin typeface="-apple-system"/>
+              </a:rPr>
+              <a:t>step</a:t>
+            </a:r>
+            <a:r>
+              <a:rPr lang="zh-CN" altLang="en-US">
+                <a:solidFill>
+                  <a:srgbClr val="1F2328"/>
+                </a:solidFill>
+                <a:latin typeface="-apple-system"/>
+              </a:rPr>
+              <a:t> </a:t>
+            </a:r>
+            <a:r>
+              <a:rPr lang="en-US" altLang="zh-CN">
+                <a:solidFill>
+                  <a:srgbClr val="1F2328"/>
+                </a:solidFill>
+                <a:latin typeface="-apple-system"/>
+              </a:rPr>
+              <a:t>1(3)</a:t>
+            </a:r>
+            <a:r>
+              <a:rPr lang="zh-CN" altLang="en-US">
+                <a:solidFill>
+                  <a:srgbClr val="1F2328"/>
+                </a:solidFill>
+                <a:latin typeface="-apple-system"/>
+              </a:rPr>
+              <a:t>计算的熵</a:t>
+            </a:r>
+            <a:r>
+              <a:rPr lang="en-US" altLang="zh-CN">
+                <a:solidFill>
+                  <a:srgbClr val="1F2328"/>
+                </a:solidFill>
+                <a:latin typeface="-apple-system"/>
+              </a:rPr>
+              <a:t>, </a:t>
+            </a:r>
+            <a:r>
+              <a:rPr lang="zh-CN" altLang="en-US" b="0" i="0">
+                <a:solidFill>
+                  <a:srgbClr val="1F2328"/>
+                </a:solidFill>
+                <a:effectLst/>
+                <a:latin typeface="-apple-system"/>
+              </a:rPr>
+              <a:t>在对噪声分布图上的标签取反的时候</a:t>
+            </a:r>
+            <a:r>
+              <a:rPr lang="en-US" altLang="zh-CN" b="0" i="0">
+                <a:solidFill>
+                  <a:srgbClr val="1F2328"/>
+                </a:solidFill>
+                <a:effectLst/>
+                <a:latin typeface="-apple-system"/>
+              </a:rPr>
+              <a:t>, </a:t>
+            </a:r>
+            <a:r>
+              <a:rPr lang="zh-CN" altLang="en-US" b="0" i="0">
+                <a:solidFill>
+                  <a:srgbClr val="1F2328"/>
+                </a:solidFill>
+                <a:effectLst/>
+                <a:latin typeface="-apple-system"/>
+              </a:rPr>
+              <a:t>为熵值大的像素分配小的权重。</a:t>
+            </a:r>
+            <a:r>
+              <a:rPr lang="zh-CN" altLang="en-US">
+                <a:solidFill>
+                  <a:schemeClr val="accent1">
+                    <a:lumMod val="75000"/>
+                  </a:schemeClr>
+                </a:solidFill>
+                <a:latin typeface="-apple-system"/>
+              </a:rPr>
+              <a:t>注意这一步和</a:t>
+            </a:r>
+            <a:r>
+              <a:rPr lang="en-US" altLang="zh-CN">
+                <a:solidFill>
+                  <a:schemeClr val="accent1">
+                    <a:lumMod val="75000"/>
+                  </a:schemeClr>
+                </a:solidFill>
+                <a:latin typeface="-apple-system"/>
+              </a:rPr>
+              <a:t>step 1(3)</a:t>
+            </a:r>
+            <a:r>
+              <a:rPr lang="zh-CN" altLang="en-US">
+                <a:solidFill>
+                  <a:schemeClr val="accent1">
+                    <a:lumMod val="75000"/>
+                  </a:schemeClr>
+                </a:solidFill>
+                <a:latin typeface="-apple-system"/>
+              </a:rPr>
+              <a:t>不能同时采用，否则矛盾。</a:t>
+            </a:r>
+            <a:r>
+              <a:rPr lang="en-US" altLang="zh-CN">
+                <a:solidFill>
+                  <a:schemeClr val="accent1">
+                    <a:lumMod val="75000"/>
+                  </a:schemeClr>
+                </a:solidFill>
+                <a:latin typeface="-apple-system"/>
+              </a:rPr>
+              <a:t>						</a:t>
+            </a:r>
+            <a:r>
+              <a:rPr lang="zh-CN" altLang="en-US">
+                <a:solidFill>
+                  <a:schemeClr val="accent1">
+                    <a:lumMod val="75000"/>
+                  </a:schemeClr>
+                </a:solidFill>
+                <a:latin typeface="-apple-system"/>
+              </a:rPr>
+              <a:t>  </a:t>
+            </a:r>
+            <a:r>
+              <a:rPr lang="en-US" altLang="zh-CN">
+                <a:solidFill>
+                  <a:schemeClr val="accent1">
+                    <a:lumMod val="75000"/>
+                  </a:schemeClr>
+                </a:solidFill>
+                <a:latin typeface="-apple-system"/>
+              </a:rPr>
+              <a:t> </a:t>
+            </a:r>
+            <a:r>
+              <a:rPr lang="en-US" altLang="zh-CN">
+                <a:latin typeface="-apple-system"/>
+              </a:rPr>
+              <a:t>U</a:t>
+            </a:r>
+            <a:r>
+              <a:rPr lang="zh-CN" altLang="en-US">
+                <a:latin typeface="-apple-system"/>
+              </a:rPr>
+              <a:t>是正则化的噪声分布图</a:t>
+            </a:r>
+            <a:endParaRPr lang="en-US" altLang="zh-CN" b="0" i="0">
+              <a:effectLst/>
+              <a:latin typeface="-apple-system"/>
+            </a:endParaRPr>
           </a:p>
         </p:txBody>
       </p:sp>
       <p:pic>
         <p:nvPicPr>
-          <p:cNvPr id="5" name="内容占位符 4" descr="图形用户界面, 文本, 应用程序&#10;&#10;描述已自动生成">
+          <p:cNvPr id="8" name="图片 7" descr="文本&#10;&#10;中度可信度描述已自动生成">
             <a:extLst>
               <a:ext uri="{FF2B5EF4-FFF2-40B4-BE49-F238E27FC236}">
-                <a16:creationId xmlns:a16="http://schemas.microsoft.com/office/drawing/2014/main" id="{3FA6625A-46BD-3471-F914-4C53A808BB2B}"/>
+                <a16:creationId xmlns:a16="http://schemas.microsoft.com/office/drawing/2014/main" id="{B04AFF8E-8B4F-23E2-48AF-2F51B762E1A5}"/>
               </a:ext>
             </a:extLst>
           </p:cNvPr>
           <p:cNvPicPr>
-            <a:picLocks noGrp="1" noChangeAspect="1"/>
+            <a:picLocks noChangeAspect="1"/>
           </p:cNvPicPr>
-          <p:nvPr>
-            <p:ph idx="1"/>
-          </p:nvPr>
+          <p:nvPr/>
         </p:nvPicPr>
         <p:blipFill>
           <a:blip r:embed="rId2"/>
@@ -4139,15 +10789,710 @@
         </p:blipFill>
         <p:spPr>
           <a:xfrm>
-            <a:off x="1889778" y="2768815"/>
-            <a:ext cx="9393777" cy="1320370"/>
+            <a:off x="5607120" y="4675856"/>
+            <a:ext cx="1655619" cy="297312"/>
           </a:xfrm>
+          <a:prstGeom prst="rect">
+            <a:avLst/>
+          </a:prstGeom>
+        </p:spPr>
+      </p:pic>
+      <p:pic>
+        <p:nvPicPr>
+          <p:cNvPr id="10" name="图片 9" descr="文本&#10;&#10;描述已自动生成">
+            <a:extLst>
+              <a:ext uri="{FF2B5EF4-FFF2-40B4-BE49-F238E27FC236}">
+                <a16:creationId xmlns:a16="http://schemas.microsoft.com/office/drawing/2014/main" id="{5C781B45-A7F5-7DC8-06CF-54256B1A297A}"/>
+              </a:ext>
+            </a:extLst>
+          </p:cNvPr>
+          <p:cNvPicPr>
+            <a:picLocks noChangeAspect="1"/>
+          </p:cNvPicPr>
+          <p:nvPr/>
+        </p:nvPicPr>
+        <p:blipFill>
+          <a:blip r:embed="rId3"/>
+          <a:stretch>
+            <a:fillRect/>
+          </a:stretch>
+        </p:blipFill>
+        <p:spPr>
+          <a:xfrm>
+            <a:off x="4084204" y="5009777"/>
+            <a:ext cx="2011795" cy="279606"/>
+          </a:xfrm>
+          <a:prstGeom prst="rect">
+            <a:avLst/>
+          </a:prstGeom>
+        </p:spPr>
+      </p:pic>
+      <p:pic>
+        <p:nvPicPr>
+          <p:cNvPr id="12" name="图片 11" descr="图表&#10;&#10;中度可信度描述已自动生成">
+            <a:extLst>
+              <a:ext uri="{FF2B5EF4-FFF2-40B4-BE49-F238E27FC236}">
+                <a16:creationId xmlns:a16="http://schemas.microsoft.com/office/drawing/2014/main" id="{4403AC1B-35D8-A1FD-513B-032FFAD8CD61}"/>
+              </a:ext>
+            </a:extLst>
+          </p:cNvPr>
+          <p:cNvPicPr>
+            <a:picLocks noChangeAspect="1"/>
+          </p:cNvPicPr>
+          <p:nvPr/>
+        </p:nvPicPr>
+        <p:blipFill>
+          <a:blip r:embed="rId4"/>
+          <a:stretch>
+            <a:fillRect/>
+          </a:stretch>
+        </p:blipFill>
+        <p:spPr>
+          <a:xfrm>
+            <a:off x="8290791" y="5250485"/>
+            <a:ext cx="2469573" cy="340401"/>
+          </a:xfrm>
+          <a:prstGeom prst="rect">
+            <a:avLst/>
+          </a:prstGeom>
         </p:spPr>
       </p:pic>
     </p:spTree>
     <p:extLst>
       <p:ext uri="{BB962C8B-B14F-4D97-AF65-F5344CB8AC3E}">
         <p14:creationId xmlns:p14="http://schemas.microsoft.com/office/powerpoint/2010/main" val="796603290"/>
+      </p:ext>
+    </p:extLst>
+  </p:cSld>
+  <p:clrMapOvr>
+    <a:masterClrMapping/>
+  </p:clrMapOvr>
+</p:sld>
+</file>
+
+<file path=ppt/slides/slide4.xml><?xml version="1.0" encoding="utf-8"?>
+<p:sld xmlns:a="http://schemas.openxmlformats.org/drawingml/2006/main" xmlns:r="http://schemas.openxmlformats.org/officeDocument/2006/relationships" xmlns:p="http://schemas.openxmlformats.org/presentationml/2006/main">
+  <p:cSld>
+    <p:spTree>
+      <p:nvGrpSpPr>
+        <p:cNvPr id="1" name=""/>
+        <p:cNvGrpSpPr/>
+        <p:nvPr/>
+      </p:nvGrpSpPr>
+      <p:grpSpPr>
+        <a:xfrm>
+          <a:off x="0" y="0"/>
+          <a:ext cx="0" cy="0"/>
+          <a:chOff x="0" y="0"/>
+          <a:chExt cx="0" cy="0"/>
+        </a:xfrm>
+      </p:grpSpPr>
+      <p:sp>
+        <p:nvSpPr>
+          <p:cNvPr id="4" name="文本框 3">
+            <a:extLst>
+              <a:ext uri="{FF2B5EF4-FFF2-40B4-BE49-F238E27FC236}">
+                <a16:creationId xmlns:a16="http://schemas.microsoft.com/office/drawing/2014/main" id="{D6C37344-5E5D-B3D5-8A10-7B39E18B8689}"/>
+              </a:ext>
+            </a:extLst>
+          </p:cNvPr>
+          <p:cNvSpPr txBox="1"/>
+          <p:nvPr/>
+        </p:nvSpPr>
+        <p:spPr>
+          <a:xfrm>
+            <a:off x="726393" y="435836"/>
+            <a:ext cx="11271643" cy="5078313"/>
+          </a:xfrm>
+          <a:prstGeom prst="rect">
+            <a:avLst/>
+          </a:prstGeom>
+          <a:noFill/>
+        </p:spPr>
+        <p:txBody>
+          <a:bodyPr wrap="square" rtlCol="0">
+            <a:spAutoFit/>
+          </a:bodyPr>
+          <a:lstStyle/>
+          <a:p>
+            <a:r>
+              <a:rPr kumimoji="1" lang="en-US" altLang="zh-CN" b="1"/>
+              <a:t>1(1)</a:t>
+            </a:r>
+            <a:r>
+              <a:rPr kumimoji="1" lang="zh-CN" altLang="en-US" b="1"/>
+              <a:t>置信学习</a:t>
+            </a:r>
+            <a:endParaRPr kumimoji="1" lang="en-US" altLang="zh-CN" b="1"/>
+          </a:p>
+          <a:p>
+            <a:endParaRPr kumimoji="1" lang="en-US" altLang="zh-CN"/>
+          </a:p>
+          <a:p>
+            <a:r>
+              <a:rPr kumimoji="1" lang="zh-CN" altLang="en-US"/>
+              <a:t>假设</a:t>
+            </a:r>
+            <a:r>
+              <a:rPr kumimoji="1" lang="en-US" altLang="zh-CN"/>
+              <a:t>model1</a:t>
+            </a:r>
+            <a:r>
+              <a:rPr kumimoji="1" lang="zh-CN" altLang="en-US"/>
+              <a:t>预测出了</a:t>
+            </a:r>
+            <a:r>
+              <a:rPr kumimoji="1" lang="en-US" altLang="zh-CN"/>
+              <a:t>n</a:t>
+            </a:r>
+            <a:r>
+              <a:rPr kumimoji="1" lang="zh-CN" altLang="en-US"/>
+              <a:t>对</a:t>
+            </a:r>
+            <a:r>
+              <a:rPr kumimoji="1" lang="en-US" altLang="zh-CN"/>
+              <a:t>(image, probability, label)</a:t>
+            </a:r>
+            <a:r>
+              <a:rPr kumimoji="1" lang="zh-CN" altLang="en-US"/>
+              <a:t>，同时</a:t>
+            </a:r>
+            <a:r>
+              <a:rPr kumimoji="1" lang="en-US" altLang="zh-CN"/>
+              <a:t>model2</a:t>
+            </a:r>
+            <a:r>
+              <a:rPr kumimoji="1" lang="zh-CN" altLang="en-US"/>
+              <a:t>也预测出了</a:t>
+            </a:r>
+            <a:r>
+              <a:rPr kumimoji="1" lang="en-US" altLang="zh-CN"/>
+              <a:t>n</a:t>
+            </a:r>
+            <a:r>
+              <a:rPr kumimoji="1" lang="zh-CN" altLang="en-US"/>
+              <a:t>对</a:t>
+            </a:r>
+            <a:r>
+              <a:rPr kumimoji="1" lang="en-US" altLang="zh-CN"/>
+              <a:t>(image, probability’, label’).</a:t>
+            </a:r>
+          </a:p>
+          <a:p>
+            <a:endParaRPr kumimoji="1" lang="en-US" altLang="zh-CN"/>
+          </a:p>
+          <a:p>
+            <a:r>
+              <a:rPr kumimoji="1" lang="zh-CN" altLang="en-US"/>
+              <a:t>对每一个</a:t>
+            </a:r>
+            <a:r>
+              <a:rPr kumimoji="1" lang="en-US" altLang="zh-CN"/>
+              <a:t>pixel, </a:t>
+            </a:r>
+            <a:r>
+              <a:rPr kumimoji="1" lang="zh-CN" altLang="en-US"/>
+              <a:t>根据</a:t>
+            </a:r>
+            <a:r>
+              <a:rPr kumimoji="1" lang="en-US" altLang="zh-CN"/>
+              <a:t>probability’</a:t>
+            </a:r>
+            <a:r>
+              <a:rPr kumimoji="1" lang="zh-CN" altLang="en-US"/>
+              <a:t>计算每一个类的平均概率</a:t>
+            </a:r>
+            <a:r>
+              <a:rPr kumimoji="1" lang="en-US" altLang="zh-CN"/>
+              <a:t>t(j). </a:t>
+            </a:r>
+            <a:r>
+              <a:rPr kumimoji="1" lang="zh-CN" altLang="en-US"/>
+              <a:t>如果存在某个</a:t>
+            </a:r>
+            <a:r>
+              <a:rPr kumimoji="1" lang="en-US" altLang="zh-CN"/>
+              <a:t>pixel, </a:t>
+            </a:r>
+            <a:r>
+              <a:rPr kumimoji="1" lang="zh-CN" altLang="en-US"/>
+              <a:t>它的</a:t>
+            </a:r>
+            <a:r>
+              <a:rPr kumimoji="1" lang="en-US" altLang="zh-CN"/>
+              <a:t>label = i</a:t>
+            </a:r>
+            <a:r>
+              <a:rPr kumimoji="1" lang="zh-CN" altLang="en-US"/>
+              <a:t>，但是</a:t>
+            </a:r>
+            <a:r>
+              <a:rPr kumimoji="1" lang="en-US" altLang="zh-CN"/>
+              <a:t>probability(j) &gt; t(j),</a:t>
+            </a:r>
+            <a:r>
+              <a:rPr kumimoji="1" lang="zh-CN" altLang="en-US"/>
+              <a:t> 那么就认为它是被错误标注的。</a:t>
+            </a:r>
+            <a:endParaRPr kumimoji="1" lang="en-US" altLang="zh-CN"/>
+          </a:p>
+          <a:p>
+            <a:endParaRPr kumimoji="1" lang="en-US" altLang="zh-CN"/>
+          </a:p>
+          <a:p>
+            <a:r>
+              <a:rPr kumimoji="1" lang="zh-CN" altLang="en-US"/>
+              <a:t>因此就可以计算一个</a:t>
+            </a:r>
+            <a:r>
+              <a:rPr kumimoji="1" lang="en-US" altLang="zh-CN"/>
+              <a:t>confusion matrix C, </a:t>
+            </a:r>
+            <a:r>
+              <a:rPr kumimoji="1" lang="zh-CN" altLang="en-US"/>
+              <a:t>其中</a:t>
+            </a:r>
+            <a:r>
+              <a:rPr kumimoji="1" lang="en-US" altLang="zh-CN"/>
+              <a:t>C[i][j] := # of pixels with label i, but true label is j.</a:t>
+            </a:r>
+          </a:p>
+          <a:p>
+            <a:endParaRPr kumimoji="1" lang="en-US" altLang="zh-CN"/>
+          </a:p>
+          <a:p>
+            <a:r>
+              <a:rPr kumimoji="1" lang="zh-CN" altLang="en-US"/>
+              <a:t>有了</a:t>
+            </a:r>
+            <a:r>
+              <a:rPr kumimoji="1" lang="en-US" altLang="zh-CN"/>
+              <a:t>confusion matrix, </a:t>
+            </a:r>
+            <a:r>
+              <a:rPr kumimoji="1" lang="zh-CN" altLang="en-US"/>
+              <a:t>就可以进一步计算</a:t>
+            </a:r>
+            <a:r>
+              <a:rPr kumimoji="1" lang="en-US" altLang="zh-CN"/>
+              <a:t>label</a:t>
+            </a:r>
+            <a:r>
+              <a:rPr kumimoji="1" lang="zh-CN" altLang="en-US"/>
+              <a:t>和</a:t>
+            </a:r>
+            <a:r>
+              <a:rPr kumimoji="1" lang="en-US" altLang="zh-CN"/>
+              <a:t>label’</a:t>
+            </a:r>
+            <a:r>
+              <a:rPr kumimoji="1" lang="zh-CN" altLang="en-US"/>
+              <a:t>的</a:t>
+            </a:r>
+            <a:r>
+              <a:rPr kumimoji="1" lang="en-US" altLang="zh-CN"/>
+              <a:t>joint confident matrix Q:</a:t>
+            </a:r>
+          </a:p>
+          <a:p>
+            <a:endParaRPr kumimoji="1" lang="en-US" altLang="zh-CN"/>
+          </a:p>
+          <a:p>
+            <a:endParaRPr kumimoji="1" lang="en-US" altLang="zh-CN"/>
+          </a:p>
+          <a:p>
+            <a:endParaRPr kumimoji="1" lang="en-US" altLang="zh-CN"/>
+          </a:p>
+          <a:p>
+            <a:endParaRPr kumimoji="1" lang="en-US" altLang="zh-CN"/>
+          </a:p>
+          <a:p>
+            <a:endParaRPr kumimoji="1" lang="en-US" altLang="zh-CN"/>
+          </a:p>
+          <a:p>
+            <a:endParaRPr kumimoji="1" lang="en-US" altLang="zh-CN"/>
+          </a:p>
+          <a:p>
+            <a:endParaRPr kumimoji="1" lang="en-US" altLang="zh-CN"/>
+          </a:p>
+          <a:p>
+            <a:r>
+              <a:rPr kumimoji="1" lang="zh-CN" altLang="en-US"/>
+              <a:t>最后，在每个类里，选择置信概率最低的</a:t>
+            </a:r>
+            <a:r>
+              <a:rPr kumimoji="1" lang="en-US" altLang="zh-CN"/>
+              <a:t>									</a:t>
+            </a:r>
+            <a:r>
+              <a:rPr kumimoji="1" lang="zh-CN" altLang="en-US"/>
+              <a:t>    个像素作为</a:t>
+            </a:r>
+            <a:r>
+              <a:rPr kumimoji="1" lang="en-US" altLang="zh-CN"/>
+              <a:t>error</a:t>
+            </a:r>
+            <a:endParaRPr kumimoji="1" lang="zh-CN" altLang="en-US"/>
+          </a:p>
+        </p:txBody>
+      </p:sp>
+      <p:pic>
+        <p:nvPicPr>
+          <p:cNvPr id="6" name="图片 5" descr="文本&#10;&#10;描述已自动生成">
+            <a:extLst>
+              <a:ext uri="{FF2B5EF4-FFF2-40B4-BE49-F238E27FC236}">
+                <a16:creationId xmlns:a16="http://schemas.microsoft.com/office/drawing/2014/main" id="{FA550FCD-22B5-27C4-6683-3646604FBC34}"/>
+              </a:ext>
+            </a:extLst>
+          </p:cNvPr>
+          <p:cNvPicPr>
+            <a:picLocks noChangeAspect="1"/>
+          </p:cNvPicPr>
+          <p:nvPr/>
+        </p:nvPicPr>
+        <p:blipFill>
+          <a:blip r:embed="rId2"/>
+          <a:stretch>
+            <a:fillRect/>
+          </a:stretch>
+        </p:blipFill>
+        <p:spPr>
+          <a:xfrm>
+            <a:off x="2770910" y="3429000"/>
+            <a:ext cx="5938834" cy="1237673"/>
+          </a:xfrm>
+          <a:prstGeom prst="rect">
+            <a:avLst/>
+          </a:prstGeom>
+        </p:spPr>
+      </p:pic>
+      <p:pic>
+        <p:nvPicPr>
+          <p:cNvPr id="8" name="图片 7">
+            <a:extLst>
+              <a:ext uri="{FF2B5EF4-FFF2-40B4-BE49-F238E27FC236}">
+                <a16:creationId xmlns:a16="http://schemas.microsoft.com/office/drawing/2014/main" id="{09363767-EE0D-C1BD-389C-DBEB445FEA45}"/>
+              </a:ext>
+            </a:extLst>
+          </p:cNvPr>
+          <p:cNvPicPr>
+            <a:picLocks noChangeAspect="1"/>
+          </p:cNvPicPr>
+          <p:nvPr/>
+        </p:nvPicPr>
+        <p:blipFill>
+          <a:blip r:embed="rId3"/>
+          <a:stretch>
+            <a:fillRect/>
+          </a:stretch>
+        </p:blipFill>
+        <p:spPr>
+          <a:xfrm>
+            <a:off x="4908641" y="5069649"/>
+            <a:ext cx="4381500" cy="444500"/>
+          </a:xfrm>
+          <a:prstGeom prst="rect">
+            <a:avLst/>
+          </a:prstGeom>
+        </p:spPr>
+      </p:pic>
+    </p:spTree>
+    <p:extLst>
+      <p:ext uri="{BB962C8B-B14F-4D97-AF65-F5344CB8AC3E}">
+        <p14:creationId xmlns:p14="http://schemas.microsoft.com/office/powerpoint/2010/main" val="3764145067"/>
+      </p:ext>
+    </p:extLst>
+  </p:cSld>
+  <p:clrMapOvr>
+    <a:masterClrMapping/>
+  </p:clrMapOvr>
+</p:sld>
+</file>
+
+<file path=ppt/slides/slide5.xml><?xml version="1.0" encoding="utf-8"?>
+<p:sld xmlns:a="http://schemas.openxmlformats.org/drawingml/2006/main" xmlns:r="http://schemas.openxmlformats.org/officeDocument/2006/relationships" xmlns:p="http://schemas.openxmlformats.org/presentationml/2006/main">
+  <p:cSld>
+    <p:spTree>
+      <p:nvGrpSpPr>
+        <p:cNvPr id="1" name=""/>
+        <p:cNvGrpSpPr/>
+        <p:nvPr/>
+      </p:nvGrpSpPr>
+      <p:grpSpPr>
+        <a:xfrm>
+          <a:off x="0" y="0"/>
+          <a:ext cx="0" cy="0"/>
+          <a:chOff x="0" y="0"/>
+          <a:chExt cx="0" cy="0"/>
+        </a:xfrm>
+      </p:grpSpPr>
+      <p:sp>
+        <p:nvSpPr>
+          <p:cNvPr id="4" name="文本框 3">
+            <a:extLst>
+              <a:ext uri="{FF2B5EF4-FFF2-40B4-BE49-F238E27FC236}">
+                <a16:creationId xmlns:a16="http://schemas.microsoft.com/office/drawing/2014/main" id="{D6C37344-5E5D-B3D5-8A10-7B39E18B8689}"/>
+              </a:ext>
+            </a:extLst>
+          </p:cNvPr>
+          <p:cNvSpPr txBox="1"/>
+          <p:nvPr/>
+        </p:nvSpPr>
+        <p:spPr>
+          <a:xfrm>
+            <a:off x="726393" y="435836"/>
+            <a:ext cx="11253171" cy="3970318"/>
+          </a:xfrm>
+          <a:prstGeom prst="rect">
+            <a:avLst/>
+          </a:prstGeom>
+          <a:noFill/>
+        </p:spPr>
+        <p:txBody>
+          <a:bodyPr wrap="square" rtlCol="0">
+            <a:spAutoFit/>
+          </a:bodyPr>
+          <a:lstStyle/>
+          <a:p>
+            <a:r>
+              <a:rPr kumimoji="1" lang="en-US" altLang="zh-CN" b="1"/>
+              <a:t>1(2)</a:t>
+            </a:r>
+            <a:r>
+              <a:rPr kumimoji="1" lang="zh-CN" altLang="en-US" b="1"/>
+              <a:t>原型学习</a:t>
+            </a:r>
+            <a:endParaRPr kumimoji="1" lang="en-US" altLang="zh-CN" b="1"/>
+          </a:p>
+          <a:p>
+            <a:endParaRPr kumimoji="1" lang="en-US" altLang="zh-CN"/>
+          </a:p>
+          <a:p>
+            <a:r>
+              <a:rPr kumimoji="1" lang="zh-CN" altLang="en-US"/>
+              <a:t>给定一张无标注的图像</a:t>
+            </a:r>
+            <a:r>
+              <a:rPr kumimoji="1" lang="en-US" altLang="zh-CN"/>
+              <a:t>X, model1</a:t>
+            </a:r>
+            <a:r>
+              <a:rPr kumimoji="1" lang="zh-CN" altLang="en-US"/>
+              <a:t>、</a:t>
+            </a:r>
+            <a:r>
+              <a:rPr kumimoji="1" lang="en-US" altLang="zh-CN"/>
+              <a:t>2</a:t>
+            </a:r>
+            <a:r>
+              <a:rPr kumimoji="1" lang="zh-CN" altLang="en-US"/>
+              <a:t>分别产生的伪标签</a:t>
+            </a:r>
+            <a:r>
+              <a:rPr kumimoji="1" lang="en-US" altLang="zh-CN"/>
+              <a:t>Y</a:t>
+            </a:r>
+            <a:r>
+              <a:rPr kumimoji="1" lang="zh-CN" altLang="en-US"/>
+              <a:t>、</a:t>
+            </a:r>
+            <a:r>
+              <a:rPr kumimoji="1" lang="en-US" altLang="zh-CN"/>
+              <a:t>Y‘, model 2</a:t>
+            </a:r>
+            <a:r>
+              <a:rPr kumimoji="1" lang="zh-CN" altLang="en-US"/>
+              <a:t>产生的</a:t>
+            </a:r>
+            <a:r>
+              <a:rPr kumimoji="1" lang="en-US" altLang="zh-CN"/>
+              <a:t>probability P’ (P‘</a:t>
+            </a:r>
+            <a:r>
+              <a:rPr kumimoji="1" lang="zh-CN" altLang="en-US"/>
+              <a:t>经过</a:t>
+            </a:r>
+            <a:r>
+              <a:rPr kumimoji="1" lang="en-US" altLang="zh-CN"/>
+              <a:t>argmax</a:t>
+            </a:r>
+            <a:r>
+              <a:rPr kumimoji="1" lang="zh-CN" altLang="en-US"/>
+              <a:t>得到</a:t>
+            </a:r>
+            <a:r>
+              <a:rPr kumimoji="1" lang="en-US" altLang="zh-CN"/>
+              <a:t>Y’)</a:t>
+            </a:r>
+            <a:r>
+              <a:rPr kumimoji="1" lang="zh-CN" altLang="en-US"/>
+              <a:t>和在</a:t>
+            </a:r>
+            <a:r>
+              <a:rPr kumimoji="1" lang="en-US" altLang="zh-CN"/>
+              <a:t>classifier</a:t>
+            </a:r>
+            <a:r>
+              <a:rPr kumimoji="1" lang="zh-CN" altLang="en-US"/>
+              <a:t>之前的特征图</a:t>
+            </a:r>
+            <a:r>
+              <a:rPr kumimoji="1" lang="en-US" altLang="zh-CN"/>
+              <a:t>F‘.</a:t>
+            </a:r>
+          </a:p>
+          <a:p>
+            <a:endParaRPr kumimoji="1" lang="en-US" altLang="zh-CN"/>
+          </a:p>
+          <a:p>
+            <a:r>
+              <a:rPr kumimoji="1" lang="zh-CN" altLang="en-US"/>
+              <a:t>用</a:t>
+            </a:r>
+            <a:r>
+              <a:rPr kumimoji="1" lang="en-US" altLang="zh-CN"/>
+              <a:t>Y’</a:t>
+            </a:r>
+            <a:r>
+              <a:rPr kumimoji="1" lang="zh-CN" altLang="en-US"/>
+              <a:t>作</a:t>
+            </a:r>
+            <a:r>
+              <a:rPr kumimoji="1" lang="en-US" altLang="zh-CN"/>
+              <a:t>mask</a:t>
+            </a:r>
+            <a:r>
+              <a:rPr kumimoji="1" lang="zh-CN" altLang="en-US"/>
+              <a:t>，对</a:t>
+            </a:r>
+            <a:r>
+              <a:rPr kumimoji="1" lang="en-US" altLang="zh-CN"/>
+              <a:t>F‘</a:t>
+            </a:r>
+            <a:r>
+              <a:rPr kumimoji="1" lang="zh-CN" altLang="en-US"/>
+              <a:t>做</a:t>
+            </a:r>
+            <a:r>
+              <a:rPr kumimoji="1" lang="en-US" altLang="zh-CN"/>
+              <a:t>confidence-weighted masked average pooling</a:t>
+            </a:r>
+            <a:r>
+              <a:rPr kumimoji="1" lang="zh-CN" altLang="en-US"/>
+              <a:t>得到前景和背景的原型</a:t>
+            </a:r>
+            <a:r>
+              <a:rPr kumimoji="1" lang="en-US" altLang="zh-CN"/>
+              <a:t>P(obj), P(bg). </a:t>
+            </a:r>
+            <a:r>
+              <a:rPr kumimoji="1" lang="zh-CN" altLang="en-US">
+                <a:solidFill>
+                  <a:schemeClr val="accent6">
+                    <a:lumMod val="75000"/>
+                  </a:schemeClr>
+                </a:solidFill>
+              </a:rPr>
+              <a:t>这里的</a:t>
+            </a:r>
+            <a:r>
+              <a:rPr kumimoji="1" lang="en-US" altLang="zh-CN">
+                <a:solidFill>
+                  <a:schemeClr val="accent6">
+                    <a:lumMod val="75000"/>
+                  </a:schemeClr>
+                </a:solidFill>
+              </a:rPr>
+              <a:t>confidence </a:t>
+            </a:r>
+            <a:r>
+              <a:rPr kumimoji="1" lang="zh-CN" altLang="en-US">
+                <a:solidFill>
+                  <a:schemeClr val="accent6">
+                    <a:lumMod val="75000"/>
+                  </a:schemeClr>
+                </a:solidFill>
+              </a:rPr>
+              <a:t>就是</a:t>
+            </a:r>
+            <a:r>
+              <a:rPr kumimoji="1" lang="en-US" altLang="zh-CN">
+                <a:solidFill>
+                  <a:schemeClr val="accent6">
+                    <a:lumMod val="75000"/>
+                  </a:schemeClr>
+                </a:solidFill>
+              </a:rPr>
+              <a:t>probability</a:t>
+            </a:r>
+            <a:r>
+              <a:rPr kumimoji="1" lang="en-US" altLang="zh-CN"/>
+              <a:t>.</a:t>
+            </a:r>
+          </a:p>
+          <a:p>
+            <a:endParaRPr kumimoji="1" lang="en-US" altLang="zh-CN"/>
+          </a:p>
+          <a:p>
+            <a:r>
+              <a:rPr kumimoji="1" lang="zh-CN" altLang="en-US"/>
+              <a:t>接下来就可以计算某个像素的特征向量</a:t>
+            </a:r>
+            <a:r>
+              <a:rPr kumimoji="1" lang="en-US" altLang="zh-CN"/>
+              <a:t> F’(v)</a:t>
+            </a:r>
+            <a:r>
+              <a:rPr kumimoji="1" lang="zh-CN" altLang="en-US"/>
+              <a:t> 和 </a:t>
+            </a:r>
+            <a:r>
+              <a:rPr kumimoji="1" lang="en-US" altLang="zh-CN"/>
+              <a:t>P(obj), P(bg)</a:t>
+            </a:r>
+            <a:r>
+              <a:rPr kumimoji="1" lang="zh-CN" altLang="en-US"/>
+              <a:t> 的距离</a:t>
+            </a:r>
+            <a:r>
+              <a:rPr kumimoji="1" lang="en-US" altLang="zh-CN"/>
+              <a:t>. </a:t>
+            </a:r>
+            <a:r>
+              <a:rPr kumimoji="1" lang="zh-CN" altLang="en-US"/>
+              <a:t>如果这个像素的伪标签</a:t>
+            </a:r>
+            <a:r>
+              <a:rPr kumimoji="1" lang="en-US" altLang="zh-CN"/>
+              <a:t>Y</a:t>
+            </a:r>
+            <a:r>
+              <a:rPr kumimoji="1" lang="zh-CN" altLang="en-US"/>
+              <a:t>属于前景，但是它的特征向量离背景的原型更近，那么就认为它是错误分类的；反之亦然</a:t>
+            </a:r>
+            <a:r>
+              <a:rPr kumimoji="1" lang="en-US" altLang="zh-CN"/>
+              <a:t>.</a:t>
+            </a:r>
+          </a:p>
+          <a:p>
+            <a:endParaRPr kumimoji="1" lang="en-US" altLang="zh-CN"/>
+          </a:p>
+          <a:p>
+            <a:endParaRPr kumimoji="1" lang="en-US" altLang="zh-CN"/>
+          </a:p>
+          <a:p>
+            <a:endParaRPr kumimoji="1" lang="en-US" altLang="zh-CN"/>
+          </a:p>
+          <a:p>
+            <a:endParaRPr kumimoji="1" lang="zh-CN" altLang="en-US"/>
+          </a:p>
+        </p:txBody>
+      </p:sp>
+    </p:spTree>
+    <p:extLst>
+      <p:ext uri="{BB962C8B-B14F-4D97-AF65-F5344CB8AC3E}">
+        <p14:creationId xmlns:p14="http://schemas.microsoft.com/office/powerpoint/2010/main" val="1422108233"/>
       </p:ext>
     </p:extLst>
   </p:cSld>
@@ -4174,71 +11519,12 @@
           <a:chExt cx="0" cy="0"/>
         </a:xfrm>
       </p:grpSpPr>
-      <p:pic>
-        <p:nvPicPr>
-          <p:cNvPr id="5" name="内容占位符 4" descr="图示&#10;&#10;描述已自动生成">
+      <p:sp>
+        <p:nvSpPr>
+          <p:cNvPr id="4" name="文本框 3">
             <a:extLst>
               <a:ext uri="{FF2B5EF4-FFF2-40B4-BE49-F238E27FC236}">
-                <a16:creationId xmlns:a16="http://schemas.microsoft.com/office/drawing/2014/main" id="{B2569B29-1AA3-E02A-5D9F-A27F646E0F88}"/>
-              </a:ext>
-            </a:extLst>
-          </p:cNvPr>
-          <p:cNvPicPr>
-            <a:picLocks noGrp="1" noChangeAspect="1"/>
-          </p:cNvPicPr>
-          <p:nvPr>
-            <p:ph idx="1"/>
-          </p:nvPr>
-        </p:nvPicPr>
-        <p:blipFill>
-          <a:blip r:embed="rId2"/>
-          <a:stretch>
-            <a:fillRect/>
-          </a:stretch>
-        </p:blipFill>
-        <p:spPr>
-          <a:xfrm>
-            <a:off x="1205753" y="0"/>
-            <a:ext cx="5360894" cy="3153467"/>
-          </a:xfrm>
-        </p:spPr>
-      </p:pic>
-      <p:pic>
-        <p:nvPicPr>
-          <p:cNvPr id="7" name="图片 6" descr="图示&#10;&#10;描述已自动生成">
-            <a:extLst>
-              <a:ext uri="{FF2B5EF4-FFF2-40B4-BE49-F238E27FC236}">
-                <a16:creationId xmlns:a16="http://schemas.microsoft.com/office/drawing/2014/main" id="{B383BFD5-ADD3-5A9D-62DC-0BF86187D648}"/>
-              </a:ext>
-            </a:extLst>
-          </p:cNvPr>
-          <p:cNvPicPr>
-            <a:picLocks noChangeAspect="1"/>
-          </p:cNvPicPr>
-          <p:nvPr/>
-        </p:nvPicPr>
-        <p:blipFill>
-          <a:blip r:embed="rId3"/>
-          <a:stretch>
-            <a:fillRect/>
-          </a:stretch>
-        </p:blipFill>
-        <p:spPr>
-          <a:xfrm>
-            <a:off x="0" y="3263406"/>
-            <a:ext cx="7772400" cy="3594594"/>
-          </a:xfrm>
-          <a:prstGeom prst="rect">
-            <a:avLst/>
-          </a:prstGeom>
-        </p:spPr>
-      </p:pic>
-      <p:sp>
-        <p:nvSpPr>
-          <p:cNvPr id="8" name="文本框 7">
-            <a:extLst>
-              <a:ext uri="{FF2B5EF4-FFF2-40B4-BE49-F238E27FC236}">
-                <a16:creationId xmlns:a16="http://schemas.microsoft.com/office/drawing/2014/main" id="{D669C838-F700-ABB5-F1DD-7D4593F72B90}"/>
+                <a16:creationId xmlns:a16="http://schemas.microsoft.com/office/drawing/2014/main" id="{D6C37344-5E5D-B3D5-8A10-7B39E18B8689}"/>
               </a:ext>
             </a:extLst>
           </p:cNvPr>
@@ -4247,8 +11533,8 @@
         </p:nvSpPr>
         <p:spPr>
           <a:xfrm>
-            <a:off x="9063318" y="1576733"/>
-            <a:ext cx="960519" cy="369332"/>
+            <a:off x="726393" y="435836"/>
+            <a:ext cx="1306768" cy="369332"/>
           </a:xfrm>
           <a:prstGeom prst="rect">
             <a:avLst/>
@@ -4262,53 +11548,50 @@
           <a:lstStyle/>
           <a:p>
             <a:r>
-              <a:rPr kumimoji="1" lang="en-US" altLang="zh-CN"/>
-              <a:t>MTCL 1</a:t>
-            </a:r>
-            <a:endParaRPr kumimoji="1" lang="zh-CN" altLang="en-US"/>
+              <a:rPr kumimoji="1" lang="en-US" altLang="zh-CN" b="1"/>
+              <a:t>1(3)</a:t>
+            </a:r>
+            <a:r>
+              <a:rPr kumimoji="1" lang="zh-CN" altLang="en-US" b="1"/>
+              <a:t>熵估计</a:t>
+            </a:r>
           </a:p>
         </p:txBody>
       </p:sp>
-      <p:sp>
-        <p:nvSpPr>
-          <p:cNvPr id="9" name="文本框 8">
+      <p:pic>
+        <p:nvPicPr>
+          <p:cNvPr id="3" name="图片 2" descr="文本&#10;&#10;描述已自动生成">
             <a:extLst>
               <a:ext uri="{FF2B5EF4-FFF2-40B4-BE49-F238E27FC236}">
-                <a16:creationId xmlns:a16="http://schemas.microsoft.com/office/drawing/2014/main" id="{4BC1B8FF-801F-B5BD-FB84-DECECA67BBF5}"/>
+                <a16:creationId xmlns:a16="http://schemas.microsoft.com/office/drawing/2014/main" id="{29370196-E29A-268B-0532-2172E544AB93}"/>
               </a:ext>
             </a:extLst>
           </p:cNvPr>
-          <p:cNvSpPr txBox="1"/>
+          <p:cNvPicPr>
+            <a:picLocks noChangeAspect="1"/>
+          </p:cNvPicPr>
           <p:nvPr/>
-        </p:nvSpPr>
+        </p:nvPicPr>
+        <p:blipFill>
+          <a:blip r:embed="rId2"/>
+          <a:stretch>
+            <a:fillRect/>
+          </a:stretch>
+        </p:blipFill>
         <p:spPr>
           <a:xfrm>
-            <a:off x="9251576" y="5060703"/>
-            <a:ext cx="960519" cy="369332"/>
+            <a:off x="249382" y="1468582"/>
+            <a:ext cx="11867346" cy="4830618"/>
           </a:xfrm>
           <a:prstGeom prst="rect">
             <a:avLst/>
           </a:prstGeom>
-          <a:noFill/>
         </p:spPr>
-        <p:txBody>
-          <a:bodyPr wrap="none" rtlCol="0">
-            <a:spAutoFit/>
-          </a:bodyPr>
-          <a:lstStyle/>
-          <a:p>
-            <a:r>
-              <a:rPr kumimoji="1" lang="en-US" altLang="zh-CN"/>
-              <a:t>MTCL 2</a:t>
-            </a:r>
-            <a:endParaRPr kumimoji="1" lang="zh-CN" altLang="en-US"/>
-          </a:p>
-        </p:txBody>
-      </p:sp>
+      </p:pic>
     </p:spTree>
     <p:extLst>
       <p:ext uri="{BB962C8B-B14F-4D97-AF65-F5344CB8AC3E}">
-        <p14:creationId xmlns:p14="http://schemas.microsoft.com/office/powerpoint/2010/main" val="3203195318"/>
+        <p14:creationId xmlns:p14="http://schemas.microsoft.com/office/powerpoint/2010/main" val="478389042"/>
       </p:ext>
     </p:extLst>
   </p:cSld>
@@ -4337,10 +11620,98 @@
       </p:grpSpPr>
       <p:sp>
         <p:nvSpPr>
+          <p:cNvPr id="4" name="文本框 3">
+            <a:extLst>
+              <a:ext uri="{FF2B5EF4-FFF2-40B4-BE49-F238E27FC236}">
+                <a16:creationId xmlns:a16="http://schemas.microsoft.com/office/drawing/2014/main" id="{16D9DAB1-DAF8-EC0E-D607-693422C08B96}"/>
+              </a:ext>
+            </a:extLst>
+          </p:cNvPr>
+          <p:cNvSpPr txBox="1"/>
+          <p:nvPr/>
+        </p:nvSpPr>
+        <p:spPr>
+          <a:xfrm>
+            <a:off x="1366982" y="1016000"/>
+            <a:ext cx="6784550" cy="369332"/>
+          </a:xfrm>
+          <a:prstGeom prst="rect">
+            <a:avLst/>
+          </a:prstGeom>
+          <a:noFill/>
+        </p:spPr>
+        <p:txBody>
+          <a:bodyPr wrap="none" rtlCol="0">
+            <a:spAutoFit/>
+          </a:bodyPr>
+          <a:lstStyle/>
+          <a:p>
+            <a:r>
+              <a:rPr kumimoji="1" lang="zh-CN" altLang="en-US"/>
+              <a:t>额外使用</a:t>
+            </a:r>
+            <a:r>
+              <a:rPr kumimoji="1" lang="en-US" altLang="zh-CN"/>
+              <a:t>scribble annotation: </a:t>
+            </a:r>
+            <a:r>
+              <a:rPr kumimoji="1" lang="zh-CN" altLang="en-US"/>
+              <a:t>损失函数加上</a:t>
+            </a:r>
+            <a:r>
+              <a:rPr kumimoji="1" lang="en-US" altLang="zh-CN"/>
+              <a:t> partial cross entropy loss</a:t>
+            </a:r>
+            <a:endParaRPr kumimoji="1" lang="zh-CN" altLang="en-US"/>
+          </a:p>
+        </p:txBody>
+      </p:sp>
+    </p:spTree>
+    <p:extLst>
+      <p:ext uri="{BB962C8B-B14F-4D97-AF65-F5344CB8AC3E}">
+        <p14:creationId xmlns:p14="http://schemas.microsoft.com/office/powerpoint/2010/main" val="516793674"/>
+      </p:ext>
+    </p:extLst>
+  </p:cSld>
+  <p:clrMapOvr>
+    <a:masterClrMapping/>
+  </p:clrMapOvr>
+</p:sld>
+</file>
+
+<file path=ppt/slides/slide8.xml><?xml version="1.0" encoding="utf-8"?>
+<p:sld xmlns:a="http://schemas.openxmlformats.org/drawingml/2006/main" xmlns:r="http://schemas.openxmlformats.org/officeDocument/2006/relationships" xmlns:p="http://schemas.openxmlformats.org/presentationml/2006/main">
+  <p:cSld>
+    <p:bg>
+      <p:bgPr>
+        <a:solidFill>
+          <a:schemeClr val="bg1">
+            <a:lumMod val="95000"/>
+          </a:schemeClr>
+        </a:solidFill>
+        <a:effectLst/>
+      </p:bgPr>
+    </p:bg>
+    <p:spTree>
+      <p:nvGrpSpPr>
+        <p:cNvPr id="1" name=""/>
+        <p:cNvGrpSpPr/>
+        <p:nvPr/>
+      </p:nvGrpSpPr>
+      <p:grpSpPr>
+        <a:xfrm>
+          <a:off x="0" y="0"/>
+          <a:ext cx="0" cy="0"/>
+          <a:chOff x="0" y="0"/>
+          <a:chExt cx="0" cy="0"/>
+        </a:xfrm>
+      </p:grpSpPr>
+      <p:sp>
+        <p:nvSpPr>
           <p:cNvPr id="2" name="标题 1">
             <a:extLst>
               <a:ext uri="{FF2B5EF4-FFF2-40B4-BE49-F238E27FC236}">
-                <a16:creationId xmlns:a16="http://schemas.microsoft.com/office/drawing/2014/main" id="{55D6B75E-6779-49B7-699B-6255EDFA0F75}"/>
+                <a16:creationId xmlns:a16="http://schemas.microsoft.com/office/drawing/2014/main" id="{AF33E14C-B566-275E-F68D-E828993FF3F0}"/>
               </a:ext>
             </a:extLst>
           </p:cNvPr>
@@ -4351,25 +11722,560 @@
             <p:ph type="title"/>
           </p:nvPr>
         </p:nvSpPr>
-        <p:spPr/>
+        <p:spPr>
+          <a:xfrm>
+            <a:off x="2231136" y="964692"/>
+            <a:ext cx="7729728" cy="1188720"/>
+          </a:xfrm>
+        </p:spPr>
         <p:txBody>
-          <a:bodyPr/>
+          <a:bodyPr>
+            <a:normAutofit/>
+          </a:bodyPr>
           <a:lstStyle/>
           <a:p>
             <a:r>
-              <a:rPr lang="zh-CN" altLang="en-US"/>
-              <a:t>充分利用真实标签</a:t>
+              <a:rPr kumimoji="1" lang="en-US" altLang="zh-CN"/>
+              <a:t>About me</a:t>
             </a:r>
             <a:endParaRPr kumimoji="1" lang="zh-CN" altLang="en-US"/>
+          </a:p>
+        </p:txBody>
+      </p:sp>
+      <p:sp>
+        <p:nvSpPr>
+          <p:cNvPr id="3" name="内容占位符 2">
+            <a:extLst>
+              <a:ext uri="{FF2B5EF4-FFF2-40B4-BE49-F238E27FC236}">
+                <a16:creationId xmlns:a16="http://schemas.microsoft.com/office/drawing/2014/main" id="{4E74F9EC-50A8-2F98-9C7D-8A8E43DF932F}"/>
+              </a:ext>
+            </a:extLst>
+          </p:cNvPr>
+          <p:cNvSpPr>
+            <a:spLocks noGrp="1"/>
+          </p:cNvSpPr>
+          <p:nvPr>
+            <p:ph idx="1"/>
+          </p:nvPr>
+        </p:nvSpPr>
+        <p:spPr>
+          <a:xfrm>
+            <a:off x="2221992" y="2638044"/>
+            <a:ext cx="4828030" cy="3101983"/>
+          </a:xfrm>
+        </p:spPr>
+        <p:txBody>
+          <a:bodyPr>
+            <a:normAutofit/>
+          </a:bodyPr>
+          <a:lstStyle/>
+          <a:p>
+            <a:pPr marL="0" indent="0">
+              <a:lnSpc>
+                <a:spcPct val="90000"/>
+              </a:lnSpc>
+              <a:buNone/>
+            </a:pPr>
+            <a:r>
+              <a:rPr kumimoji="1" lang="fr-CA" altLang="zh-CN" sz="1500" b="1">
+                <a:latin typeface="Source Sans Pro" panose="020B0503030403020204" pitchFamily="34" charset="0"/>
+                <a:ea typeface="Source Sans Pro" panose="020B0503030403020204" pitchFamily="34" charset="0"/>
+              </a:rPr>
+              <a:t>Name</a:t>
+            </a:r>
+            <a:r>
+              <a:rPr kumimoji="1" lang="fr-CA" altLang="zh-CN" sz="1500">
+                <a:latin typeface="Source Sans Pro" panose="020B0503030403020204" pitchFamily="34" charset="0"/>
+                <a:ea typeface="Source Sans Pro" panose="020B0503030403020204" pitchFamily="34" charset="0"/>
+              </a:rPr>
+              <a:t>: Yuyu Liu</a:t>
+            </a:r>
+          </a:p>
+          <a:p>
+            <a:pPr>
+              <a:lnSpc>
+                <a:spcPct val="90000"/>
+              </a:lnSpc>
+            </a:pPr>
+            <a:endParaRPr kumimoji="1" lang="fr-CA" altLang="zh-CN" sz="1500">
+              <a:latin typeface="Source Sans Pro" panose="020B0503030403020204" pitchFamily="34" charset="0"/>
+              <a:ea typeface="Source Sans Pro" panose="020B0503030403020204" pitchFamily="34" charset="0"/>
+            </a:endParaRPr>
+          </a:p>
+          <a:p>
+            <a:pPr marL="0" indent="0">
+              <a:lnSpc>
+                <a:spcPct val="90000"/>
+              </a:lnSpc>
+              <a:buNone/>
+            </a:pPr>
+            <a:r>
+              <a:rPr kumimoji="1" lang="fr-CA" altLang="zh-CN" sz="1500" b="1">
+                <a:latin typeface="Source Sans Pro" panose="020B0503030403020204" pitchFamily="34" charset="0"/>
+                <a:ea typeface="Source Sans Pro" panose="020B0503030403020204" pitchFamily="34" charset="0"/>
+              </a:rPr>
+              <a:t>Major</a:t>
+            </a:r>
+            <a:r>
+              <a:rPr kumimoji="1" lang="fr-CA" altLang="zh-CN" sz="1500">
+                <a:latin typeface="Source Sans Pro" panose="020B0503030403020204" pitchFamily="34" charset="0"/>
+                <a:ea typeface="Source Sans Pro" panose="020B0503030403020204" pitchFamily="34" charset="0"/>
+              </a:rPr>
+              <a:t>: Mathematics and Applied Mathematics</a:t>
+            </a:r>
+          </a:p>
+          <a:p>
+            <a:pPr>
+              <a:lnSpc>
+                <a:spcPct val="90000"/>
+              </a:lnSpc>
+            </a:pPr>
+            <a:endParaRPr kumimoji="1" lang="fr-CA" altLang="zh-CN" sz="1500">
+              <a:latin typeface="Source Sans Pro" panose="020B0503030403020204" pitchFamily="34" charset="0"/>
+              <a:ea typeface="Source Sans Pro" panose="020B0503030403020204" pitchFamily="34" charset="0"/>
+            </a:endParaRPr>
+          </a:p>
+          <a:p>
+            <a:pPr marL="0" indent="0">
+              <a:lnSpc>
+                <a:spcPct val="90000"/>
+              </a:lnSpc>
+              <a:buNone/>
+            </a:pPr>
+            <a:r>
+              <a:rPr kumimoji="1" lang="fr-CA" altLang="zh-CN" sz="1500" b="1">
+                <a:latin typeface="Source Sans Pro" panose="020B0503030403020204" pitchFamily="34" charset="0"/>
+                <a:ea typeface="Source Sans Pro" panose="020B0503030403020204" pitchFamily="34" charset="0"/>
+              </a:rPr>
+              <a:t>Institute</a:t>
+            </a:r>
+            <a:r>
+              <a:rPr kumimoji="1" lang="fr-CA" altLang="zh-CN" sz="1500">
+                <a:latin typeface="Source Sans Pro" panose="020B0503030403020204" pitchFamily="34" charset="0"/>
+                <a:ea typeface="Source Sans Pro" panose="020B0503030403020204" pitchFamily="34" charset="0"/>
+              </a:rPr>
+              <a:t>: Southern University of Science and Technology (Double First-class)</a:t>
+            </a:r>
+          </a:p>
+          <a:p>
+            <a:pPr>
+              <a:lnSpc>
+                <a:spcPct val="90000"/>
+              </a:lnSpc>
+            </a:pPr>
+            <a:endParaRPr kumimoji="1" lang="fr-CA" altLang="zh-CN" sz="1500">
+              <a:latin typeface="Source Sans Pro" panose="020B0503030403020204" pitchFamily="34" charset="0"/>
+              <a:ea typeface="Source Sans Pro" panose="020B0503030403020204" pitchFamily="34" charset="0"/>
+            </a:endParaRPr>
+          </a:p>
+          <a:p>
+            <a:pPr marL="0" indent="0">
+              <a:lnSpc>
+                <a:spcPct val="90000"/>
+              </a:lnSpc>
+              <a:buNone/>
+            </a:pPr>
+            <a:r>
+              <a:rPr kumimoji="1" lang="fr-CA" altLang="zh-CN" sz="1500" b="1">
+                <a:latin typeface="Source Sans Pro" panose="020B0503030403020204" pitchFamily="34" charset="0"/>
+                <a:ea typeface="Source Sans Pro" panose="020B0503030403020204" pitchFamily="34" charset="0"/>
+              </a:rPr>
+              <a:t>Research Interest</a:t>
+            </a:r>
+            <a:r>
+              <a:rPr kumimoji="1" lang="fr-CA" altLang="zh-CN" sz="1500">
+                <a:latin typeface="Source Sans Pro" panose="020B0503030403020204" pitchFamily="34" charset="0"/>
+                <a:ea typeface="Source Sans Pro" panose="020B0503030403020204" pitchFamily="34" charset="0"/>
+              </a:rPr>
+              <a:t>: Currently primarily interested in deep learning and its applications in other natural science domains, e.g. Biology and Healthcare</a:t>
+            </a:r>
+            <a:endParaRPr kumimoji="1" lang="zh-CN" altLang="en-US" sz="1500">
+              <a:latin typeface="Source Sans Pro" panose="020B0503030403020204" pitchFamily="34" charset="0"/>
+            </a:endParaRPr>
+          </a:p>
+        </p:txBody>
+      </p:sp>
+      <p:sp>
+        <p:nvSpPr>
+          <p:cNvPr id="19" name="Rectangle 18">
+            <a:extLst>
+              <a:ext uri="{FF2B5EF4-FFF2-40B4-BE49-F238E27FC236}">
+                <a16:creationId xmlns:a16="http://schemas.microsoft.com/office/drawing/2014/main" id="{7CA2418C-C307-4704-B727-FB9D2BBA1146}"/>
+              </a:ext>
+              <a:ext uri="{C183D7F6-B498-43B3-948B-1728B52AA6E4}">
+                <adec:decorative xmlns:adec="http://schemas.microsoft.com/office/drawing/2017/decorative" val="1"/>
+              </a:ext>
+            </a:extLst>
+          </p:cNvPr>
+          <p:cNvSpPr>
+            <a:spLocks noGrp="1" noRot="1" noChangeAspect="1" noMove="1" noResize="1" noEditPoints="1" noAdjustHandles="1" noChangeArrowheads="1" noChangeShapeType="1" noTextEdit="1"/>
+          </p:cNvSpPr>
+          <p:nvPr>
+            <p:extLst>
+              <p:ext uri="{386F3935-93C4-4BCD-93E2-E3B085C9AB24}">
+                <p16:designElem xmlns:p16="http://schemas.microsoft.com/office/powerpoint/2015/main" val="1"/>
+              </p:ext>
+            </p:extLst>
+          </p:nvPr>
+        </p:nvSpPr>
+        <p:spPr>
+          <a:xfrm>
+            <a:off x="7515406" y="2743200"/>
+            <a:ext cx="2445458" cy="2996827"/>
+          </a:xfrm>
+          <a:prstGeom prst="rect">
+            <a:avLst/>
+          </a:prstGeom>
+          <a:noFill/>
+          <a:ln w="31750" cap="sq">
+            <a:solidFill>
+              <a:srgbClr val="FFFFFF"/>
+            </a:solidFill>
+            <a:miter lim="800000"/>
+          </a:ln>
+        </p:spPr>
+        <p:style>
+          <a:lnRef idx="2">
+            <a:schemeClr val="accent1">
+              <a:shade val="50000"/>
+            </a:schemeClr>
+          </a:lnRef>
+          <a:fillRef idx="1">
+            <a:schemeClr val="accent1"/>
+          </a:fillRef>
+          <a:effectRef idx="0">
+            <a:schemeClr val="accent1"/>
+          </a:effectRef>
+          <a:fontRef idx="minor">
+            <a:schemeClr val="lt1"/>
+          </a:fontRef>
+        </p:style>
+        <p:txBody>
+          <a:bodyPr rtlCol="0" anchor="ctr"/>
+          <a:lstStyle/>
+          <a:p>
+            <a:pPr algn="ctr"/>
+            <a:endParaRPr lang="en-US" dirty="0"/>
+          </a:p>
+        </p:txBody>
+      </p:sp>
+      <p:sp>
+        <p:nvSpPr>
+          <p:cNvPr id="21" name="Rectangle 20">
+            <a:extLst>
+              <a:ext uri="{FF2B5EF4-FFF2-40B4-BE49-F238E27FC236}">
+                <a16:creationId xmlns:a16="http://schemas.microsoft.com/office/drawing/2014/main" id="{2A20F136-B1A5-4878-B85C-B805425D94FA}"/>
+              </a:ext>
+              <a:ext uri="{C183D7F6-B498-43B3-948B-1728B52AA6E4}">
+                <adec:decorative xmlns:adec="http://schemas.microsoft.com/office/drawing/2017/decorative" val="1"/>
+              </a:ext>
+            </a:extLst>
+          </p:cNvPr>
+          <p:cNvSpPr>
+            <a:spLocks noGrp="1" noRot="1" noChangeAspect="1" noMove="1" noResize="1" noEditPoints="1" noAdjustHandles="1" noChangeArrowheads="1" noChangeShapeType="1" noTextEdit="1"/>
+          </p:cNvSpPr>
+          <p:nvPr>
+            <p:extLst>
+              <p:ext uri="{386F3935-93C4-4BCD-93E2-E3B085C9AB24}">
+                <p16:designElem xmlns:p16="http://schemas.microsoft.com/office/powerpoint/2015/main" val="1"/>
+              </p:ext>
+            </p:extLst>
+          </p:nvPr>
+        </p:nvSpPr>
+        <p:spPr>
+          <a:xfrm>
+            <a:off x="7682003" y="2906589"/>
+            <a:ext cx="2112264" cy="2670048"/>
+          </a:xfrm>
+          <a:prstGeom prst="rect">
+            <a:avLst/>
+          </a:prstGeom>
+          <a:solidFill>
+            <a:srgbClr val="FFFFFF"/>
+          </a:solidFill>
+          <a:ln>
+            <a:noFill/>
+          </a:ln>
+        </p:spPr>
+        <p:style>
+          <a:lnRef idx="2">
+            <a:schemeClr val="accent1">
+              <a:shade val="50000"/>
+            </a:schemeClr>
+          </a:lnRef>
+          <a:fillRef idx="1">
+            <a:schemeClr val="accent1"/>
+          </a:fillRef>
+          <a:effectRef idx="0">
+            <a:schemeClr val="accent1"/>
+          </a:effectRef>
+          <a:fontRef idx="minor">
+            <a:schemeClr val="lt1"/>
+          </a:fontRef>
+        </p:style>
+        <p:txBody>
+          <a:bodyPr rtlCol="0" anchor="ctr"/>
+          <a:lstStyle/>
+          <a:p>
+            <a:pPr algn="ctr"/>
+            <a:endParaRPr lang="en-US"/>
           </a:p>
         </p:txBody>
       </p:sp>
       <p:pic>
         <p:nvPicPr>
-          <p:cNvPr id="5" name="内容占位符 4">
+          <p:cNvPr id="7" name="Graphic 6" descr="程序员">
             <a:extLst>
               <a:ext uri="{FF2B5EF4-FFF2-40B4-BE49-F238E27FC236}">
-                <a16:creationId xmlns:a16="http://schemas.microsoft.com/office/drawing/2014/main" id="{B9EA114D-413D-69A6-3B46-B0E1726F4E1B}"/>
+                <a16:creationId xmlns:a16="http://schemas.microsoft.com/office/drawing/2014/main" id="{26DB35BB-4449-5146-F709-C927F74D5CDE}"/>
+              </a:ext>
+            </a:extLst>
+          </p:cNvPr>
+          <p:cNvPicPr>
+            <a:picLocks noChangeAspect="1"/>
+          </p:cNvPicPr>
+          <p:nvPr/>
+        </p:nvPicPr>
+        <p:blipFill>
+          <a:blip r:embed="rId2">
+            <a:extLst>
+              <a:ext uri="{28A0092B-C50C-407E-A947-70E740481C1C}">
+                <a14:useLocalDpi xmlns:a14="http://schemas.microsoft.com/office/drawing/2010/main" val="0"/>
+              </a:ext>
+              <a:ext uri="{96DAC541-7B7A-43D3-8B79-37D633B846F1}">
+                <asvg:svgBlip xmlns:asvg="http://schemas.microsoft.com/office/drawing/2016/SVG/main" r:embed="rId3"/>
+              </a:ext>
+            </a:extLst>
+          </a:blip>
+          <a:stretch>
+            <a:fillRect/>
+          </a:stretch>
+        </p:blipFill>
+        <p:spPr>
+          <a:xfrm>
+            <a:off x="7846595" y="3350073"/>
+            <a:ext cx="1783080" cy="1783080"/>
+          </a:xfrm>
+          <a:prstGeom prst="rect">
+            <a:avLst/>
+          </a:prstGeom>
+        </p:spPr>
+      </p:pic>
+    </p:spTree>
+    <p:extLst>
+      <p:ext uri="{BB962C8B-B14F-4D97-AF65-F5344CB8AC3E}">
+        <p14:creationId xmlns:p14="http://schemas.microsoft.com/office/powerpoint/2010/main" val="1509530221"/>
+      </p:ext>
+    </p:extLst>
+  </p:cSld>
+  <p:clrMapOvr>
+    <a:masterClrMapping/>
+  </p:clrMapOvr>
+</p:sld>
+</file>
+
+<file path=ppt/slides/slide9.xml><?xml version="1.0" encoding="utf-8"?>
+<p:sld xmlns:a="http://schemas.openxmlformats.org/drawingml/2006/main" xmlns:r="http://schemas.openxmlformats.org/officeDocument/2006/relationships" xmlns:p="http://schemas.openxmlformats.org/presentationml/2006/main">
+  <p:cSld>
+    <p:bg>
+      <p:bgPr>
+        <a:solidFill>
+          <a:schemeClr val="bg1">
+            <a:lumMod val="95000"/>
+          </a:schemeClr>
+        </a:solidFill>
+        <a:effectLst/>
+      </p:bgPr>
+    </p:bg>
+    <p:spTree>
+      <p:nvGrpSpPr>
+        <p:cNvPr id="1" name=""/>
+        <p:cNvGrpSpPr/>
+        <p:nvPr/>
+      </p:nvGrpSpPr>
+      <p:grpSpPr>
+        <a:xfrm>
+          <a:off x="0" y="0"/>
+          <a:ext cx="0" cy="0"/>
+          <a:chOff x="0" y="0"/>
+          <a:chExt cx="0" cy="0"/>
+        </a:xfrm>
+      </p:grpSpPr>
+      <p:sp useBgFill="1">
+        <p:nvSpPr>
+          <p:cNvPr id="21" name="Rectangle 16">
+            <a:extLst>
+              <a:ext uri="{FF2B5EF4-FFF2-40B4-BE49-F238E27FC236}">
+                <a16:creationId xmlns:a16="http://schemas.microsoft.com/office/drawing/2014/main" id="{1660E788-AFA9-4A1B-9991-6AA74632A15B}"/>
+              </a:ext>
+              <a:ext uri="{C183D7F6-B498-43B3-948B-1728B52AA6E4}">
+                <adec:decorative xmlns:adec="http://schemas.microsoft.com/office/drawing/2017/decorative" val="1"/>
+              </a:ext>
+            </a:extLst>
+          </p:cNvPr>
+          <p:cNvSpPr>
+            <a:spLocks noGrp="1" noRot="1" noChangeAspect="1" noMove="1" noResize="1" noEditPoints="1" noAdjustHandles="1" noChangeArrowheads="1" noChangeShapeType="1" noTextEdit="1"/>
+          </p:cNvSpPr>
+          <p:nvPr>
+            <p:extLst>
+              <p:ext uri="{386F3935-93C4-4BCD-93E2-E3B085C9AB24}">
+                <p16:designElem xmlns:p16="http://schemas.microsoft.com/office/powerpoint/2015/main" val="1"/>
+              </p:ext>
+            </p:extLst>
+          </p:nvPr>
+        </p:nvSpPr>
+        <p:spPr>
+          <a:xfrm>
+            <a:off x="0" y="0"/>
+            <a:ext cx="12191999" cy="6858000"/>
+          </a:xfrm>
+          <a:prstGeom prst="rect">
+            <a:avLst/>
+          </a:prstGeom>
+          <a:ln>
+            <a:noFill/>
+          </a:ln>
+        </p:spPr>
+        <p:style>
+          <a:lnRef idx="2">
+            <a:schemeClr val="accent1">
+              <a:shade val="50000"/>
+            </a:schemeClr>
+          </a:lnRef>
+          <a:fillRef idx="1">
+            <a:schemeClr val="accent1"/>
+          </a:fillRef>
+          <a:effectRef idx="0">
+            <a:schemeClr val="accent1"/>
+          </a:effectRef>
+          <a:fontRef idx="minor">
+            <a:schemeClr val="lt1"/>
+          </a:fontRef>
+        </p:style>
+        <p:txBody>
+          <a:bodyPr rtlCol="0" anchor="ctr"/>
+          <a:lstStyle/>
+          <a:p>
+            <a:pPr algn="ctr"/>
+            <a:endParaRPr lang="en-US"/>
+          </a:p>
+        </p:txBody>
+      </p:sp>
+      <p:sp>
+        <p:nvSpPr>
+          <p:cNvPr id="22" name="Rectangle 18">
+            <a:extLst>
+              <a:ext uri="{FF2B5EF4-FFF2-40B4-BE49-F238E27FC236}">
+                <a16:creationId xmlns:a16="http://schemas.microsoft.com/office/drawing/2014/main" id="{867D4867-5BA7-4462-B2F6-A23F4A622AA7}"/>
+              </a:ext>
+              <a:ext uri="{C183D7F6-B498-43B3-948B-1728B52AA6E4}">
+                <adec:decorative xmlns:adec="http://schemas.microsoft.com/office/drawing/2017/decorative" val="1"/>
+              </a:ext>
+            </a:extLst>
+          </p:cNvPr>
+          <p:cNvSpPr>
+            <a:spLocks noGrp="1" noRot="1" noChangeAspect="1" noMove="1" noResize="1" noEditPoints="1" noAdjustHandles="1" noChangeArrowheads="1" noChangeShapeType="1" noTextEdit="1"/>
+          </p:cNvSpPr>
+          <p:nvPr>
+            <p:extLst>
+              <p:ext uri="{386F3935-93C4-4BCD-93E2-E3B085C9AB24}">
+                <p16:designElem xmlns:p16="http://schemas.microsoft.com/office/powerpoint/2015/main" val="1"/>
+              </p:ext>
+            </p:extLst>
+          </p:nvPr>
+        </p:nvSpPr>
+        <p:spPr>
+          <a:xfrm>
+            <a:off x="0" y="0"/>
+            <a:ext cx="4654296" cy="6858000"/>
+          </a:xfrm>
+          <a:prstGeom prst="rect">
+            <a:avLst/>
+          </a:prstGeom>
+          <a:solidFill>
+            <a:schemeClr val="tx2"/>
+          </a:solidFill>
+          <a:ln>
+            <a:noFill/>
+          </a:ln>
+        </p:spPr>
+        <p:style>
+          <a:lnRef idx="0">
+            <a:scrgbClr r="0" g="0" b="0"/>
+          </a:lnRef>
+          <a:fillRef idx="0">
+            <a:scrgbClr r="0" g="0" b="0"/>
+          </a:fillRef>
+          <a:effectRef idx="0">
+            <a:scrgbClr r="0" g="0" b="0"/>
+          </a:effectRef>
+          <a:fontRef idx="minor">
+            <a:schemeClr val="lt1"/>
+          </a:fontRef>
+        </p:style>
+        <p:txBody>
+          <a:bodyPr rtlCol="0" anchor="ctr"/>
+          <a:lstStyle/>
+          <a:p>
+            <a:pPr algn="ctr"/>
+            <a:endParaRPr lang="en-US"/>
+          </a:p>
+        </p:txBody>
+      </p:sp>
+      <p:sp>
+        <p:nvSpPr>
+          <p:cNvPr id="8" name="文本框 7">
+            <a:extLst>
+              <a:ext uri="{FF2B5EF4-FFF2-40B4-BE49-F238E27FC236}">
+                <a16:creationId xmlns:a16="http://schemas.microsoft.com/office/drawing/2014/main" id="{AA2D3ED3-6A9B-4FEB-B707-D7BFA8593A60}"/>
+              </a:ext>
+            </a:extLst>
+          </p:cNvPr>
+          <p:cNvSpPr txBox="1"/>
+          <p:nvPr/>
+        </p:nvSpPr>
+        <p:spPr>
+          <a:xfrm>
+            <a:off x="643468" y="2638044"/>
+            <a:ext cx="3217332" cy="899483"/>
+          </a:xfrm>
+          <a:prstGeom prst="rect">
+            <a:avLst/>
+          </a:prstGeom>
+        </p:spPr>
+        <p:txBody>
+          <a:bodyPr vert="horz" lIns="91440" tIns="45720" rIns="91440" bIns="45720" rtlCol="0">
+            <a:normAutofit/>
+          </a:bodyPr>
+          <a:lstStyle/>
+          <a:p>
+            <a:pPr defTabSz="914400">
+              <a:spcBef>
+                <a:spcPts val="1000"/>
+              </a:spcBef>
+              <a:buClr>
+                <a:schemeClr val="accent2"/>
+              </a:buClr>
+            </a:pPr>
+            <a:r>
+              <a:rPr kumimoji="1" lang="en-US" altLang="zh-CN">
+                <a:solidFill>
+                  <a:schemeClr val="bg1"/>
+                </a:solidFill>
+                <a:latin typeface="Source Sans Pro" panose="020B0503030403020204" pitchFamily="34" charset="0"/>
+                <a:ea typeface="Source Sans Pro" panose="020B0503030403020204" pitchFamily="34" charset="0"/>
+              </a:rPr>
+              <a:t>Pseudo Label Method for Medical Image Segmentation</a:t>
+            </a:r>
+          </a:p>
+        </p:txBody>
+      </p:sp>
+      <p:pic>
+        <p:nvPicPr>
+          <p:cNvPr id="5" name="内容占位符 4" descr="图示&#10;&#10;描述已自动生成">
+            <a:extLst>
+              <a:ext uri="{FF2B5EF4-FFF2-40B4-BE49-F238E27FC236}">
+                <a16:creationId xmlns:a16="http://schemas.microsoft.com/office/drawing/2014/main" id="{030262EE-9E2F-02E5-2D01-FD5B1775E822}"/>
               </a:ext>
             </a:extLst>
           </p:cNvPr>
@@ -4388,167 +12294,18 @@
         </p:blipFill>
         <p:spPr>
           <a:xfrm>
-            <a:off x="1129553" y="3154209"/>
-            <a:ext cx="10705634" cy="872055"/>
-          </a:xfrm>
-        </p:spPr>
-      </p:pic>
-    </p:spTree>
-    <p:extLst>
-      <p:ext uri="{BB962C8B-B14F-4D97-AF65-F5344CB8AC3E}">
-        <p14:creationId xmlns:p14="http://schemas.microsoft.com/office/powerpoint/2010/main" val="4221752390"/>
-      </p:ext>
-    </p:extLst>
-  </p:cSld>
-  <p:clrMapOvr>
-    <a:masterClrMapping/>
-  </p:clrMapOvr>
-</p:sld>
-</file>
-
-<file path=ppt/slides/slide8.xml><?xml version="1.0" encoding="utf-8"?>
-<p:sld xmlns:a="http://schemas.openxmlformats.org/drawingml/2006/main" xmlns:r="http://schemas.openxmlformats.org/officeDocument/2006/relationships" xmlns:p="http://schemas.openxmlformats.org/presentationml/2006/main">
-  <p:cSld>
-    <p:spTree>
-      <p:nvGrpSpPr>
-        <p:cNvPr id="1" name=""/>
-        <p:cNvGrpSpPr/>
-        <p:nvPr/>
-      </p:nvGrpSpPr>
-      <p:grpSpPr>
-        <a:xfrm>
-          <a:off x="0" y="0"/>
-          <a:ext cx="0" cy="0"/>
-          <a:chOff x="0" y="0"/>
-          <a:chExt cx="0" cy="0"/>
-        </a:xfrm>
-      </p:grpSpPr>
-      <p:pic>
-        <p:nvPicPr>
-          <p:cNvPr id="5" name="内容占位符 4" descr="图示&#10;&#10;中度可信度描述已自动生成">
-            <a:extLst>
-              <a:ext uri="{FF2B5EF4-FFF2-40B4-BE49-F238E27FC236}">
-                <a16:creationId xmlns:a16="http://schemas.microsoft.com/office/drawing/2014/main" id="{EE1455C7-ADCC-DB6A-D05A-CE32CE11ED59}"/>
-              </a:ext>
-            </a:extLst>
-          </p:cNvPr>
-          <p:cNvPicPr>
-            <a:picLocks noGrp="1" noChangeAspect="1"/>
-          </p:cNvPicPr>
-          <p:nvPr>
-            <p:ph idx="1"/>
-          </p:nvPr>
-        </p:nvPicPr>
-        <p:blipFill>
-          <a:blip r:embed="rId2"/>
-          <a:stretch>
-            <a:fillRect/>
-          </a:stretch>
-        </p:blipFill>
-        <p:spPr>
-          <a:xfrm>
-            <a:off x="0" y="0"/>
-            <a:ext cx="8235549" cy="5205709"/>
-          </a:xfrm>
-        </p:spPr>
-      </p:pic>
-      <p:pic>
-        <p:nvPicPr>
-          <p:cNvPr id="7" name="图片 6" descr="文本&#10;&#10;描述已自动生成">
-            <a:extLst>
-              <a:ext uri="{FF2B5EF4-FFF2-40B4-BE49-F238E27FC236}">
-                <a16:creationId xmlns:a16="http://schemas.microsoft.com/office/drawing/2014/main" id="{79EC40A8-5DA4-F4B3-B344-2A8219387625}"/>
-              </a:ext>
-            </a:extLst>
-          </p:cNvPr>
-          <p:cNvPicPr>
-            <a:picLocks noChangeAspect="1"/>
-          </p:cNvPicPr>
-          <p:nvPr/>
-        </p:nvPicPr>
-        <p:blipFill>
-          <a:blip r:embed="rId3"/>
-          <a:stretch>
-            <a:fillRect/>
-          </a:stretch>
-        </p:blipFill>
-        <p:spPr>
-          <a:xfrm>
-            <a:off x="1093694" y="5438792"/>
-            <a:ext cx="6328573" cy="1419208"/>
+            <a:off x="5297763" y="1535843"/>
+            <a:ext cx="6250769" cy="3625446"/>
           </a:xfrm>
           <a:prstGeom prst="rect">
             <a:avLst/>
           </a:prstGeom>
         </p:spPr>
       </p:pic>
-      <p:sp>
-        <p:nvSpPr>
-          <p:cNvPr id="8" name="文本框 7">
-            <a:extLst>
-              <a:ext uri="{FF2B5EF4-FFF2-40B4-BE49-F238E27FC236}">
-                <a16:creationId xmlns:a16="http://schemas.microsoft.com/office/drawing/2014/main" id="{17D27938-9D65-9E83-A69D-1F2C611060EA}"/>
-              </a:ext>
-            </a:extLst>
-          </p:cNvPr>
-          <p:cNvSpPr txBox="1"/>
-          <p:nvPr/>
-        </p:nvSpPr>
-        <p:spPr>
-          <a:xfrm>
-            <a:off x="8310283" y="98612"/>
-            <a:ext cx="3729318" cy="5632311"/>
-          </a:xfrm>
-          <a:prstGeom prst="rect">
-            <a:avLst/>
-          </a:prstGeom>
-          <a:noFill/>
-        </p:spPr>
-        <p:txBody>
-          <a:bodyPr wrap="square" rtlCol="0">
-            <a:spAutoFit/>
-          </a:bodyPr>
-          <a:lstStyle/>
-          <a:p>
-            <a:r>
-              <a:rPr kumimoji="1" lang="zh-CN" altLang="en-US"/>
-              <a:t>本文鼓励网络为分割目标学习稳健且具有良好代表性和分离性的原型表示，同时实现标记数据和未标记数据之间的上下文信息整合。具体来说，由于属于同一分割目标的体素嵌入应该是相似的。这些原型具有丰富的标注数据（或未标注数据）上下文信息，可以通过非参数度量学习来测量相似度，从而分割未标注数据（或标注数据）。</a:t>
-            </a:r>
-            <a:endParaRPr kumimoji="1" lang="en-US" altLang="zh-CN"/>
-          </a:p>
-          <a:p>
-            <a:endParaRPr kumimoji="1" lang="en-US" altLang="zh-CN"/>
-          </a:p>
-          <a:p>
-            <a:r>
-              <a:rPr kumimoji="1" lang="fr-CA" altLang="zh-CN"/>
-              <a:t>L2U </a:t>
-            </a:r>
-            <a:r>
-              <a:rPr kumimoji="1" lang="zh-CN" altLang="en-US"/>
-              <a:t>前向过程（即使用标注原型分割未标注数据）的目的是利用生成的原型将真实的标注监督信号从标注数据转移到未标注数据。</a:t>
-            </a:r>
-            <a:endParaRPr kumimoji="1" lang="en-US" altLang="zh-CN"/>
-          </a:p>
-          <a:p>
-            <a:endParaRPr kumimoji="1" lang="en-US" altLang="zh-CN"/>
-          </a:p>
-          <a:p>
-            <a:r>
-              <a:rPr kumimoji="1" lang="fr-CA" altLang="zh-CN"/>
-              <a:t>U2L </a:t>
-            </a:r>
-            <a:r>
-              <a:rPr kumimoji="1" lang="zh-CN" altLang="en-US"/>
-              <a:t>向后一致性（即使用未标记原型分割标记数据）：另一个向后过程有望从未标明数据中发现同一目标区域最具代表性的原型。</a:t>
-            </a:r>
-          </a:p>
-        </p:txBody>
-      </p:sp>
     </p:spTree>
     <p:extLst>
       <p:ext uri="{BB962C8B-B14F-4D97-AF65-F5344CB8AC3E}">
-        <p14:creationId xmlns:p14="http://schemas.microsoft.com/office/powerpoint/2010/main" val="819318197"/>
+        <p14:creationId xmlns:p14="http://schemas.microsoft.com/office/powerpoint/2010/main" val="1684396630"/>
       </p:ext>
     </p:extLst>
   </p:cSld>
